--- a/001_01_Install_MS_P01_Master.pptx
+++ b/001_01_Install_MS_P01_Master.pptx
@@ -5,7 +5,7 @@
     <p:sldMasterId id="2147483648" r:id="rId1"/>
   </p:sldMasterIdLst>
   <p:notesMasterIdLst>
-    <p:notesMasterId r:id="rId35"/>
+    <p:notesMasterId r:id="rId30"/>
   </p:notesMasterIdLst>
   <p:sldIdLst>
     <p:sldId id="256" r:id="rId2"/>
@@ -20,27 +20,22 @@
     <p:sldId id="292" r:id="rId11"/>
     <p:sldId id="271" r:id="rId12"/>
     <p:sldId id="272" r:id="rId13"/>
-    <p:sldId id="297" r:id="rId14"/>
-    <p:sldId id="298" r:id="rId15"/>
-    <p:sldId id="299" r:id="rId16"/>
-    <p:sldId id="300" r:id="rId17"/>
-    <p:sldId id="274" r:id="rId18"/>
-    <p:sldId id="275" r:id="rId19"/>
-    <p:sldId id="276" r:id="rId20"/>
-    <p:sldId id="302" r:id="rId21"/>
-    <p:sldId id="277" r:id="rId22"/>
-    <p:sldId id="278" r:id="rId23"/>
-    <p:sldId id="294" r:id="rId24"/>
-    <p:sldId id="293" r:id="rId25"/>
-    <p:sldId id="279" r:id="rId26"/>
-    <p:sldId id="280" r:id="rId27"/>
-    <p:sldId id="296" r:id="rId28"/>
-    <p:sldId id="295" r:id="rId29"/>
-    <p:sldId id="281" r:id="rId30"/>
-    <p:sldId id="282" r:id="rId31"/>
-    <p:sldId id="283" r:id="rId32"/>
-    <p:sldId id="284" r:id="rId33"/>
-    <p:sldId id="259" r:id="rId34"/>
+    <p:sldId id="274" r:id="rId14"/>
+    <p:sldId id="275" r:id="rId15"/>
+    <p:sldId id="276" r:id="rId16"/>
+    <p:sldId id="277" r:id="rId17"/>
+    <p:sldId id="278" r:id="rId18"/>
+    <p:sldId id="294" r:id="rId19"/>
+    <p:sldId id="293" r:id="rId20"/>
+    <p:sldId id="279" r:id="rId21"/>
+    <p:sldId id="280" r:id="rId22"/>
+    <p:sldId id="296" r:id="rId23"/>
+    <p:sldId id="295" r:id="rId24"/>
+    <p:sldId id="281" r:id="rId25"/>
+    <p:sldId id="282" r:id="rId26"/>
+    <p:sldId id="283" r:id="rId27"/>
+    <p:sldId id="284" r:id="rId28"/>
+    <p:sldId id="259" r:id="rId29"/>
   </p:sldIdLst>
   <p:sldSz cx="9144000" cy="6858000" type="screen4x3"/>
   <p:notesSz cx="6858000" cy="9144000"/>
@@ -241,7 +236,7 @@
             <a:fld id="{6837EDA8-41C8-4B24-A206-13C08A65A6D7}" type="datetimeFigureOut">
               <a:rPr lang="zh-TW" altLang="en-US" smtClean="0"/>
               <a:pPr/>
-              <a:t>2022/11/17</a:t>
+              <a:t>2022/11/19</a:t>
             </a:fld>
             <a:endParaRPr lang="zh-TW" altLang="en-US"/>
           </a:p>
@@ -694,7 +689,7 @@
             <a:fld id="{8B85509C-BD4F-47BF-9B1E-FC2E949B3621}" type="datetime1">
               <a:rPr lang="zh-TW" altLang="en-US" smtClean="0"/>
               <a:pPr/>
-              <a:t>2022/11/17</a:t>
+              <a:t>2022/11/19</a:t>
             </a:fld>
             <a:endParaRPr lang="zh-TW" altLang="en-US"/>
           </a:p>
@@ -867,7 +862,7 @@
             <a:fld id="{42251B24-F787-4C15-8A0F-7AEC20C70069}" type="datetime1">
               <a:rPr lang="zh-TW" altLang="en-US" smtClean="0"/>
               <a:pPr/>
-              <a:t>2022/11/17</a:t>
+              <a:t>2022/11/19</a:t>
             </a:fld>
             <a:endParaRPr lang="zh-TW" altLang="en-US"/>
           </a:p>
@@ -1042,7 +1037,7 @@
             <a:fld id="{9CA0D33C-CE2B-45F1-B8D4-FFD1F131F331}" type="datetime1">
               <a:rPr lang="zh-TW" altLang="en-US" smtClean="0"/>
               <a:pPr/>
-              <a:t>2022/11/17</a:t>
+              <a:t>2022/11/19</a:t>
             </a:fld>
             <a:endParaRPr lang="zh-TW" altLang="en-US"/>
           </a:p>
@@ -1207,7 +1202,7 @@
             <a:fld id="{50B99440-D9EF-40CC-9B52-F6428D9B2C76}" type="datetime1">
               <a:rPr lang="zh-TW" altLang="en-US" smtClean="0"/>
               <a:pPr/>
-              <a:t>2022/11/17</a:t>
+              <a:t>2022/11/19</a:t>
             </a:fld>
             <a:endParaRPr lang="zh-TW" altLang="en-US"/>
           </a:p>
@@ -1449,7 +1444,7 @@
             <a:fld id="{0871BF52-5C6C-4959-8E27-CECB68D39FE4}" type="datetime1">
               <a:rPr lang="zh-TW" altLang="en-US" smtClean="0"/>
               <a:pPr/>
-              <a:t>2022/11/17</a:t>
+              <a:t>2022/11/19</a:t>
             </a:fld>
             <a:endParaRPr lang="zh-TW" altLang="en-US"/>
           </a:p>
@@ -1731,7 +1726,7 @@
             <a:fld id="{DF863F05-2DD9-4EB1-A827-12FD992DE9DC}" type="datetime1">
               <a:rPr lang="zh-TW" altLang="en-US" smtClean="0"/>
               <a:pPr/>
-              <a:t>2022/11/17</a:t>
+              <a:t>2022/11/19</a:t>
             </a:fld>
             <a:endParaRPr lang="zh-TW" altLang="en-US"/>
           </a:p>
@@ -2147,7 +2142,7 @@
             <a:fld id="{6339AF51-4491-4873-A096-75DB6CE47516}" type="datetime1">
               <a:rPr lang="zh-TW" altLang="en-US" smtClean="0"/>
               <a:pPr/>
-              <a:t>2022/11/17</a:t>
+              <a:t>2022/11/19</a:t>
             </a:fld>
             <a:endParaRPr lang="zh-TW" altLang="en-US"/>
           </a:p>
@@ -2261,7 +2256,7 @@
             <a:fld id="{EE4AD9C8-8B9E-40FF-ABE2-858AC2057BBB}" type="datetime1">
               <a:rPr lang="zh-TW" altLang="en-US" smtClean="0"/>
               <a:pPr/>
-              <a:t>2022/11/17</a:t>
+              <a:t>2022/11/19</a:t>
             </a:fld>
             <a:endParaRPr lang="zh-TW" altLang="en-US"/>
           </a:p>
@@ -2353,7 +2348,7 @@
             <a:fld id="{B4784999-BBBE-4BE4-A8D0-877E7D1D66CC}" type="datetime1">
               <a:rPr lang="zh-TW" altLang="en-US" smtClean="0"/>
               <a:pPr/>
-              <a:t>2022/11/17</a:t>
+              <a:t>2022/11/19</a:t>
             </a:fld>
             <a:endParaRPr lang="zh-TW" altLang="en-US"/>
           </a:p>
@@ -2625,7 +2620,7 @@
             <a:fld id="{E88D17E6-02BD-4944-B9FE-7BFCCBF83D48}" type="datetime1">
               <a:rPr lang="zh-TW" altLang="en-US" smtClean="0"/>
               <a:pPr/>
-              <a:t>2022/11/17</a:t>
+              <a:t>2022/11/19</a:t>
             </a:fld>
             <a:endParaRPr lang="zh-TW" altLang="en-US"/>
           </a:p>
@@ -2874,7 +2869,7 @@
             <a:fld id="{3C13E23D-1FEF-4D78-A3A3-3D6F2BB31954}" type="datetime1">
               <a:rPr lang="zh-TW" altLang="en-US" smtClean="0"/>
               <a:pPr/>
-              <a:t>2022/11/17</a:t>
+              <a:t>2022/11/19</a:t>
             </a:fld>
             <a:endParaRPr lang="zh-TW" altLang="en-US"/>
           </a:p>
@@ -3082,7 +3077,7 @@
             <a:fld id="{06197F35-AD6F-4594-8B50-334492D2E7E8}" type="datetime1">
               <a:rPr lang="zh-TW" altLang="en-US" smtClean="0"/>
               <a:pPr/>
-              <a:t>2022/11/17</a:t>
+              <a:t>2022/11/19</a:t>
             </a:fld>
             <a:endParaRPr lang="zh-TW" altLang="en-US"/>
           </a:p>
@@ -3543,7 +3538,7 @@
             <a:fld id="{C389EDC9-19E3-47AC-9C57-C6A24DEA81AD}" type="datetime1">
               <a:rPr lang="zh-TW" altLang="en-US" smtClean="0"/>
               <a:pPr/>
-              <a:t>2022/11/17</a:t>
+              <a:t>2022/11/19</a:t>
             </a:fld>
             <a:endParaRPr lang="zh-TW" altLang="en-US"/>
           </a:p>
@@ -3833,7 +3828,7 @@
             <a:fld id="{A4F910E6-8D00-4BAF-8C48-9688E0B449D3}" type="datetime1">
               <a:rPr lang="zh-TW" altLang="en-US" smtClean="0"/>
               <a:pPr/>
-              <a:t>2022/11/17</a:t>
+              <a:t>2022/11/19</a:t>
             </a:fld>
             <a:endParaRPr lang="zh-TW" altLang="en-US"/>
           </a:p>
@@ -4636,7 +4631,7 @@
             <a:fld id="{A4F910E6-8D00-4BAF-8C48-9688E0B449D3}" type="datetime1">
               <a:rPr lang="zh-TW" altLang="en-US" smtClean="0"/>
               <a:pPr/>
-              <a:t>2022/11/17</a:t>
+              <a:t>2022/11/19</a:t>
             </a:fld>
             <a:endParaRPr lang="zh-TW" altLang="en-US"/>
           </a:p>
@@ -5249,7 +5244,7 @@
             <a:fld id="{A4F910E6-8D00-4BAF-8C48-9688E0B449D3}" type="datetime1">
               <a:rPr lang="zh-TW" altLang="en-US" smtClean="0"/>
               <a:pPr/>
-              <a:t>2022/11/17</a:t>
+              <a:t>2022/11/19</a:t>
             </a:fld>
             <a:endParaRPr lang="zh-TW" altLang="en-US"/>
           </a:p>
@@ -5707,8 +5702,8 @@
         </p:nvSpPr>
         <p:spPr>
           <a:xfrm>
-            <a:off x="299418" y="1353622"/>
-            <a:ext cx="4529805" cy="5002727"/>
+            <a:off x="297396" y="1262771"/>
+            <a:ext cx="5426732" cy="1228725"/>
           </a:xfrm>
           <a:ln>
             <a:solidFill>
@@ -5737,22 +5732,8 @@
                 </a:solidFill>
                 <a:effectLst/>
               </a:rPr>
-              <a:t>Check </a:t>
-            </a:r>
-            <a:r>
-              <a:rPr lang="en-US" sz="1800" b="1" dirty="0">
-                <a:solidFill>
-                  <a:srgbClr val="C00000"/>
-                </a:solidFill>
-              </a:rPr>
-              <a:t>kmaster IP-Address: ifconfig</a:t>
-            </a:r>
-            <a:endParaRPr lang="en-US" sz="1800" b="1" i="0" dirty="0">
-              <a:solidFill>
-                <a:srgbClr val="C00000"/>
-              </a:solidFill>
-              <a:effectLst/>
-            </a:endParaRPr>
+              <a:t>/etc/network/interface</a:t>
+            </a:r>
           </a:p>
           <a:p>
             <a:pPr marL="342900" indent="-342900" algn="l">
@@ -5768,9 +5749,15 @@
                 <a:solidFill>
                   <a:srgbClr val="000000"/>
                 </a:solidFill>
+                <a:hlinkClick r:id="rId2"/>
               </a:rPr>
-              <a:t>ifconfig: Interface configuration for Linux. The ifconfig is used to find IP Address of My computer (kmaster).</a:t>
-            </a:r>
+              <a:t>https://netplan.io/examples</a:t>
+            </a:r>
+            <a:endParaRPr lang="en-US" sz="1800" dirty="0">
+              <a:solidFill>
+                <a:srgbClr val="000000"/>
+              </a:solidFill>
+            </a:endParaRPr>
           </a:p>
           <a:p>
             <a:pPr marL="342900" indent="-342900" algn="l">
@@ -5787,59 +5774,7 @@
                   <a:srgbClr val="000000"/>
                 </a:solidFill>
               </a:rPr>
-              <a:t>1. br-5828e5c01a: Bridge Networking Interface Bridge is used in Layer 2 (data frame). ethernet address is 02:42:9d:e6:7f:d0. IP address is 192.168.49.1 is assigned.</a:t>
-            </a:r>
-          </a:p>
-          <a:p>
-            <a:pPr marL="342900" indent="-342900" algn="l">
-              <a:buClr>
-                <a:srgbClr val="0070C0"/>
-              </a:buClr>
-              <a:buSzPct val="80000"/>
-              <a:buFont typeface="Wingdings" pitchFamily="2" charset="2"/>
-              <a:buChar char="u"/>
-            </a:pPr>
-            <a:r>
-              <a:rPr lang="en-US" sz="1800" dirty="0">
-                <a:solidFill>
-                  <a:srgbClr val="000000"/>
-                </a:solidFill>
-              </a:rPr>
-              <a:t>2. enp4s0: Wired Ethernet Network PCI device. MAC address is 3c:52:82:36:e3:4d. No IP Address is assigned (since no Ethernet cable is connected).</a:t>
-            </a:r>
-          </a:p>
-          <a:p>
-            <a:pPr marL="342900" indent="-342900" algn="l">
-              <a:buClr>
-                <a:srgbClr val="0070C0"/>
-              </a:buClr>
-              <a:buSzPct val="80000"/>
-              <a:buFont typeface="Wingdings" pitchFamily="2" charset="2"/>
-              <a:buChar char="u"/>
-            </a:pPr>
-            <a:r>
-              <a:rPr lang="en-US" sz="1800" dirty="0">
-                <a:solidFill>
-                  <a:srgbClr val="000000"/>
-                </a:solidFill>
-              </a:rPr>
-              <a:t>wlps20: Wireless network PCI device for layer 3 (Network Layer). Ethernet address is 3c:95:09:7f:5f:05. </a:t>
-            </a:r>
-            <a:r>
-              <a:rPr lang="en-US" sz="1800" b="1" dirty="0">
-                <a:solidFill>
-                  <a:srgbClr val="C00000"/>
-                </a:solidFill>
-              </a:rPr>
-              <a:t>kmaster IP Address IP address is : 192.168.1.3</a:t>
-            </a:r>
-            <a:r>
-              <a:rPr lang="en-US" sz="1800" dirty="0">
-                <a:solidFill>
-                  <a:srgbClr val="000000"/>
-                </a:solidFill>
-              </a:rPr>
-              <a:t>.</a:t>
+              <a:t>After Ubuntu 17.20 /etc/network/interface is changed to /etc/netplan</a:t>
             </a:r>
           </a:p>
         </p:txBody>
@@ -5937,7 +5872,7 @@
             <a:fld id="{A4F910E6-8D00-4BAF-8C48-9688E0B449D3}" type="datetime1">
               <a:rPr lang="zh-TW" altLang="en-US" smtClean="0"/>
               <a:pPr/>
-              <a:t>2022/11/17</a:t>
+              <a:t>2022/11/19</a:t>
             </a:fld>
             <a:endParaRPr lang="zh-TW" altLang="en-US"/>
           </a:p>
@@ -5962,2142 +5897,6 @@
               <a:rPr lang="zh-TW" altLang="en-US" smtClean="0"/>
               <a:pPr/>
               <a:t>13</a:t>
-            </a:fld>
-            <a:endParaRPr lang="zh-TW" altLang="en-US"/>
-          </a:p>
-        </p:txBody>
-      </p:sp>
-      <p:pic>
-        <p:nvPicPr>
-          <p:cNvPr id="10" name="Picture 9">
-            <a:extLst>
-              <a:ext uri="{FF2B5EF4-FFF2-40B4-BE49-F238E27FC236}">
-                <a16:creationId xmlns:a16="http://schemas.microsoft.com/office/drawing/2014/main" id="{5DB4B475-D643-2C33-7240-3F43B3A8767D}"/>
-              </a:ext>
-            </a:extLst>
-          </p:cNvPr>
-          <p:cNvPicPr>
-            <a:picLocks noChangeAspect="1"/>
-          </p:cNvPicPr>
-          <p:nvPr/>
-        </p:nvPicPr>
-        <p:blipFill>
-          <a:blip r:embed="rId2"/>
-          <a:stretch>
-            <a:fillRect/>
-          </a:stretch>
-        </p:blipFill>
-        <p:spPr>
-          <a:xfrm>
-            <a:off x="4935015" y="957888"/>
-            <a:ext cx="4115296" cy="5398462"/>
-          </a:xfrm>
-          <a:prstGeom prst="rect">
-            <a:avLst/>
-          </a:prstGeom>
-          <a:ln>
-            <a:solidFill>
-              <a:srgbClr val="C00000"/>
-            </a:solidFill>
-          </a:ln>
-        </p:spPr>
-      </p:pic>
-      <p:sp>
-        <p:nvSpPr>
-          <p:cNvPr id="26" name="Rectangle 25">
-            <a:extLst>
-              <a:ext uri="{FF2B5EF4-FFF2-40B4-BE49-F238E27FC236}">
-                <a16:creationId xmlns:a16="http://schemas.microsoft.com/office/drawing/2014/main" id="{8F4427C4-85E9-49FB-6BF4-642695EBD16E}"/>
-              </a:ext>
-            </a:extLst>
-          </p:cNvPr>
-          <p:cNvSpPr/>
-          <p:nvPr/>
-        </p:nvSpPr>
-        <p:spPr>
-          <a:xfrm>
-            <a:off x="4935014" y="956556"/>
-            <a:ext cx="2013250" cy="397067"/>
-          </a:xfrm>
-          <a:prstGeom prst="rect">
-            <a:avLst/>
-          </a:prstGeom>
-          <a:noFill/>
-          <a:ln>
-            <a:solidFill>
-              <a:srgbClr val="C00000"/>
-            </a:solidFill>
-          </a:ln>
-        </p:spPr>
-        <p:style>
-          <a:lnRef idx="2">
-            <a:schemeClr val="accent1">
-              <a:shade val="50000"/>
-            </a:schemeClr>
-          </a:lnRef>
-          <a:fillRef idx="1">
-            <a:schemeClr val="accent1"/>
-          </a:fillRef>
-          <a:effectRef idx="0">
-            <a:schemeClr val="accent1"/>
-          </a:effectRef>
-          <a:fontRef idx="minor">
-            <a:schemeClr val="lt1"/>
-          </a:fontRef>
-        </p:style>
-        <p:txBody>
-          <a:bodyPr rtlCol="0" anchor="ctr"/>
-          <a:lstStyle/>
-          <a:p>
-            <a:pPr algn="ctr"/>
-            <a:endParaRPr lang="en-US"/>
-          </a:p>
-        </p:txBody>
-      </p:sp>
-      <p:sp>
-        <p:nvSpPr>
-          <p:cNvPr id="33" name="Rectangle 32">
-            <a:extLst>
-              <a:ext uri="{FF2B5EF4-FFF2-40B4-BE49-F238E27FC236}">
-                <a16:creationId xmlns:a16="http://schemas.microsoft.com/office/drawing/2014/main" id="{508B24CB-A20B-3DE2-9F4A-2E2E164DC8C6}"/>
-              </a:ext>
-            </a:extLst>
-          </p:cNvPr>
-          <p:cNvSpPr/>
-          <p:nvPr/>
-        </p:nvSpPr>
-        <p:spPr>
-          <a:xfrm>
-            <a:off x="4935014" y="3622311"/>
-            <a:ext cx="1725217" cy="360040"/>
-          </a:xfrm>
-          <a:prstGeom prst="rect">
-            <a:avLst/>
-          </a:prstGeom>
-          <a:noFill/>
-          <a:ln>
-            <a:solidFill>
-              <a:srgbClr val="C00000"/>
-            </a:solidFill>
-          </a:ln>
-        </p:spPr>
-        <p:style>
-          <a:lnRef idx="2">
-            <a:schemeClr val="accent1">
-              <a:shade val="50000"/>
-            </a:schemeClr>
-          </a:lnRef>
-          <a:fillRef idx="1">
-            <a:schemeClr val="accent1"/>
-          </a:fillRef>
-          <a:effectRef idx="0">
-            <a:schemeClr val="accent1"/>
-          </a:effectRef>
-          <a:fontRef idx="minor">
-            <a:schemeClr val="lt1"/>
-          </a:fontRef>
-        </p:style>
-        <p:txBody>
-          <a:bodyPr rtlCol="0" anchor="ctr"/>
-          <a:lstStyle/>
-          <a:p>
-            <a:pPr algn="ctr"/>
-            <a:endParaRPr lang="en-US"/>
-          </a:p>
-        </p:txBody>
-      </p:sp>
-      <p:sp>
-        <p:nvSpPr>
-          <p:cNvPr id="27" name="Rectangle 26">
-            <a:extLst>
-              <a:ext uri="{FF2B5EF4-FFF2-40B4-BE49-F238E27FC236}">
-                <a16:creationId xmlns:a16="http://schemas.microsoft.com/office/drawing/2014/main" id="{1AE0F7B5-2891-1B9D-F25F-C40CF79E2F7D}"/>
-              </a:ext>
-            </a:extLst>
-          </p:cNvPr>
-          <p:cNvSpPr/>
-          <p:nvPr/>
-        </p:nvSpPr>
-        <p:spPr>
-          <a:xfrm>
-            <a:off x="4922912" y="5352612"/>
-            <a:ext cx="1809328" cy="547500"/>
-          </a:xfrm>
-          <a:prstGeom prst="rect">
-            <a:avLst/>
-          </a:prstGeom>
-          <a:noFill/>
-          <a:ln>
-            <a:solidFill>
-              <a:srgbClr val="C00000"/>
-            </a:solidFill>
-          </a:ln>
-        </p:spPr>
-        <p:style>
-          <a:lnRef idx="2">
-            <a:schemeClr val="accent1">
-              <a:shade val="50000"/>
-            </a:schemeClr>
-          </a:lnRef>
-          <a:fillRef idx="1">
-            <a:schemeClr val="accent1"/>
-          </a:fillRef>
-          <a:effectRef idx="0">
-            <a:schemeClr val="accent1"/>
-          </a:effectRef>
-          <a:fontRef idx="minor">
-            <a:schemeClr val="lt1"/>
-          </a:fontRef>
-        </p:style>
-        <p:txBody>
-          <a:bodyPr rtlCol="0" anchor="ctr"/>
-          <a:lstStyle/>
-          <a:p>
-            <a:pPr algn="ctr"/>
-            <a:endParaRPr lang="en-US"/>
-          </a:p>
-        </p:txBody>
-      </p:sp>
-      <p:sp>
-        <p:nvSpPr>
-          <p:cNvPr id="69" name="Oval 68">
-            <a:extLst>
-              <a:ext uri="{FF2B5EF4-FFF2-40B4-BE49-F238E27FC236}">
-                <a16:creationId xmlns:a16="http://schemas.microsoft.com/office/drawing/2014/main" id="{70CEF9C1-D74B-BE1C-413E-BA15762F90AD}"/>
-              </a:ext>
-            </a:extLst>
-          </p:cNvPr>
-          <p:cNvSpPr/>
-          <p:nvPr/>
-        </p:nvSpPr>
-        <p:spPr>
-          <a:xfrm>
-            <a:off x="4943623" y="734196"/>
-            <a:ext cx="269326" cy="251537"/>
-          </a:xfrm>
-          <a:prstGeom prst="ellipse">
-            <a:avLst/>
-          </a:prstGeom>
-          <a:solidFill>
-            <a:srgbClr val="FFFF00"/>
-          </a:solidFill>
-          <a:ln>
-            <a:solidFill>
-              <a:srgbClr val="C00000"/>
-            </a:solidFill>
-          </a:ln>
-        </p:spPr>
-        <p:style>
-          <a:lnRef idx="2">
-            <a:schemeClr val="accent1">
-              <a:shade val="50000"/>
-            </a:schemeClr>
-          </a:lnRef>
-          <a:fillRef idx="1">
-            <a:schemeClr val="accent1"/>
-          </a:fillRef>
-          <a:effectRef idx="0">
-            <a:schemeClr val="accent1"/>
-          </a:effectRef>
-          <a:fontRef idx="minor">
-            <a:schemeClr val="lt1"/>
-          </a:fontRef>
-        </p:style>
-        <p:txBody>
-          <a:bodyPr rtlCol="0" anchor="ctr"/>
-          <a:lstStyle/>
-          <a:p>
-            <a:pPr algn="ctr"/>
-            <a:r>
-              <a:rPr lang="en-US" dirty="0">
-                <a:solidFill>
-                  <a:schemeClr val="tx1"/>
-                </a:solidFill>
-              </a:rPr>
-              <a:t>1</a:t>
-            </a:r>
-          </a:p>
-        </p:txBody>
-      </p:sp>
-      <p:sp>
-        <p:nvSpPr>
-          <p:cNvPr id="70" name="Oval 69">
-            <a:extLst>
-              <a:ext uri="{FF2B5EF4-FFF2-40B4-BE49-F238E27FC236}">
-                <a16:creationId xmlns:a16="http://schemas.microsoft.com/office/drawing/2014/main" id="{165573FD-454C-5137-D306-C7DE413AFB82}"/>
-              </a:ext>
-            </a:extLst>
-          </p:cNvPr>
-          <p:cNvSpPr/>
-          <p:nvPr/>
-        </p:nvSpPr>
-        <p:spPr>
-          <a:xfrm>
-            <a:off x="4964156" y="3381444"/>
-            <a:ext cx="269326" cy="251537"/>
-          </a:xfrm>
-          <a:prstGeom prst="ellipse">
-            <a:avLst/>
-          </a:prstGeom>
-          <a:solidFill>
-            <a:srgbClr val="FFFF00"/>
-          </a:solidFill>
-          <a:ln>
-            <a:solidFill>
-              <a:srgbClr val="C00000"/>
-            </a:solidFill>
-          </a:ln>
-        </p:spPr>
-        <p:style>
-          <a:lnRef idx="2">
-            <a:schemeClr val="accent1">
-              <a:shade val="50000"/>
-            </a:schemeClr>
-          </a:lnRef>
-          <a:fillRef idx="1">
-            <a:schemeClr val="accent1"/>
-          </a:fillRef>
-          <a:effectRef idx="0">
-            <a:schemeClr val="accent1"/>
-          </a:effectRef>
-          <a:fontRef idx="minor">
-            <a:schemeClr val="lt1"/>
-          </a:fontRef>
-        </p:style>
-        <p:txBody>
-          <a:bodyPr rtlCol="0" anchor="ctr"/>
-          <a:lstStyle/>
-          <a:p>
-            <a:pPr algn="ctr"/>
-            <a:r>
-              <a:rPr lang="en-US" dirty="0">
-                <a:solidFill>
-                  <a:schemeClr val="tx1"/>
-                </a:solidFill>
-              </a:rPr>
-              <a:t>2</a:t>
-            </a:r>
-          </a:p>
-        </p:txBody>
-      </p:sp>
-      <p:sp>
-        <p:nvSpPr>
-          <p:cNvPr id="71" name="Oval 70">
-            <a:extLst>
-              <a:ext uri="{FF2B5EF4-FFF2-40B4-BE49-F238E27FC236}">
-                <a16:creationId xmlns:a16="http://schemas.microsoft.com/office/drawing/2014/main" id="{DE1732A7-1A04-41B9-AF1D-58F23BD7F16B}"/>
-              </a:ext>
-            </a:extLst>
-          </p:cNvPr>
-          <p:cNvSpPr/>
-          <p:nvPr/>
-        </p:nvSpPr>
-        <p:spPr>
-          <a:xfrm>
-            <a:off x="4935014" y="5100409"/>
-            <a:ext cx="269326" cy="251537"/>
-          </a:xfrm>
-          <a:prstGeom prst="ellipse">
-            <a:avLst/>
-          </a:prstGeom>
-          <a:solidFill>
-            <a:srgbClr val="FFFF00"/>
-          </a:solidFill>
-          <a:ln>
-            <a:solidFill>
-              <a:srgbClr val="C00000"/>
-            </a:solidFill>
-          </a:ln>
-        </p:spPr>
-        <p:style>
-          <a:lnRef idx="2">
-            <a:schemeClr val="accent1">
-              <a:shade val="50000"/>
-            </a:schemeClr>
-          </a:lnRef>
-          <a:fillRef idx="1">
-            <a:schemeClr val="accent1"/>
-          </a:fillRef>
-          <a:effectRef idx="0">
-            <a:schemeClr val="accent1"/>
-          </a:effectRef>
-          <a:fontRef idx="minor">
-            <a:schemeClr val="lt1"/>
-          </a:fontRef>
-        </p:style>
-        <p:txBody>
-          <a:bodyPr rtlCol="0" anchor="ctr"/>
-          <a:lstStyle/>
-          <a:p>
-            <a:pPr algn="ctr"/>
-            <a:r>
-              <a:rPr lang="en-US" dirty="0">
-                <a:solidFill>
-                  <a:schemeClr val="tx1"/>
-                </a:solidFill>
-              </a:rPr>
-              <a:t>3</a:t>
-            </a:r>
-          </a:p>
-        </p:txBody>
-      </p:sp>
-    </p:spTree>
-    <p:extLst>
-      <p:ext uri="{BB962C8B-B14F-4D97-AF65-F5344CB8AC3E}">
-        <p14:creationId xmlns:p14="http://schemas.microsoft.com/office/powerpoint/2010/main" val="4257044849"/>
-      </p:ext>
-    </p:extLst>
-  </p:cSld>
-  <p:clrMapOvr>
-    <a:masterClrMapping/>
-  </p:clrMapOvr>
-</p:sld>
-</file>
-
-<file path=ppt/slides/slide14.xml><?xml version="1.0" encoding="utf-8"?>
-<p:sld xmlns:a="http://schemas.openxmlformats.org/drawingml/2006/main" xmlns:r="http://schemas.openxmlformats.org/officeDocument/2006/relationships" xmlns:p="http://schemas.openxmlformats.org/presentationml/2006/main">
-  <p:cSld>
-    <p:spTree>
-      <p:nvGrpSpPr>
-        <p:cNvPr id="1" name=""/>
-        <p:cNvGrpSpPr/>
-        <p:nvPr/>
-      </p:nvGrpSpPr>
-      <p:grpSpPr>
-        <a:xfrm>
-          <a:off x="0" y="0"/>
-          <a:ext cx="0" cy="0"/>
-          <a:chOff x="0" y="0"/>
-          <a:chExt cx="0" cy="0"/>
-        </a:xfrm>
-      </p:grpSpPr>
-      <p:sp>
-        <p:nvSpPr>
-          <p:cNvPr id="2" name="標題 1"/>
-          <p:cNvSpPr>
-            <a:spLocks noGrp="1"/>
-          </p:cNvSpPr>
-          <p:nvPr>
-            <p:ph type="ctrTitle"/>
-          </p:nvPr>
-        </p:nvSpPr>
-        <p:spPr>
-          <a:xfrm>
-            <a:off x="0" y="1"/>
-            <a:ext cx="9144000" cy="764704"/>
-          </a:xfrm>
-          <a:gradFill flip="none" rotWithShape="1">
-            <a:gsLst>
-              <a:gs pos="0">
-                <a:srgbClr val="C00000">
-                  <a:shade val="30000"/>
-                  <a:satMod val="115000"/>
-                </a:srgbClr>
-              </a:gs>
-              <a:gs pos="50000">
-                <a:srgbClr val="C00000">
-                  <a:shade val="67500"/>
-                  <a:satMod val="115000"/>
-                </a:srgbClr>
-              </a:gs>
-              <a:gs pos="100000">
-                <a:srgbClr val="C00000">
-                  <a:shade val="100000"/>
-                  <a:satMod val="115000"/>
-                </a:srgbClr>
-              </a:gs>
-            </a:gsLst>
-            <a:path path="circle">
-              <a:fillToRect t="100000" r="100000"/>
-            </a:path>
-            <a:tileRect l="-100000" b="-100000"/>
-          </a:gradFill>
-        </p:spPr>
-        <p:txBody>
-          <a:bodyPr>
-            <a:normAutofit/>
-          </a:bodyPr>
-          <a:lstStyle/>
-          <a:p>
-            <a:pPr algn="l"/>
-            <a:r>
-              <a:rPr lang="en-US" altLang="zh-TW" sz="4400" b="1" dirty="0">
-                <a:solidFill>
-                  <a:srgbClr val="FFFF00"/>
-                </a:solidFill>
-              </a:rPr>
-              <a:t>1.3 Initialize Hostname and IP Address</a:t>
-            </a:r>
-            <a:endParaRPr lang="zh-TW" altLang="en-US" b="1" dirty="0">
-              <a:solidFill>
-                <a:srgbClr val="FFFF00"/>
-              </a:solidFill>
-            </a:endParaRPr>
-          </a:p>
-        </p:txBody>
-      </p:sp>
-      <p:sp>
-        <p:nvSpPr>
-          <p:cNvPr id="3" name="副標題 2"/>
-          <p:cNvSpPr>
-            <a:spLocks noGrp="1"/>
-          </p:cNvSpPr>
-          <p:nvPr>
-            <p:ph type="subTitle" idx="1"/>
-          </p:nvPr>
-        </p:nvSpPr>
-        <p:spPr>
-          <a:xfrm>
-            <a:off x="299418" y="1353624"/>
-            <a:ext cx="8387381" cy="3083488"/>
-          </a:xfrm>
-          <a:ln>
-            <a:solidFill>
-              <a:srgbClr val="C00000"/>
-            </a:solidFill>
-          </a:ln>
-        </p:spPr>
-        <p:txBody>
-          <a:bodyPr>
-            <a:noAutofit/>
-          </a:bodyPr>
-          <a:lstStyle/>
-          <a:p>
-            <a:pPr marL="342900" indent="-342900" algn="l">
-              <a:buClr>
-                <a:srgbClr val="0070C0"/>
-              </a:buClr>
-              <a:buSzPct val="80000"/>
-              <a:buFont typeface="Wingdings" pitchFamily="2" charset="2"/>
-              <a:buChar char="u"/>
-            </a:pPr>
-            <a:r>
-              <a:rPr lang="en-US" sz="1800" b="1" dirty="0">
-                <a:solidFill>
-                  <a:srgbClr val="C00000"/>
-                </a:solidFill>
-              </a:rPr>
-              <a:t>Check Who is Connected to My Computer (Kmaster): a</a:t>
-            </a:r>
-            <a:r>
-              <a:rPr lang="en-US" sz="1800" b="1" i="0" dirty="0">
-                <a:solidFill>
-                  <a:srgbClr val="C00000"/>
-                </a:solidFill>
-                <a:effectLst/>
-              </a:rPr>
-              <a:t>rp -a </a:t>
-            </a:r>
-          </a:p>
-          <a:p>
-            <a:pPr marL="342900" indent="-342900" algn="l">
-              <a:buClr>
-                <a:srgbClr val="0070C0"/>
-              </a:buClr>
-              <a:buSzPct val="80000"/>
-              <a:buFont typeface="Wingdings" pitchFamily="2" charset="2"/>
-              <a:buChar char="u"/>
-            </a:pPr>
-            <a:r>
-              <a:rPr lang="en-US" sz="1800" dirty="0">
-                <a:solidFill>
-                  <a:srgbClr val="000000"/>
-                </a:solidFill>
-              </a:rPr>
-              <a:t>arp (Address Resolution Protocol): arp is a layer 2 protocol map MAC address to IP Address. The arp is to find IP Address of other computers). </a:t>
-            </a:r>
-          </a:p>
-          <a:p>
-            <a:pPr marL="342900" indent="-342900" algn="l">
-              <a:buClr>
-                <a:srgbClr val="0070C0"/>
-              </a:buClr>
-              <a:buSzPct val="80000"/>
-              <a:buFont typeface="Wingdings" pitchFamily="2" charset="2"/>
-              <a:buChar char="u"/>
-            </a:pPr>
-            <a:r>
-              <a:rPr lang="en-US" sz="1800" dirty="0">
-                <a:solidFill>
-                  <a:srgbClr val="000000"/>
-                </a:solidFill>
-              </a:rPr>
-              <a:t>We have:</a:t>
-            </a:r>
-          </a:p>
-          <a:p>
-            <a:pPr marL="342900" indent="-342900" algn="l">
-              <a:buClr>
-                <a:srgbClr val="0070C0"/>
-              </a:buClr>
-              <a:buSzPct val="80000"/>
-              <a:buFont typeface="Wingdings" pitchFamily="2" charset="2"/>
-              <a:buChar char="u"/>
-            </a:pPr>
-            <a:r>
-              <a:rPr lang="en-US" sz="1800" b="1" dirty="0">
-                <a:solidFill>
-                  <a:srgbClr val="C00000"/>
-                </a:solidFill>
-              </a:rPr>
-              <a:t>3. 192.168.1.2: Knode 1 Machine</a:t>
-            </a:r>
-          </a:p>
-          <a:p>
-            <a:pPr marL="342900" indent="-342900" algn="l">
-              <a:buClr>
-                <a:srgbClr val="0070C0"/>
-              </a:buClr>
-              <a:buSzPct val="80000"/>
-              <a:buFont typeface="Wingdings" pitchFamily="2" charset="2"/>
-              <a:buChar char="u"/>
-            </a:pPr>
-            <a:r>
-              <a:rPr lang="en-US" sz="1800" b="1" i="0" dirty="0">
-                <a:solidFill>
-                  <a:srgbClr val="C00000"/>
-                </a:solidFill>
-                <a:effectLst/>
-              </a:rPr>
-              <a:t>Knode 2 IP Address: 192.168.0.17.</a:t>
-            </a:r>
-            <a:endParaRPr lang="en-US" sz="1800" b="1" dirty="0">
-              <a:solidFill>
-                <a:srgbClr val="C00000"/>
-              </a:solidFill>
-            </a:endParaRPr>
-          </a:p>
-          <a:p>
-            <a:pPr marL="342900" indent="-342900" algn="l">
-              <a:buClr>
-                <a:srgbClr val="0070C0"/>
-              </a:buClr>
-              <a:buSzPct val="80000"/>
-              <a:buFont typeface="Wingdings" pitchFamily="2" charset="2"/>
-              <a:buChar char="u"/>
-            </a:pPr>
-            <a:r>
-              <a:rPr lang="en-US" sz="1800" dirty="0">
-                <a:solidFill>
-                  <a:srgbClr val="000000"/>
-                </a:solidFill>
-              </a:rPr>
-              <a:t>11. calib31feb6b616: Wired Ethernet address a2:62:8b:96:67:66. IP address is 10.1.189.0.</a:t>
-            </a:r>
-          </a:p>
-          <a:p>
-            <a:pPr marL="342900" indent="-342900" algn="l">
-              <a:buClr>
-                <a:srgbClr val="0070C0"/>
-              </a:buClr>
-              <a:buSzPct val="80000"/>
-              <a:buFont typeface="Wingdings" pitchFamily="2" charset="2"/>
-              <a:buChar char="u"/>
-            </a:pPr>
-            <a:r>
-              <a:rPr lang="en-US" sz="1800" dirty="0">
-                <a:solidFill>
-                  <a:srgbClr val="000000"/>
-                </a:solidFill>
-              </a:rPr>
-              <a:t>14.Gateway: Ethernet address is a0:04:60:3d:a1:d2. Wireless IP address is </a:t>
-            </a:r>
-            <a:r>
-              <a:rPr lang="en-US" sz="1800" dirty="0">
-                <a:solidFill>
-                  <a:srgbClr val="C00000"/>
-                </a:solidFill>
-              </a:rPr>
-              <a:t>192.168.1.1</a:t>
-            </a:r>
-            <a:r>
-              <a:rPr lang="en-US" sz="1800" dirty="0">
-                <a:solidFill>
-                  <a:srgbClr val="000000"/>
-                </a:solidFill>
-              </a:rPr>
-              <a:t>.</a:t>
-            </a:r>
-          </a:p>
-        </p:txBody>
-      </p:sp>
-      <p:sp>
-        <p:nvSpPr>
-          <p:cNvPr id="4" name="標題 1"/>
-          <p:cNvSpPr txBox="1">
-            <a:spLocks/>
-          </p:cNvSpPr>
-          <p:nvPr/>
-        </p:nvSpPr>
-        <p:spPr>
-          <a:xfrm>
-            <a:off x="0" y="764704"/>
-            <a:ext cx="9144000" cy="360040"/>
-          </a:xfrm>
-          <a:prstGeom prst="rect">
-            <a:avLst/>
-          </a:prstGeom>
-          <a:gradFill flip="none" rotWithShape="1">
-            <a:gsLst>
-              <a:gs pos="0">
-                <a:srgbClr val="00B0F0">
-                  <a:shade val="30000"/>
-                  <a:satMod val="115000"/>
-                </a:srgbClr>
-              </a:gs>
-              <a:gs pos="50000">
-                <a:srgbClr val="00B0F0">
-                  <a:shade val="67500"/>
-                  <a:satMod val="115000"/>
-                </a:srgbClr>
-              </a:gs>
-              <a:gs pos="100000">
-                <a:srgbClr val="00B0F0">
-                  <a:shade val="100000"/>
-                  <a:satMod val="115000"/>
-                </a:srgbClr>
-              </a:gs>
-            </a:gsLst>
-            <a:path path="circle">
-              <a:fillToRect t="100000" r="100000"/>
-            </a:path>
-            <a:tileRect l="-100000" b="-100000"/>
-          </a:gradFill>
-        </p:spPr>
-        <p:txBody>
-          <a:bodyPr vert="horz" lIns="91440" tIns="45720" rIns="91440" bIns="45720" rtlCol="0" anchor="ctr">
-            <a:normAutofit/>
-          </a:bodyPr>
-          <a:lstStyle/>
-          <a:p>
-            <a:pPr lvl="0">
-              <a:spcBef>
-                <a:spcPct val="0"/>
-              </a:spcBef>
-            </a:pPr>
-            <a:r>
-              <a:rPr lang="en-US" sz="1600" dirty="0"/>
-              <a:t>https://www.youtube.com/watch?v=UWg3ORRRF60</a:t>
-            </a:r>
-            <a:endParaRPr kumimoji="0" lang="zh-TW" altLang="en-US" sz="1600" b="0" i="0" u="none" strike="noStrike" kern="1200" cap="none" spc="0" normalizeH="0" baseline="0" noProof="0" dirty="0">
-              <a:ln>
-                <a:noFill/>
-              </a:ln>
-              <a:solidFill>
-                <a:schemeClr val="tx1"/>
-              </a:solidFill>
-              <a:effectLst/>
-              <a:uLnTx/>
-              <a:uFillTx/>
-              <a:latin typeface="+mj-lt"/>
-              <a:ea typeface="+mj-ea"/>
-              <a:cs typeface="+mj-cs"/>
-            </a:endParaRPr>
-          </a:p>
-        </p:txBody>
-      </p:sp>
-      <p:sp>
-        <p:nvSpPr>
-          <p:cNvPr id="5" name="日期版面配置區 4"/>
-          <p:cNvSpPr>
-            <a:spLocks noGrp="1"/>
-          </p:cNvSpPr>
-          <p:nvPr>
-            <p:ph type="dt" sz="half" idx="10"/>
-          </p:nvPr>
-        </p:nvSpPr>
-        <p:spPr/>
-        <p:txBody>
-          <a:bodyPr/>
-          <a:lstStyle/>
-          <a:p>
-            <a:fld id="{A4F910E6-8D00-4BAF-8C48-9688E0B449D3}" type="datetime1">
-              <a:rPr lang="zh-TW" altLang="en-US" smtClean="0"/>
-              <a:pPr/>
-              <a:t>2022/11/17</a:t>
-            </a:fld>
-            <a:endParaRPr lang="zh-TW" altLang="en-US"/>
-          </a:p>
-        </p:txBody>
-      </p:sp>
-      <p:sp>
-        <p:nvSpPr>
-          <p:cNvPr id="6" name="投影片編號版面配置區 5"/>
-          <p:cNvSpPr>
-            <a:spLocks noGrp="1"/>
-          </p:cNvSpPr>
-          <p:nvPr>
-            <p:ph type="sldNum" sz="quarter" idx="12"/>
-          </p:nvPr>
-        </p:nvSpPr>
-        <p:spPr/>
-        <p:txBody>
-          <a:bodyPr/>
-          <a:lstStyle/>
-          <a:p>
-            <a:fld id="{E4D7E63D-91F2-4366-A2C4-1B00C9E2590E}" type="slidenum">
-              <a:rPr lang="zh-TW" altLang="en-US" smtClean="0"/>
-              <a:pPr/>
-              <a:t>14</a:t>
-            </a:fld>
-            <a:endParaRPr lang="zh-TW" altLang="en-US"/>
-          </a:p>
-        </p:txBody>
-      </p:sp>
-      <p:pic>
-        <p:nvPicPr>
-          <p:cNvPr id="8" name="Picture 7">
-            <a:extLst>
-              <a:ext uri="{FF2B5EF4-FFF2-40B4-BE49-F238E27FC236}">
-                <a16:creationId xmlns:a16="http://schemas.microsoft.com/office/drawing/2014/main" id="{FD6AD6A1-5CE4-B9C8-F087-5097FCC7D652}"/>
-              </a:ext>
-            </a:extLst>
-          </p:cNvPr>
-          <p:cNvPicPr>
-            <a:picLocks noChangeAspect="1"/>
-          </p:cNvPicPr>
-          <p:nvPr/>
-        </p:nvPicPr>
-        <p:blipFill>
-          <a:blip r:embed="rId2"/>
-          <a:stretch>
-            <a:fillRect/>
-          </a:stretch>
-        </p:blipFill>
-        <p:spPr>
-          <a:xfrm>
-            <a:off x="3059832" y="4341232"/>
-            <a:ext cx="4933528" cy="2326288"/>
-          </a:xfrm>
-          <a:prstGeom prst="rect">
-            <a:avLst/>
-          </a:prstGeom>
-          <a:ln>
-            <a:solidFill>
-              <a:srgbClr val="C00000"/>
-            </a:solidFill>
-          </a:ln>
-        </p:spPr>
-      </p:pic>
-    </p:spTree>
-    <p:extLst>
-      <p:ext uri="{BB962C8B-B14F-4D97-AF65-F5344CB8AC3E}">
-        <p14:creationId xmlns:p14="http://schemas.microsoft.com/office/powerpoint/2010/main" val="2488877243"/>
-      </p:ext>
-    </p:extLst>
-  </p:cSld>
-  <p:clrMapOvr>
-    <a:masterClrMapping/>
-  </p:clrMapOvr>
-</p:sld>
-</file>
-
-<file path=ppt/slides/slide15.xml><?xml version="1.0" encoding="utf-8"?>
-<p:sld xmlns:a="http://schemas.openxmlformats.org/drawingml/2006/main" xmlns:r="http://schemas.openxmlformats.org/officeDocument/2006/relationships" xmlns:p="http://schemas.openxmlformats.org/presentationml/2006/main">
-  <p:cSld>
-    <p:spTree>
-      <p:nvGrpSpPr>
-        <p:cNvPr id="1" name=""/>
-        <p:cNvGrpSpPr/>
-        <p:nvPr/>
-      </p:nvGrpSpPr>
-      <p:grpSpPr>
-        <a:xfrm>
-          <a:off x="0" y="0"/>
-          <a:ext cx="0" cy="0"/>
-          <a:chOff x="0" y="0"/>
-          <a:chExt cx="0" cy="0"/>
-        </a:xfrm>
-      </p:grpSpPr>
-      <p:sp>
-        <p:nvSpPr>
-          <p:cNvPr id="2" name="標題 1"/>
-          <p:cNvSpPr>
-            <a:spLocks noGrp="1"/>
-          </p:cNvSpPr>
-          <p:nvPr>
-            <p:ph type="ctrTitle"/>
-          </p:nvPr>
-        </p:nvSpPr>
-        <p:spPr>
-          <a:xfrm>
-            <a:off x="0" y="1"/>
-            <a:ext cx="9144000" cy="764704"/>
-          </a:xfrm>
-          <a:gradFill flip="none" rotWithShape="1">
-            <a:gsLst>
-              <a:gs pos="0">
-                <a:srgbClr val="C00000">
-                  <a:shade val="30000"/>
-                  <a:satMod val="115000"/>
-                </a:srgbClr>
-              </a:gs>
-              <a:gs pos="50000">
-                <a:srgbClr val="C00000">
-                  <a:shade val="67500"/>
-                  <a:satMod val="115000"/>
-                </a:srgbClr>
-              </a:gs>
-              <a:gs pos="100000">
-                <a:srgbClr val="C00000">
-                  <a:shade val="100000"/>
-                  <a:satMod val="115000"/>
-                </a:srgbClr>
-              </a:gs>
-            </a:gsLst>
-            <a:path path="circle">
-              <a:fillToRect t="100000" r="100000"/>
-            </a:path>
-            <a:tileRect l="-100000" b="-100000"/>
-          </a:gradFill>
-        </p:spPr>
-        <p:txBody>
-          <a:bodyPr>
-            <a:normAutofit/>
-          </a:bodyPr>
-          <a:lstStyle/>
-          <a:p>
-            <a:pPr algn="l"/>
-            <a:r>
-              <a:rPr lang="en-US" altLang="zh-TW" sz="4400" b="1" dirty="0">
-                <a:solidFill>
-                  <a:srgbClr val="FFFF00"/>
-                </a:solidFill>
-              </a:rPr>
-              <a:t>1.3 Initialize Hostname and IP Address</a:t>
-            </a:r>
-            <a:endParaRPr lang="zh-TW" altLang="en-US" b="1" dirty="0">
-              <a:solidFill>
-                <a:srgbClr val="FFFF00"/>
-              </a:solidFill>
-            </a:endParaRPr>
-          </a:p>
-        </p:txBody>
-      </p:sp>
-      <p:sp>
-        <p:nvSpPr>
-          <p:cNvPr id="3" name="副標題 2"/>
-          <p:cNvSpPr>
-            <a:spLocks noGrp="1"/>
-          </p:cNvSpPr>
-          <p:nvPr>
-            <p:ph type="subTitle" idx="1"/>
-          </p:nvPr>
-        </p:nvSpPr>
-        <p:spPr>
-          <a:xfrm>
-            <a:off x="299418" y="1353624"/>
-            <a:ext cx="4056557" cy="2075376"/>
-          </a:xfrm>
-          <a:ln>
-            <a:solidFill>
-              <a:srgbClr val="C00000"/>
-            </a:solidFill>
-          </a:ln>
-        </p:spPr>
-        <p:txBody>
-          <a:bodyPr>
-            <a:noAutofit/>
-          </a:bodyPr>
-          <a:lstStyle/>
-          <a:p>
-            <a:pPr marL="342900" indent="-342900" algn="l">
-              <a:buClr>
-                <a:srgbClr val="0070C0"/>
-              </a:buClr>
-              <a:buSzPct val="80000"/>
-              <a:buFont typeface="Wingdings" pitchFamily="2" charset="2"/>
-              <a:buChar char="u"/>
-            </a:pPr>
-            <a:r>
-              <a:rPr lang="en-US" sz="1800" b="1" dirty="0">
-                <a:solidFill>
-                  <a:srgbClr val="C00000"/>
-                </a:solidFill>
-              </a:rPr>
-              <a:t>Knode 1 (Window Machine): ipconfig</a:t>
-            </a:r>
-          </a:p>
-          <a:p>
-            <a:pPr marL="342900" indent="-342900" algn="l">
-              <a:buClr>
-                <a:srgbClr val="0070C0"/>
-              </a:buClr>
-              <a:buSzPct val="80000"/>
-              <a:buFont typeface="Wingdings" pitchFamily="2" charset="2"/>
-              <a:buChar char="u"/>
-            </a:pPr>
-            <a:r>
-              <a:rPr lang="en-US" sz="1800" i="0" dirty="0">
-                <a:solidFill>
-                  <a:schemeClr val="tx1"/>
-                </a:solidFill>
-                <a:effectLst/>
-              </a:rPr>
-              <a:t>Since Windows and Oracle VirtualBox connected by PCI, we check windows IP Address only. </a:t>
-            </a:r>
-          </a:p>
-          <a:p>
-            <a:pPr marL="342900" indent="-342900" algn="l">
-              <a:buClr>
-                <a:srgbClr val="0070C0"/>
-              </a:buClr>
-              <a:buSzPct val="80000"/>
-              <a:buFont typeface="Wingdings" pitchFamily="2" charset="2"/>
-              <a:buChar char="u"/>
-            </a:pPr>
-            <a:r>
-              <a:rPr lang="en-US" sz="1800" dirty="0">
-                <a:solidFill>
-                  <a:schemeClr val="tx1"/>
-                </a:solidFill>
-              </a:rPr>
-              <a:t>Kmaster and Knode 2 can only see the Gate way of </a:t>
-            </a:r>
-            <a:r>
-              <a:rPr lang="en-US" sz="1800" b="1" i="0" dirty="0">
-                <a:solidFill>
-                  <a:srgbClr val="C00000"/>
-                </a:solidFill>
-                <a:effectLst/>
-              </a:rPr>
-              <a:t>Knode 1 IP Address: 192.168.1.1.</a:t>
-            </a:r>
-          </a:p>
-          <a:p>
-            <a:pPr marL="342900" indent="-342900" algn="l">
-              <a:buClr>
-                <a:srgbClr val="0070C0"/>
-              </a:buClr>
-              <a:buSzPct val="80000"/>
-              <a:buFont typeface="Wingdings" pitchFamily="2" charset="2"/>
-              <a:buChar char="u"/>
-            </a:pPr>
-            <a:endParaRPr lang="en-US" sz="1800" b="1" i="0" dirty="0">
-              <a:solidFill>
-                <a:srgbClr val="C00000"/>
-              </a:solidFill>
-              <a:effectLst/>
-            </a:endParaRPr>
-          </a:p>
-        </p:txBody>
-      </p:sp>
-      <p:sp>
-        <p:nvSpPr>
-          <p:cNvPr id="4" name="標題 1"/>
-          <p:cNvSpPr txBox="1">
-            <a:spLocks/>
-          </p:cNvSpPr>
-          <p:nvPr/>
-        </p:nvSpPr>
-        <p:spPr>
-          <a:xfrm>
-            <a:off x="0" y="764704"/>
-            <a:ext cx="9144000" cy="360040"/>
-          </a:xfrm>
-          <a:prstGeom prst="rect">
-            <a:avLst/>
-          </a:prstGeom>
-          <a:gradFill flip="none" rotWithShape="1">
-            <a:gsLst>
-              <a:gs pos="0">
-                <a:srgbClr val="00B0F0">
-                  <a:shade val="30000"/>
-                  <a:satMod val="115000"/>
-                </a:srgbClr>
-              </a:gs>
-              <a:gs pos="50000">
-                <a:srgbClr val="00B0F0">
-                  <a:shade val="67500"/>
-                  <a:satMod val="115000"/>
-                </a:srgbClr>
-              </a:gs>
-              <a:gs pos="100000">
-                <a:srgbClr val="00B0F0">
-                  <a:shade val="100000"/>
-                  <a:satMod val="115000"/>
-                </a:srgbClr>
-              </a:gs>
-            </a:gsLst>
-            <a:path path="circle">
-              <a:fillToRect t="100000" r="100000"/>
-            </a:path>
-            <a:tileRect l="-100000" b="-100000"/>
-          </a:gradFill>
-        </p:spPr>
-        <p:txBody>
-          <a:bodyPr vert="horz" lIns="91440" tIns="45720" rIns="91440" bIns="45720" rtlCol="0" anchor="ctr">
-            <a:normAutofit/>
-          </a:bodyPr>
-          <a:lstStyle/>
-          <a:p>
-            <a:pPr lvl="0">
-              <a:spcBef>
-                <a:spcPct val="0"/>
-              </a:spcBef>
-            </a:pPr>
-            <a:r>
-              <a:rPr lang="en-US" sz="1600" dirty="0"/>
-              <a:t>https://www.youtube.com/watch?v=UWg3ORRRF60</a:t>
-            </a:r>
-            <a:endParaRPr kumimoji="0" lang="zh-TW" altLang="en-US" sz="1600" b="0" i="0" u="none" strike="noStrike" kern="1200" cap="none" spc="0" normalizeH="0" baseline="0" noProof="0" dirty="0">
-              <a:ln>
-                <a:noFill/>
-              </a:ln>
-              <a:solidFill>
-                <a:schemeClr val="tx1"/>
-              </a:solidFill>
-              <a:effectLst/>
-              <a:uLnTx/>
-              <a:uFillTx/>
-              <a:latin typeface="+mj-lt"/>
-              <a:ea typeface="+mj-ea"/>
-              <a:cs typeface="+mj-cs"/>
-            </a:endParaRPr>
-          </a:p>
-        </p:txBody>
-      </p:sp>
-      <p:sp>
-        <p:nvSpPr>
-          <p:cNvPr id="5" name="日期版面配置區 4"/>
-          <p:cNvSpPr>
-            <a:spLocks noGrp="1"/>
-          </p:cNvSpPr>
-          <p:nvPr>
-            <p:ph type="dt" sz="half" idx="10"/>
-          </p:nvPr>
-        </p:nvSpPr>
-        <p:spPr/>
-        <p:txBody>
-          <a:bodyPr/>
-          <a:lstStyle/>
-          <a:p>
-            <a:fld id="{A4F910E6-8D00-4BAF-8C48-9688E0B449D3}" type="datetime1">
-              <a:rPr lang="zh-TW" altLang="en-US" smtClean="0"/>
-              <a:pPr/>
-              <a:t>2022/11/17</a:t>
-            </a:fld>
-            <a:endParaRPr lang="zh-TW" altLang="en-US"/>
-          </a:p>
-        </p:txBody>
-      </p:sp>
-      <p:sp>
-        <p:nvSpPr>
-          <p:cNvPr id="6" name="投影片編號版面配置區 5"/>
-          <p:cNvSpPr>
-            <a:spLocks noGrp="1"/>
-          </p:cNvSpPr>
-          <p:nvPr>
-            <p:ph type="sldNum" sz="quarter" idx="12"/>
-          </p:nvPr>
-        </p:nvSpPr>
-        <p:spPr/>
-        <p:txBody>
-          <a:bodyPr/>
-          <a:lstStyle/>
-          <a:p>
-            <a:fld id="{E4D7E63D-91F2-4366-A2C4-1B00C9E2590E}" type="slidenum">
-              <a:rPr lang="zh-TW" altLang="en-US" smtClean="0"/>
-              <a:pPr/>
-              <a:t>15</a:t>
-            </a:fld>
-            <a:endParaRPr lang="zh-TW" altLang="en-US"/>
-          </a:p>
-        </p:txBody>
-      </p:sp>
-      <p:pic>
-        <p:nvPicPr>
-          <p:cNvPr id="9" name="Picture 8">
-            <a:extLst>
-              <a:ext uri="{FF2B5EF4-FFF2-40B4-BE49-F238E27FC236}">
-                <a16:creationId xmlns:a16="http://schemas.microsoft.com/office/drawing/2014/main" id="{C98485F3-668F-FB52-9135-3E3EAD337532}"/>
-              </a:ext>
-            </a:extLst>
-          </p:cNvPr>
-          <p:cNvPicPr>
-            <a:picLocks noChangeAspect="1"/>
-          </p:cNvPicPr>
-          <p:nvPr/>
-        </p:nvPicPr>
-        <p:blipFill>
-          <a:blip r:embed="rId2"/>
-          <a:stretch>
-            <a:fillRect/>
-          </a:stretch>
-        </p:blipFill>
-        <p:spPr>
-          <a:xfrm>
-            <a:off x="4468802" y="552229"/>
-            <a:ext cx="4437599" cy="5804121"/>
-          </a:xfrm>
-          <a:prstGeom prst="rect">
-            <a:avLst/>
-          </a:prstGeom>
-          <a:ln>
-            <a:solidFill>
-              <a:srgbClr val="C00000"/>
-            </a:solidFill>
-          </a:ln>
-        </p:spPr>
-      </p:pic>
-      <p:sp>
-        <p:nvSpPr>
-          <p:cNvPr id="10" name="Rectangle 9">
-            <a:extLst>
-              <a:ext uri="{FF2B5EF4-FFF2-40B4-BE49-F238E27FC236}">
-                <a16:creationId xmlns:a16="http://schemas.microsoft.com/office/drawing/2014/main" id="{F7C907B7-5A76-47F6-AD56-C6CAF63DDE6A}"/>
-              </a:ext>
-            </a:extLst>
-          </p:cNvPr>
-          <p:cNvSpPr/>
-          <p:nvPr/>
-        </p:nvSpPr>
-        <p:spPr>
-          <a:xfrm>
-            <a:off x="4571999" y="5445224"/>
-            <a:ext cx="3312369" cy="216024"/>
-          </a:xfrm>
-          <a:prstGeom prst="rect">
-            <a:avLst/>
-          </a:prstGeom>
-          <a:noFill/>
-          <a:ln>
-            <a:solidFill>
-              <a:srgbClr val="C00000"/>
-            </a:solidFill>
-          </a:ln>
-        </p:spPr>
-        <p:style>
-          <a:lnRef idx="2">
-            <a:schemeClr val="accent1">
-              <a:shade val="50000"/>
-            </a:schemeClr>
-          </a:lnRef>
-          <a:fillRef idx="1">
-            <a:schemeClr val="accent1"/>
-          </a:fillRef>
-          <a:effectRef idx="0">
-            <a:schemeClr val="accent1"/>
-          </a:effectRef>
-          <a:fontRef idx="minor">
-            <a:schemeClr val="lt1"/>
-          </a:fontRef>
-        </p:style>
-        <p:txBody>
-          <a:bodyPr rtlCol="0" anchor="ctr"/>
-          <a:lstStyle/>
-          <a:p>
-            <a:pPr algn="ctr"/>
-            <a:endParaRPr lang="en-US"/>
-          </a:p>
-        </p:txBody>
-      </p:sp>
-      <p:sp>
-        <p:nvSpPr>
-          <p:cNvPr id="11" name="Rectangle 10">
-            <a:extLst>
-              <a:ext uri="{FF2B5EF4-FFF2-40B4-BE49-F238E27FC236}">
-                <a16:creationId xmlns:a16="http://schemas.microsoft.com/office/drawing/2014/main" id="{EB95669A-4DB3-BFF8-58D1-41739AF50546}"/>
-              </a:ext>
-            </a:extLst>
-          </p:cNvPr>
-          <p:cNvSpPr/>
-          <p:nvPr/>
-        </p:nvSpPr>
-        <p:spPr>
-          <a:xfrm>
-            <a:off x="611560" y="2564904"/>
-            <a:ext cx="3528392" cy="864096"/>
-          </a:xfrm>
-          <a:prstGeom prst="rect">
-            <a:avLst/>
-          </a:prstGeom>
-          <a:noFill/>
-          <a:ln>
-            <a:solidFill>
-              <a:srgbClr val="C00000"/>
-            </a:solidFill>
-          </a:ln>
-        </p:spPr>
-        <p:style>
-          <a:lnRef idx="2">
-            <a:schemeClr val="accent1">
-              <a:shade val="50000"/>
-            </a:schemeClr>
-          </a:lnRef>
-          <a:fillRef idx="1">
-            <a:schemeClr val="accent1"/>
-          </a:fillRef>
-          <a:effectRef idx="0">
-            <a:schemeClr val="accent1"/>
-          </a:effectRef>
-          <a:fontRef idx="minor">
-            <a:schemeClr val="lt1"/>
-          </a:fontRef>
-        </p:style>
-        <p:txBody>
-          <a:bodyPr rtlCol="0" anchor="ctr"/>
-          <a:lstStyle/>
-          <a:p>
-            <a:pPr algn="ctr"/>
-            <a:endParaRPr lang="en-US"/>
-          </a:p>
-        </p:txBody>
-      </p:sp>
-      <p:cxnSp>
-        <p:nvCxnSpPr>
-          <p:cNvPr id="13" name="Straight Arrow Connector 12">
-            <a:extLst>
-              <a:ext uri="{FF2B5EF4-FFF2-40B4-BE49-F238E27FC236}">
-                <a16:creationId xmlns:a16="http://schemas.microsoft.com/office/drawing/2014/main" id="{1688BFA3-E318-83E1-D52E-52E1BBEC154D}"/>
-              </a:ext>
-            </a:extLst>
-          </p:cNvPr>
-          <p:cNvCxnSpPr>
-            <a:cxnSpLocks/>
-            <a:stCxn id="11" idx="2"/>
-            <a:endCxn id="10" idx="1"/>
-          </p:cNvCxnSpPr>
-          <p:nvPr/>
-        </p:nvCxnSpPr>
-        <p:spPr>
-          <a:xfrm>
-            <a:off x="2375756" y="3429000"/>
-            <a:ext cx="2196243" cy="2124236"/>
-          </a:xfrm>
-          <a:prstGeom prst="straightConnector1">
-            <a:avLst/>
-          </a:prstGeom>
-          <a:ln>
-            <a:tailEnd type="triangle"/>
-          </a:ln>
-        </p:spPr>
-        <p:style>
-          <a:lnRef idx="1">
-            <a:schemeClr val="accent2"/>
-          </a:lnRef>
-          <a:fillRef idx="0">
-            <a:schemeClr val="accent2"/>
-          </a:fillRef>
-          <a:effectRef idx="0">
-            <a:schemeClr val="accent2"/>
-          </a:effectRef>
-          <a:fontRef idx="minor">
-            <a:schemeClr val="tx1"/>
-          </a:fontRef>
-        </p:style>
-      </p:cxnSp>
-    </p:spTree>
-    <p:extLst>
-      <p:ext uri="{BB962C8B-B14F-4D97-AF65-F5344CB8AC3E}">
-        <p14:creationId xmlns:p14="http://schemas.microsoft.com/office/powerpoint/2010/main" val="2176090043"/>
-      </p:ext>
-    </p:extLst>
-  </p:cSld>
-  <p:clrMapOvr>
-    <a:masterClrMapping/>
-  </p:clrMapOvr>
-</p:sld>
-</file>
-
-<file path=ppt/slides/slide16.xml><?xml version="1.0" encoding="utf-8"?>
-<p:sld xmlns:a="http://schemas.openxmlformats.org/drawingml/2006/main" xmlns:r="http://schemas.openxmlformats.org/officeDocument/2006/relationships" xmlns:p="http://schemas.openxmlformats.org/presentationml/2006/main">
-  <p:cSld>
-    <p:spTree>
-      <p:nvGrpSpPr>
-        <p:cNvPr id="1" name=""/>
-        <p:cNvGrpSpPr/>
-        <p:nvPr/>
-      </p:nvGrpSpPr>
-      <p:grpSpPr>
-        <a:xfrm>
-          <a:off x="0" y="0"/>
-          <a:ext cx="0" cy="0"/>
-          <a:chOff x="0" y="0"/>
-          <a:chExt cx="0" cy="0"/>
-        </a:xfrm>
-      </p:grpSpPr>
-      <p:sp>
-        <p:nvSpPr>
-          <p:cNvPr id="2" name="標題 1"/>
-          <p:cNvSpPr>
-            <a:spLocks noGrp="1"/>
-          </p:cNvSpPr>
-          <p:nvPr>
-            <p:ph type="ctrTitle"/>
-          </p:nvPr>
-        </p:nvSpPr>
-        <p:spPr>
-          <a:xfrm>
-            <a:off x="0" y="1"/>
-            <a:ext cx="9144000" cy="764704"/>
-          </a:xfrm>
-          <a:gradFill flip="none" rotWithShape="1">
-            <a:gsLst>
-              <a:gs pos="0">
-                <a:srgbClr val="C00000">
-                  <a:shade val="30000"/>
-                  <a:satMod val="115000"/>
-                </a:srgbClr>
-              </a:gs>
-              <a:gs pos="50000">
-                <a:srgbClr val="C00000">
-                  <a:shade val="67500"/>
-                  <a:satMod val="115000"/>
-                </a:srgbClr>
-              </a:gs>
-              <a:gs pos="100000">
-                <a:srgbClr val="C00000">
-                  <a:shade val="100000"/>
-                  <a:satMod val="115000"/>
-                </a:srgbClr>
-              </a:gs>
-            </a:gsLst>
-            <a:path path="circle">
-              <a:fillToRect t="100000" r="100000"/>
-            </a:path>
-            <a:tileRect l="-100000" b="-100000"/>
-          </a:gradFill>
-        </p:spPr>
-        <p:txBody>
-          <a:bodyPr>
-            <a:normAutofit/>
-          </a:bodyPr>
-          <a:lstStyle/>
-          <a:p>
-            <a:pPr algn="l"/>
-            <a:r>
-              <a:rPr lang="en-US" altLang="zh-TW" sz="4400" b="1" dirty="0">
-                <a:solidFill>
-                  <a:srgbClr val="FFFF00"/>
-                </a:solidFill>
-              </a:rPr>
-              <a:t>1.3 Initialize Hostname and IP Address</a:t>
-            </a:r>
-            <a:endParaRPr lang="zh-TW" altLang="en-US" b="1" dirty="0">
-              <a:solidFill>
-                <a:srgbClr val="FFFF00"/>
-              </a:solidFill>
-            </a:endParaRPr>
-          </a:p>
-        </p:txBody>
-      </p:sp>
-      <p:sp>
-        <p:nvSpPr>
-          <p:cNvPr id="3" name="副標題 2"/>
-          <p:cNvSpPr>
-            <a:spLocks noGrp="1"/>
-          </p:cNvSpPr>
-          <p:nvPr>
-            <p:ph type="subTitle" idx="1"/>
-          </p:nvPr>
-        </p:nvSpPr>
-        <p:spPr>
-          <a:xfrm>
-            <a:off x="299419" y="1353624"/>
-            <a:ext cx="3408486" cy="2723448"/>
-          </a:xfrm>
-          <a:ln>
-            <a:solidFill>
-              <a:srgbClr val="C00000"/>
-            </a:solidFill>
-          </a:ln>
-        </p:spPr>
-        <p:txBody>
-          <a:bodyPr>
-            <a:noAutofit/>
-          </a:bodyPr>
-          <a:lstStyle/>
-          <a:p>
-            <a:pPr marL="342900" indent="-342900" algn="l">
-              <a:buClr>
-                <a:srgbClr val="0070C0"/>
-              </a:buClr>
-              <a:buSzPct val="80000"/>
-              <a:buFont typeface="Wingdings" pitchFamily="2" charset="2"/>
-              <a:buChar char="u"/>
-            </a:pPr>
-            <a:r>
-              <a:rPr lang="en-US" sz="1800" b="1" dirty="0">
-                <a:solidFill>
-                  <a:srgbClr val="C00000"/>
-                </a:solidFill>
-              </a:rPr>
-              <a:t>Knode 2 (Window Machine): ipconfig</a:t>
-            </a:r>
-          </a:p>
-          <a:p>
-            <a:pPr marL="342900" indent="-342900" algn="l">
-              <a:buClr>
-                <a:srgbClr val="0070C0"/>
-              </a:buClr>
-              <a:buSzPct val="80000"/>
-              <a:buFont typeface="Wingdings" pitchFamily="2" charset="2"/>
-              <a:buChar char="u"/>
-            </a:pPr>
-            <a:r>
-              <a:rPr lang="en-US" sz="1800" i="0" dirty="0">
-                <a:solidFill>
-                  <a:schemeClr val="tx1"/>
-                </a:solidFill>
-                <a:effectLst/>
-              </a:rPr>
-              <a:t>Since Windows and Oracle VirtualBox connected by PCI, we check windows IP Address only. </a:t>
-            </a:r>
-          </a:p>
-          <a:p>
-            <a:pPr marL="342900" indent="-342900" algn="l">
-              <a:buClr>
-                <a:srgbClr val="0070C0"/>
-              </a:buClr>
-              <a:buSzPct val="80000"/>
-              <a:buFont typeface="Wingdings" pitchFamily="2" charset="2"/>
-              <a:buChar char="u"/>
-            </a:pPr>
-            <a:r>
-              <a:rPr lang="en-US" sz="1800" i="0" dirty="0">
-                <a:solidFill>
-                  <a:schemeClr val="tx1"/>
-                </a:solidFill>
-                <a:effectLst/>
-              </a:rPr>
-              <a:t>Kmaster and Knode 1 can only see</a:t>
-            </a:r>
-            <a:r>
-              <a:rPr lang="en-US" sz="1800" b="1" i="0" dirty="0">
-                <a:solidFill>
-                  <a:srgbClr val="C00000"/>
-                </a:solidFill>
-                <a:effectLst/>
-              </a:rPr>
-              <a:t> Knode 2 IP Address: 192.168.0.1.</a:t>
-            </a:r>
-          </a:p>
-          <a:p>
-            <a:pPr marL="342900" indent="-342900" algn="l">
-              <a:buClr>
-                <a:srgbClr val="0070C0"/>
-              </a:buClr>
-              <a:buSzPct val="80000"/>
-              <a:buFont typeface="Wingdings" pitchFamily="2" charset="2"/>
-              <a:buChar char="u"/>
-            </a:pPr>
-            <a:endParaRPr lang="en-US" sz="1800" b="1" i="0" dirty="0">
-              <a:solidFill>
-                <a:srgbClr val="C00000"/>
-              </a:solidFill>
-              <a:effectLst/>
-            </a:endParaRPr>
-          </a:p>
-        </p:txBody>
-      </p:sp>
-      <p:sp>
-        <p:nvSpPr>
-          <p:cNvPr id="4" name="標題 1"/>
-          <p:cNvSpPr txBox="1">
-            <a:spLocks/>
-          </p:cNvSpPr>
-          <p:nvPr/>
-        </p:nvSpPr>
-        <p:spPr>
-          <a:xfrm>
-            <a:off x="0" y="764704"/>
-            <a:ext cx="9144000" cy="360040"/>
-          </a:xfrm>
-          <a:prstGeom prst="rect">
-            <a:avLst/>
-          </a:prstGeom>
-          <a:gradFill flip="none" rotWithShape="1">
-            <a:gsLst>
-              <a:gs pos="0">
-                <a:srgbClr val="00B0F0">
-                  <a:shade val="30000"/>
-                  <a:satMod val="115000"/>
-                </a:srgbClr>
-              </a:gs>
-              <a:gs pos="50000">
-                <a:srgbClr val="00B0F0">
-                  <a:shade val="67500"/>
-                  <a:satMod val="115000"/>
-                </a:srgbClr>
-              </a:gs>
-              <a:gs pos="100000">
-                <a:srgbClr val="00B0F0">
-                  <a:shade val="100000"/>
-                  <a:satMod val="115000"/>
-                </a:srgbClr>
-              </a:gs>
-            </a:gsLst>
-            <a:path path="circle">
-              <a:fillToRect t="100000" r="100000"/>
-            </a:path>
-            <a:tileRect l="-100000" b="-100000"/>
-          </a:gradFill>
-        </p:spPr>
-        <p:txBody>
-          <a:bodyPr vert="horz" lIns="91440" tIns="45720" rIns="91440" bIns="45720" rtlCol="0" anchor="ctr">
-            <a:normAutofit/>
-          </a:bodyPr>
-          <a:lstStyle/>
-          <a:p>
-            <a:pPr lvl="0">
-              <a:spcBef>
-                <a:spcPct val="0"/>
-              </a:spcBef>
-            </a:pPr>
-            <a:r>
-              <a:rPr lang="en-US" sz="1600" dirty="0"/>
-              <a:t>https://www.youtube.com/watch?v=UWg3ORRRF60</a:t>
-            </a:r>
-            <a:endParaRPr kumimoji="0" lang="zh-TW" altLang="en-US" sz="1600" b="0" i="0" u="none" strike="noStrike" kern="1200" cap="none" spc="0" normalizeH="0" baseline="0" noProof="0" dirty="0">
-              <a:ln>
-                <a:noFill/>
-              </a:ln>
-              <a:solidFill>
-                <a:schemeClr val="tx1"/>
-              </a:solidFill>
-              <a:effectLst/>
-              <a:uLnTx/>
-              <a:uFillTx/>
-              <a:latin typeface="+mj-lt"/>
-              <a:ea typeface="+mj-ea"/>
-              <a:cs typeface="+mj-cs"/>
-            </a:endParaRPr>
-          </a:p>
-        </p:txBody>
-      </p:sp>
-      <p:sp>
-        <p:nvSpPr>
-          <p:cNvPr id="5" name="日期版面配置區 4"/>
-          <p:cNvSpPr>
-            <a:spLocks noGrp="1"/>
-          </p:cNvSpPr>
-          <p:nvPr>
-            <p:ph type="dt" sz="half" idx="10"/>
-          </p:nvPr>
-        </p:nvSpPr>
-        <p:spPr/>
-        <p:txBody>
-          <a:bodyPr/>
-          <a:lstStyle/>
-          <a:p>
-            <a:fld id="{A4F910E6-8D00-4BAF-8C48-9688E0B449D3}" type="datetime1">
-              <a:rPr lang="zh-TW" altLang="en-US" smtClean="0"/>
-              <a:pPr/>
-              <a:t>2022/11/17</a:t>
-            </a:fld>
-            <a:endParaRPr lang="zh-TW" altLang="en-US"/>
-          </a:p>
-        </p:txBody>
-      </p:sp>
-      <p:sp>
-        <p:nvSpPr>
-          <p:cNvPr id="6" name="投影片編號版面配置區 5"/>
-          <p:cNvSpPr>
-            <a:spLocks noGrp="1"/>
-          </p:cNvSpPr>
-          <p:nvPr>
-            <p:ph type="sldNum" sz="quarter" idx="12"/>
-          </p:nvPr>
-        </p:nvSpPr>
-        <p:spPr/>
-        <p:txBody>
-          <a:bodyPr/>
-          <a:lstStyle/>
-          <a:p>
-            <a:fld id="{E4D7E63D-91F2-4366-A2C4-1B00C9E2590E}" type="slidenum">
-              <a:rPr lang="zh-TW" altLang="en-US" smtClean="0"/>
-              <a:pPr/>
-              <a:t>16</a:t>
-            </a:fld>
-            <a:endParaRPr lang="zh-TW" altLang="en-US"/>
-          </a:p>
-        </p:txBody>
-      </p:sp>
-      <p:pic>
-        <p:nvPicPr>
-          <p:cNvPr id="8" name="Picture 7">
-            <a:extLst>
-              <a:ext uri="{FF2B5EF4-FFF2-40B4-BE49-F238E27FC236}">
-                <a16:creationId xmlns:a16="http://schemas.microsoft.com/office/drawing/2014/main" id="{A062EA42-ED58-A956-3817-A955D52DA5E8}"/>
-              </a:ext>
-            </a:extLst>
-          </p:cNvPr>
-          <p:cNvPicPr>
-            <a:picLocks noChangeAspect="1"/>
-          </p:cNvPicPr>
-          <p:nvPr/>
-        </p:nvPicPr>
-        <p:blipFill>
-          <a:blip r:embed="rId2"/>
-          <a:stretch>
-            <a:fillRect/>
-          </a:stretch>
-        </p:blipFill>
-        <p:spPr>
-          <a:xfrm>
-            <a:off x="4175310" y="400174"/>
-            <a:ext cx="4968690" cy="5939202"/>
-          </a:xfrm>
-          <a:prstGeom prst="rect">
-            <a:avLst/>
-          </a:prstGeom>
-          <a:ln>
-            <a:solidFill>
-              <a:srgbClr val="C00000"/>
-            </a:solidFill>
-          </a:ln>
-        </p:spPr>
-      </p:pic>
-      <p:sp>
-        <p:nvSpPr>
-          <p:cNvPr id="10" name="Rectangle 9">
-            <a:extLst>
-              <a:ext uri="{FF2B5EF4-FFF2-40B4-BE49-F238E27FC236}">
-                <a16:creationId xmlns:a16="http://schemas.microsoft.com/office/drawing/2014/main" id="{F7C907B7-5A76-47F6-AD56-C6CAF63DDE6A}"/>
-              </a:ext>
-            </a:extLst>
-          </p:cNvPr>
-          <p:cNvSpPr/>
-          <p:nvPr/>
-        </p:nvSpPr>
-        <p:spPr>
-          <a:xfrm>
-            <a:off x="4355976" y="6093296"/>
-            <a:ext cx="4176464" cy="263053"/>
-          </a:xfrm>
-          <a:prstGeom prst="rect">
-            <a:avLst/>
-          </a:prstGeom>
-          <a:noFill/>
-          <a:ln>
-            <a:solidFill>
-              <a:srgbClr val="C00000"/>
-            </a:solidFill>
-          </a:ln>
-        </p:spPr>
-        <p:style>
-          <a:lnRef idx="2">
-            <a:schemeClr val="accent1">
-              <a:shade val="50000"/>
-            </a:schemeClr>
-          </a:lnRef>
-          <a:fillRef idx="1">
-            <a:schemeClr val="accent1"/>
-          </a:fillRef>
-          <a:effectRef idx="0">
-            <a:schemeClr val="accent1"/>
-          </a:effectRef>
-          <a:fontRef idx="minor">
-            <a:schemeClr val="lt1"/>
-          </a:fontRef>
-        </p:style>
-        <p:txBody>
-          <a:bodyPr rtlCol="0" anchor="ctr"/>
-          <a:lstStyle/>
-          <a:p>
-            <a:pPr algn="ctr"/>
-            <a:endParaRPr lang="en-US"/>
-          </a:p>
-        </p:txBody>
-      </p:sp>
-      <p:sp>
-        <p:nvSpPr>
-          <p:cNvPr id="11" name="Rectangle 10">
-            <a:extLst>
-              <a:ext uri="{FF2B5EF4-FFF2-40B4-BE49-F238E27FC236}">
-                <a16:creationId xmlns:a16="http://schemas.microsoft.com/office/drawing/2014/main" id="{AE75A48F-8A23-F1A1-DA68-AD7164AF27F0}"/>
-              </a:ext>
-            </a:extLst>
-          </p:cNvPr>
-          <p:cNvSpPr/>
-          <p:nvPr/>
-        </p:nvSpPr>
-        <p:spPr>
-          <a:xfrm>
-            <a:off x="611560" y="3140968"/>
-            <a:ext cx="2952328" cy="936104"/>
-          </a:xfrm>
-          <a:prstGeom prst="rect">
-            <a:avLst/>
-          </a:prstGeom>
-          <a:noFill/>
-          <a:ln>
-            <a:solidFill>
-              <a:srgbClr val="C00000"/>
-            </a:solidFill>
-          </a:ln>
-        </p:spPr>
-        <p:style>
-          <a:lnRef idx="2">
-            <a:schemeClr val="accent1">
-              <a:shade val="50000"/>
-            </a:schemeClr>
-          </a:lnRef>
-          <a:fillRef idx="1">
-            <a:schemeClr val="accent1"/>
-          </a:fillRef>
-          <a:effectRef idx="0">
-            <a:schemeClr val="accent1"/>
-          </a:effectRef>
-          <a:fontRef idx="minor">
-            <a:schemeClr val="lt1"/>
-          </a:fontRef>
-        </p:style>
-        <p:txBody>
-          <a:bodyPr rtlCol="0" anchor="ctr"/>
-          <a:lstStyle/>
-          <a:p>
-            <a:pPr algn="ctr"/>
-            <a:endParaRPr lang="en-US"/>
-          </a:p>
-        </p:txBody>
-      </p:sp>
-      <p:cxnSp>
-        <p:nvCxnSpPr>
-          <p:cNvPr id="13" name="Straight Arrow Connector 12">
-            <a:extLst>
-              <a:ext uri="{FF2B5EF4-FFF2-40B4-BE49-F238E27FC236}">
-                <a16:creationId xmlns:a16="http://schemas.microsoft.com/office/drawing/2014/main" id="{8C7CA898-CF99-42A6-49AF-96E05C4956B7}"/>
-              </a:ext>
-            </a:extLst>
-          </p:cNvPr>
-          <p:cNvCxnSpPr>
-            <a:cxnSpLocks/>
-            <a:stCxn id="11" idx="2"/>
-            <a:endCxn id="10" idx="1"/>
-          </p:cNvCxnSpPr>
-          <p:nvPr/>
-        </p:nvCxnSpPr>
-        <p:spPr>
-          <a:xfrm>
-            <a:off x="2087724" y="4077072"/>
-            <a:ext cx="2268252" cy="2147751"/>
-          </a:xfrm>
-          <a:prstGeom prst="straightConnector1">
-            <a:avLst/>
-          </a:prstGeom>
-          <a:ln>
-            <a:tailEnd type="triangle"/>
-          </a:ln>
-        </p:spPr>
-        <p:style>
-          <a:lnRef idx="1">
-            <a:schemeClr val="accent2"/>
-          </a:lnRef>
-          <a:fillRef idx="0">
-            <a:schemeClr val="accent2"/>
-          </a:fillRef>
-          <a:effectRef idx="0">
-            <a:schemeClr val="accent2"/>
-          </a:effectRef>
-          <a:fontRef idx="minor">
-            <a:schemeClr val="tx1"/>
-          </a:fontRef>
-        </p:style>
-      </p:cxnSp>
-    </p:spTree>
-    <p:extLst>
-      <p:ext uri="{BB962C8B-B14F-4D97-AF65-F5344CB8AC3E}">
-        <p14:creationId xmlns:p14="http://schemas.microsoft.com/office/powerpoint/2010/main" val="3879225375"/>
-      </p:ext>
-    </p:extLst>
-  </p:cSld>
-  <p:clrMapOvr>
-    <a:masterClrMapping/>
-  </p:clrMapOvr>
-</p:sld>
-</file>
-
-<file path=ppt/slides/slide17.xml><?xml version="1.0" encoding="utf-8"?>
-<p:sld xmlns:a="http://schemas.openxmlformats.org/drawingml/2006/main" xmlns:r="http://schemas.openxmlformats.org/officeDocument/2006/relationships" xmlns:p="http://schemas.openxmlformats.org/presentationml/2006/main">
-  <p:cSld>
-    <p:spTree>
-      <p:nvGrpSpPr>
-        <p:cNvPr id="1" name=""/>
-        <p:cNvGrpSpPr/>
-        <p:nvPr/>
-      </p:nvGrpSpPr>
-      <p:grpSpPr>
-        <a:xfrm>
-          <a:off x="0" y="0"/>
-          <a:ext cx="0" cy="0"/>
-          <a:chOff x="0" y="0"/>
-          <a:chExt cx="0" cy="0"/>
-        </a:xfrm>
-      </p:grpSpPr>
-      <p:sp>
-        <p:nvSpPr>
-          <p:cNvPr id="2" name="標題 1"/>
-          <p:cNvSpPr>
-            <a:spLocks noGrp="1"/>
-          </p:cNvSpPr>
-          <p:nvPr>
-            <p:ph type="ctrTitle"/>
-          </p:nvPr>
-        </p:nvSpPr>
-        <p:spPr>
-          <a:xfrm>
-            <a:off x="0" y="1"/>
-            <a:ext cx="9144000" cy="764704"/>
-          </a:xfrm>
-          <a:gradFill flip="none" rotWithShape="1">
-            <a:gsLst>
-              <a:gs pos="0">
-                <a:srgbClr val="C00000">
-                  <a:shade val="30000"/>
-                  <a:satMod val="115000"/>
-                </a:srgbClr>
-              </a:gs>
-              <a:gs pos="50000">
-                <a:srgbClr val="C00000">
-                  <a:shade val="67500"/>
-                  <a:satMod val="115000"/>
-                </a:srgbClr>
-              </a:gs>
-              <a:gs pos="100000">
-                <a:srgbClr val="C00000">
-                  <a:shade val="100000"/>
-                  <a:satMod val="115000"/>
-                </a:srgbClr>
-              </a:gs>
-            </a:gsLst>
-            <a:path path="circle">
-              <a:fillToRect t="100000" r="100000"/>
-            </a:path>
-            <a:tileRect l="-100000" b="-100000"/>
-          </a:gradFill>
-        </p:spPr>
-        <p:txBody>
-          <a:bodyPr>
-            <a:normAutofit/>
-          </a:bodyPr>
-          <a:lstStyle/>
-          <a:p>
-            <a:pPr algn="l"/>
-            <a:r>
-              <a:rPr lang="en-US" altLang="zh-TW" sz="4400" b="1" dirty="0">
-                <a:solidFill>
-                  <a:srgbClr val="FFFF00"/>
-                </a:solidFill>
-              </a:rPr>
-              <a:t>1.3 Initialize Hostname and IP Address</a:t>
-            </a:r>
-            <a:endParaRPr lang="zh-TW" altLang="en-US" b="1" dirty="0">
-              <a:solidFill>
-                <a:srgbClr val="FFFF00"/>
-              </a:solidFill>
-            </a:endParaRPr>
-          </a:p>
-        </p:txBody>
-      </p:sp>
-      <p:sp>
-        <p:nvSpPr>
-          <p:cNvPr id="3" name="副標題 2"/>
-          <p:cNvSpPr>
-            <a:spLocks noGrp="1"/>
-          </p:cNvSpPr>
-          <p:nvPr>
-            <p:ph type="subTitle" idx="1"/>
-          </p:nvPr>
-        </p:nvSpPr>
-        <p:spPr>
-          <a:xfrm>
-            <a:off x="297396" y="1262771"/>
-            <a:ext cx="5426732" cy="1228725"/>
-          </a:xfrm>
-          <a:ln>
-            <a:solidFill>
-              <a:srgbClr val="C00000"/>
-            </a:solidFill>
-          </a:ln>
-        </p:spPr>
-        <p:txBody>
-          <a:bodyPr>
-            <a:noAutofit/>
-          </a:bodyPr>
-          <a:lstStyle/>
-          <a:p>
-            <a:pPr marL="342900" indent="-342900" algn="l">
-              <a:buClr>
-                <a:srgbClr val="0070C0"/>
-              </a:buClr>
-              <a:buSzPct val="80000"/>
-              <a:buFont typeface="Wingdings" pitchFamily="2" charset="2"/>
-              <a:buChar char="u"/>
-            </a:pPr>
-            <a:r>
-              <a:rPr lang="en-US" sz="1800" b="1" i="0" dirty="0">
-                <a:solidFill>
-                  <a:srgbClr val="C00000"/>
-                </a:solidFill>
-                <a:effectLst/>
-              </a:rPr>
-              <a:t>/etc/network/interface</a:t>
-            </a:r>
-          </a:p>
-          <a:p>
-            <a:pPr marL="342900" indent="-342900" algn="l">
-              <a:buClr>
-                <a:srgbClr val="0070C0"/>
-              </a:buClr>
-              <a:buSzPct val="80000"/>
-              <a:buFont typeface="Wingdings" pitchFamily="2" charset="2"/>
-              <a:buChar char="u"/>
-            </a:pPr>
-            <a:r>
-              <a:rPr lang="en-US" sz="1800" dirty="0">
-                <a:solidFill>
-                  <a:srgbClr val="000000"/>
-                </a:solidFill>
-                <a:hlinkClick r:id="rId2"/>
-              </a:rPr>
-              <a:t>https://netplan.io/examples</a:t>
-            </a:r>
-            <a:endParaRPr lang="en-US" sz="1800" dirty="0">
-              <a:solidFill>
-                <a:srgbClr val="000000"/>
-              </a:solidFill>
-            </a:endParaRPr>
-          </a:p>
-          <a:p>
-            <a:pPr marL="342900" indent="-342900" algn="l">
-              <a:buClr>
-                <a:srgbClr val="0070C0"/>
-              </a:buClr>
-              <a:buSzPct val="80000"/>
-              <a:buFont typeface="Wingdings" pitchFamily="2" charset="2"/>
-              <a:buChar char="u"/>
-            </a:pPr>
-            <a:r>
-              <a:rPr lang="en-US" sz="1800" dirty="0">
-                <a:solidFill>
-                  <a:srgbClr val="000000"/>
-                </a:solidFill>
-              </a:rPr>
-              <a:t>After Ubuntu 17.20 /etc/network/interface is changed to /etc/netplan</a:t>
-            </a:r>
-          </a:p>
-        </p:txBody>
-      </p:sp>
-      <p:sp>
-        <p:nvSpPr>
-          <p:cNvPr id="4" name="標題 1"/>
-          <p:cNvSpPr txBox="1">
-            <a:spLocks/>
-          </p:cNvSpPr>
-          <p:nvPr/>
-        </p:nvSpPr>
-        <p:spPr>
-          <a:xfrm>
-            <a:off x="0" y="764704"/>
-            <a:ext cx="9144000" cy="360040"/>
-          </a:xfrm>
-          <a:prstGeom prst="rect">
-            <a:avLst/>
-          </a:prstGeom>
-          <a:gradFill flip="none" rotWithShape="1">
-            <a:gsLst>
-              <a:gs pos="0">
-                <a:srgbClr val="00B0F0">
-                  <a:shade val="30000"/>
-                  <a:satMod val="115000"/>
-                </a:srgbClr>
-              </a:gs>
-              <a:gs pos="50000">
-                <a:srgbClr val="00B0F0">
-                  <a:shade val="67500"/>
-                  <a:satMod val="115000"/>
-                </a:srgbClr>
-              </a:gs>
-              <a:gs pos="100000">
-                <a:srgbClr val="00B0F0">
-                  <a:shade val="100000"/>
-                  <a:satMod val="115000"/>
-                </a:srgbClr>
-              </a:gs>
-            </a:gsLst>
-            <a:path path="circle">
-              <a:fillToRect t="100000" r="100000"/>
-            </a:path>
-            <a:tileRect l="-100000" b="-100000"/>
-          </a:gradFill>
-        </p:spPr>
-        <p:txBody>
-          <a:bodyPr vert="horz" lIns="91440" tIns="45720" rIns="91440" bIns="45720" rtlCol="0" anchor="ctr">
-            <a:normAutofit/>
-          </a:bodyPr>
-          <a:lstStyle/>
-          <a:p>
-            <a:pPr lvl="0">
-              <a:spcBef>
-                <a:spcPct val="0"/>
-              </a:spcBef>
-            </a:pPr>
-            <a:r>
-              <a:rPr lang="en-US" sz="1600" dirty="0"/>
-              <a:t>https://www.youtube.com/watch?v=UWg3ORRRF60</a:t>
-            </a:r>
-            <a:endParaRPr kumimoji="0" lang="zh-TW" altLang="en-US" sz="1600" b="0" i="0" u="none" strike="noStrike" kern="1200" cap="none" spc="0" normalizeH="0" baseline="0" noProof="0" dirty="0">
-              <a:ln>
-                <a:noFill/>
-              </a:ln>
-              <a:solidFill>
-                <a:schemeClr val="tx1"/>
-              </a:solidFill>
-              <a:effectLst/>
-              <a:uLnTx/>
-              <a:uFillTx/>
-              <a:latin typeface="+mj-lt"/>
-              <a:ea typeface="+mj-ea"/>
-              <a:cs typeface="+mj-cs"/>
-            </a:endParaRPr>
-          </a:p>
-        </p:txBody>
-      </p:sp>
-      <p:sp>
-        <p:nvSpPr>
-          <p:cNvPr id="5" name="日期版面配置區 4"/>
-          <p:cNvSpPr>
-            <a:spLocks noGrp="1"/>
-          </p:cNvSpPr>
-          <p:nvPr>
-            <p:ph type="dt" sz="half" idx="10"/>
-          </p:nvPr>
-        </p:nvSpPr>
-        <p:spPr/>
-        <p:txBody>
-          <a:bodyPr/>
-          <a:lstStyle/>
-          <a:p>
-            <a:fld id="{A4F910E6-8D00-4BAF-8C48-9688E0B449D3}" type="datetime1">
-              <a:rPr lang="zh-TW" altLang="en-US" smtClean="0"/>
-              <a:pPr/>
-              <a:t>2022/11/17</a:t>
-            </a:fld>
-            <a:endParaRPr lang="zh-TW" altLang="en-US"/>
-          </a:p>
-        </p:txBody>
-      </p:sp>
-      <p:sp>
-        <p:nvSpPr>
-          <p:cNvPr id="6" name="投影片編號版面配置區 5"/>
-          <p:cNvSpPr>
-            <a:spLocks noGrp="1"/>
-          </p:cNvSpPr>
-          <p:nvPr>
-            <p:ph type="sldNum" sz="quarter" idx="12"/>
-          </p:nvPr>
-        </p:nvSpPr>
-        <p:spPr/>
-        <p:txBody>
-          <a:bodyPr/>
-          <a:lstStyle/>
-          <a:p>
-            <a:fld id="{E4D7E63D-91F2-4366-A2C4-1B00C9E2590E}" type="slidenum">
-              <a:rPr lang="zh-TW" altLang="en-US" smtClean="0"/>
-              <a:pPr/>
-              <a:t>17</a:t>
             </a:fld>
             <a:endParaRPr lang="zh-TW" altLang="en-US"/>
           </a:p>
@@ -8240,7 +6039,7 @@
 </p:sld>
 </file>
 
-<file path=ppt/slides/slide18.xml><?xml version="1.0" encoding="utf-8"?>
+<file path=ppt/slides/slide14.xml><?xml version="1.0" encoding="utf-8"?>
 <p:sld xmlns:a="http://schemas.openxmlformats.org/drawingml/2006/main" xmlns:r="http://schemas.openxmlformats.org/officeDocument/2006/relationships" xmlns:p="http://schemas.openxmlformats.org/presentationml/2006/main">
   <p:cSld>
     <p:spTree>
@@ -8735,7 +6534,7 @@
             <a:fld id="{A4F910E6-8D00-4BAF-8C48-9688E0B449D3}" type="datetime1">
               <a:rPr lang="zh-TW" altLang="en-US" smtClean="0"/>
               <a:pPr/>
-              <a:t>2022/11/17</a:t>
+              <a:t>2022/11/19</a:t>
             </a:fld>
             <a:endParaRPr lang="zh-TW" altLang="en-US"/>
           </a:p>
@@ -8759,7 +6558,7 @@
             <a:fld id="{E4D7E63D-91F2-4366-A2C4-1B00C9E2590E}" type="slidenum">
               <a:rPr lang="zh-TW" altLang="en-US" smtClean="0"/>
               <a:pPr/>
-              <a:t>18</a:t>
+              <a:t>14</a:t>
             </a:fld>
             <a:endParaRPr lang="zh-TW" altLang="en-US"/>
           </a:p>
@@ -8813,7 +6612,7 @@
 </p:sld>
 </file>
 
-<file path=ppt/slides/slide19.xml><?xml version="1.0" encoding="utf-8"?>
+<file path=ppt/slides/slide15.xml><?xml version="1.0" encoding="utf-8"?>
 <p:sld xmlns:a="http://schemas.openxmlformats.org/drawingml/2006/main" xmlns:r="http://schemas.openxmlformats.org/officeDocument/2006/relationships" xmlns:p="http://schemas.openxmlformats.org/presentationml/2006/main">
   <p:cSld>
     <p:spTree>
@@ -9154,7 +6953,7 @@
             <a:fld id="{A4F910E6-8D00-4BAF-8C48-9688E0B449D3}" type="datetime1">
               <a:rPr lang="zh-TW" altLang="en-US" smtClean="0"/>
               <a:pPr/>
-              <a:t>2022/11/17</a:t>
+              <a:t>2022/11/19</a:t>
             </a:fld>
             <a:endParaRPr lang="zh-TW" altLang="en-US"/>
           </a:p>
@@ -9178,7 +6977,7 @@
             <a:fld id="{E4D7E63D-91F2-4366-A2C4-1B00C9E2590E}" type="slidenum">
               <a:rPr lang="zh-TW" altLang="en-US" smtClean="0"/>
               <a:pPr/>
-              <a:t>19</a:t>
+              <a:t>15</a:t>
             </a:fld>
             <a:endParaRPr lang="zh-TW" altLang="en-US"/>
           </a:p>
@@ -9366,7 +7165,7 @@
 </p:sld>
 </file>
 
-<file path=ppt/slides/slide2.xml><?xml version="1.0" encoding="utf-8"?>
+<file path=ppt/slides/slide16.xml><?xml version="1.0" encoding="utf-8"?>
 <p:sld xmlns:a="http://schemas.openxmlformats.org/drawingml/2006/main" xmlns:r="http://schemas.openxmlformats.org/officeDocument/2006/relationships" xmlns:p="http://schemas.openxmlformats.org/presentationml/2006/main">
   <p:cSld>
     <p:spTree>
@@ -9438,7 +7237,7 @@
                   <a:srgbClr val="FFFF00"/>
                 </a:solidFill>
               </a:rPr>
-              <a:t>1 Install on Both Master/Slave: Master</a:t>
+              <a:t>1.3 Initialize Hostname and IP Address</a:t>
             </a:r>
             <a:endParaRPr lang="zh-TW" altLang="en-US" b="1" dirty="0">
               <a:solidFill>
@@ -9460,8 +7259,8 @@
         </p:nvSpPr>
         <p:spPr>
           <a:xfrm>
-            <a:off x="316022" y="1224078"/>
-            <a:ext cx="8504449" cy="2692315"/>
+            <a:off x="145354" y="1248461"/>
+            <a:ext cx="3058493" cy="4844835"/>
           </a:xfrm>
           <a:ln>
             <a:solidFill>
@@ -9490,7 +7289,7 @@
                 </a:solidFill>
                 <a:effectLst/>
               </a:rPr>
-              <a:t>Install for Both Master and Slave: Master</a:t>
+              <a:t>Restart  Machine</a:t>
             </a:r>
           </a:p>
           <a:p>
@@ -9508,7 +7307,7 @@
                   <a:srgbClr val="000000"/>
                 </a:solidFill>
               </a:rPr>
-              <a:t>Review:</a:t>
+              <a:t>Now, we car re-started the machine</a:t>
             </a:r>
           </a:p>
           <a:p>
@@ -9526,24 +7325,23 @@
                   <a:srgbClr val="000000"/>
                 </a:solidFill>
               </a:rPr>
-              <a:t>W</a:t>
-            </a:r>
-            <a:r>
-              <a:rPr lang="en-US" sz="1800" b="0" i="0" dirty="0">
+              <a:t>…and check </a:t>
+            </a:r>
+            <a:r>
+              <a:rPr lang="en-US" sz="1800" b="1" dirty="0">
+                <a:solidFill>
+                  <a:srgbClr val="C00000"/>
+                </a:solidFill>
+              </a:rPr>
+              <a:t>if my hostname and hosts have been updated</a:t>
+            </a:r>
+            <a:r>
+              <a:rPr lang="en-US" sz="1800" dirty="0">
                 <a:solidFill>
                   <a:srgbClr val="000000"/>
                 </a:solidFill>
-                <a:effectLst/>
               </a:rPr>
-              <a:t>e have the two machines master </a:t>
-            </a:r>
-            <a:r>
-              <a:rPr lang="en-US" sz="1800" dirty="0">
-                <a:solidFill>
-                  <a:srgbClr val="000000"/>
-                </a:solidFill>
-              </a:rPr>
-              <a:t>and the slave in the cluster.</a:t>
+              <a:t>.</a:t>
             </a:r>
           </a:p>
           <a:p>
@@ -9556,13 +7354,12 @@
               <a:buChar char="u"/>
             </a:pPr>
             <a:r>
-              <a:rPr lang="en-US" sz="1800" b="0" i="0" dirty="0">
+              <a:rPr lang="en-US" sz="1800" dirty="0">
                 <a:solidFill>
                   <a:srgbClr val="000000"/>
                 </a:solidFill>
-                <a:effectLst/>
               </a:rPr>
-              <a:t>The master must have at least 2GB of RAM and 2-core CPUs.</a:t>
+              <a:t>The hostname and hosts are updated each time we start the machine.</a:t>
             </a:r>
           </a:p>
           <a:p>
@@ -9580,7 +7377,7 @@
                   <a:srgbClr val="000000"/>
                 </a:solidFill>
               </a:rPr>
-              <a:t>The slave must have at least 2GB RAM and 1-core CPU.</a:t>
+              <a:t>1. root@kmaster</a:t>
             </a:r>
           </a:p>
           <a:p>
@@ -9593,21 +7390,12 @@
               <a:buChar char="u"/>
             </a:pPr>
             <a:r>
-              <a:rPr lang="en-US" sz="1800" b="0" i="0" dirty="0">
+              <a:rPr lang="en-US" sz="1800" dirty="0">
                 <a:solidFill>
                   <a:srgbClr val="000000"/>
                 </a:solidFill>
-                <a:effectLst/>
               </a:rPr>
-              <a:t>These are basic </a:t>
-            </a:r>
-            <a:r>
-              <a:rPr lang="en-US" sz="1800" dirty="0">
-                <a:solidFill>
-                  <a:srgbClr val="000000"/>
-                </a:solidFill>
-              </a:rPr>
-              <a:t>requirements for the master and slave machines.</a:t>
+              <a:t>2. &gt; ifconfig</a:t>
             </a:r>
           </a:p>
           <a:p>
@@ -9620,13 +7408,12 @@
               <a:buChar char="u"/>
             </a:pPr>
             <a:r>
-              <a:rPr lang="en-US" sz="1800" b="0" i="0" dirty="0">
+              <a:rPr lang="en-US" sz="1800" dirty="0">
                 <a:solidFill>
                   <a:srgbClr val="000000"/>
                 </a:solidFill>
-                <a:effectLst/>
               </a:rPr>
-              <a:t>&gt; ping &lt;ipv4-address&gt;</a:t>
+              <a:t>&gt;&gt; wlp2s0: IP Address 192.168.1.3</a:t>
             </a:r>
           </a:p>
           <a:p>
@@ -9644,14 +7431,8 @@
                   <a:srgbClr val="000000"/>
                 </a:solidFill>
               </a:rPr>
-              <a:t>&gt; ping6 -I &lt;interface&gt; &lt;ipv6-address&gt; (Same machine OK. For different machine NG)</a:t>
-            </a:r>
-            <a:endParaRPr lang="en-US" sz="1800" b="0" i="0" dirty="0">
-              <a:solidFill>
-                <a:srgbClr val="000000"/>
-              </a:solidFill>
-              <a:effectLst/>
-            </a:endParaRPr>
+              <a:t>We can see the hostname and IP-address keep the same as we specified.</a:t>
+            </a:r>
           </a:p>
         </p:txBody>
       </p:sp>
@@ -9748,7 +7529,2102 @@
             <a:fld id="{A4F910E6-8D00-4BAF-8C48-9688E0B449D3}" type="datetime1">
               <a:rPr lang="zh-TW" altLang="en-US" smtClean="0"/>
               <a:pPr/>
-              <a:t>2022/11/17</a:t>
+              <a:t>2022/11/19</a:t>
+            </a:fld>
+            <a:endParaRPr lang="zh-TW" altLang="en-US"/>
+          </a:p>
+        </p:txBody>
+      </p:sp>
+      <p:sp>
+        <p:nvSpPr>
+          <p:cNvPr id="6" name="投影片編號版面配置區 5"/>
+          <p:cNvSpPr>
+            <a:spLocks noGrp="1"/>
+          </p:cNvSpPr>
+          <p:nvPr>
+            <p:ph type="sldNum" sz="quarter" idx="12"/>
+          </p:nvPr>
+        </p:nvSpPr>
+        <p:spPr/>
+        <p:txBody>
+          <a:bodyPr/>
+          <a:lstStyle/>
+          <a:p>
+            <a:fld id="{E4D7E63D-91F2-4366-A2C4-1B00C9E2590E}" type="slidenum">
+              <a:rPr lang="zh-TW" altLang="en-US" smtClean="0"/>
+              <a:pPr/>
+              <a:t>16</a:t>
+            </a:fld>
+            <a:endParaRPr lang="zh-TW" altLang="en-US"/>
+          </a:p>
+        </p:txBody>
+      </p:sp>
+      <p:pic>
+        <p:nvPicPr>
+          <p:cNvPr id="10" name="Picture 9">
+            <a:extLst>
+              <a:ext uri="{FF2B5EF4-FFF2-40B4-BE49-F238E27FC236}">
+                <a16:creationId xmlns:a16="http://schemas.microsoft.com/office/drawing/2014/main" id="{619D39EB-27C4-AE3C-BE83-DD6F15F72FFD}"/>
+              </a:ext>
+            </a:extLst>
+          </p:cNvPr>
+          <p:cNvPicPr>
+            <a:picLocks noChangeAspect="1"/>
+          </p:cNvPicPr>
+          <p:nvPr/>
+        </p:nvPicPr>
+        <p:blipFill>
+          <a:blip r:embed="rId2"/>
+          <a:stretch>
+            <a:fillRect/>
+          </a:stretch>
+        </p:blipFill>
+        <p:spPr>
+          <a:xfrm>
+            <a:off x="3296791" y="405514"/>
+            <a:ext cx="5991225" cy="5876925"/>
+          </a:xfrm>
+          <a:prstGeom prst="rect">
+            <a:avLst/>
+          </a:prstGeom>
+          <a:ln>
+            <a:solidFill>
+              <a:srgbClr val="C00000"/>
+            </a:solidFill>
+          </a:ln>
+        </p:spPr>
+      </p:pic>
+      <p:sp>
+        <p:nvSpPr>
+          <p:cNvPr id="13" name="Rectangle 12">
+            <a:extLst>
+              <a:ext uri="{FF2B5EF4-FFF2-40B4-BE49-F238E27FC236}">
+                <a16:creationId xmlns:a16="http://schemas.microsoft.com/office/drawing/2014/main" id="{DD97FCF9-95C5-645F-B772-9E4E0222EC13}"/>
+              </a:ext>
+            </a:extLst>
+          </p:cNvPr>
+          <p:cNvSpPr/>
+          <p:nvPr/>
+        </p:nvSpPr>
+        <p:spPr>
+          <a:xfrm>
+            <a:off x="3296790" y="5991224"/>
+            <a:ext cx="2139306" cy="291215"/>
+          </a:xfrm>
+          <a:prstGeom prst="rect">
+            <a:avLst/>
+          </a:prstGeom>
+          <a:noFill/>
+          <a:ln>
+            <a:solidFill>
+              <a:srgbClr val="C00000"/>
+            </a:solidFill>
+          </a:ln>
+        </p:spPr>
+        <p:style>
+          <a:lnRef idx="2">
+            <a:schemeClr val="accent1">
+              <a:shade val="50000"/>
+            </a:schemeClr>
+          </a:lnRef>
+          <a:fillRef idx="1">
+            <a:schemeClr val="accent1"/>
+          </a:fillRef>
+          <a:effectRef idx="0">
+            <a:schemeClr val="accent1"/>
+          </a:effectRef>
+          <a:fontRef idx="minor">
+            <a:schemeClr val="lt1"/>
+          </a:fontRef>
+        </p:style>
+        <p:txBody>
+          <a:bodyPr rtlCol="0" anchor="ctr"/>
+          <a:lstStyle/>
+          <a:p>
+            <a:pPr algn="ctr"/>
+            <a:endParaRPr lang="en-US"/>
+          </a:p>
+        </p:txBody>
+      </p:sp>
+      <p:sp>
+        <p:nvSpPr>
+          <p:cNvPr id="14" name="Rectangle 13">
+            <a:extLst>
+              <a:ext uri="{FF2B5EF4-FFF2-40B4-BE49-F238E27FC236}">
+                <a16:creationId xmlns:a16="http://schemas.microsoft.com/office/drawing/2014/main" id="{8EF61FD2-940E-AC3E-6999-DA86F7CB1F51}"/>
+              </a:ext>
+            </a:extLst>
+          </p:cNvPr>
+          <p:cNvSpPr/>
+          <p:nvPr/>
+        </p:nvSpPr>
+        <p:spPr>
+          <a:xfrm>
+            <a:off x="3296791" y="4581128"/>
+            <a:ext cx="5898282" cy="576064"/>
+          </a:xfrm>
+          <a:prstGeom prst="rect">
+            <a:avLst/>
+          </a:prstGeom>
+          <a:noFill/>
+          <a:ln>
+            <a:solidFill>
+              <a:srgbClr val="C00000"/>
+            </a:solidFill>
+          </a:ln>
+        </p:spPr>
+        <p:style>
+          <a:lnRef idx="2">
+            <a:schemeClr val="accent1">
+              <a:shade val="50000"/>
+            </a:schemeClr>
+          </a:lnRef>
+          <a:fillRef idx="1">
+            <a:schemeClr val="accent1"/>
+          </a:fillRef>
+          <a:effectRef idx="0">
+            <a:schemeClr val="accent1"/>
+          </a:effectRef>
+          <a:fontRef idx="minor">
+            <a:schemeClr val="lt1"/>
+          </a:fontRef>
+        </p:style>
+        <p:txBody>
+          <a:bodyPr rtlCol="0" anchor="ctr"/>
+          <a:lstStyle/>
+          <a:p>
+            <a:pPr algn="ctr"/>
+            <a:endParaRPr lang="en-US"/>
+          </a:p>
+        </p:txBody>
+      </p:sp>
+      <p:sp>
+        <p:nvSpPr>
+          <p:cNvPr id="15" name="Oval 14">
+            <a:extLst>
+              <a:ext uri="{FF2B5EF4-FFF2-40B4-BE49-F238E27FC236}">
+                <a16:creationId xmlns:a16="http://schemas.microsoft.com/office/drawing/2014/main" id="{1B9A9F89-D567-F3A2-95EC-72C8649DB23B}"/>
+              </a:ext>
+            </a:extLst>
+          </p:cNvPr>
+          <p:cNvSpPr/>
+          <p:nvPr/>
+        </p:nvSpPr>
+        <p:spPr>
+          <a:xfrm>
+            <a:off x="3296790" y="5600453"/>
+            <a:ext cx="304081" cy="291215"/>
+          </a:xfrm>
+          <a:prstGeom prst="ellipse">
+            <a:avLst/>
+          </a:prstGeom>
+          <a:solidFill>
+            <a:srgbClr val="FFFF00"/>
+          </a:solidFill>
+          <a:ln>
+            <a:solidFill>
+              <a:srgbClr val="C00000"/>
+            </a:solidFill>
+          </a:ln>
+        </p:spPr>
+        <p:style>
+          <a:lnRef idx="2">
+            <a:schemeClr val="accent1">
+              <a:shade val="50000"/>
+            </a:schemeClr>
+          </a:lnRef>
+          <a:fillRef idx="1">
+            <a:schemeClr val="accent1"/>
+          </a:fillRef>
+          <a:effectRef idx="0">
+            <a:schemeClr val="accent1"/>
+          </a:effectRef>
+          <a:fontRef idx="minor">
+            <a:schemeClr val="lt1"/>
+          </a:fontRef>
+        </p:style>
+        <p:txBody>
+          <a:bodyPr rtlCol="0" anchor="ctr"/>
+          <a:lstStyle/>
+          <a:p>
+            <a:pPr algn="ctr"/>
+            <a:r>
+              <a:rPr lang="en-US" dirty="0">
+                <a:solidFill>
+                  <a:schemeClr val="tx1"/>
+                </a:solidFill>
+              </a:rPr>
+              <a:t>1</a:t>
+            </a:r>
+          </a:p>
+        </p:txBody>
+      </p:sp>
+      <p:sp>
+        <p:nvSpPr>
+          <p:cNvPr id="16" name="Oval 15">
+            <a:extLst>
+              <a:ext uri="{FF2B5EF4-FFF2-40B4-BE49-F238E27FC236}">
+                <a16:creationId xmlns:a16="http://schemas.microsoft.com/office/drawing/2014/main" id="{8461BA52-3709-2971-832B-8327F3E04FAD}"/>
+              </a:ext>
+            </a:extLst>
+          </p:cNvPr>
+          <p:cNvSpPr/>
+          <p:nvPr/>
+        </p:nvSpPr>
+        <p:spPr>
+          <a:xfrm>
+            <a:off x="3296791" y="4304512"/>
+            <a:ext cx="304081" cy="291215"/>
+          </a:xfrm>
+          <a:prstGeom prst="ellipse">
+            <a:avLst/>
+          </a:prstGeom>
+          <a:solidFill>
+            <a:srgbClr val="FFFF00"/>
+          </a:solidFill>
+          <a:ln>
+            <a:solidFill>
+              <a:srgbClr val="C00000"/>
+            </a:solidFill>
+          </a:ln>
+        </p:spPr>
+        <p:style>
+          <a:lnRef idx="2">
+            <a:schemeClr val="accent1">
+              <a:shade val="50000"/>
+            </a:schemeClr>
+          </a:lnRef>
+          <a:fillRef idx="1">
+            <a:schemeClr val="accent1"/>
+          </a:fillRef>
+          <a:effectRef idx="0">
+            <a:schemeClr val="accent1"/>
+          </a:effectRef>
+          <a:fontRef idx="minor">
+            <a:schemeClr val="lt1"/>
+          </a:fontRef>
+        </p:style>
+        <p:txBody>
+          <a:bodyPr rtlCol="0" anchor="ctr"/>
+          <a:lstStyle/>
+          <a:p>
+            <a:pPr algn="ctr"/>
+            <a:r>
+              <a:rPr lang="en-US" dirty="0">
+                <a:solidFill>
+                  <a:schemeClr val="tx1"/>
+                </a:solidFill>
+              </a:rPr>
+              <a:t>2</a:t>
+            </a:r>
+          </a:p>
+        </p:txBody>
+      </p:sp>
+    </p:spTree>
+    <p:extLst>
+      <p:ext uri="{BB962C8B-B14F-4D97-AF65-F5344CB8AC3E}">
+        <p14:creationId xmlns:p14="http://schemas.microsoft.com/office/powerpoint/2010/main" val="1398995935"/>
+      </p:ext>
+    </p:extLst>
+  </p:cSld>
+  <p:clrMapOvr>
+    <a:masterClrMapping/>
+  </p:clrMapOvr>
+</p:sld>
+</file>
+
+<file path=ppt/slides/slide17.xml><?xml version="1.0" encoding="utf-8"?>
+<p:sld xmlns:a="http://schemas.openxmlformats.org/drawingml/2006/main" xmlns:r="http://schemas.openxmlformats.org/officeDocument/2006/relationships" xmlns:p="http://schemas.openxmlformats.org/presentationml/2006/main">
+  <p:cSld>
+    <p:spTree>
+      <p:nvGrpSpPr>
+        <p:cNvPr id="1" name=""/>
+        <p:cNvGrpSpPr/>
+        <p:nvPr/>
+      </p:nvGrpSpPr>
+      <p:grpSpPr>
+        <a:xfrm>
+          <a:off x="0" y="0"/>
+          <a:ext cx="0" cy="0"/>
+          <a:chOff x="0" y="0"/>
+          <a:chExt cx="0" cy="0"/>
+        </a:xfrm>
+      </p:grpSpPr>
+      <p:sp>
+        <p:nvSpPr>
+          <p:cNvPr id="2" name="標題 1"/>
+          <p:cNvSpPr>
+            <a:spLocks noGrp="1"/>
+          </p:cNvSpPr>
+          <p:nvPr>
+            <p:ph type="ctrTitle"/>
+          </p:nvPr>
+        </p:nvSpPr>
+        <p:spPr>
+          <a:xfrm>
+            <a:off x="0" y="1"/>
+            <a:ext cx="9144000" cy="764704"/>
+          </a:xfrm>
+          <a:gradFill flip="none" rotWithShape="1">
+            <a:gsLst>
+              <a:gs pos="0">
+                <a:srgbClr val="C00000">
+                  <a:shade val="30000"/>
+                  <a:satMod val="115000"/>
+                </a:srgbClr>
+              </a:gs>
+              <a:gs pos="50000">
+                <a:srgbClr val="C00000">
+                  <a:shade val="67500"/>
+                  <a:satMod val="115000"/>
+                </a:srgbClr>
+              </a:gs>
+              <a:gs pos="100000">
+                <a:srgbClr val="C00000">
+                  <a:shade val="100000"/>
+                  <a:satMod val="115000"/>
+                </a:srgbClr>
+              </a:gs>
+            </a:gsLst>
+            <a:path path="circle">
+              <a:fillToRect t="100000" r="100000"/>
+            </a:path>
+            <a:tileRect l="-100000" b="-100000"/>
+          </a:gradFill>
+        </p:spPr>
+        <p:txBody>
+          <a:bodyPr>
+            <a:normAutofit/>
+          </a:bodyPr>
+          <a:lstStyle/>
+          <a:p>
+            <a:pPr algn="l"/>
+            <a:r>
+              <a:rPr lang="en-US" altLang="zh-TW" sz="4400" b="1" dirty="0">
+                <a:solidFill>
+                  <a:srgbClr val="FFFF00"/>
+                </a:solidFill>
+              </a:rPr>
+              <a:t>1.3 Initialize Hostname and IP Address</a:t>
+            </a:r>
+            <a:endParaRPr lang="zh-TW" altLang="en-US" b="1" dirty="0">
+              <a:solidFill>
+                <a:srgbClr val="FFFF00"/>
+              </a:solidFill>
+            </a:endParaRPr>
+          </a:p>
+        </p:txBody>
+      </p:sp>
+      <p:sp>
+        <p:nvSpPr>
+          <p:cNvPr id="3" name="副標題 2"/>
+          <p:cNvSpPr>
+            <a:spLocks noGrp="1"/>
+          </p:cNvSpPr>
+          <p:nvPr>
+            <p:ph type="subTitle" idx="1"/>
+          </p:nvPr>
+        </p:nvSpPr>
+        <p:spPr>
+          <a:xfrm>
+            <a:off x="145354" y="1248460"/>
+            <a:ext cx="3151436" cy="4484796"/>
+          </a:xfrm>
+          <a:ln>
+            <a:solidFill>
+              <a:srgbClr val="C00000"/>
+            </a:solidFill>
+          </a:ln>
+        </p:spPr>
+        <p:txBody>
+          <a:bodyPr>
+            <a:noAutofit/>
+          </a:bodyPr>
+          <a:lstStyle/>
+          <a:p>
+            <a:pPr marL="342900" indent="-342900" algn="l">
+              <a:buClr>
+                <a:srgbClr val="0070C0"/>
+              </a:buClr>
+              <a:buSzPct val="80000"/>
+              <a:buFont typeface="Wingdings" pitchFamily="2" charset="2"/>
+              <a:buChar char="u"/>
+            </a:pPr>
+            <a:r>
+              <a:rPr lang="en-US" sz="1800" b="1" i="0" dirty="0">
+                <a:solidFill>
+                  <a:srgbClr val="C00000"/>
+                </a:solidFill>
+                <a:effectLst/>
+              </a:rPr>
+              <a:t>Verify the hostname and IP Address</a:t>
+            </a:r>
+          </a:p>
+          <a:p>
+            <a:pPr marL="342900" indent="-342900" algn="l">
+              <a:buClr>
+                <a:srgbClr val="0070C0"/>
+              </a:buClr>
+              <a:buSzPct val="80000"/>
+              <a:buFont typeface="Wingdings" pitchFamily="2" charset="2"/>
+              <a:buChar char="u"/>
+            </a:pPr>
+            <a:r>
+              <a:rPr lang="en-US" sz="1800" dirty="0">
+                <a:solidFill>
+                  <a:srgbClr val="000000"/>
+                </a:solidFill>
+              </a:rPr>
+              <a:t>We verify:</a:t>
+            </a:r>
+          </a:p>
+          <a:p>
+            <a:pPr marL="342900" indent="-342900" algn="l">
+              <a:buClr>
+                <a:srgbClr val="0070C0"/>
+              </a:buClr>
+              <a:buSzPct val="80000"/>
+              <a:buFont typeface="Wingdings" pitchFamily="2" charset="2"/>
+              <a:buChar char="u"/>
+            </a:pPr>
+            <a:r>
+              <a:rPr lang="en-US" sz="1800" dirty="0">
+                <a:solidFill>
+                  <a:srgbClr val="000000"/>
+                </a:solidFill>
+              </a:rPr>
+              <a:t>1. The hostname to “kmaster” is successfully updated by /etc/hostname.</a:t>
+            </a:r>
+          </a:p>
+          <a:p>
+            <a:pPr marL="342900" indent="-342900" algn="l">
+              <a:buClr>
+                <a:srgbClr val="0070C0"/>
+              </a:buClr>
+              <a:buSzPct val="80000"/>
+              <a:buFont typeface="Wingdings" pitchFamily="2" charset="2"/>
+              <a:buChar char="u"/>
+            </a:pPr>
+            <a:r>
+              <a:rPr lang="en-US" sz="1800" dirty="0">
+                <a:solidFill>
+                  <a:srgbClr val="000000"/>
+                </a:solidFill>
+              </a:rPr>
+              <a:t>2. Verify IP-address by ifconfig command. As we can see the IP address is updated as we setup. </a:t>
+            </a:r>
+          </a:p>
+          <a:p>
+            <a:pPr marL="342900" indent="-342900" algn="l">
+              <a:buClr>
+                <a:srgbClr val="0070C0"/>
+              </a:buClr>
+              <a:buSzPct val="80000"/>
+              <a:buFont typeface="Wingdings" pitchFamily="2" charset="2"/>
+              <a:buChar char="u"/>
+            </a:pPr>
+            <a:r>
+              <a:rPr lang="en-US" sz="1800" dirty="0">
+                <a:solidFill>
+                  <a:srgbClr val="000000"/>
+                </a:solidFill>
+              </a:rPr>
+              <a:t>This IP Address is good, and this is what we want.</a:t>
+            </a:r>
+          </a:p>
+          <a:p>
+            <a:pPr marL="342900" indent="-342900" algn="l">
+              <a:buClr>
+                <a:srgbClr val="0070C0"/>
+              </a:buClr>
+              <a:buSzPct val="80000"/>
+              <a:buFont typeface="Wingdings" pitchFamily="2" charset="2"/>
+              <a:buChar char="u"/>
+            </a:pPr>
+            <a:r>
+              <a:rPr lang="en-US" sz="1800" dirty="0">
+                <a:solidFill>
+                  <a:srgbClr val="000000"/>
+                </a:solidFill>
+              </a:rPr>
+              <a:t>We will get the same IP address each time we re-boot. </a:t>
+            </a:r>
+          </a:p>
+        </p:txBody>
+      </p:sp>
+      <p:sp>
+        <p:nvSpPr>
+          <p:cNvPr id="4" name="標題 1"/>
+          <p:cNvSpPr txBox="1">
+            <a:spLocks/>
+          </p:cNvSpPr>
+          <p:nvPr/>
+        </p:nvSpPr>
+        <p:spPr>
+          <a:xfrm>
+            <a:off x="0" y="764704"/>
+            <a:ext cx="9144000" cy="360040"/>
+          </a:xfrm>
+          <a:prstGeom prst="rect">
+            <a:avLst/>
+          </a:prstGeom>
+          <a:gradFill flip="none" rotWithShape="1">
+            <a:gsLst>
+              <a:gs pos="0">
+                <a:srgbClr val="00B0F0">
+                  <a:shade val="30000"/>
+                  <a:satMod val="115000"/>
+                </a:srgbClr>
+              </a:gs>
+              <a:gs pos="50000">
+                <a:srgbClr val="00B0F0">
+                  <a:shade val="67500"/>
+                  <a:satMod val="115000"/>
+                </a:srgbClr>
+              </a:gs>
+              <a:gs pos="100000">
+                <a:srgbClr val="00B0F0">
+                  <a:shade val="100000"/>
+                  <a:satMod val="115000"/>
+                </a:srgbClr>
+              </a:gs>
+            </a:gsLst>
+            <a:path path="circle">
+              <a:fillToRect t="100000" r="100000"/>
+            </a:path>
+            <a:tileRect l="-100000" b="-100000"/>
+          </a:gradFill>
+        </p:spPr>
+        <p:txBody>
+          <a:bodyPr vert="horz" lIns="91440" tIns="45720" rIns="91440" bIns="45720" rtlCol="0" anchor="ctr">
+            <a:normAutofit/>
+          </a:bodyPr>
+          <a:lstStyle/>
+          <a:p>
+            <a:pPr lvl="0">
+              <a:spcBef>
+                <a:spcPct val="0"/>
+              </a:spcBef>
+            </a:pPr>
+            <a:r>
+              <a:rPr lang="en-US" sz="1600" dirty="0"/>
+              <a:t>https://www.youtube.com/watch?v=UWg3ORRRF60</a:t>
+            </a:r>
+            <a:endParaRPr kumimoji="0" lang="zh-TW" altLang="en-US" sz="1600" b="0" i="0" u="none" strike="noStrike" kern="1200" cap="none" spc="0" normalizeH="0" baseline="0" noProof="0" dirty="0">
+              <a:ln>
+                <a:noFill/>
+              </a:ln>
+              <a:solidFill>
+                <a:schemeClr val="tx1"/>
+              </a:solidFill>
+              <a:effectLst/>
+              <a:uLnTx/>
+              <a:uFillTx/>
+              <a:latin typeface="+mj-lt"/>
+              <a:ea typeface="+mj-ea"/>
+              <a:cs typeface="+mj-cs"/>
+            </a:endParaRPr>
+          </a:p>
+        </p:txBody>
+      </p:sp>
+      <p:sp>
+        <p:nvSpPr>
+          <p:cNvPr id="5" name="日期版面配置區 4"/>
+          <p:cNvSpPr>
+            <a:spLocks noGrp="1"/>
+          </p:cNvSpPr>
+          <p:nvPr>
+            <p:ph type="dt" sz="half" idx="10"/>
+          </p:nvPr>
+        </p:nvSpPr>
+        <p:spPr/>
+        <p:txBody>
+          <a:bodyPr/>
+          <a:lstStyle/>
+          <a:p>
+            <a:fld id="{A4F910E6-8D00-4BAF-8C48-9688E0B449D3}" type="datetime1">
+              <a:rPr lang="zh-TW" altLang="en-US" smtClean="0"/>
+              <a:pPr/>
+              <a:t>2022/11/19</a:t>
+            </a:fld>
+            <a:endParaRPr lang="zh-TW" altLang="en-US"/>
+          </a:p>
+        </p:txBody>
+      </p:sp>
+      <p:sp>
+        <p:nvSpPr>
+          <p:cNvPr id="6" name="投影片編號版面配置區 5"/>
+          <p:cNvSpPr>
+            <a:spLocks noGrp="1"/>
+          </p:cNvSpPr>
+          <p:nvPr>
+            <p:ph type="sldNum" sz="quarter" idx="12"/>
+          </p:nvPr>
+        </p:nvSpPr>
+        <p:spPr/>
+        <p:txBody>
+          <a:bodyPr/>
+          <a:lstStyle/>
+          <a:p>
+            <a:fld id="{E4D7E63D-91F2-4366-A2C4-1B00C9E2590E}" type="slidenum">
+              <a:rPr lang="zh-TW" altLang="en-US" smtClean="0"/>
+              <a:pPr/>
+              <a:t>17</a:t>
+            </a:fld>
+            <a:endParaRPr lang="zh-TW" altLang="en-US"/>
+          </a:p>
+        </p:txBody>
+      </p:sp>
+      <p:pic>
+        <p:nvPicPr>
+          <p:cNvPr id="10" name="Picture 9">
+            <a:extLst>
+              <a:ext uri="{FF2B5EF4-FFF2-40B4-BE49-F238E27FC236}">
+                <a16:creationId xmlns:a16="http://schemas.microsoft.com/office/drawing/2014/main" id="{619D39EB-27C4-AE3C-BE83-DD6F15F72FFD}"/>
+              </a:ext>
+            </a:extLst>
+          </p:cNvPr>
+          <p:cNvPicPr>
+            <a:picLocks noChangeAspect="1"/>
+          </p:cNvPicPr>
+          <p:nvPr/>
+        </p:nvPicPr>
+        <p:blipFill>
+          <a:blip r:embed="rId2"/>
+          <a:stretch>
+            <a:fillRect/>
+          </a:stretch>
+        </p:blipFill>
+        <p:spPr>
+          <a:xfrm>
+            <a:off x="3296791" y="405514"/>
+            <a:ext cx="5991225" cy="5876925"/>
+          </a:xfrm>
+          <a:prstGeom prst="rect">
+            <a:avLst/>
+          </a:prstGeom>
+          <a:ln>
+            <a:solidFill>
+              <a:srgbClr val="C00000"/>
+            </a:solidFill>
+          </a:ln>
+        </p:spPr>
+      </p:pic>
+      <p:sp>
+        <p:nvSpPr>
+          <p:cNvPr id="13" name="Rectangle 12">
+            <a:extLst>
+              <a:ext uri="{FF2B5EF4-FFF2-40B4-BE49-F238E27FC236}">
+                <a16:creationId xmlns:a16="http://schemas.microsoft.com/office/drawing/2014/main" id="{DD97FCF9-95C5-645F-B772-9E4E0222EC13}"/>
+              </a:ext>
+            </a:extLst>
+          </p:cNvPr>
+          <p:cNvSpPr/>
+          <p:nvPr/>
+        </p:nvSpPr>
+        <p:spPr>
+          <a:xfrm>
+            <a:off x="3296790" y="5991224"/>
+            <a:ext cx="2139306" cy="291215"/>
+          </a:xfrm>
+          <a:prstGeom prst="rect">
+            <a:avLst/>
+          </a:prstGeom>
+          <a:noFill/>
+          <a:ln>
+            <a:solidFill>
+              <a:srgbClr val="C00000"/>
+            </a:solidFill>
+          </a:ln>
+        </p:spPr>
+        <p:style>
+          <a:lnRef idx="2">
+            <a:schemeClr val="accent1">
+              <a:shade val="50000"/>
+            </a:schemeClr>
+          </a:lnRef>
+          <a:fillRef idx="1">
+            <a:schemeClr val="accent1"/>
+          </a:fillRef>
+          <a:effectRef idx="0">
+            <a:schemeClr val="accent1"/>
+          </a:effectRef>
+          <a:fontRef idx="minor">
+            <a:schemeClr val="lt1"/>
+          </a:fontRef>
+        </p:style>
+        <p:txBody>
+          <a:bodyPr rtlCol="0" anchor="ctr"/>
+          <a:lstStyle/>
+          <a:p>
+            <a:pPr algn="ctr"/>
+            <a:endParaRPr lang="en-US"/>
+          </a:p>
+        </p:txBody>
+      </p:sp>
+      <p:sp>
+        <p:nvSpPr>
+          <p:cNvPr id="14" name="Rectangle 13">
+            <a:extLst>
+              <a:ext uri="{FF2B5EF4-FFF2-40B4-BE49-F238E27FC236}">
+                <a16:creationId xmlns:a16="http://schemas.microsoft.com/office/drawing/2014/main" id="{8EF61FD2-940E-AC3E-6999-DA86F7CB1F51}"/>
+              </a:ext>
+            </a:extLst>
+          </p:cNvPr>
+          <p:cNvSpPr/>
+          <p:nvPr/>
+        </p:nvSpPr>
+        <p:spPr>
+          <a:xfrm>
+            <a:off x="3296791" y="4581128"/>
+            <a:ext cx="5898282" cy="576064"/>
+          </a:xfrm>
+          <a:prstGeom prst="rect">
+            <a:avLst/>
+          </a:prstGeom>
+          <a:noFill/>
+          <a:ln>
+            <a:solidFill>
+              <a:srgbClr val="C00000"/>
+            </a:solidFill>
+          </a:ln>
+        </p:spPr>
+        <p:style>
+          <a:lnRef idx="2">
+            <a:schemeClr val="accent1">
+              <a:shade val="50000"/>
+            </a:schemeClr>
+          </a:lnRef>
+          <a:fillRef idx="1">
+            <a:schemeClr val="accent1"/>
+          </a:fillRef>
+          <a:effectRef idx="0">
+            <a:schemeClr val="accent1"/>
+          </a:effectRef>
+          <a:fontRef idx="minor">
+            <a:schemeClr val="lt1"/>
+          </a:fontRef>
+        </p:style>
+        <p:txBody>
+          <a:bodyPr rtlCol="0" anchor="ctr"/>
+          <a:lstStyle/>
+          <a:p>
+            <a:pPr algn="ctr"/>
+            <a:endParaRPr lang="en-US"/>
+          </a:p>
+        </p:txBody>
+      </p:sp>
+      <p:sp>
+        <p:nvSpPr>
+          <p:cNvPr id="15" name="Oval 14">
+            <a:extLst>
+              <a:ext uri="{FF2B5EF4-FFF2-40B4-BE49-F238E27FC236}">
+                <a16:creationId xmlns:a16="http://schemas.microsoft.com/office/drawing/2014/main" id="{1B9A9F89-D567-F3A2-95EC-72C8649DB23B}"/>
+              </a:ext>
+            </a:extLst>
+          </p:cNvPr>
+          <p:cNvSpPr/>
+          <p:nvPr/>
+        </p:nvSpPr>
+        <p:spPr>
+          <a:xfrm>
+            <a:off x="3296790" y="5600453"/>
+            <a:ext cx="304081" cy="291215"/>
+          </a:xfrm>
+          <a:prstGeom prst="ellipse">
+            <a:avLst/>
+          </a:prstGeom>
+          <a:solidFill>
+            <a:srgbClr val="FFFF00"/>
+          </a:solidFill>
+          <a:ln>
+            <a:solidFill>
+              <a:srgbClr val="C00000"/>
+            </a:solidFill>
+          </a:ln>
+        </p:spPr>
+        <p:style>
+          <a:lnRef idx="2">
+            <a:schemeClr val="accent1">
+              <a:shade val="50000"/>
+            </a:schemeClr>
+          </a:lnRef>
+          <a:fillRef idx="1">
+            <a:schemeClr val="accent1"/>
+          </a:fillRef>
+          <a:effectRef idx="0">
+            <a:schemeClr val="accent1"/>
+          </a:effectRef>
+          <a:fontRef idx="minor">
+            <a:schemeClr val="lt1"/>
+          </a:fontRef>
+        </p:style>
+        <p:txBody>
+          <a:bodyPr rtlCol="0" anchor="ctr"/>
+          <a:lstStyle/>
+          <a:p>
+            <a:pPr algn="ctr"/>
+            <a:r>
+              <a:rPr lang="en-US" dirty="0">
+                <a:solidFill>
+                  <a:schemeClr val="tx1"/>
+                </a:solidFill>
+              </a:rPr>
+              <a:t>1</a:t>
+            </a:r>
+          </a:p>
+        </p:txBody>
+      </p:sp>
+      <p:sp>
+        <p:nvSpPr>
+          <p:cNvPr id="16" name="Oval 15">
+            <a:extLst>
+              <a:ext uri="{FF2B5EF4-FFF2-40B4-BE49-F238E27FC236}">
+                <a16:creationId xmlns:a16="http://schemas.microsoft.com/office/drawing/2014/main" id="{8461BA52-3709-2971-832B-8327F3E04FAD}"/>
+              </a:ext>
+            </a:extLst>
+          </p:cNvPr>
+          <p:cNvSpPr/>
+          <p:nvPr/>
+        </p:nvSpPr>
+        <p:spPr>
+          <a:xfrm>
+            <a:off x="3296791" y="4304512"/>
+            <a:ext cx="304081" cy="291215"/>
+          </a:xfrm>
+          <a:prstGeom prst="ellipse">
+            <a:avLst/>
+          </a:prstGeom>
+          <a:solidFill>
+            <a:srgbClr val="FFFF00"/>
+          </a:solidFill>
+          <a:ln>
+            <a:solidFill>
+              <a:srgbClr val="C00000"/>
+            </a:solidFill>
+          </a:ln>
+        </p:spPr>
+        <p:style>
+          <a:lnRef idx="2">
+            <a:schemeClr val="accent1">
+              <a:shade val="50000"/>
+            </a:schemeClr>
+          </a:lnRef>
+          <a:fillRef idx="1">
+            <a:schemeClr val="accent1"/>
+          </a:fillRef>
+          <a:effectRef idx="0">
+            <a:schemeClr val="accent1"/>
+          </a:effectRef>
+          <a:fontRef idx="minor">
+            <a:schemeClr val="lt1"/>
+          </a:fontRef>
+        </p:style>
+        <p:txBody>
+          <a:bodyPr rtlCol="0" anchor="ctr"/>
+          <a:lstStyle/>
+          <a:p>
+            <a:pPr algn="ctr"/>
+            <a:r>
+              <a:rPr lang="en-US" dirty="0">
+                <a:solidFill>
+                  <a:schemeClr val="tx1"/>
+                </a:solidFill>
+              </a:rPr>
+              <a:t>2</a:t>
+            </a:r>
+          </a:p>
+        </p:txBody>
+      </p:sp>
+    </p:spTree>
+    <p:extLst>
+      <p:ext uri="{BB962C8B-B14F-4D97-AF65-F5344CB8AC3E}">
+        <p14:creationId xmlns:p14="http://schemas.microsoft.com/office/powerpoint/2010/main" val="2844833498"/>
+      </p:ext>
+    </p:extLst>
+  </p:cSld>
+  <p:clrMapOvr>
+    <a:masterClrMapping/>
+  </p:clrMapOvr>
+</p:sld>
+</file>
+
+<file path=ppt/slides/slide18.xml><?xml version="1.0" encoding="utf-8"?>
+<p:sld xmlns:a="http://schemas.openxmlformats.org/drawingml/2006/main" xmlns:r="http://schemas.openxmlformats.org/officeDocument/2006/relationships" xmlns:p="http://schemas.openxmlformats.org/presentationml/2006/main">
+  <p:cSld>
+    <p:spTree>
+      <p:nvGrpSpPr>
+        <p:cNvPr id="1" name=""/>
+        <p:cNvGrpSpPr/>
+        <p:nvPr/>
+      </p:nvGrpSpPr>
+      <p:grpSpPr>
+        <a:xfrm>
+          <a:off x="0" y="0"/>
+          <a:ext cx="0" cy="0"/>
+          <a:chOff x="0" y="0"/>
+          <a:chExt cx="0" cy="0"/>
+        </a:xfrm>
+      </p:grpSpPr>
+      <p:sp>
+        <p:nvSpPr>
+          <p:cNvPr id="2" name="標題 1"/>
+          <p:cNvSpPr>
+            <a:spLocks noGrp="1"/>
+          </p:cNvSpPr>
+          <p:nvPr>
+            <p:ph type="ctrTitle"/>
+          </p:nvPr>
+        </p:nvSpPr>
+        <p:spPr>
+          <a:xfrm>
+            <a:off x="0" y="2130425"/>
+            <a:ext cx="9144000" cy="1470025"/>
+          </a:xfrm>
+          <a:solidFill>
+            <a:srgbClr val="00B0F0"/>
+          </a:solidFill>
+        </p:spPr>
+        <p:txBody>
+          <a:bodyPr>
+            <a:normAutofit fontScale="90000"/>
+          </a:bodyPr>
+          <a:lstStyle/>
+          <a:p>
+            <a:r>
+              <a:rPr lang="en-US" altLang="zh-TW" sz="4800" b="1" dirty="0">
+                <a:solidFill>
+                  <a:srgbClr val="FFFF00"/>
+                </a:solidFill>
+              </a:rPr>
+              <a:t>1.4 Install OpenSSH Server and Docker </a:t>
+            </a:r>
+            <a:endParaRPr lang="zh-TW" altLang="en-US" sz="4800" b="1" dirty="0">
+              <a:solidFill>
+                <a:srgbClr val="FFFF00"/>
+              </a:solidFill>
+            </a:endParaRPr>
+          </a:p>
+        </p:txBody>
+      </p:sp>
+      <p:sp>
+        <p:nvSpPr>
+          <p:cNvPr id="5" name="日期版面配置區 4"/>
+          <p:cNvSpPr>
+            <a:spLocks noGrp="1"/>
+          </p:cNvSpPr>
+          <p:nvPr>
+            <p:ph type="dt" sz="half" idx="10"/>
+          </p:nvPr>
+        </p:nvSpPr>
+        <p:spPr/>
+        <p:txBody>
+          <a:bodyPr/>
+          <a:lstStyle/>
+          <a:p>
+            <a:fld id="{C389EDC9-19E3-47AC-9C57-C6A24DEA81AD}" type="datetime1">
+              <a:rPr lang="zh-TW" altLang="en-US" smtClean="0"/>
+              <a:pPr/>
+              <a:t>2022/11/19</a:t>
+            </a:fld>
+            <a:endParaRPr lang="zh-TW" altLang="en-US"/>
+          </a:p>
+        </p:txBody>
+      </p:sp>
+      <p:sp>
+        <p:nvSpPr>
+          <p:cNvPr id="6" name="投影片編號版面配置區 5"/>
+          <p:cNvSpPr>
+            <a:spLocks noGrp="1"/>
+          </p:cNvSpPr>
+          <p:nvPr>
+            <p:ph type="sldNum" sz="quarter" idx="12"/>
+          </p:nvPr>
+        </p:nvSpPr>
+        <p:spPr/>
+        <p:txBody>
+          <a:bodyPr/>
+          <a:lstStyle/>
+          <a:p>
+            <a:fld id="{E4D7E63D-91F2-4366-A2C4-1B00C9E2590E}" type="slidenum">
+              <a:rPr lang="zh-TW" altLang="en-US" smtClean="0"/>
+              <a:pPr/>
+              <a:t>18</a:t>
+            </a:fld>
+            <a:endParaRPr lang="zh-TW" altLang="en-US"/>
+          </a:p>
+        </p:txBody>
+      </p:sp>
+      <p:pic>
+        <p:nvPicPr>
+          <p:cNvPr id="7" name="Picture 6">
+            <a:extLst>
+              <a:ext uri="{FF2B5EF4-FFF2-40B4-BE49-F238E27FC236}">
+                <a16:creationId xmlns:a16="http://schemas.microsoft.com/office/drawing/2014/main" id="{6BAFC81C-41D2-47DC-8418-60D9E99180AB}"/>
+              </a:ext>
+            </a:extLst>
+          </p:cNvPr>
+          <p:cNvPicPr>
+            <a:picLocks noChangeAspect="1"/>
+          </p:cNvPicPr>
+          <p:nvPr/>
+        </p:nvPicPr>
+        <p:blipFill>
+          <a:blip r:embed="rId2"/>
+          <a:stretch>
+            <a:fillRect/>
+          </a:stretch>
+        </p:blipFill>
+        <p:spPr>
+          <a:xfrm>
+            <a:off x="3923928" y="3640095"/>
+            <a:ext cx="992526" cy="944885"/>
+          </a:xfrm>
+          <a:prstGeom prst="rect">
+            <a:avLst/>
+          </a:prstGeom>
+        </p:spPr>
+      </p:pic>
+    </p:spTree>
+    <p:extLst>
+      <p:ext uri="{BB962C8B-B14F-4D97-AF65-F5344CB8AC3E}">
+        <p14:creationId xmlns:p14="http://schemas.microsoft.com/office/powerpoint/2010/main" val="2913867688"/>
+      </p:ext>
+    </p:extLst>
+  </p:cSld>
+  <p:clrMapOvr>
+    <a:masterClrMapping/>
+  </p:clrMapOvr>
+</p:sld>
+</file>
+
+<file path=ppt/slides/slide19.xml><?xml version="1.0" encoding="utf-8"?>
+<p:sld xmlns:a="http://schemas.openxmlformats.org/drawingml/2006/main" xmlns:r="http://schemas.openxmlformats.org/officeDocument/2006/relationships" xmlns:p="http://schemas.openxmlformats.org/presentationml/2006/main">
+  <p:cSld>
+    <p:spTree>
+      <p:nvGrpSpPr>
+        <p:cNvPr id="1" name=""/>
+        <p:cNvGrpSpPr/>
+        <p:nvPr/>
+      </p:nvGrpSpPr>
+      <p:grpSpPr>
+        <a:xfrm>
+          <a:off x="0" y="0"/>
+          <a:ext cx="0" cy="0"/>
+          <a:chOff x="0" y="0"/>
+          <a:chExt cx="0" cy="0"/>
+        </a:xfrm>
+      </p:grpSpPr>
+      <p:sp>
+        <p:nvSpPr>
+          <p:cNvPr id="2" name="標題 1"/>
+          <p:cNvSpPr>
+            <a:spLocks noGrp="1"/>
+          </p:cNvSpPr>
+          <p:nvPr>
+            <p:ph type="ctrTitle"/>
+          </p:nvPr>
+        </p:nvSpPr>
+        <p:spPr>
+          <a:xfrm>
+            <a:off x="0" y="1"/>
+            <a:ext cx="9144000" cy="764704"/>
+          </a:xfrm>
+          <a:gradFill flip="none" rotWithShape="1">
+            <a:gsLst>
+              <a:gs pos="0">
+                <a:srgbClr val="C00000">
+                  <a:shade val="30000"/>
+                  <a:satMod val="115000"/>
+                </a:srgbClr>
+              </a:gs>
+              <a:gs pos="50000">
+                <a:srgbClr val="C00000">
+                  <a:shade val="67500"/>
+                  <a:satMod val="115000"/>
+                </a:srgbClr>
+              </a:gs>
+              <a:gs pos="100000">
+                <a:srgbClr val="C00000">
+                  <a:shade val="100000"/>
+                  <a:satMod val="115000"/>
+                </a:srgbClr>
+              </a:gs>
+            </a:gsLst>
+            <a:path path="circle">
+              <a:fillToRect t="100000" r="100000"/>
+            </a:path>
+            <a:tileRect l="-100000" b="-100000"/>
+          </a:gradFill>
+        </p:spPr>
+        <p:txBody>
+          <a:bodyPr>
+            <a:normAutofit/>
+          </a:bodyPr>
+          <a:lstStyle/>
+          <a:p>
+            <a:pPr algn="l"/>
+            <a:r>
+              <a:rPr lang="en-US" altLang="zh-TW" sz="4400" b="1" dirty="0">
+                <a:solidFill>
+                  <a:srgbClr val="FFFF00"/>
+                </a:solidFill>
+              </a:rPr>
+              <a:t>1.4 Install OpenSSH Server and Docker </a:t>
+            </a:r>
+            <a:endParaRPr lang="zh-TW" altLang="en-US" b="1" dirty="0">
+              <a:solidFill>
+                <a:srgbClr val="FFFF00"/>
+              </a:solidFill>
+            </a:endParaRPr>
+          </a:p>
+        </p:txBody>
+      </p:sp>
+      <p:sp>
+        <p:nvSpPr>
+          <p:cNvPr id="3" name="副標題 2"/>
+          <p:cNvSpPr>
+            <a:spLocks noGrp="1"/>
+          </p:cNvSpPr>
+          <p:nvPr>
+            <p:ph type="subTitle" idx="1"/>
+          </p:nvPr>
+        </p:nvSpPr>
+        <p:spPr>
+          <a:xfrm>
+            <a:off x="316022" y="1224079"/>
+            <a:ext cx="8504449" cy="476730"/>
+          </a:xfrm>
+          <a:ln>
+            <a:solidFill>
+              <a:srgbClr val="C00000"/>
+            </a:solidFill>
+          </a:ln>
+        </p:spPr>
+        <p:txBody>
+          <a:bodyPr>
+            <a:noAutofit/>
+          </a:bodyPr>
+          <a:lstStyle/>
+          <a:p>
+            <a:pPr marL="342900" indent="-342900" algn="l">
+              <a:buClr>
+                <a:srgbClr val="0070C0"/>
+              </a:buClr>
+              <a:buSzPct val="80000"/>
+              <a:buFont typeface="Wingdings" pitchFamily="2" charset="2"/>
+              <a:buChar char="u"/>
+            </a:pPr>
+            <a:r>
+              <a:rPr lang="en-US" sz="1800" b="1" i="0" dirty="0">
+                <a:solidFill>
+                  <a:srgbClr val="C00000"/>
+                </a:solidFill>
+                <a:effectLst/>
+              </a:rPr>
+              <a:t>Install OpenSSH Server and Docker</a:t>
+            </a:r>
+          </a:p>
+        </p:txBody>
+      </p:sp>
+      <p:sp>
+        <p:nvSpPr>
+          <p:cNvPr id="4" name="標題 1"/>
+          <p:cNvSpPr txBox="1">
+            <a:spLocks/>
+          </p:cNvSpPr>
+          <p:nvPr/>
+        </p:nvSpPr>
+        <p:spPr>
+          <a:xfrm>
+            <a:off x="0" y="764704"/>
+            <a:ext cx="9144000" cy="360040"/>
+          </a:xfrm>
+          <a:prstGeom prst="rect">
+            <a:avLst/>
+          </a:prstGeom>
+          <a:gradFill flip="none" rotWithShape="1">
+            <a:gsLst>
+              <a:gs pos="0">
+                <a:srgbClr val="00B0F0">
+                  <a:shade val="30000"/>
+                  <a:satMod val="115000"/>
+                </a:srgbClr>
+              </a:gs>
+              <a:gs pos="50000">
+                <a:srgbClr val="00B0F0">
+                  <a:shade val="67500"/>
+                  <a:satMod val="115000"/>
+                </a:srgbClr>
+              </a:gs>
+              <a:gs pos="100000">
+                <a:srgbClr val="00B0F0">
+                  <a:shade val="100000"/>
+                  <a:satMod val="115000"/>
+                </a:srgbClr>
+              </a:gs>
+            </a:gsLst>
+            <a:path path="circle">
+              <a:fillToRect t="100000" r="100000"/>
+            </a:path>
+            <a:tileRect l="-100000" b="-100000"/>
+          </a:gradFill>
+        </p:spPr>
+        <p:txBody>
+          <a:bodyPr vert="horz" lIns="91440" tIns="45720" rIns="91440" bIns="45720" rtlCol="0" anchor="ctr">
+            <a:normAutofit/>
+          </a:bodyPr>
+          <a:lstStyle/>
+          <a:p>
+            <a:pPr lvl="0">
+              <a:spcBef>
+                <a:spcPct val="0"/>
+              </a:spcBef>
+            </a:pPr>
+            <a:r>
+              <a:rPr lang="en-US" sz="1600" dirty="0"/>
+              <a:t>https://www.youtube.com/watch?v=UWg3ORRRF60</a:t>
+            </a:r>
+            <a:endParaRPr kumimoji="0" lang="zh-TW" altLang="en-US" sz="1600" b="0" i="0" u="none" strike="noStrike" kern="1200" cap="none" spc="0" normalizeH="0" baseline="0" noProof="0" dirty="0">
+              <a:ln>
+                <a:noFill/>
+              </a:ln>
+              <a:solidFill>
+                <a:schemeClr val="tx1"/>
+              </a:solidFill>
+              <a:effectLst/>
+              <a:uLnTx/>
+              <a:uFillTx/>
+              <a:latin typeface="+mj-lt"/>
+              <a:ea typeface="+mj-ea"/>
+              <a:cs typeface="+mj-cs"/>
+            </a:endParaRPr>
+          </a:p>
+        </p:txBody>
+      </p:sp>
+      <p:sp>
+        <p:nvSpPr>
+          <p:cNvPr id="5" name="日期版面配置區 4"/>
+          <p:cNvSpPr>
+            <a:spLocks noGrp="1"/>
+          </p:cNvSpPr>
+          <p:nvPr>
+            <p:ph type="dt" sz="half" idx="10"/>
+          </p:nvPr>
+        </p:nvSpPr>
+        <p:spPr/>
+        <p:txBody>
+          <a:bodyPr/>
+          <a:lstStyle/>
+          <a:p>
+            <a:fld id="{A4F910E6-8D00-4BAF-8C48-9688E0B449D3}" type="datetime1">
+              <a:rPr lang="zh-TW" altLang="en-US" smtClean="0"/>
+              <a:pPr/>
+              <a:t>2022/11/19</a:t>
+            </a:fld>
+            <a:endParaRPr lang="zh-TW" altLang="en-US"/>
+          </a:p>
+        </p:txBody>
+      </p:sp>
+      <p:sp>
+        <p:nvSpPr>
+          <p:cNvPr id="6" name="投影片編號版面配置區 5"/>
+          <p:cNvSpPr>
+            <a:spLocks noGrp="1"/>
+          </p:cNvSpPr>
+          <p:nvPr>
+            <p:ph type="sldNum" sz="quarter" idx="12"/>
+          </p:nvPr>
+        </p:nvSpPr>
+        <p:spPr/>
+        <p:txBody>
+          <a:bodyPr/>
+          <a:lstStyle/>
+          <a:p>
+            <a:fld id="{E4D7E63D-91F2-4366-A2C4-1B00C9E2590E}" type="slidenum">
+              <a:rPr lang="zh-TW" altLang="en-US" smtClean="0"/>
+              <a:pPr/>
+              <a:t>19</a:t>
+            </a:fld>
+            <a:endParaRPr lang="zh-TW" altLang="en-US"/>
+          </a:p>
+        </p:txBody>
+      </p:sp>
+      <p:graphicFrame>
+        <p:nvGraphicFramePr>
+          <p:cNvPr id="32" name="Table 32">
+            <a:extLst>
+              <a:ext uri="{FF2B5EF4-FFF2-40B4-BE49-F238E27FC236}">
+                <a16:creationId xmlns:a16="http://schemas.microsoft.com/office/drawing/2014/main" id="{07285B01-6F81-B6F1-C13C-4876FE0E5FC9}"/>
+              </a:ext>
+            </a:extLst>
+          </p:cNvPr>
+          <p:cNvGraphicFramePr>
+            <a:graphicFrameLocks noGrp="1"/>
+          </p:cNvGraphicFramePr>
+          <p:nvPr>
+            <p:extLst>
+              <p:ext uri="{D42A27DB-BD31-4B8C-83A1-F6EECF244321}">
+                <p14:modId xmlns:p14="http://schemas.microsoft.com/office/powerpoint/2010/main" val="4101909425"/>
+              </p:ext>
+            </p:extLst>
+          </p:nvPr>
+        </p:nvGraphicFramePr>
+        <p:xfrm>
+          <a:off x="322073" y="2060848"/>
+          <a:ext cx="8827978" cy="2452442"/>
+        </p:xfrm>
+        <a:graphic>
+          <a:graphicData uri="http://schemas.openxmlformats.org/drawingml/2006/table">
+            <a:tbl>
+              <a:tblPr firstRow="1" bandRow="1">
+                <a:tableStyleId>{5C22544A-7EE6-4342-B048-85BDC9FD1C3A}</a:tableStyleId>
+              </a:tblPr>
+              <a:tblGrid>
+                <a:gridCol w="3777569">
+                  <a:extLst>
+                    <a:ext uri="{9D8B030D-6E8A-4147-A177-3AD203B41FA5}">
+                      <a16:colId xmlns:a16="http://schemas.microsoft.com/office/drawing/2014/main" val="3611346985"/>
+                    </a:ext>
+                  </a:extLst>
+                </a:gridCol>
+                <a:gridCol w="3013398">
+                  <a:extLst>
+                    <a:ext uri="{9D8B030D-6E8A-4147-A177-3AD203B41FA5}">
+                      <a16:colId xmlns:a16="http://schemas.microsoft.com/office/drawing/2014/main" val="1281810389"/>
+                    </a:ext>
+                  </a:extLst>
+                </a:gridCol>
+                <a:gridCol w="2037011">
+                  <a:extLst>
+                    <a:ext uri="{9D8B030D-6E8A-4147-A177-3AD203B41FA5}">
+                      <a16:colId xmlns:a16="http://schemas.microsoft.com/office/drawing/2014/main" val="1162511173"/>
+                    </a:ext>
+                  </a:extLst>
+                </a:gridCol>
+              </a:tblGrid>
+              <a:tr h="347086">
+                <a:tc gridSpan="3">
+                  <a:txBody>
+                    <a:bodyPr/>
+                    <a:lstStyle/>
+                    <a:p>
+                      <a:r>
+                        <a:rPr lang="en-US" dirty="0"/>
+                        <a:t>Kubernetes  Installation Steps</a:t>
+                      </a:r>
+                    </a:p>
+                  </a:txBody>
+                  <a:tcPr/>
+                </a:tc>
+                <a:tc hMerge="1">
+                  <a:txBody>
+                    <a:bodyPr/>
+                    <a:lstStyle/>
+                    <a:p>
+                      <a:endParaRPr lang="en-US"/>
+                    </a:p>
+                  </a:txBody>
+                  <a:tcPr/>
+                </a:tc>
+                <a:tc hMerge="1">
+                  <a:txBody>
+                    <a:bodyPr/>
+                    <a:lstStyle/>
+                    <a:p>
+                      <a:endParaRPr lang="en-US"/>
+                    </a:p>
+                  </a:txBody>
+                  <a:tcPr/>
+                </a:tc>
+                <a:extLst>
+                  <a:ext uri="{0D108BD9-81ED-4DB2-BD59-A6C34878D82A}">
+                    <a16:rowId xmlns:a16="http://schemas.microsoft.com/office/drawing/2014/main" val="2743071207"/>
+                  </a:ext>
+                </a:extLst>
+              </a:tr>
+              <a:tr h="354320">
+                <a:tc>
+                  <a:txBody>
+                    <a:bodyPr/>
+                    <a:lstStyle/>
+                    <a:p>
+                      <a:r>
+                        <a:rPr lang="en-US" sz="1600" b="0" dirty="0">
+                          <a:solidFill>
+                            <a:schemeClr val="tx1"/>
+                          </a:solidFill>
+                        </a:rPr>
+                        <a:t>1. At Both Master and Slave Nodes</a:t>
+                      </a:r>
+                    </a:p>
+                  </a:txBody>
+                  <a:tcPr/>
+                </a:tc>
+                <a:tc>
+                  <a:txBody>
+                    <a:bodyPr/>
+                    <a:lstStyle/>
+                    <a:p>
+                      <a:r>
+                        <a:rPr lang="en-US" sz="1600" b="1" dirty="0"/>
+                        <a:t>2.Only at Master Node</a:t>
+                      </a:r>
+                    </a:p>
+                  </a:txBody>
+                  <a:tcPr/>
+                </a:tc>
+                <a:tc>
+                  <a:txBody>
+                    <a:bodyPr/>
+                    <a:lstStyle/>
+                    <a:p>
+                      <a:r>
+                        <a:rPr lang="en-US" sz="1600" b="1" dirty="0"/>
+                        <a:t>3. Only at Slave Node</a:t>
+                      </a:r>
+                    </a:p>
+                  </a:txBody>
+                  <a:tcPr/>
+                </a:tc>
+                <a:extLst>
+                  <a:ext uri="{0D108BD9-81ED-4DB2-BD59-A6C34878D82A}">
+                    <a16:rowId xmlns:a16="http://schemas.microsoft.com/office/drawing/2014/main" val="3985273510"/>
+                  </a:ext>
+                </a:extLst>
+              </a:tr>
+              <a:tr h="360040">
+                <a:tc>
+                  <a:txBody>
+                    <a:bodyPr/>
+                    <a:lstStyle/>
+                    <a:p>
+                      <a:r>
+                        <a:rPr lang="en-US" sz="1400" b="0" dirty="0">
+                          <a:solidFill>
+                            <a:schemeClr val="tx1"/>
+                          </a:solidFill>
+                        </a:rPr>
+                        <a:t>1.1. Update Your Repository</a:t>
+                      </a:r>
+                    </a:p>
+                  </a:txBody>
+                  <a:tcPr/>
+                </a:tc>
+                <a:tc>
+                  <a:txBody>
+                    <a:bodyPr/>
+                    <a:lstStyle/>
+                    <a:p>
+                      <a:r>
+                        <a:rPr lang="en-US" sz="1400" dirty="0"/>
+                        <a:t>2.1. Initiate Kubernetes Cluster</a:t>
+                      </a:r>
+                    </a:p>
+                  </a:txBody>
+                  <a:tcPr/>
+                </a:tc>
+                <a:tc>
+                  <a:txBody>
+                    <a:bodyPr/>
+                    <a:lstStyle/>
+                    <a:p>
+                      <a:r>
+                        <a:rPr lang="en-US" sz="1400" dirty="0"/>
+                        <a:t>3.1 Join the Cluster</a:t>
+                      </a:r>
+                    </a:p>
+                  </a:txBody>
+                  <a:tcPr/>
+                </a:tc>
+                <a:extLst>
+                  <a:ext uri="{0D108BD9-81ED-4DB2-BD59-A6C34878D82A}">
+                    <a16:rowId xmlns:a16="http://schemas.microsoft.com/office/drawing/2014/main" val="3784679129"/>
+                  </a:ext>
+                </a:extLst>
+              </a:tr>
+              <a:tr h="314230">
+                <a:tc>
+                  <a:txBody>
+                    <a:bodyPr/>
+                    <a:lstStyle/>
+                    <a:p>
+                      <a:r>
+                        <a:rPr lang="en-US" sz="1400" b="0" dirty="0">
+                          <a:solidFill>
+                            <a:schemeClr val="tx1"/>
+                          </a:solidFill>
+                        </a:rPr>
+                        <a:t>1.2. Turn Off Swap Space </a:t>
+                      </a:r>
+                    </a:p>
+                  </a:txBody>
+                  <a:tcPr/>
+                </a:tc>
+                <a:tc>
+                  <a:txBody>
+                    <a:bodyPr/>
+                    <a:lstStyle/>
+                    <a:p>
+                      <a:r>
+                        <a:rPr lang="en-US" sz="1400" dirty="0"/>
+                        <a:t>2.2. Install the Pod Network</a:t>
+                      </a:r>
+                    </a:p>
+                  </a:txBody>
+                  <a:tcPr/>
+                </a:tc>
+                <a:tc>
+                  <a:txBody>
+                    <a:bodyPr/>
+                    <a:lstStyle/>
+                    <a:p>
+                      <a:endParaRPr lang="en-US" sz="1400" dirty="0"/>
+                    </a:p>
+                  </a:txBody>
+                  <a:tcPr/>
+                </a:tc>
+                <a:extLst>
+                  <a:ext uri="{0D108BD9-81ED-4DB2-BD59-A6C34878D82A}">
+                    <a16:rowId xmlns:a16="http://schemas.microsoft.com/office/drawing/2014/main" val="3880229666"/>
+                  </a:ext>
+                </a:extLst>
+              </a:tr>
+              <a:tr h="289528">
+                <a:tc>
+                  <a:txBody>
+                    <a:bodyPr/>
+                    <a:lstStyle/>
+                    <a:p>
+                      <a:r>
+                        <a:rPr lang="en-US" sz="1400" b="0" dirty="0">
+                          <a:solidFill>
+                            <a:schemeClr val="tx1"/>
+                          </a:solidFill>
+                        </a:rPr>
+                        <a:t>1.3. Update Hostname, Hosts, and Set Static IP</a:t>
+                      </a:r>
+                    </a:p>
+                  </a:txBody>
+                  <a:tcPr/>
+                </a:tc>
+                <a:tc>
+                  <a:txBody>
+                    <a:bodyPr/>
+                    <a:lstStyle/>
+                    <a:p>
+                      <a:r>
+                        <a:rPr lang="en-US" sz="1400" dirty="0"/>
+                        <a:t>2.3 Setup the Kubernetes Dashboard</a:t>
+                      </a:r>
+                    </a:p>
+                  </a:txBody>
+                  <a:tcPr/>
+                </a:tc>
+                <a:tc>
+                  <a:txBody>
+                    <a:bodyPr/>
+                    <a:lstStyle/>
+                    <a:p>
+                      <a:endParaRPr lang="en-US" sz="1400"/>
+                    </a:p>
+                  </a:txBody>
+                  <a:tcPr/>
+                </a:tc>
+                <a:extLst>
+                  <a:ext uri="{0D108BD9-81ED-4DB2-BD59-A6C34878D82A}">
+                    <a16:rowId xmlns:a16="http://schemas.microsoft.com/office/drawing/2014/main" val="3514002060"/>
+                  </a:ext>
+                </a:extLst>
+              </a:tr>
+              <a:tr h="314230">
+                <a:tc>
+                  <a:txBody>
+                    <a:bodyPr/>
+                    <a:lstStyle/>
+                    <a:p>
+                      <a:r>
+                        <a:rPr lang="en-US" sz="1400" b="1" dirty="0">
+                          <a:solidFill>
+                            <a:srgbClr val="C00000"/>
+                          </a:solidFill>
+                        </a:rPr>
+                        <a:t>1.4 Install OpenSSH Server and Docker</a:t>
+                      </a:r>
+                    </a:p>
+                  </a:txBody>
+                  <a:tcPr/>
+                </a:tc>
+                <a:tc>
+                  <a:txBody>
+                    <a:bodyPr/>
+                    <a:lstStyle/>
+                    <a:p>
+                      <a:endParaRPr lang="en-US" sz="1400"/>
+                    </a:p>
+                  </a:txBody>
+                  <a:tcPr/>
+                </a:tc>
+                <a:tc>
+                  <a:txBody>
+                    <a:bodyPr/>
+                    <a:lstStyle/>
+                    <a:p>
+                      <a:endParaRPr lang="en-US" sz="1400"/>
+                    </a:p>
+                  </a:txBody>
+                  <a:tcPr/>
+                </a:tc>
+                <a:extLst>
+                  <a:ext uri="{0D108BD9-81ED-4DB2-BD59-A6C34878D82A}">
+                    <a16:rowId xmlns:a16="http://schemas.microsoft.com/office/drawing/2014/main" val="3313130822"/>
+                  </a:ext>
+                </a:extLst>
+              </a:tr>
+              <a:tr h="439062">
+                <a:tc>
+                  <a:txBody>
+                    <a:bodyPr/>
+                    <a:lstStyle/>
+                    <a:p>
+                      <a:r>
+                        <a:rPr lang="en-US" sz="1400" b="0" dirty="0">
+                          <a:solidFill>
+                            <a:schemeClr val="tx1"/>
+                          </a:solidFill>
+                        </a:rPr>
+                        <a:t>1.5 Install Kubeadm, Kubelet, and Kubectl</a:t>
+                      </a:r>
+                    </a:p>
+                  </a:txBody>
+                  <a:tcPr/>
+                </a:tc>
+                <a:tc>
+                  <a:txBody>
+                    <a:bodyPr/>
+                    <a:lstStyle/>
+                    <a:p>
+                      <a:endParaRPr lang="en-US" sz="1400" dirty="0"/>
+                    </a:p>
+                  </a:txBody>
+                  <a:tcPr/>
+                </a:tc>
+                <a:tc>
+                  <a:txBody>
+                    <a:bodyPr/>
+                    <a:lstStyle/>
+                    <a:p>
+                      <a:endParaRPr lang="en-US" sz="1400" dirty="0"/>
+                    </a:p>
+                  </a:txBody>
+                  <a:tcPr/>
+                </a:tc>
+                <a:extLst>
+                  <a:ext uri="{0D108BD9-81ED-4DB2-BD59-A6C34878D82A}">
+                    <a16:rowId xmlns:a16="http://schemas.microsoft.com/office/drawing/2014/main" val="2111595079"/>
+                  </a:ext>
+                </a:extLst>
+              </a:tr>
+            </a:tbl>
+          </a:graphicData>
+        </a:graphic>
+      </p:graphicFrame>
+    </p:spTree>
+    <p:extLst>
+      <p:ext uri="{BB962C8B-B14F-4D97-AF65-F5344CB8AC3E}">
+        <p14:creationId xmlns:p14="http://schemas.microsoft.com/office/powerpoint/2010/main" val="2927280135"/>
+      </p:ext>
+    </p:extLst>
+  </p:cSld>
+  <p:clrMapOvr>
+    <a:masterClrMapping/>
+  </p:clrMapOvr>
+</p:sld>
+</file>
+
+<file path=ppt/slides/slide2.xml><?xml version="1.0" encoding="utf-8"?>
+<p:sld xmlns:a="http://schemas.openxmlformats.org/drawingml/2006/main" xmlns:r="http://schemas.openxmlformats.org/officeDocument/2006/relationships" xmlns:p="http://schemas.openxmlformats.org/presentationml/2006/main">
+  <p:cSld>
+    <p:spTree>
+      <p:nvGrpSpPr>
+        <p:cNvPr id="1" name=""/>
+        <p:cNvGrpSpPr/>
+        <p:nvPr/>
+      </p:nvGrpSpPr>
+      <p:grpSpPr>
+        <a:xfrm>
+          <a:off x="0" y="0"/>
+          <a:ext cx="0" cy="0"/>
+          <a:chOff x="0" y="0"/>
+          <a:chExt cx="0" cy="0"/>
+        </a:xfrm>
+      </p:grpSpPr>
+      <p:sp>
+        <p:nvSpPr>
+          <p:cNvPr id="2" name="標題 1"/>
+          <p:cNvSpPr>
+            <a:spLocks noGrp="1"/>
+          </p:cNvSpPr>
+          <p:nvPr>
+            <p:ph type="ctrTitle"/>
+          </p:nvPr>
+        </p:nvSpPr>
+        <p:spPr>
+          <a:xfrm>
+            <a:off x="0" y="1"/>
+            <a:ext cx="9144000" cy="764704"/>
+          </a:xfrm>
+          <a:gradFill flip="none" rotWithShape="1">
+            <a:gsLst>
+              <a:gs pos="0">
+                <a:srgbClr val="C00000">
+                  <a:shade val="30000"/>
+                  <a:satMod val="115000"/>
+                </a:srgbClr>
+              </a:gs>
+              <a:gs pos="50000">
+                <a:srgbClr val="C00000">
+                  <a:shade val="67500"/>
+                  <a:satMod val="115000"/>
+                </a:srgbClr>
+              </a:gs>
+              <a:gs pos="100000">
+                <a:srgbClr val="C00000">
+                  <a:shade val="100000"/>
+                  <a:satMod val="115000"/>
+                </a:srgbClr>
+              </a:gs>
+            </a:gsLst>
+            <a:path path="circle">
+              <a:fillToRect t="100000" r="100000"/>
+            </a:path>
+            <a:tileRect l="-100000" b="-100000"/>
+          </a:gradFill>
+        </p:spPr>
+        <p:txBody>
+          <a:bodyPr>
+            <a:normAutofit/>
+          </a:bodyPr>
+          <a:lstStyle/>
+          <a:p>
+            <a:pPr algn="l"/>
+            <a:r>
+              <a:rPr lang="en-US" altLang="zh-TW" sz="4400" b="1" dirty="0">
+                <a:solidFill>
+                  <a:srgbClr val="FFFF00"/>
+                </a:solidFill>
+              </a:rPr>
+              <a:t>1 Install on Both Master/Slave: Master</a:t>
+            </a:r>
+            <a:endParaRPr lang="zh-TW" altLang="en-US" b="1" dirty="0">
+              <a:solidFill>
+                <a:srgbClr val="FFFF00"/>
+              </a:solidFill>
+            </a:endParaRPr>
+          </a:p>
+        </p:txBody>
+      </p:sp>
+      <p:sp>
+        <p:nvSpPr>
+          <p:cNvPr id="3" name="副標題 2"/>
+          <p:cNvSpPr>
+            <a:spLocks noGrp="1"/>
+          </p:cNvSpPr>
+          <p:nvPr>
+            <p:ph type="subTitle" idx="1"/>
+          </p:nvPr>
+        </p:nvSpPr>
+        <p:spPr>
+          <a:xfrm>
+            <a:off x="316022" y="1224078"/>
+            <a:ext cx="8504449" cy="2692315"/>
+          </a:xfrm>
+          <a:ln>
+            <a:solidFill>
+              <a:srgbClr val="C00000"/>
+            </a:solidFill>
+          </a:ln>
+        </p:spPr>
+        <p:txBody>
+          <a:bodyPr>
+            <a:noAutofit/>
+          </a:bodyPr>
+          <a:lstStyle/>
+          <a:p>
+            <a:pPr marL="342900" indent="-342900" algn="l">
+              <a:buClr>
+                <a:srgbClr val="0070C0"/>
+              </a:buClr>
+              <a:buSzPct val="80000"/>
+              <a:buFont typeface="Wingdings" pitchFamily="2" charset="2"/>
+              <a:buChar char="u"/>
+            </a:pPr>
+            <a:r>
+              <a:rPr lang="en-US" sz="1800" b="1" i="0" dirty="0">
+                <a:solidFill>
+                  <a:srgbClr val="C00000"/>
+                </a:solidFill>
+                <a:effectLst/>
+              </a:rPr>
+              <a:t>Install for Both Master and Slave: Master</a:t>
+            </a:r>
+          </a:p>
+          <a:p>
+            <a:pPr marL="342900" indent="-342900" algn="l">
+              <a:buClr>
+                <a:srgbClr val="0070C0"/>
+              </a:buClr>
+              <a:buSzPct val="80000"/>
+              <a:buFont typeface="Wingdings" pitchFamily="2" charset="2"/>
+              <a:buChar char="u"/>
+            </a:pPr>
+            <a:r>
+              <a:rPr lang="en-US" sz="1800" dirty="0">
+                <a:solidFill>
+                  <a:srgbClr val="000000"/>
+                </a:solidFill>
+              </a:rPr>
+              <a:t>Review:</a:t>
+            </a:r>
+          </a:p>
+          <a:p>
+            <a:pPr marL="342900" indent="-342900" algn="l">
+              <a:buClr>
+                <a:srgbClr val="0070C0"/>
+              </a:buClr>
+              <a:buSzPct val="80000"/>
+              <a:buFont typeface="Wingdings" pitchFamily="2" charset="2"/>
+              <a:buChar char="u"/>
+            </a:pPr>
+            <a:r>
+              <a:rPr lang="en-US" sz="1800" dirty="0">
+                <a:solidFill>
+                  <a:srgbClr val="000000"/>
+                </a:solidFill>
+              </a:rPr>
+              <a:t>W</a:t>
+            </a:r>
+            <a:r>
+              <a:rPr lang="en-US" sz="1800" b="0" i="0" dirty="0">
+                <a:solidFill>
+                  <a:srgbClr val="000000"/>
+                </a:solidFill>
+                <a:effectLst/>
+              </a:rPr>
+              <a:t>e have the two machines master </a:t>
+            </a:r>
+            <a:r>
+              <a:rPr lang="en-US" sz="1800" dirty="0">
+                <a:solidFill>
+                  <a:srgbClr val="000000"/>
+                </a:solidFill>
+              </a:rPr>
+              <a:t>and the slave in the cluster.</a:t>
+            </a:r>
+          </a:p>
+          <a:p>
+            <a:pPr marL="342900" indent="-342900" algn="l">
+              <a:buClr>
+                <a:srgbClr val="0070C0"/>
+              </a:buClr>
+              <a:buSzPct val="80000"/>
+              <a:buFont typeface="Wingdings" pitchFamily="2" charset="2"/>
+              <a:buChar char="u"/>
+            </a:pPr>
+            <a:r>
+              <a:rPr lang="en-US" sz="1800" b="0" i="0" dirty="0">
+                <a:solidFill>
+                  <a:srgbClr val="000000"/>
+                </a:solidFill>
+                <a:effectLst/>
+              </a:rPr>
+              <a:t>The master must have at least 2GB of RAM and 2-core CPUs.</a:t>
+            </a:r>
+          </a:p>
+          <a:p>
+            <a:pPr marL="342900" indent="-342900" algn="l">
+              <a:buClr>
+                <a:srgbClr val="0070C0"/>
+              </a:buClr>
+              <a:buSzPct val="80000"/>
+              <a:buFont typeface="Wingdings" pitchFamily="2" charset="2"/>
+              <a:buChar char="u"/>
+            </a:pPr>
+            <a:r>
+              <a:rPr lang="en-US" sz="1800" dirty="0">
+                <a:solidFill>
+                  <a:srgbClr val="000000"/>
+                </a:solidFill>
+              </a:rPr>
+              <a:t>The slave must have at least 2GB RAM and 1-core CPU.</a:t>
+            </a:r>
+          </a:p>
+          <a:p>
+            <a:pPr marL="342900" indent="-342900" algn="l">
+              <a:buClr>
+                <a:srgbClr val="0070C0"/>
+              </a:buClr>
+              <a:buSzPct val="80000"/>
+              <a:buFont typeface="Wingdings" pitchFamily="2" charset="2"/>
+              <a:buChar char="u"/>
+            </a:pPr>
+            <a:r>
+              <a:rPr lang="en-US" sz="1800" b="0" i="0" dirty="0">
+                <a:solidFill>
+                  <a:srgbClr val="000000"/>
+                </a:solidFill>
+                <a:effectLst/>
+              </a:rPr>
+              <a:t>These are basic </a:t>
+            </a:r>
+            <a:r>
+              <a:rPr lang="en-US" sz="1800" dirty="0">
+                <a:solidFill>
+                  <a:srgbClr val="000000"/>
+                </a:solidFill>
+              </a:rPr>
+              <a:t>requirements for the master and slave machines.</a:t>
+            </a:r>
+          </a:p>
+          <a:p>
+            <a:pPr marL="342900" indent="-342900" algn="l">
+              <a:buClr>
+                <a:srgbClr val="0070C0"/>
+              </a:buClr>
+              <a:buSzPct val="80000"/>
+              <a:buFont typeface="Wingdings" pitchFamily="2" charset="2"/>
+              <a:buChar char="u"/>
+            </a:pPr>
+            <a:r>
+              <a:rPr lang="en-US" sz="1800" b="0" i="0" dirty="0">
+                <a:solidFill>
+                  <a:srgbClr val="000000"/>
+                </a:solidFill>
+                <a:effectLst/>
+              </a:rPr>
+              <a:t>&gt; ping &lt;ipv4-address&gt;</a:t>
+            </a:r>
+          </a:p>
+          <a:p>
+            <a:pPr marL="342900" indent="-342900" algn="l">
+              <a:buClr>
+                <a:srgbClr val="0070C0"/>
+              </a:buClr>
+              <a:buSzPct val="80000"/>
+              <a:buFont typeface="Wingdings" pitchFamily="2" charset="2"/>
+              <a:buChar char="u"/>
+            </a:pPr>
+            <a:r>
+              <a:rPr lang="en-US" sz="1800" dirty="0">
+                <a:solidFill>
+                  <a:srgbClr val="000000"/>
+                </a:solidFill>
+              </a:rPr>
+              <a:t>&gt; ping6 -I &lt;interface&gt; &lt;ipv6-address&gt; (Same machine OK. For different machine NG)</a:t>
+            </a:r>
+            <a:endParaRPr lang="en-US" sz="1800" b="0" i="0" dirty="0">
+              <a:solidFill>
+                <a:srgbClr val="000000"/>
+              </a:solidFill>
+              <a:effectLst/>
+            </a:endParaRPr>
+          </a:p>
+        </p:txBody>
+      </p:sp>
+      <p:sp>
+        <p:nvSpPr>
+          <p:cNvPr id="4" name="標題 1"/>
+          <p:cNvSpPr txBox="1">
+            <a:spLocks/>
+          </p:cNvSpPr>
+          <p:nvPr/>
+        </p:nvSpPr>
+        <p:spPr>
+          <a:xfrm>
+            <a:off x="0" y="764704"/>
+            <a:ext cx="9144000" cy="360040"/>
+          </a:xfrm>
+          <a:prstGeom prst="rect">
+            <a:avLst/>
+          </a:prstGeom>
+          <a:gradFill flip="none" rotWithShape="1">
+            <a:gsLst>
+              <a:gs pos="0">
+                <a:srgbClr val="00B0F0">
+                  <a:shade val="30000"/>
+                  <a:satMod val="115000"/>
+                </a:srgbClr>
+              </a:gs>
+              <a:gs pos="50000">
+                <a:srgbClr val="00B0F0">
+                  <a:shade val="67500"/>
+                  <a:satMod val="115000"/>
+                </a:srgbClr>
+              </a:gs>
+              <a:gs pos="100000">
+                <a:srgbClr val="00B0F0">
+                  <a:shade val="100000"/>
+                  <a:satMod val="115000"/>
+                </a:srgbClr>
+              </a:gs>
+            </a:gsLst>
+            <a:path path="circle">
+              <a:fillToRect t="100000" r="100000"/>
+            </a:path>
+            <a:tileRect l="-100000" b="-100000"/>
+          </a:gradFill>
+        </p:spPr>
+        <p:txBody>
+          <a:bodyPr vert="horz" lIns="91440" tIns="45720" rIns="91440" bIns="45720" rtlCol="0" anchor="ctr">
+            <a:normAutofit/>
+          </a:bodyPr>
+          <a:lstStyle/>
+          <a:p>
+            <a:pPr lvl="0">
+              <a:spcBef>
+                <a:spcPct val="0"/>
+              </a:spcBef>
+            </a:pPr>
+            <a:r>
+              <a:rPr lang="en-US" sz="1600" dirty="0"/>
+              <a:t>https://www.youtube.com/watch?v=UWg3ORRRF60</a:t>
+            </a:r>
+            <a:endParaRPr kumimoji="0" lang="zh-TW" altLang="en-US" sz="1600" b="0" i="0" u="none" strike="noStrike" kern="1200" cap="none" spc="0" normalizeH="0" baseline="0" noProof="0" dirty="0">
+              <a:ln>
+                <a:noFill/>
+              </a:ln>
+              <a:solidFill>
+                <a:schemeClr val="tx1"/>
+              </a:solidFill>
+              <a:effectLst/>
+              <a:uLnTx/>
+              <a:uFillTx/>
+              <a:latin typeface="+mj-lt"/>
+              <a:ea typeface="+mj-ea"/>
+              <a:cs typeface="+mj-cs"/>
+            </a:endParaRPr>
+          </a:p>
+        </p:txBody>
+      </p:sp>
+      <p:sp>
+        <p:nvSpPr>
+          <p:cNvPr id="5" name="日期版面配置區 4"/>
+          <p:cNvSpPr>
+            <a:spLocks noGrp="1"/>
+          </p:cNvSpPr>
+          <p:nvPr>
+            <p:ph type="dt" sz="half" idx="10"/>
+          </p:nvPr>
+        </p:nvSpPr>
+        <p:spPr/>
+        <p:txBody>
+          <a:bodyPr/>
+          <a:lstStyle/>
+          <a:p>
+            <a:fld id="{A4F910E6-8D00-4BAF-8C48-9688E0B449D3}" type="datetime1">
+              <a:rPr lang="zh-TW" altLang="en-US" smtClean="0"/>
+              <a:pPr/>
+              <a:t>2022/11/19</a:t>
             </a:fld>
             <a:endParaRPr lang="zh-TW" altLang="en-US"/>
           </a:p>
@@ -10242,7 +10118,7 @@
                   <a:srgbClr val="FFFF00"/>
                 </a:solidFill>
               </a:rPr>
-              <a:t>1.3 Initialize Hostname and IP Address</a:t>
+              <a:t>1.4 Install OpenSSH Server and Docker </a:t>
             </a:r>
             <a:endParaRPr lang="zh-TW" altLang="en-US" b="1" dirty="0">
               <a:solidFill>
@@ -10264,8 +10140,8 @@
         </p:nvSpPr>
         <p:spPr>
           <a:xfrm>
-            <a:off x="316023" y="1224079"/>
-            <a:ext cx="8288426" cy="2348938"/>
+            <a:off x="145354" y="1248460"/>
+            <a:ext cx="4210622" cy="1892508"/>
           </a:xfrm>
           <a:ln>
             <a:solidFill>
@@ -10288,27 +10164,14 @@
               <a:buChar char="u"/>
             </a:pPr>
             <a:r>
-              <a:rPr lang="en-US" sz="1800" b="1">
+              <a:rPr lang="en-US" sz="1800" b="1" i="0" dirty="0">
                 <a:solidFill>
                   <a:srgbClr val="C00000"/>
                 </a:solidFill>
+                <a:effectLst/>
               </a:rPr>
-              <a:t>Cluster </a:t>
-            </a:r>
-            <a:r>
-              <a:rPr lang="en-US" sz="1800" b="1" dirty="0">
-                <a:solidFill>
-                  <a:srgbClr val="C00000"/>
-                </a:solidFill>
-              </a:rPr>
-              <a:t>with Two Networks</a:t>
-            </a:r>
-            <a:endParaRPr lang="en-US" sz="1800" b="1" i="0" dirty="0">
-              <a:solidFill>
-                <a:srgbClr val="C00000"/>
-              </a:solidFill>
-              <a:effectLst/>
-            </a:endParaRPr>
+              <a:t>Install the OpenSSH Server (7:48/27:56)</a:t>
+            </a:r>
           </a:p>
           <a:p>
             <a:pPr marL="342900" indent="-342900" algn="l">
@@ -10320,21 +10183,13 @@
               <a:buChar char="u"/>
             </a:pPr>
             <a:r>
-              <a:rPr lang="en-US" sz="1800" b="0" i="0" dirty="0">
+              <a:rPr lang="en-US" sz="1800" dirty="0">
                 <a:solidFill>
                   <a:srgbClr val="000000"/>
                 </a:solidFill>
-                <a:effectLst/>
-                <a:hlinkClick r:id="rId2"/>
               </a:rPr>
-              <a:t>https://lazyadmin.nl/home-network/home-network-diagram/</a:t>
-            </a:r>
-            <a:endParaRPr lang="en-US" sz="1800" b="0" i="0" dirty="0">
-              <a:solidFill>
-                <a:srgbClr val="000000"/>
-              </a:solidFill>
-              <a:effectLst/>
-            </a:endParaRPr>
+              <a:t>Now, we install openSSH</a:t>
+            </a:r>
           </a:p>
           <a:p>
             <a:pPr marL="342900" indent="-342900" algn="l">
@@ -10346,47 +10201,12 @@
               <a:buChar char="u"/>
             </a:pPr>
             <a:r>
-              <a:rPr lang="en-US" sz="1800" b="0" i="0" dirty="0">
+              <a:rPr lang="en-US" sz="1800" dirty="0">
                 <a:solidFill>
                   <a:srgbClr val="000000"/>
                 </a:solidFill>
-                <a:effectLst/>
               </a:rPr>
-              <a:t>1. N600 Wi-Fi Cable Modem Router (Model C3700): </a:t>
-            </a:r>
-            <a:r>
-              <a:rPr lang="en-US" sz="1800" dirty="0">
-                <a:solidFill>
-                  <a:srgbClr val="000000"/>
-                </a:solidFill>
-              </a:rPr>
-              <a:t>Coaxial </a:t>
-            </a:r>
-            <a:r>
-              <a:rPr lang="en-US" sz="1800" b="0" i="0" dirty="0">
-                <a:solidFill>
-                  <a:srgbClr val="000000"/>
-                </a:solidFill>
-                <a:effectLst/>
-              </a:rPr>
-              <a:t>Cable to Ethernet and Wi-Fi internet</a:t>
-            </a:r>
-            <a:r>
-              <a:rPr lang="en-US" sz="1800" dirty="0">
-                <a:solidFill>
-                  <a:srgbClr val="000000"/>
-                </a:solidFill>
-              </a:rPr>
-              <a:t>.</a:t>
-            </a:r>
-            <a:r>
-              <a:rPr lang="en-US" sz="1800" b="0" i="0" dirty="0">
-                <a:solidFill>
-                  <a:srgbClr val="000000"/>
-                </a:solidFill>
-                <a:effectLst/>
-              </a:rPr>
-              <a:t> </a:t>
+              <a:t>&gt; sudo su</a:t>
             </a:r>
           </a:p>
           <a:p>
@@ -10399,30 +10219,12 @@
               <a:buChar char="u"/>
             </a:pPr>
             <a:r>
-              <a:rPr lang="en-US" sz="1800" b="0" i="0" dirty="0">
+              <a:rPr lang="en-US" sz="1800" dirty="0">
                 <a:solidFill>
                   <a:srgbClr val="000000"/>
                 </a:solidFill>
-                <a:effectLst/>
               </a:rPr>
-              <a:t>Cable Modem </a:t>
-            </a:r>
-            <a:r>
-              <a:rPr lang="en-US" sz="1800" dirty="0">
-                <a:solidFill>
-                  <a:srgbClr val="000000"/>
-                </a:solidFill>
-              </a:rPr>
-              <a:t>Router</a:t>
-            </a:r>
-            <a:r>
-              <a:rPr lang="en-US" sz="1800" b="0" i="0" dirty="0">
-                <a:solidFill>
-                  <a:srgbClr val="000000"/>
-                </a:solidFill>
-                <a:effectLst/>
-              </a:rPr>
-              <a:t>: Netgear96, password: sweetxxxxx774. </a:t>
+              <a:t>&gt; apt-get install openssh-server</a:t>
             </a:r>
           </a:p>
           <a:p>
@@ -10440,43 +10242,7 @@
                   <a:srgbClr val="000000"/>
                 </a:solidFill>
               </a:rPr>
-              <a:t>2. </a:t>
-            </a:r>
-            <a:r>
-              <a:rPr lang="en-US" sz="1800" b="0" i="0" dirty="0">
-                <a:solidFill>
-                  <a:srgbClr val="000000"/>
-                </a:solidFill>
-                <a:effectLst/>
-              </a:rPr>
-              <a:t> AC1750 Smart Wi-Fi Router (Model R6400): </a:t>
-            </a:r>
-          </a:p>
-          <a:p>
-            <a:pPr marL="342900" indent="-342900" algn="l">
-              <a:buClr>
-                <a:srgbClr val="0070C0"/>
-              </a:buClr>
-              <a:buSzPct val="80000"/>
-              <a:buFont typeface="Wingdings" pitchFamily="2" charset="2"/>
-              <a:buChar char="u"/>
-            </a:pPr>
-            <a:r>
-              <a:rPr lang="en-US" sz="1800" dirty="0">
-                <a:solidFill>
-                  <a:srgbClr val="000000"/>
-                </a:solidFill>
-              </a:rPr>
-              <a:t>Smart Router</a:t>
-            </a:r>
-            <a:r>
-              <a:rPr lang="en-US" sz="1800" b="0" i="0" dirty="0">
-                <a:solidFill>
-                  <a:srgbClr val="000000"/>
-                </a:solidFill>
-                <a:effectLst/>
-              </a:rPr>
-              <a:t>: Netgear49, password: happyxxxx772.</a:t>
+              <a:t>So, openSSH is installed right now.</a:t>
             </a:r>
           </a:p>
         </p:txBody>
@@ -10574,7 +10340,7 @@
             <a:fld id="{A4F910E6-8D00-4BAF-8C48-9688E0B449D3}" type="datetime1">
               <a:rPr lang="zh-TW" altLang="en-US" smtClean="0"/>
               <a:pPr/>
-              <a:t>2022/11/17</a:t>
+              <a:t>2022/11/19</a:t>
             </a:fld>
             <a:endParaRPr lang="zh-TW" altLang="en-US"/>
           </a:p>
@@ -10599,3758 +10365,6 @@
               <a:rPr lang="zh-TW" altLang="en-US" smtClean="0"/>
               <a:pPr/>
               <a:t>20</a:t>
-            </a:fld>
-            <a:endParaRPr lang="zh-TW" altLang="en-US" dirty="0"/>
-          </a:p>
-        </p:txBody>
-      </p:sp>
-      <p:pic>
-        <p:nvPicPr>
-          <p:cNvPr id="1026" name="Picture 2" descr="NETGEAR C3700-100NAS N600 Wi-Fi Cable Modem Router - Newegg.com">
-            <a:extLst>
-              <a:ext uri="{FF2B5EF4-FFF2-40B4-BE49-F238E27FC236}">
-                <a16:creationId xmlns:a16="http://schemas.microsoft.com/office/drawing/2014/main" id="{44F5842B-E051-78CF-1E54-520828B7957D}"/>
-              </a:ext>
-            </a:extLst>
-          </p:cNvPr>
-          <p:cNvPicPr>
-            <a:picLocks noChangeAspect="1" noChangeArrowheads="1"/>
-          </p:cNvPicPr>
-          <p:nvPr/>
-        </p:nvPicPr>
-        <p:blipFill>
-          <a:blip r:embed="rId3">
-            <a:extLst>
-              <a:ext uri="{28A0092B-C50C-407E-A947-70E740481C1C}">
-                <a14:useLocalDpi xmlns:a14="http://schemas.microsoft.com/office/drawing/2010/main" val="0"/>
-              </a:ext>
-            </a:extLst>
-          </a:blip>
-          <a:srcRect/>
-          <a:stretch>
-            <a:fillRect/>
-          </a:stretch>
-        </p:blipFill>
-        <p:spPr bwMode="auto">
-          <a:xfrm>
-            <a:off x="2839620" y="4068774"/>
-            <a:ext cx="1283890" cy="961678"/>
-          </a:xfrm>
-          <a:prstGeom prst="rect">
-            <a:avLst/>
-          </a:prstGeom>
-          <a:noFill/>
-          <a:ln w="19050">
-            <a:solidFill>
-              <a:srgbClr val="C00000"/>
-            </a:solidFill>
-          </a:ln>
-          <a:extLst>
-            <a:ext uri="{909E8E84-426E-40DD-AFC4-6F175D3DCCD1}">
-              <a14:hiddenFill xmlns:a14="http://schemas.microsoft.com/office/drawing/2010/main">
-                <a:solidFill>
-                  <a:srgbClr val="FFFFFF"/>
-                </a:solidFill>
-              </a14:hiddenFill>
-            </a:ext>
-          </a:extLst>
-        </p:spPr>
-      </p:pic>
-      <p:pic>
-        <p:nvPicPr>
-          <p:cNvPr id="1028" name="Picture 4" descr="AC1750 WiFi Router - R6400">
-            <a:extLst>
-              <a:ext uri="{FF2B5EF4-FFF2-40B4-BE49-F238E27FC236}">
-                <a16:creationId xmlns:a16="http://schemas.microsoft.com/office/drawing/2014/main" id="{10BB3B51-B373-F5D5-40A0-846780AA11A8}"/>
-              </a:ext>
-            </a:extLst>
-          </p:cNvPr>
-          <p:cNvPicPr>
-            <a:picLocks noChangeAspect="1" noChangeArrowheads="1"/>
-          </p:cNvPicPr>
-          <p:nvPr/>
-        </p:nvPicPr>
-        <p:blipFill>
-          <a:blip r:embed="rId4">
-            <a:extLst>
-              <a:ext uri="{28A0092B-C50C-407E-A947-70E740481C1C}">
-                <a14:useLocalDpi xmlns:a14="http://schemas.microsoft.com/office/drawing/2010/main" val="0"/>
-              </a:ext>
-            </a:extLst>
-          </a:blip>
-          <a:srcRect/>
-          <a:stretch>
-            <a:fillRect/>
-          </a:stretch>
-        </p:blipFill>
-        <p:spPr bwMode="auto">
-          <a:xfrm>
-            <a:off x="5340160" y="4296758"/>
-            <a:ext cx="1401155" cy="961678"/>
-          </a:xfrm>
-          <a:prstGeom prst="rect">
-            <a:avLst/>
-          </a:prstGeom>
-          <a:noFill/>
-          <a:ln w="19050">
-            <a:solidFill>
-              <a:srgbClr val="C00000"/>
-            </a:solidFill>
-          </a:ln>
-          <a:extLst>
-            <a:ext uri="{909E8E84-426E-40DD-AFC4-6F175D3DCCD1}">
-              <a14:hiddenFill xmlns:a14="http://schemas.microsoft.com/office/drawing/2010/main">
-                <a:solidFill>
-                  <a:srgbClr val="FFFFFF"/>
-                </a:solidFill>
-              </a14:hiddenFill>
-            </a:ext>
-          </a:extLst>
-        </p:spPr>
-      </p:pic>
-      <p:pic>
-        <p:nvPicPr>
-          <p:cNvPr id="1032" name="Picture 8" descr="Cloud Logo Graphic by Acongraphic · Creative Fabrica">
-            <a:extLst>
-              <a:ext uri="{FF2B5EF4-FFF2-40B4-BE49-F238E27FC236}">
-                <a16:creationId xmlns:a16="http://schemas.microsoft.com/office/drawing/2014/main" id="{CDE55C8D-C6A1-01D4-90D2-92966B34B0A9}"/>
-              </a:ext>
-            </a:extLst>
-          </p:cNvPr>
-          <p:cNvPicPr>
-            <a:picLocks noChangeAspect="1" noChangeArrowheads="1"/>
-          </p:cNvPicPr>
-          <p:nvPr/>
-        </p:nvPicPr>
-        <p:blipFill>
-          <a:blip r:embed="rId5">
-            <a:extLst>
-              <a:ext uri="{28A0092B-C50C-407E-A947-70E740481C1C}">
-                <a14:useLocalDpi xmlns:a14="http://schemas.microsoft.com/office/drawing/2010/main" val="0"/>
-              </a:ext>
-            </a:extLst>
-          </a:blip>
-          <a:srcRect/>
-          <a:stretch>
-            <a:fillRect/>
-          </a:stretch>
-        </p:blipFill>
-        <p:spPr bwMode="auto">
-          <a:xfrm>
-            <a:off x="390643" y="3788516"/>
-            <a:ext cx="1283890" cy="854370"/>
-          </a:xfrm>
-          <a:prstGeom prst="rect">
-            <a:avLst/>
-          </a:prstGeom>
-          <a:noFill/>
-          <a:extLst>
-            <a:ext uri="{909E8E84-426E-40DD-AFC4-6F175D3DCCD1}">
-              <a14:hiddenFill xmlns:a14="http://schemas.microsoft.com/office/drawing/2010/main">
-                <a:solidFill>
-                  <a:srgbClr val="FFFFFF"/>
-                </a:solidFill>
-              </a14:hiddenFill>
-            </a:ext>
-          </a:extLst>
-        </p:spPr>
-      </p:pic>
-      <p:pic>
-        <p:nvPicPr>
-          <p:cNvPr id="1030" name="Picture 6" descr="xfinity-logo-1024x585 - Center for Volunteer &amp; Nonprofit Leadership">
-            <a:extLst>
-              <a:ext uri="{FF2B5EF4-FFF2-40B4-BE49-F238E27FC236}">
-                <a16:creationId xmlns:a16="http://schemas.microsoft.com/office/drawing/2014/main" id="{B48AA378-3A91-ED02-19C4-A72B721ED359}"/>
-              </a:ext>
-            </a:extLst>
-          </p:cNvPr>
-          <p:cNvPicPr>
-            <a:picLocks noChangeAspect="1" noChangeArrowheads="1"/>
-          </p:cNvPicPr>
-          <p:nvPr/>
-        </p:nvPicPr>
-        <p:blipFill>
-          <a:blip r:embed="rId6">
-            <a:extLst>
-              <a:ext uri="{28A0092B-C50C-407E-A947-70E740481C1C}">
-                <a14:useLocalDpi xmlns:a14="http://schemas.microsoft.com/office/drawing/2010/main" val="0"/>
-              </a:ext>
-            </a:extLst>
-          </a:blip>
-          <a:srcRect/>
-          <a:stretch>
-            <a:fillRect/>
-          </a:stretch>
-        </p:blipFill>
-        <p:spPr bwMode="auto">
-          <a:xfrm>
-            <a:off x="457442" y="4410510"/>
-            <a:ext cx="1260129" cy="721286"/>
-          </a:xfrm>
-          <a:prstGeom prst="rect">
-            <a:avLst/>
-          </a:prstGeom>
-          <a:noFill/>
-          <a:extLst>
-            <a:ext uri="{909E8E84-426E-40DD-AFC4-6F175D3DCCD1}">
-              <a14:hiddenFill xmlns:a14="http://schemas.microsoft.com/office/drawing/2010/main">
-                <a:solidFill>
-                  <a:srgbClr val="FFFFFF"/>
-                </a:solidFill>
-              </a14:hiddenFill>
-            </a:ext>
-          </a:extLst>
-        </p:spPr>
-      </p:pic>
-      <p:sp>
-        <p:nvSpPr>
-          <p:cNvPr id="11" name="Rectangle 10">
-            <a:extLst>
-              <a:ext uri="{FF2B5EF4-FFF2-40B4-BE49-F238E27FC236}">
-                <a16:creationId xmlns:a16="http://schemas.microsoft.com/office/drawing/2014/main" id="{5A863CF3-4CCA-C079-967D-97543C91CAC3}"/>
-              </a:ext>
-            </a:extLst>
-          </p:cNvPr>
-          <p:cNvSpPr/>
-          <p:nvPr/>
-        </p:nvSpPr>
-        <p:spPr>
-          <a:xfrm>
-            <a:off x="390644" y="3860411"/>
-            <a:ext cx="1401155" cy="1378404"/>
-          </a:xfrm>
-          <a:prstGeom prst="rect">
-            <a:avLst/>
-          </a:prstGeom>
-          <a:noFill/>
-          <a:ln>
-            <a:solidFill>
-              <a:srgbClr val="C00000"/>
-            </a:solidFill>
-          </a:ln>
-        </p:spPr>
-        <p:style>
-          <a:lnRef idx="2">
-            <a:schemeClr val="accent1">
-              <a:shade val="50000"/>
-            </a:schemeClr>
-          </a:lnRef>
-          <a:fillRef idx="1">
-            <a:schemeClr val="accent1"/>
-          </a:fillRef>
-          <a:effectRef idx="0">
-            <a:schemeClr val="accent1"/>
-          </a:effectRef>
-          <a:fontRef idx="minor">
-            <a:schemeClr val="lt1"/>
-          </a:fontRef>
-        </p:style>
-        <p:txBody>
-          <a:bodyPr rtlCol="0" anchor="ctr"/>
-          <a:lstStyle/>
-          <a:p>
-            <a:pPr algn="ctr"/>
-            <a:endParaRPr lang="en-US"/>
-          </a:p>
-        </p:txBody>
-      </p:sp>
-      <p:sp>
-        <p:nvSpPr>
-          <p:cNvPr id="17" name="TextBox 16">
-            <a:extLst>
-              <a:ext uri="{FF2B5EF4-FFF2-40B4-BE49-F238E27FC236}">
-                <a16:creationId xmlns:a16="http://schemas.microsoft.com/office/drawing/2014/main" id="{4463206E-AE13-DBF3-0969-F62499E45DBD}"/>
-              </a:ext>
-            </a:extLst>
-          </p:cNvPr>
-          <p:cNvSpPr txBox="1"/>
-          <p:nvPr/>
-        </p:nvSpPr>
-        <p:spPr>
-          <a:xfrm>
-            <a:off x="1858597" y="4010400"/>
-            <a:ext cx="639138" cy="400110"/>
-          </a:xfrm>
-          <a:prstGeom prst="rect">
-            <a:avLst/>
-          </a:prstGeom>
-          <a:solidFill>
-            <a:srgbClr val="FFFF00"/>
-          </a:solidFill>
-          <a:ln>
-            <a:solidFill>
-              <a:srgbClr val="C00000"/>
-            </a:solidFill>
-          </a:ln>
-        </p:spPr>
-        <p:txBody>
-          <a:bodyPr wrap="square" rtlCol="0">
-            <a:spAutoFit/>
-          </a:bodyPr>
-          <a:lstStyle/>
-          <a:p>
-            <a:r>
-              <a:rPr lang="en-US" sz="1000" dirty="0"/>
-              <a:t>Coaxial cable</a:t>
-            </a:r>
-          </a:p>
-        </p:txBody>
-      </p:sp>
-      <p:cxnSp>
-        <p:nvCxnSpPr>
-          <p:cNvPr id="23" name="Straight Connector 22">
-            <a:extLst>
-              <a:ext uri="{FF2B5EF4-FFF2-40B4-BE49-F238E27FC236}">
-                <a16:creationId xmlns:a16="http://schemas.microsoft.com/office/drawing/2014/main" id="{831E883E-7877-B6E9-C409-BDDDC27A12C8}"/>
-              </a:ext>
-            </a:extLst>
-          </p:cNvPr>
-          <p:cNvCxnSpPr>
-            <a:cxnSpLocks/>
-            <a:stCxn id="11" idx="3"/>
-            <a:endCxn id="1026" idx="1"/>
-          </p:cNvCxnSpPr>
-          <p:nvPr/>
-        </p:nvCxnSpPr>
-        <p:spPr>
-          <a:xfrm>
-            <a:off x="1791799" y="4549613"/>
-            <a:ext cx="1047821" cy="0"/>
-          </a:xfrm>
-          <a:prstGeom prst="line">
-            <a:avLst/>
-          </a:prstGeom>
-          <a:ln w="57150">
-            <a:headEnd type="none" w="med" len="med"/>
-            <a:tailEnd type="none" w="med" len="med"/>
-          </a:ln>
-        </p:spPr>
-        <p:style>
-          <a:lnRef idx="1">
-            <a:schemeClr val="accent2"/>
-          </a:lnRef>
-          <a:fillRef idx="0">
-            <a:schemeClr val="accent2"/>
-          </a:fillRef>
-          <a:effectRef idx="0">
-            <a:schemeClr val="accent2"/>
-          </a:effectRef>
-          <a:fontRef idx="minor">
-            <a:schemeClr val="tx1"/>
-          </a:fontRef>
-        </p:style>
-      </p:cxnSp>
-      <p:sp>
-        <p:nvSpPr>
-          <p:cNvPr id="25" name="TextBox 24">
-            <a:extLst>
-              <a:ext uri="{FF2B5EF4-FFF2-40B4-BE49-F238E27FC236}">
-                <a16:creationId xmlns:a16="http://schemas.microsoft.com/office/drawing/2014/main" id="{FF758E84-F9B5-3383-DA1F-155542E84DD9}"/>
-              </a:ext>
-            </a:extLst>
-          </p:cNvPr>
-          <p:cNvSpPr txBox="1"/>
-          <p:nvPr/>
-        </p:nvSpPr>
-        <p:spPr>
-          <a:xfrm>
-            <a:off x="2788000" y="3607324"/>
-            <a:ext cx="1401156" cy="400110"/>
-          </a:xfrm>
-          <a:prstGeom prst="rect">
-            <a:avLst/>
-          </a:prstGeom>
-          <a:solidFill>
-            <a:srgbClr val="FFFF00"/>
-          </a:solidFill>
-          <a:ln>
-            <a:solidFill>
-              <a:srgbClr val="C00000"/>
-            </a:solidFill>
-          </a:ln>
-        </p:spPr>
-        <p:txBody>
-          <a:bodyPr wrap="square" rtlCol="0">
-            <a:spAutoFit/>
-          </a:bodyPr>
-          <a:lstStyle/>
-          <a:p>
-            <a:r>
-              <a:rPr lang="en-US" sz="1000" b="1" dirty="0">
-                <a:solidFill>
-                  <a:srgbClr val="C00000"/>
-                </a:solidFill>
-              </a:rPr>
-              <a:t>Netgear96</a:t>
-            </a:r>
-            <a:r>
-              <a:rPr lang="en-US" sz="1000" b="1" dirty="0">
-                <a:solidFill>
-                  <a:srgbClr val="FF0000"/>
-                </a:solidFill>
-              </a:rPr>
-              <a:t>:</a:t>
-            </a:r>
-          </a:p>
-          <a:p>
-            <a:r>
-              <a:rPr lang="en-US" sz="1000" dirty="0"/>
-              <a:t>Cable Modem Router</a:t>
-            </a:r>
-          </a:p>
-        </p:txBody>
-      </p:sp>
-      <p:sp>
-        <p:nvSpPr>
-          <p:cNvPr id="30" name="TextBox 29">
-            <a:extLst>
-              <a:ext uri="{FF2B5EF4-FFF2-40B4-BE49-F238E27FC236}">
-                <a16:creationId xmlns:a16="http://schemas.microsoft.com/office/drawing/2014/main" id="{C3620901-8FE2-77AC-4894-2A8F6BBB3EC5}"/>
-              </a:ext>
-            </a:extLst>
-          </p:cNvPr>
-          <p:cNvSpPr txBox="1"/>
-          <p:nvPr/>
-        </p:nvSpPr>
-        <p:spPr>
-          <a:xfrm>
-            <a:off x="4307482" y="3999308"/>
-            <a:ext cx="877283" cy="400110"/>
-          </a:xfrm>
-          <a:prstGeom prst="rect">
-            <a:avLst/>
-          </a:prstGeom>
-          <a:solidFill>
-            <a:srgbClr val="FFFF00"/>
-          </a:solidFill>
-          <a:ln>
-            <a:solidFill>
-              <a:srgbClr val="C00000"/>
-            </a:solidFill>
-          </a:ln>
-        </p:spPr>
-        <p:txBody>
-          <a:bodyPr wrap="square" rtlCol="0">
-            <a:spAutoFit/>
-          </a:bodyPr>
-          <a:lstStyle/>
-          <a:p>
-            <a:r>
-              <a:rPr lang="en-US" sz="1000" dirty="0"/>
-              <a:t>Ethernet </a:t>
-            </a:r>
-          </a:p>
-          <a:p>
-            <a:r>
-              <a:rPr lang="en-US" sz="1000" dirty="0"/>
-              <a:t>Wire</a:t>
-            </a:r>
-          </a:p>
-        </p:txBody>
-      </p:sp>
-      <p:pic>
-        <p:nvPicPr>
-          <p:cNvPr id="1036" name="Picture 12" descr="Samsung UE24N4305 24´´ Full HD LED TV Black | Techinn">
-            <a:extLst>
-              <a:ext uri="{FF2B5EF4-FFF2-40B4-BE49-F238E27FC236}">
-                <a16:creationId xmlns:a16="http://schemas.microsoft.com/office/drawing/2014/main" id="{DC4F17B1-8DF3-C158-D17F-C9160E2D68B2}"/>
-              </a:ext>
-            </a:extLst>
-          </p:cNvPr>
-          <p:cNvPicPr>
-            <a:picLocks noChangeAspect="1" noChangeArrowheads="1"/>
-          </p:cNvPicPr>
-          <p:nvPr/>
-        </p:nvPicPr>
-        <p:blipFill>
-          <a:blip r:embed="rId7">
-            <a:extLst>
-              <a:ext uri="{28A0092B-C50C-407E-A947-70E740481C1C}">
-                <a14:useLocalDpi xmlns:a14="http://schemas.microsoft.com/office/drawing/2010/main" val="0"/>
-              </a:ext>
-            </a:extLst>
-          </a:blip>
-          <a:srcRect/>
-          <a:stretch>
-            <a:fillRect/>
-          </a:stretch>
-        </p:blipFill>
-        <p:spPr bwMode="auto">
-          <a:xfrm>
-            <a:off x="2638594" y="5549188"/>
-            <a:ext cx="963850" cy="963850"/>
-          </a:xfrm>
-          <a:prstGeom prst="rect">
-            <a:avLst/>
-          </a:prstGeom>
-          <a:noFill/>
-          <a:ln w="19050">
-            <a:solidFill>
-              <a:srgbClr val="C00000"/>
-            </a:solidFill>
-          </a:ln>
-          <a:extLst>
-            <a:ext uri="{909E8E84-426E-40DD-AFC4-6F175D3DCCD1}">
-              <a14:hiddenFill xmlns:a14="http://schemas.microsoft.com/office/drawing/2010/main">
-                <a:solidFill>
-                  <a:srgbClr val="FFFFFF"/>
-                </a:solidFill>
-              </a14:hiddenFill>
-            </a:ext>
-          </a:extLst>
-        </p:spPr>
-      </p:pic>
-      <p:pic>
-        <p:nvPicPr>
-          <p:cNvPr id="1038" name="Picture 14" descr="Computer | History, Parts, Networking, Operating Systems, &amp; Facts |  Britannica">
-            <a:extLst>
-              <a:ext uri="{FF2B5EF4-FFF2-40B4-BE49-F238E27FC236}">
-                <a16:creationId xmlns:a16="http://schemas.microsoft.com/office/drawing/2014/main" id="{A3E2B315-E250-958A-7290-E8ECC57B0FEC}"/>
-              </a:ext>
-            </a:extLst>
-          </p:cNvPr>
-          <p:cNvPicPr>
-            <a:picLocks noChangeAspect="1" noChangeArrowheads="1"/>
-          </p:cNvPicPr>
-          <p:nvPr/>
-        </p:nvPicPr>
-        <p:blipFill>
-          <a:blip r:embed="rId8" cstate="print">
-            <a:extLst>
-              <a:ext uri="{28A0092B-C50C-407E-A947-70E740481C1C}">
-                <a14:useLocalDpi xmlns:a14="http://schemas.microsoft.com/office/drawing/2010/main" val="0"/>
-              </a:ext>
-            </a:extLst>
-          </a:blip>
-          <a:srcRect/>
-          <a:stretch>
-            <a:fillRect/>
-          </a:stretch>
-        </p:blipFill>
-        <p:spPr bwMode="auto">
-          <a:xfrm>
-            <a:off x="4131553" y="5594904"/>
-            <a:ext cx="1012300" cy="694789"/>
-          </a:xfrm>
-          <a:prstGeom prst="rect">
-            <a:avLst/>
-          </a:prstGeom>
-          <a:noFill/>
-          <a:ln w="19050">
-            <a:solidFill>
-              <a:srgbClr val="C00000"/>
-            </a:solidFill>
-          </a:ln>
-          <a:extLst>
-            <a:ext uri="{909E8E84-426E-40DD-AFC4-6F175D3DCCD1}">
-              <a14:hiddenFill xmlns:a14="http://schemas.microsoft.com/office/drawing/2010/main">
-                <a:solidFill>
-                  <a:srgbClr val="FFFFFF"/>
-                </a:solidFill>
-              </a14:hiddenFill>
-            </a:ext>
-          </a:extLst>
-        </p:spPr>
-      </p:pic>
-      <p:pic>
-        <p:nvPicPr>
-          <p:cNvPr id="1040" name="Picture 16" descr="What is WiFi? | Bobology.com">
-            <a:extLst>
-              <a:ext uri="{FF2B5EF4-FFF2-40B4-BE49-F238E27FC236}">
-                <a16:creationId xmlns:a16="http://schemas.microsoft.com/office/drawing/2014/main" id="{4D9AB866-6CF1-EE22-524A-FB8E2F76950A}"/>
-              </a:ext>
-            </a:extLst>
-          </p:cNvPr>
-          <p:cNvPicPr>
-            <a:picLocks noChangeAspect="1" noChangeArrowheads="1"/>
-          </p:cNvPicPr>
-          <p:nvPr/>
-        </p:nvPicPr>
-        <p:blipFill>
-          <a:blip r:embed="rId9" cstate="print">
-            <a:extLst>
-              <a:ext uri="{28A0092B-C50C-407E-A947-70E740481C1C}">
-                <a14:useLocalDpi xmlns:a14="http://schemas.microsoft.com/office/drawing/2010/main" val="0"/>
-              </a:ext>
-            </a:extLst>
-          </a:blip>
-          <a:srcRect/>
-          <a:stretch>
-            <a:fillRect/>
-          </a:stretch>
-        </p:blipFill>
-        <p:spPr bwMode="auto">
-          <a:xfrm>
-            <a:off x="4232870" y="5043061"/>
-            <a:ext cx="621717" cy="436130"/>
-          </a:xfrm>
-          <a:prstGeom prst="rect">
-            <a:avLst/>
-          </a:prstGeom>
-          <a:noFill/>
-          <a:extLst>
-            <a:ext uri="{909E8E84-426E-40DD-AFC4-6F175D3DCCD1}">
-              <a14:hiddenFill xmlns:a14="http://schemas.microsoft.com/office/drawing/2010/main">
-                <a:solidFill>
-                  <a:srgbClr val="FFFFFF"/>
-                </a:solidFill>
-              </a14:hiddenFill>
-            </a:ext>
-          </a:extLst>
-        </p:spPr>
-      </p:pic>
-      <p:cxnSp>
-        <p:nvCxnSpPr>
-          <p:cNvPr id="38" name="Straight Connector 37">
-            <a:extLst>
-              <a:ext uri="{FF2B5EF4-FFF2-40B4-BE49-F238E27FC236}">
-                <a16:creationId xmlns:a16="http://schemas.microsoft.com/office/drawing/2014/main" id="{B4F8FE50-8C35-63A3-4DB4-050DCFE6AF33}"/>
-              </a:ext>
-            </a:extLst>
-          </p:cNvPr>
-          <p:cNvCxnSpPr>
-            <a:cxnSpLocks/>
-            <a:stCxn id="1028" idx="3"/>
-            <a:endCxn id="1042" idx="1"/>
-          </p:cNvCxnSpPr>
-          <p:nvPr/>
-        </p:nvCxnSpPr>
-        <p:spPr>
-          <a:xfrm flipV="1">
-            <a:off x="6741315" y="3573017"/>
-            <a:ext cx="810418" cy="1204580"/>
-          </a:xfrm>
-          <a:prstGeom prst="line">
-            <a:avLst/>
-          </a:prstGeom>
-          <a:ln w="57150">
-            <a:solidFill>
-              <a:schemeClr val="accent2"/>
-            </a:solidFill>
-            <a:prstDash val="sysDot"/>
-            <a:headEnd type="none" w="med" len="med"/>
-            <a:tailEnd type="none" w="med" len="med"/>
-          </a:ln>
-        </p:spPr>
-        <p:style>
-          <a:lnRef idx="1">
-            <a:schemeClr val="accent2"/>
-          </a:lnRef>
-          <a:fillRef idx="0">
-            <a:schemeClr val="accent2"/>
-          </a:fillRef>
-          <a:effectRef idx="0">
-            <a:schemeClr val="accent2"/>
-          </a:effectRef>
-          <a:fontRef idx="minor">
-            <a:schemeClr val="tx1"/>
-          </a:fontRef>
-        </p:style>
-      </p:cxnSp>
-      <p:pic>
-        <p:nvPicPr>
-          <p:cNvPr id="43" name="Picture 14" descr="Computer | History, Parts, Networking, Operating Systems, &amp; Facts |  Britannica">
-            <a:extLst>
-              <a:ext uri="{FF2B5EF4-FFF2-40B4-BE49-F238E27FC236}">
-                <a16:creationId xmlns:a16="http://schemas.microsoft.com/office/drawing/2014/main" id="{0D4C9ADD-96F1-79C6-B56F-DC3290BAC7C5}"/>
-              </a:ext>
-            </a:extLst>
-          </p:cNvPr>
-          <p:cNvPicPr>
-            <a:picLocks noChangeAspect="1" noChangeArrowheads="1"/>
-          </p:cNvPicPr>
-          <p:nvPr/>
-        </p:nvPicPr>
-        <p:blipFill>
-          <a:blip r:embed="rId8" cstate="print">
-            <a:extLst>
-              <a:ext uri="{28A0092B-C50C-407E-A947-70E740481C1C}">
-                <a14:useLocalDpi xmlns:a14="http://schemas.microsoft.com/office/drawing/2010/main" val="0"/>
-              </a:ext>
-            </a:extLst>
-          </a:blip>
-          <a:srcRect/>
-          <a:stretch>
-            <a:fillRect/>
-          </a:stretch>
-        </p:blipFill>
-        <p:spPr bwMode="auto">
-          <a:xfrm>
-            <a:off x="7572160" y="5131796"/>
-            <a:ext cx="1012300" cy="694789"/>
-          </a:xfrm>
-          <a:prstGeom prst="rect">
-            <a:avLst/>
-          </a:prstGeom>
-          <a:noFill/>
-          <a:ln w="19050">
-            <a:solidFill>
-              <a:srgbClr val="C00000"/>
-            </a:solidFill>
-          </a:ln>
-          <a:extLst>
-            <a:ext uri="{909E8E84-426E-40DD-AFC4-6F175D3DCCD1}">
-              <a14:hiddenFill xmlns:a14="http://schemas.microsoft.com/office/drawing/2010/main">
-                <a:solidFill>
-                  <a:srgbClr val="FFFFFF"/>
-                </a:solidFill>
-              </a14:hiddenFill>
-            </a:ext>
-          </a:extLst>
-        </p:spPr>
-      </p:pic>
-      <p:pic>
-        <p:nvPicPr>
-          <p:cNvPr id="1042" name="Picture 18" descr="Desktop computer PC Stock Photo by ©scanrail 136793208">
-            <a:extLst>
-              <a:ext uri="{FF2B5EF4-FFF2-40B4-BE49-F238E27FC236}">
-                <a16:creationId xmlns:a16="http://schemas.microsoft.com/office/drawing/2014/main" id="{41707957-85AB-EE3F-777F-11E3752F20B2}"/>
-              </a:ext>
-            </a:extLst>
-          </p:cNvPr>
-          <p:cNvPicPr>
-            <a:picLocks noChangeAspect="1" noChangeArrowheads="1"/>
-          </p:cNvPicPr>
-          <p:nvPr/>
-        </p:nvPicPr>
-        <p:blipFill>
-          <a:blip r:embed="rId10">
-            <a:extLst>
-              <a:ext uri="{28A0092B-C50C-407E-A947-70E740481C1C}">
-                <a14:useLocalDpi xmlns:a14="http://schemas.microsoft.com/office/drawing/2010/main" val="0"/>
-              </a:ext>
-            </a:extLst>
-          </a:blip>
-          <a:srcRect/>
-          <a:stretch>
-            <a:fillRect/>
-          </a:stretch>
-        </p:blipFill>
-        <p:spPr bwMode="auto">
-          <a:xfrm>
-            <a:off x="7551733" y="3114662"/>
-            <a:ext cx="1047669" cy="916710"/>
-          </a:xfrm>
-          <a:prstGeom prst="rect">
-            <a:avLst/>
-          </a:prstGeom>
-          <a:noFill/>
-          <a:ln w="19050">
-            <a:solidFill>
-              <a:schemeClr val="accent2"/>
-            </a:solidFill>
-          </a:ln>
-          <a:extLst>
-            <a:ext uri="{909E8E84-426E-40DD-AFC4-6F175D3DCCD1}">
-              <a14:hiddenFill xmlns:a14="http://schemas.microsoft.com/office/drawing/2010/main">
-                <a:solidFill>
-                  <a:srgbClr val="FFFFFF"/>
-                </a:solidFill>
-              </a14:hiddenFill>
-            </a:ext>
-          </a:extLst>
-        </p:spPr>
-      </p:pic>
-      <p:sp>
-        <p:nvSpPr>
-          <p:cNvPr id="45" name="TextBox 44">
-            <a:extLst>
-              <a:ext uri="{FF2B5EF4-FFF2-40B4-BE49-F238E27FC236}">
-                <a16:creationId xmlns:a16="http://schemas.microsoft.com/office/drawing/2014/main" id="{F7B64D43-E1E9-557E-1880-121A9CA2A52E}"/>
-              </a:ext>
-            </a:extLst>
-          </p:cNvPr>
-          <p:cNvSpPr txBox="1"/>
-          <p:nvPr/>
-        </p:nvSpPr>
-        <p:spPr>
-          <a:xfrm>
-            <a:off x="4131553" y="6393974"/>
-            <a:ext cx="1119077" cy="246221"/>
-          </a:xfrm>
-          <a:prstGeom prst="rect">
-            <a:avLst/>
-          </a:prstGeom>
-          <a:solidFill>
-            <a:srgbClr val="FFFF00"/>
-          </a:solidFill>
-          <a:ln w="6350">
-            <a:solidFill>
-              <a:srgbClr val="C00000"/>
-            </a:solidFill>
-          </a:ln>
-        </p:spPr>
-        <p:txBody>
-          <a:bodyPr wrap="square" rtlCol="0">
-            <a:spAutoFit/>
-          </a:bodyPr>
-          <a:lstStyle/>
-          <a:p>
-            <a:r>
-              <a:rPr lang="en-US" sz="1000" dirty="0"/>
-              <a:t>Laptop (</a:t>
-            </a:r>
-            <a:r>
-              <a:rPr lang="en-US" sz="1000" b="1" dirty="0">
-                <a:solidFill>
-                  <a:srgbClr val="C00000"/>
-                </a:solidFill>
-              </a:rPr>
-              <a:t>knode2</a:t>
-            </a:r>
-            <a:r>
-              <a:rPr lang="en-US" sz="1000" dirty="0"/>
-              <a:t>)</a:t>
-            </a:r>
-          </a:p>
-        </p:txBody>
-      </p:sp>
-      <p:sp>
-        <p:nvSpPr>
-          <p:cNvPr id="46" name="TextBox 45">
-            <a:extLst>
-              <a:ext uri="{FF2B5EF4-FFF2-40B4-BE49-F238E27FC236}">
-                <a16:creationId xmlns:a16="http://schemas.microsoft.com/office/drawing/2014/main" id="{E9CA967A-E380-0793-6D2C-C77EFDF3880D}"/>
-              </a:ext>
-            </a:extLst>
-          </p:cNvPr>
-          <p:cNvSpPr txBox="1"/>
-          <p:nvPr/>
-        </p:nvSpPr>
-        <p:spPr>
-          <a:xfrm>
-            <a:off x="2413525" y="6420502"/>
-            <a:ext cx="1401948" cy="246221"/>
-          </a:xfrm>
-          <a:prstGeom prst="rect">
-            <a:avLst/>
-          </a:prstGeom>
-          <a:solidFill>
-            <a:srgbClr val="FFFF00"/>
-          </a:solidFill>
-          <a:ln>
-            <a:solidFill>
-              <a:srgbClr val="C00000"/>
-            </a:solidFill>
-          </a:ln>
-        </p:spPr>
-        <p:txBody>
-          <a:bodyPr wrap="square" rtlCol="0">
-            <a:spAutoFit/>
-          </a:bodyPr>
-          <a:lstStyle/>
-          <a:p>
-            <a:r>
-              <a:rPr lang="en-US" sz="1000" dirty="0"/>
-              <a:t>Samsung network TV</a:t>
-            </a:r>
-          </a:p>
-        </p:txBody>
-      </p:sp>
-      <p:sp>
-        <p:nvSpPr>
-          <p:cNvPr id="50" name="TextBox 49">
-            <a:extLst>
-              <a:ext uri="{FF2B5EF4-FFF2-40B4-BE49-F238E27FC236}">
-                <a16:creationId xmlns:a16="http://schemas.microsoft.com/office/drawing/2014/main" id="{D38FC8AA-FE5B-688F-8680-7CB13A8D3466}"/>
-              </a:ext>
-            </a:extLst>
-          </p:cNvPr>
-          <p:cNvSpPr txBox="1"/>
-          <p:nvPr/>
-        </p:nvSpPr>
-        <p:spPr>
-          <a:xfrm>
-            <a:off x="2234394" y="5058381"/>
-            <a:ext cx="677459" cy="400110"/>
-          </a:xfrm>
-          <a:prstGeom prst="rect">
-            <a:avLst/>
-          </a:prstGeom>
-          <a:solidFill>
-            <a:srgbClr val="FFFF00"/>
-          </a:solidFill>
-          <a:ln>
-            <a:solidFill>
-              <a:srgbClr val="C00000"/>
-            </a:solidFill>
-          </a:ln>
-        </p:spPr>
-        <p:txBody>
-          <a:bodyPr wrap="square" rtlCol="0">
-            <a:spAutoFit/>
-          </a:bodyPr>
-          <a:lstStyle/>
-          <a:p>
-            <a:r>
-              <a:rPr lang="en-US" sz="1000" dirty="0"/>
-              <a:t>Ethernet Wire</a:t>
-            </a:r>
-          </a:p>
-        </p:txBody>
-      </p:sp>
-      <p:pic>
-        <p:nvPicPr>
-          <p:cNvPr id="51" name="Picture 16" descr="What is WiFi? | Bobology.com">
-            <a:extLst>
-              <a:ext uri="{FF2B5EF4-FFF2-40B4-BE49-F238E27FC236}">
-                <a16:creationId xmlns:a16="http://schemas.microsoft.com/office/drawing/2014/main" id="{746BB52A-BE00-1829-09A5-1A26712948CF}"/>
-              </a:ext>
-            </a:extLst>
-          </p:cNvPr>
-          <p:cNvPicPr>
-            <a:picLocks noChangeAspect="1" noChangeArrowheads="1"/>
-          </p:cNvPicPr>
-          <p:nvPr/>
-        </p:nvPicPr>
-        <p:blipFill>
-          <a:blip r:embed="rId9" cstate="print">
-            <a:extLst>
-              <a:ext uri="{28A0092B-C50C-407E-A947-70E740481C1C}">
-                <a14:useLocalDpi xmlns:a14="http://schemas.microsoft.com/office/drawing/2010/main" val="0"/>
-              </a:ext>
-            </a:extLst>
-          </a:blip>
-          <a:srcRect/>
-          <a:stretch>
-            <a:fillRect/>
-          </a:stretch>
-        </p:blipFill>
-        <p:spPr bwMode="auto">
-          <a:xfrm>
-            <a:off x="7006066" y="3784240"/>
-            <a:ext cx="570371" cy="400111"/>
-          </a:xfrm>
-          <a:prstGeom prst="rect">
-            <a:avLst/>
-          </a:prstGeom>
-          <a:noFill/>
-          <a:extLst>
-            <a:ext uri="{909E8E84-426E-40DD-AFC4-6F175D3DCCD1}">
-              <a14:hiddenFill xmlns:a14="http://schemas.microsoft.com/office/drawing/2010/main">
-                <a:solidFill>
-                  <a:srgbClr val="FFFFFF"/>
-                </a:solidFill>
-              </a14:hiddenFill>
-            </a:ext>
-          </a:extLst>
-        </p:spPr>
-      </p:pic>
-      <p:cxnSp>
-        <p:nvCxnSpPr>
-          <p:cNvPr id="52" name="Straight Connector 51">
-            <a:extLst>
-              <a:ext uri="{FF2B5EF4-FFF2-40B4-BE49-F238E27FC236}">
-                <a16:creationId xmlns:a16="http://schemas.microsoft.com/office/drawing/2014/main" id="{7E527FDF-94A7-CBE4-A051-2504246AB650}"/>
-              </a:ext>
-            </a:extLst>
-          </p:cNvPr>
-          <p:cNvCxnSpPr>
-            <a:cxnSpLocks/>
-            <a:endCxn id="1038" idx="0"/>
-          </p:cNvCxnSpPr>
-          <p:nvPr/>
-        </p:nvCxnSpPr>
-        <p:spPr>
-          <a:xfrm>
-            <a:off x="3815473" y="5030452"/>
-            <a:ext cx="822230" cy="564452"/>
-          </a:xfrm>
-          <a:prstGeom prst="line">
-            <a:avLst/>
-          </a:prstGeom>
-          <a:ln w="57150">
-            <a:solidFill>
-              <a:schemeClr val="accent2"/>
-            </a:solidFill>
-            <a:prstDash val="sysDot"/>
-            <a:headEnd type="none" w="med" len="med"/>
-            <a:tailEnd type="none" w="med" len="med"/>
-          </a:ln>
-        </p:spPr>
-        <p:style>
-          <a:lnRef idx="1">
-            <a:schemeClr val="accent2"/>
-          </a:lnRef>
-          <a:fillRef idx="0">
-            <a:schemeClr val="accent2"/>
-          </a:fillRef>
-          <a:effectRef idx="0">
-            <a:schemeClr val="accent2"/>
-          </a:effectRef>
-          <a:fontRef idx="minor">
-            <a:schemeClr val="tx1"/>
-          </a:fontRef>
-        </p:style>
-      </p:cxnSp>
-      <p:sp>
-        <p:nvSpPr>
-          <p:cNvPr id="1024" name="TextBox 1023">
-            <a:extLst>
-              <a:ext uri="{FF2B5EF4-FFF2-40B4-BE49-F238E27FC236}">
-                <a16:creationId xmlns:a16="http://schemas.microsoft.com/office/drawing/2014/main" id="{E28BBB89-EBB9-A8D6-0F03-0EBBA67B90E2}"/>
-              </a:ext>
-            </a:extLst>
-          </p:cNvPr>
-          <p:cNvSpPr txBox="1"/>
-          <p:nvPr/>
-        </p:nvSpPr>
-        <p:spPr>
-          <a:xfrm>
-            <a:off x="5590023" y="3769650"/>
-            <a:ext cx="877283" cy="400110"/>
-          </a:xfrm>
-          <a:prstGeom prst="rect">
-            <a:avLst/>
-          </a:prstGeom>
-          <a:solidFill>
-            <a:srgbClr val="FFFF00"/>
-          </a:solidFill>
-          <a:ln>
-            <a:solidFill>
-              <a:srgbClr val="C00000"/>
-            </a:solidFill>
-          </a:ln>
-        </p:spPr>
-        <p:txBody>
-          <a:bodyPr wrap="square" rtlCol="0">
-            <a:spAutoFit/>
-          </a:bodyPr>
-          <a:lstStyle/>
-          <a:p>
-            <a:r>
-              <a:rPr lang="en-US" sz="1000" b="1" dirty="0">
-                <a:solidFill>
-                  <a:srgbClr val="C00000"/>
-                </a:solidFill>
-              </a:rPr>
-              <a:t>Netgear49</a:t>
-            </a:r>
-            <a:r>
-              <a:rPr lang="en-US" sz="1000" dirty="0"/>
-              <a:t>:</a:t>
-            </a:r>
-          </a:p>
-          <a:p>
-            <a:r>
-              <a:rPr lang="en-US" sz="1000" dirty="0"/>
-              <a:t>Smart Router</a:t>
-            </a:r>
-          </a:p>
-        </p:txBody>
-      </p:sp>
-      <p:cxnSp>
-        <p:nvCxnSpPr>
-          <p:cNvPr id="1025" name="Straight Connector 1024">
-            <a:extLst>
-              <a:ext uri="{FF2B5EF4-FFF2-40B4-BE49-F238E27FC236}">
-                <a16:creationId xmlns:a16="http://schemas.microsoft.com/office/drawing/2014/main" id="{4184C8F4-D08F-E78D-BAB4-AAF1F99AEA72}"/>
-              </a:ext>
-            </a:extLst>
-          </p:cNvPr>
-          <p:cNvCxnSpPr>
-            <a:cxnSpLocks/>
-            <a:stCxn id="1028" idx="3"/>
-            <a:endCxn id="43" idx="1"/>
-          </p:cNvCxnSpPr>
-          <p:nvPr/>
-        </p:nvCxnSpPr>
-        <p:spPr>
-          <a:xfrm>
-            <a:off x="6741315" y="4777597"/>
-            <a:ext cx="830845" cy="701594"/>
-          </a:xfrm>
-          <a:prstGeom prst="line">
-            <a:avLst/>
-          </a:prstGeom>
-          <a:ln w="57150">
-            <a:solidFill>
-              <a:schemeClr val="accent2"/>
-            </a:solidFill>
-            <a:prstDash val="sysDot"/>
-            <a:headEnd type="none" w="med" len="med"/>
-            <a:tailEnd type="none" w="med" len="med"/>
-          </a:ln>
-        </p:spPr>
-        <p:style>
-          <a:lnRef idx="1">
-            <a:schemeClr val="accent2"/>
-          </a:lnRef>
-          <a:fillRef idx="0">
-            <a:schemeClr val="accent2"/>
-          </a:fillRef>
-          <a:effectRef idx="0">
-            <a:schemeClr val="accent2"/>
-          </a:effectRef>
-          <a:fontRef idx="minor">
-            <a:schemeClr val="tx1"/>
-          </a:fontRef>
-        </p:style>
-      </p:cxnSp>
-      <p:sp>
-        <p:nvSpPr>
-          <p:cNvPr id="1033" name="TextBox 1032">
-            <a:extLst>
-              <a:ext uri="{FF2B5EF4-FFF2-40B4-BE49-F238E27FC236}">
-                <a16:creationId xmlns:a16="http://schemas.microsoft.com/office/drawing/2014/main" id="{1F8FF365-BA01-29F3-198C-DE3B5DB833CD}"/>
-              </a:ext>
-            </a:extLst>
-          </p:cNvPr>
-          <p:cNvSpPr txBox="1"/>
-          <p:nvPr/>
-        </p:nvSpPr>
-        <p:spPr>
-          <a:xfrm>
-            <a:off x="7518771" y="5868354"/>
-            <a:ext cx="1119077" cy="246221"/>
-          </a:xfrm>
-          <a:prstGeom prst="rect">
-            <a:avLst/>
-          </a:prstGeom>
-          <a:solidFill>
-            <a:srgbClr val="FFFF00"/>
-          </a:solidFill>
-          <a:ln>
-            <a:solidFill>
-              <a:srgbClr val="C00000"/>
-            </a:solidFill>
-          </a:ln>
-        </p:spPr>
-        <p:txBody>
-          <a:bodyPr wrap="square" rtlCol="0">
-            <a:spAutoFit/>
-          </a:bodyPr>
-          <a:lstStyle/>
-          <a:p>
-            <a:r>
-              <a:rPr lang="en-US" sz="1000" dirty="0"/>
-              <a:t>Laptop (</a:t>
-            </a:r>
-            <a:r>
-              <a:rPr lang="en-US" sz="1000" b="1" dirty="0">
-                <a:solidFill>
-                  <a:srgbClr val="C00000"/>
-                </a:solidFill>
-              </a:rPr>
-              <a:t>knode1</a:t>
-            </a:r>
-            <a:r>
-              <a:rPr lang="en-US" sz="1000" dirty="0"/>
-              <a:t>)</a:t>
-            </a:r>
-          </a:p>
-        </p:txBody>
-      </p:sp>
-      <p:pic>
-        <p:nvPicPr>
-          <p:cNvPr id="1035" name="Picture 16" descr="What is WiFi? | Bobology.com">
-            <a:extLst>
-              <a:ext uri="{FF2B5EF4-FFF2-40B4-BE49-F238E27FC236}">
-                <a16:creationId xmlns:a16="http://schemas.microsoft.com/office/drawing/2014/main" id="{ECB907A1-465E-ED3E-7BEA-A2F6FCE01DD3}"/>
-              </a:ext>
-            </a:extLst>
-          </p:cNvPr>
-          <p:cNvPicPr>
-            <a:picLocks noChangeAspect="1" noChangeArrowheads="1"/>
-          </p:cNvPicPr>
-          <p:nvPr/>
-        </p:nvPicPr>
-        <p:blipFill>
-          <a:blip r:embed="rId9" cstate="print">
-            <a:extLst>
-              <a:ext uri="{28A0092B-C50C-407E-A947-70E740481C1C}">
-                <a14:useLocalDpi xmlns:a14="http://schemas.microsoft.com/office/drawing/2010/main" val="0"/>
-              </a:ext>
-            </a:extLst>
-          </a:blip>
-          <a:srcRect/>
-          <a:stretch>
-            <a:fillRect/>
-          </a:stretch>
-        </p:blipFill>
-        <p:spPr bwMode="auto">
-          <a:xfrm>
-            <a:off x="6986777" y="5006319"/>
-            <a:ext cx="570371" cy="400111"/>
-          </a:xfrm>
-          <a:prstGeom prst="rect">
-            <a:avLst/>
-          </a:prstGeom>
-          <a:noFill/>
-          <a:extLst>
-            <a:ext uri="{909E8E84-426E-40DD-AFC4-6F175D3DCCD1}">
-              <a14:hiddenFill xmlns:a14="http://schemas.microsoft.com/office/drawing/2010/main">
-                <a:solidFill>
-                  <a:srgbClr val="FFFFFF"/>
-                </a:solidFill>
-              </a14:hiddenFill>
-            </a:ext>
-          </a:extLst>
-        </p:spPr>
-      </p:pic>
-      <p:sp>
-        <p:nvSpPr>
-          <p:cNvPr id="1039" name="TextBox 1038">
-            <a:extLst>
-              <a:ext uri="{FF2B5EF4-FFF2-40B4-BE49-F238E27FC236}">
-                <a16:creationId xmlns:a16="http://schemas.microsoft.com/office/drawing/2014/main" id="{E28D3A41-BDBF-84BD-71FB-609DECAFDBFB}"/>
-              </a:ext>
-            </a:extLst>
-          </p:cNvPr>
-          <p:cNvSpPr txBox="1"/>
-          <p:nvPr/>
-        </p:nvSpPr>
-        <p:spPr>
-          <a:xfrm>
-            <a:off x="7653849" y="4137388"/>
-            <a:ext cx="916116" cy="400110"/>
-          </a:xfrm>
-          <a:prstGeom prst="rect">
-            <a:avLst/>
-          </a:prstGeom>
-          <a:solidFill>
-            <a:srgbClr val="FFFF00"/>
-          </a:solidFill>
-          <a:ln>
-            <a:solidFill>
-              <a:srgbClr val="C00000"/>
-            </a:solidFill>
-          </a:ln>
-        </p:spPr>
-        <p:txBody>
-          <a:bodyPr wrap="square" rtlCol="0">
-            <a:spAutoFit/>
-          </a:bodyPr>
-          <a:lstStyle/>
-          <a:p>
-            <a:r>
-              <a:rPr lang="en-US" sz="1000" dirty="0"/>
-              <a:t>SVU Desktop </a:t>
-            </a:r>
-            <a:r>
-              <a:rPr lang="en-US" sz="1000" dirty="0">
-                <a:solidFill>
-                  <a:srgbClr val="C00000"/>
-                </a:solidFill>
-              </a:rPr>
-              <a:t>(</a:t>
-            </a:r>
-            <a:r>
-              <a:rPr lang="en-US" sz="1000" b="1" dirty="0">
-                <a:solidFill>
-                  <a:srgbClr val="C00000"/>
-                </a:solidFill>
-              </a:rPr>
-              <a:t>kmaster</a:t>
-            </a:r>
-            <a:r>
-              <a:rPr lang="en-US" sz="1000" dirty="0"/>
-              <a:t>)</a:t>
-            </a:r>
-          </a:p>
-        </p:txBody>
-      </p:sp>
-      <p:cxnSp>
-        <p:nvCxnSpPr>
-          <p:cNvPr id="1055" name="Connector: Elbow 1054">
-            <a:extLst>
-              <a:ext uri="{FF2B5EF4-FFF2-40B4-BE49-F238E27FC236}">
-                <a16:creationId xmlns:a16="http://schemas.microsoft.com/office/drawing/2014/main" id="{8EE42E38-83A6-1743-393F-8F2F331AD60A}"/>
-              </a:ext>
-            </a:extLst>
-          </p:cNvPr>
-          <p:cNvCxnSpPr>
-            <a:stCxn id="1026" idx="2"/>
-            <a:endCxn id="1036" idx="0"/>
-          </p:cNvCxnSpPr>
-          <p:nvPr/>
-        </p:nvCxnSpPr>
-        <p:spPr>
-          <a:xfrm rot="5400000">
-            <a:off x="3041674" y="5109297"/>
-            <a:ext cx="518736" cy="361046"/>
-          </a:xfrm>
-          <a:prstGeom prst="bentConnector3">
-            <a:avLst/>
-          </a:prstGeom>
-          <a:ln w="28575">
-            <a:headEnd type="none" w="med" len="med"/>
-            <a:tailEnd type="none" w="med" len="med"/>
-          </a:ln>
-        </p:spPr>
-        <p:style>
-          <a:lnRef idx="1">
-            <a:schemeClr val="accent2"/>
-          </a:lnRef>
-          <a:fillRef idx="0">
-            <a:schemeClr val="accent2"/>
-          </a:fillRef>
-          <a:effectRef idx="0">
-            <a:schemeClr val="accent2"/>
-          </a:effectRef>
-          <a:fontRef idx="minor">
-            <a:schemeClr val="tx1"/>
-          </a:fontRef>
-        </p:style>
-      </p:cxnSp>
-      <p:cxnSp>
-        <p:nvCxnSpPr>
-          <p:cNvPr id="1061" name="Connector: Elbow 1060">
-            <a:extLst>
-              <a:ext uri="{FF2B5EF4-FFF2-40B4-BE49-F238E27FC236}">
-                <a16:creationId xmlns:a16="http://schemas.microsoft.com/office/drawing/2014/main" id="{ABCC2DC9-4208-8B85-BC2C-0D33DF75E024}"/>
-              </a:ext>
-            </a:extLst>
-          </p:cNvPr>
-          <p:cNvCxnSpPr>
-            <a:cxnSpLocks/>
-            <a:stCxn id="1026" idx="3"/>
-            <a:endCxn id="1028" idx="1"/>
-          </p:cNvCxnSpPr>
-          <p:nvPr/>
-        </p:nvCxnSpPr>
-        <p:spPr>
-          <a:xfrm>
-            <a:off x="4123510" y="4549613"/>
-            <a:ext cx="1216650" cy="227984"/>
-          </a:xfrm>
-          <a:prstGeom prst="bentConnector3">
-            <a:avLst>
-              <a:gd name="adj1" fmla="val 50000"/>
-            </a:avLst>
-          </a:prstGeom>
-          <a:ln w="28575">
-            <a:solidFill>
-              <a:srgbClr val="FFC000"/>
-            </a:solidFill>
-            <a:headEnd type="none" w="med" len="med"/>
-            <a:tailEnd type="none" w="med" len="med"/>
-          </a:ln>
-        </p:spPr>
-        <p:style>
-          <a:lnRef idx="1">
-            <a:schemeClr val="accent2"/>
-          </a:lnRef>
-          <a:fillRef idx="0">
-            <a:schemeClr val="accent2"/>
-          </a:fillRef>
-          <a:effectRef idx="0">
-            <a:schemeClr val="accent2"/>
-          </a:effectRef>
-          <a:fontRef idx="minor">
-            <a:schemeClr val="tx1"/>
-          </a:fontRef>
-        </p:style>
-      </p:cxnSp>
-    </p:spTree>
-    <p:extLst>
-      <p:ext uri="{BB962C8B-B14F-4D97-AF65-F5344CB8AC3E}">
-        <p14:creationId xmlns:p14="http://schemas.microsoft.com/office/powerpoint/2010/main" val="52022580"/>
-      </p:ext>
-    </p:extLst>
-  </p:cSld>
-  <p:clrMapOvr>
-    <a:masterClrMapping/>
-  </p:clrMapOvr>
-</p:sld>
-</file>
-
-<file path=ppt/slides/slide21.xml><?xml version="1.0" encoding="utf-8"?>
-<p:sld xmlns:a="http://schemas.openxmlformats.org/drawingml/2006/main" xmlns:r="http://schemas.openxmlformats.org/officeDocument/2006/relationships" xmlns:p="http://schemas.openxmlformats.org/presentationml/2006/main">
-  <p:cSld>
-    <p:spTree>
-      <p:nvGrpSpPr>
-        <p:cNvPr id="1" name=""/>
-        <p:cNvGrpSpPr/>
-        <p:nvPr/>
-      </p:nvGrpSpPr>
-      <p:grpSpPr>
-        <a:xfrm>
-          <a:off x="0" y="0"/>
-          <a:ext cx="0" cy="0"/>
-          <a:chOff x="0" y="0"/>
-          <a:chExt cx="0" cy="0"/>
-        </a:xfrm>
-      </p:grpSpPr>
-      <p:sp>
-        <p:nvSpPr>
-          <p:cNvPr id="2" name="標題 1"/>
-          <p:cNvSpPr>
-            <a:spLocks noGrp="1"/>
-          </p:cNvSpPr>
-          <p:nvPr>
-            <p:ph type="ctrTitle"/>
-          </p:nvPr>
-        </p:nvSpPr>
-        <p:spPr>
-          <a:xfrm>
-            <a:off x="0" y="1"/>
-            <a:ext cx="9144000" cy="764704"/>
-          </a:xfrm>
-          <a:gradFill flip="none" rotWithShape="1">
-            <a:gsLst>
-              <a:gs pos="0">
-                <a:srgbClr val="C00000">
-                  <a:shade val="30000"/>
-                  <a:satMod val="115000"/>
-                </a:srgbClr>
-              </a:gs>
-              <a:gs pos="50000">
-                <a:srgbClr val="C00000">
-                  <a:shade val="67500"/>
-                  <a:satMod val="115000"/>
-                </a:srgbClr>
-              </a:gs>
-              <a:gs pos="100000">
-                <a:srgbClr val="C00000">
-                  <a:shade val="100000"/>
-                  <a:satMod val="115000"/>
-                </a:srgbClr>
-              </a:gs>
-            </a:gsLst>
-            <a:path path="circle">
-              <a:fillToRect t="100000" r="100000"/>
-            </a:path>
-            <a:tileRect l="-100000" b="-100000"/>
-          </a:gradFill>
-        </p:spPr>
-        <p:txBody>
-          <a:bodyPr>
-            <a:normAutofit/>
-          </a:bodyPr>
-          <a:lstStyle/>
-          <a:p>
-            <a:pPr algn="l"/>
-            <a:r>
-              <a:rPr lang="en-US" altLang="zh-TW" sz="4400" b="1" dirty="0">
-                <a:solidFill>
-                  <a:srgbClr val="FFFF00"/>
-                </a:solidFill>
-              </a:rPr>
-              <a:t>1.3 Initialize Hostname and IP Address</a:t>
-            </a:r>
-            <a:endParaRPr lang="zh-TW" altLang="en-US" b="1" dirty="0">
-              <a:solidFill>
-                <a:srgbClr val="FFFF00"/>
-              </a:solidFill>
-            </a:endParaRPr>
-          </a:p>
-        </p:txBody>
-      </p:sp>
-      <p:sp>
-        <p:nvSpPr>
-          <p:cNvPr id="3" name="副標題 2"/>
-          <p:cNvSpPr>
-            <a:spLocks noGrp="1"/>
-          </p:cNvSpPr>
-          <p:nvPr>
-            <p:ph type="subTitle" idx="1"/>
-          </p:nvPr>
-        </p:nvSpPr>
-        <p:spPr>
-          <a:xfrm>
-            <a:off x="145354" y="1248461"/>
-            <a:ext cx="3058493" cy="4844835"/>
-          </a:xfrm>
-          <a:ln>
-            <a:solidFill>
-              <a:srgbClr val="C00000"/>
-            </a:solidFill>
-          </a:ln>
-        </p:spPr>
-        <p:txBody>
-          <a:bodyPr>
-            <a:noAutofit/>
-          </a:bodyPr>
-          <a:lstStyle/>
-          <a:p>
-            <a:pPr marL="342900" indent="-342900" algn="l">
-              <a:buClr>
-                <a:srgbClr val="0070C0"/>
-              </a:buClr>
-              <a:buSzPct val="80000"/>
-              <a:buFont typeface="Wingdings" pitchFamily="2" charset="2"/>
-              <a:buChar char="u"/>
-            </a:pPr>
-            <a:r>
-              <a:rPr lang="en-US" sz="1800" b="1" i="0" dirty="0">
-                <a:solidFill>
-                  <a:srgbClr val="C00000"/>
-                </a:solidFill>
-                <a:effectLst/>
-              </a:rPr>
-              <a:t>Restart  Machine</a:t>
-            </a:r>
-          </a:p>
-          <a:p>
-            <a:pPr marL="342900" indent="-342900" algn="l">
-              <a:buClr>
-                <a:srgbClr val="0070C0"/>
-              </a:buClr>
-              <a:buSzPct val="80000"/>
-              <a:buFont typeface="Wingdings" pitchFamily="2" charset="2"/>
-              <a:buChar char="u"/>
-            </a:pPr>
-            <a:r>
-              <a:rPr lang="en-US" sz="1800" dirty="0">
-                <a:solidFill>
-                  <a:srgbClr val="000000"/>
-                </a:solidFill>
-              </a:rPr>
-              <a:t>Now, we car re-started the machine</a:t>
-            </a:r>
-          </a:p>
-          <a:p>
-            <a:pPr marL="342900" indent="-342900" algn="l">
-              <a:buClr>
-                <a:srgbClr val="0070C0"/>
-              </a:buClr>
-              <a:buSzPct val="80000"/>
-              <a:buFont typeface="Wingdings" pitchFamily="2" charset="2"/>
-              <a:buChar char="u"/>
-            </a:pPr>
-            <a:r>
-              <a:rPr lang="en-US" sz="1800" dirty="0">
-                <a:solidFill>
-                  <a:srgbClr val="000000"/>
-                </a:solidFill>
-              </a:rPr>
-              <a:t>…and check </a:t>
-            </a:r>
-            <a:r>
-              <a:rPr lang="en-US" sz="1800" b="1" dirty="0">
-                <a:solidFill>
-                  <a:srgbClr val="C00000"/>
-                </a:solidFill>
-              </a:rPr>
-              <a:t>if my hostname and hosts have been updated</a:t>
-            </a:r>
-            <a:r>
-              <a:rPr lang="en-US" sz="1800" dirty="0">
-                <a:solidFill>
-                  <a:srgbClr val="000000"/>
-                </a:solidFill>
-              </a:rPr>
-              <a:t>.</a:t>
-            </a:r>
-          </a:p>
-          <a:p>
-            <a:pPr marL="342900" indent="-342900" algn="l">
-              <a:buClr>
-                <a:srgbClr val="0070C0"/>
-              </a:buClr>
-              <a:buSzPct val="80000"/>
-              <a:buFont typeface="Wingdings" pitchFamily="2" charset="2"/>
-              <a:buChar char="u"/>
-            </a:pPr>
-            <a:r>
-              <a:rPr lang="en-US" sz="1800" dirty="0">
-                <a:solidFill>
-                  <a:srgbClr val="000000"/>
-                </a:solidFill>
-              </a:rPr>
-              <a:t>The hostname and hosts are updated each time we start the machine.</a:t>
-            </a:r>
-          </a:p>
-          <a:p>
-            <a:pPr marL="342900" indent="-342900" algn="l">
-              <a:buClr>
-                <a:srgbClr val="0070C0"/>
-              </a:buClr>
-              <a:buSzPct val="80000"/>
-              <a:buFont typeface="Wingdings" pitchFamily="2" charset="2"/>
-              <a:buChar char="u"/>
-            </a:pPr>
-            <a:r>
-              <a:rPr lang="en-US" sz="1800" dirty="0">
-                <a:solidFill>
-                  <a:srgbClr val="000000"/>
-                </a:solidFill>
-              </a:rPr>
-              <a:t>1. root@kmaster</a:t>
-            </a:r>
-          </a:p>
-          <a:p>
-            <a:pPr marL="342900" indent="-342900" algn="l">
-              <a:buClr>
-                <a:srgbClr val="0070C0"/>
-              </a:buClr>
-              <a:buSzPct val="80000"/>
-              <a:buFont typeface="Wingdings" pitchFamily="2" charset="2"/>
-              <a:buChar char="u"/>
-            </a:pPr>
-            <a:r>
-              <a:rPr lang="en-US" sz="1800" dirty="0">
-                <a:solidFill>
-                  <a:srgbClr val="000000"/>
-                </a:solidFill>
-              </a:rPr>
-              <a:t>2. &gt; ifconfig</a:t>
-            </a:r>
-          </a:p>
-          <a:p>
-            <a:pPr marL="342900" indent="-342900" algn="l">
-              <a:buClr>
-                <a:srgbClr val="0070C0"/>
-              </a:buClr>
-              <a:buSzPct val="80000"/>
-              <a:buFont typeface="Wingdings" pitchFamily="2" charset="2"/>
-              <a:buChar char="u"/>
-            </a:pPr>
-            <a:r>
-              <a:rPr lang="en-US" sz="1800" dirty="0">
-                <a:solidFill>
-                  <a:srgbClr val="000000"/>
-                </a:solidFill>
-              </a:rPr>
-              <a:t>&gt;&gt; wlp2s0: IP Address 192.168.1.3</a:t>
-            </a:r>
-          </a:p>
-          <a:p>
-            <a:pPr marL="342900" indent="-342900" algn="l">
-              <a:buClr>
-                <a:srgbClr val="0070C0"/>
-              </a:buClr>
-              <a:buSzPct val="80000"/>
-              <a:buFont typeface="Wingdings" pitchFamily="2" charset="2"/>
-              <a:buChar char="u"/>
-            </a:pPr>
-            <a:r>
-              <a:rPr lang="en-US" sz="1800" dirty="0">
-                <a:solidFill>
-                  <a:srgbClr val="000000"/>
-                </a:solidFill>
-              </a:rPr>
-              <a:t>We can see the hostname and IP-address keep the same as we specified.</a:t>
-            </a:r>
-          </a:p>
-        </p:txBody>
-      </p:sp>
-      <p:sp>
-        <p:nvSpPr>
-          <p:cNvPr id="4" name="標題 1"/>
-          <p:cNvSpPr txBox="1">
-            <a:spLocks/>
-          </p:cNvSpPr>
-          <p:nvPr/>
-        </p:nvSpPr>
-        <p:spPr>
-          <a:xfrm>
-            <a:off x="0" y="764704"/>
-            <a:ext cx="9144000" cy="360040"/>
-          </a:xfrm>
-          <a:prstGeom prst="rect">
-            <a:avLst/>
-          </a:prstGeom>
-          <a:gradFill flip="none" rotWithShape="1">
-            <a:gsLst>
-              <a:gs pos="0">
-                <a:srgbClr val="00B0F0">
-                  <a:shade val="30000"/>
-                  <a:satMod val="115000"/>
-                </a:srgbClr>
-              </a:gs>
-              <a:gs pos="50000">
-                <a:srgbClr val="00B0F0">
-                  <a:shade val="67500"/>
-                  <a:satMod val="115000"/>
-                </a:srgbClr>
-              </a:gs>
-              <a:gs pos="100000">
-                <a:srgbClr val="00B0F0">
-                  <a:shade val="100000"/>
-                  <a:satMod val="115000"/>
-                </a:srgbClr>
-              </a:gs>
-            </a:gsLst>
-            <a:path path="circle">
-              <a:fillToRect t="100000" r="100000"/>
-            </a:path>
-            <a:tileRect l="-100000" b="-100000"/>
-          </a:gradFill>
-        </p:spPr>
-        <p:txBody>
-          <a:bodyPr vert="horz" lIns="91440" tIns="45720" rIns="91440" bIns="45720" rtlCol="0" anchor="ctr">
-            <a:normAutofit/>
-          </a:bodyPr>
-          <a:lstStyle/>
-          <a:p>
-            <a:pPr lvl="0">
-              <a:spcBef>
-                <a:spcPct val="0"/>
-              </a:spcBef>
-            </a:pPr>
-            <a:r>
-              <a:rPr lang="en-US" sz="1600" dirty="0"/>
-              <a:t>https://www.youtube.com/watch?v=UWg3ORRRF60</a:t>
-            </a:r>
-            <a:endParaRPr kumimoji="0" lang="zh-TW" altLang="en-US" sz="1600" b="0" i="0" u="none" strike="noStrike" kern="1200" cap="none" spc="0" normalizeH="0" baseline="0" noProof="0" dirty="0">
-              <a:ln>
-                <a:noFill/>
-              </a:ln>
-              <a:solidFill>
-                <a:schemeClr val="tx1"/>
-              </a:solidFill>
-              <a:effectLst/>
-              <a:uLnTx/>
-              <a:uFillTx/>
-              <a:latin typeface="+mj-lt"/>
-              <a:ea typeface="+mj-ea"/>
-              <a:cs typeface="+mj-cs"/>
-            </a:endParaRPr>
-          </a:p>
-        </p:txBody>
-      </p:sp>
-      <p:sp>
-        <p:nvSpPr>
-          <p:cNvPr id="5" name="日期版面配置區 4"/>
-          <p:cNvSpPr>
-            <a:spLocks noGrp="1"/>
-          </p:cNvSpPr>
-          <p:nvPr>
-            <p:ph type="dt" sz="half" idx="10"/>
-          </p:nvPr>
-        </p:nvSpPr>
-        <p:spPr/>
-        <p:txBody>
-          <a:bodyPr/>
-          <a:lstStyle/>
-          <a:p>
-            <a:fld id="{A4F910E6-8D00-4BAF-8C48-9688E0B449D3}" type="datetime1">
-              <a:rPr lang="zh-TW" altLang="en-US" smtClean="0"/>
-              <a:pPr/>
-              <a:t>2022/11/17</a:t>
-            </a:fld>
-            <a:endParaRPr lang="zh-TW" altLang="en-US"/>
-          </a:p>
-        </p:txBody>
-      </p:sp>
-      <p:sp>
-        <p:nvSpPr>
-          <p:cNvPr id="6" name="投影片編號版面配置區 5"/>
-          <p:cNvSpPr>
-            <a:spLocks noGrp="1"/>
-          </p:cNvSpPr>
-          <p:nvPr>
-            <p:ph type="sldNum" sz="quarter" idx="12"/>
-          </p:nvPr>
-        </p:nvSpPr>
-        <p:spPr/>
-        <p:txBody>
-          <a:bodyPr/>
-          <a:lstStyle/>
-          <a:p>
-            <a:fld id="{E4D7E63D-91F2-4366-A2C4-1B00C9E2590E}" type="slidenum">
-              <a:rPr lang="zh-TW" altLang="en-US" smtClean="0"/>
-              <a:pPr/>
-              <a:t>21</a:t>
-            </a:fld>
-            <a:endParaRPr lang="zh-TW" altLang="en-US"/>
-          </a:p>
-        </p:txBody>
-      </p:sp>
-      <p:pic>
-        <p:nvPicPr>
-          <p:cNvPr id="10" name="Picture 9">
-            <a:extLst>
-              <a:ext uri="{FF2B5EF4-FFF2-40B4-BE49-F238E27FC236}">
-                <a16:creationId xmlns:a16="http://schemas.microsoft.com/office/drawing/2014/main" id="{619D39EB-27C4-AE3C-BE83-DD6F15F72FFD}"/>
-              </a:ext>
-            </a:extLst>
-          </p:cNvPr>
-          <p:cNvPicPr>
-            <a:picLocks noChangeAspect="1"/>
-          </p:cNvPicPr>
-          <p:nvPr/>
-        </p:nvPicPr>
-        <p:blipFill>
-          <a:blip r:embed="rId2"/>
-          <a:stretch>
-            <a:fillRect/>
-          </a:stretch>
-        </p:blipFill>
-        <p:spPr>
-          <a:xfrm>
-            <a:off x="3296791" y="405514"/>
-            <a:ext cx="5991225" cy="5876925"/>
-          </a:xfrm>
-          <a:prstGeom prst="rect">
-            <a:avLst/>
-          </a:prstGeom>
-          <a:ln>
-            <a:solidFill>
-              <a:srgbClr val="C00000"/>
-            </a:solidFill>
-          </a:ln>
-        </p:spPr>
-      </p:pic>
-      <p:sp>
-        <p:nvSpPr>
-          <p:cNvPr id="13" name="Rectangle 12">
-            <a:extLst>
-              <a:ext uri="{FF2B5EF4-FFF2-40B4-BE49-F238E27FC236}">
-                <a16:creationId xmlns:a16="http://schemas.microsoft.com/office/drawing/2014/main" id="{DD97FCF9-95C5-645F-B772-9E4E0222EC13}"/>
-              </a:ext>
-            </a:extLst>
-          </p:cNvPr>
-          <p:cNvSpPr/>
-          <p:nvPr/>
-        </p:nvSpPr>
-        <p:spPr>
-          <a:xfrm>
-            <a:off x="3296790" y="5991224"/>
-            <a:ext cx="2139306" cy="291215"/>
-          </a:xfrm>
-          <a:prstGeom prst="rect">
-            <a:avLst/>
-          </a:prstGeom>
-          <a:noFill/>
-          <a:ln>
-            <a:solidFill>
-              <a:srgbClr val="C00000"/>
-            </a:solidFill>
-          </a:ln>
-        </p:spPr>
-        <p:style>
-          <a:lnRef idx="2">
-            <a:schemeClr val="accent1">
-              <a:shade val="50000"/>
-            </a:schemeClr>
-          </a:lnRef>
-          <a:fillRef idx="1">
-            <a:schemeClr val="accent1"/>
-          </a:fillRef>
-          <a:effectRef idx="0">
-            <a:schemeClr val="accent1"/>
-          </a:effectRef>
-          <a:fontRef idx="minor">
-            <a:schemeClr val="lt1"/>
-          </a:fontRef>
-        </p:style>
-        <p:txBody>
-          <a:bodyPr rtlCol="0" anchor="ctr"/>
-          <a:lstStyle/>
-          <a:p>
-            <a:pPr algn="ctr"/>
-            <a:endParaRPr lang="en-US"/>
-          </a:p>
-        </p:txBody>
-      </p:sp>
-      <p:sp>
-        <p:nvSpPr>
-          <p:cNvPr id="14" name="Rectangle 13">
-            <a:extLst>
-              <a:ext uri="{FF2B5EF4-FFF2-40B4-BE49-F238E27FC236}">
-                <a16:creationId xmlns:a16="http://schemas.microsoft.com/office/drawing/2014/main" id="{8EF61FD2-940E-AC3E-6999-DA86F7CB1F51}"/>
-              </a:ext>
-            </a:extLst>
-          </p:cNvPr>
-          <p:cNvSpPr/>
-          <p:nvPr/>
-        </p:nvSpPr>
-        <p:spPr>
-          <a:xfrm>
-            <a:off x="3296791" y="4581128"/>
-            <a:ext cx="5898282" cy="576064"/>
-          </a:xfrm>
-          <a:prstGeom prst="rect">
-            <a:avLst/>
-          </a:prstGeom>
-          <a:noFill/>
-          <a:ln>
-            <a:solidFill>
-              <a:srgbClr val="C00000"/>
-            </a:solidFill>
-          </a:ln>
-        </p:spPr>
-        <p:style>
-          <a:lnRef idx="2">
-            <a:schemeClr val="accent1">
-              <a:shade val="50000"/>
-            </a:schemeClr>
-          </a:lnRef>
-          <a:fillRef idx="1">
-            <a:schemeClr val="accent1"/>
-          </a:fillRef>
-          <a:effectRef idx="0">
-            <a:schemeClr val="accent1"/>
-          </a:effectRef>
-          <a:fontRef idx="minor">
-            <a:schemeClr val="lt1"/>
-          </a:fontRef>
-        </p:style>
-        <p:txBody>
-          <a:bodyPr rtlCol="0" anchor="ctr"/>
-          <a:lstStyle/>
-          <a:p>
-            <a:pPr algn="ctr"/>
-            <a:endParaRPr lang="en-US"/>
-          </a:p>
-        </p:txBody>
-      </p:sp>
-      <p:sp>
-        <p:nvSpPr>
-          <p:cNvPr id="15" name="Oval 14">
-            <a:extLst>
-              <a:ext uri="{FF2B5EF4-FFF2-40B4-BE49-F238E27FC236}">
-                <a16:creationId xmlns:a16="http://schemas.microsoft.com/office/drawing/2014/main" id="{1B9A9F89-D567-F3A2-95EC-72C8649DB23B}"/>
-              </a:ext>
-            </a:extLst>
-          </p:cNvPr>
-          <p:cNvSpPr/>
-          <p:nvPr/>
-        </p:nvSpPr>
-        <p:spPr>
-          <a:xfrm>
-            <a:off x="3296790" y="5600453"/>
-            <a:ext cx="304081" cy="291215"/>
-          </a:xfrm>
-          <a:prstGeom prst="ellipse">
-            <a:avLst/>
-          </a:prstGeom>
-          <a:solidFill>
-            <a:srgbClr val="FFFF00"/>
-          </a:solidFill>
-          <a:ln>
-            <a:solidFill>
-              <a:srgbClr val="C00000"/>
-            </a:solidFill>
-          </a:ln>
-        </p:spPr>
-        <p:style>
-          <a:lnRef idx="2">
-            <a:schemeClr val="accent1">
-              <a:shade val="50000"/>
-            </a:schemeClr>
-          </a:lnRef>
-          <a:fillRef idx="1">
-            <a:schemeClr val="accent1"/>
-          </a:fillRef>
-          <a:effectRef idx="0">
-            <a:schemeClr val="accent1"/>
-          </a:effectRef>
-          <a:fontRef idx="minor">
-            <a:schemeClr val="lt1"/>
-          </a:fontRef>
-        </p:style>
-        <p:txBody>
-          <a:bodyPr rtlCol="0" anchor="ctr"/>
-          <a:lstStyle/>
-          <a:p>
-            <a:pPr algn="ctr"/>
-            <a:r>
-              <a:rPr lang="en-US" dirty="0">
-                <a:solidFill>
-                  <a:schemeClr val="tx1"/>
-                </a:solidFill>
-              </a:rPr>
-              <a:t>1</a:t>
-            </a:r>
-          </a:p>
-        </p:txBody>
-      </p:sp>
-      <p:sp>
-        <p:nvSpPr>
-          <p:cNvPr id="16" name="Oval 15">
-            <a:extLst>
-              <a:ext uri="{FF2B5EF4-FFF2-40B4-BE49-F238E27FC236}">
-                <a16:creationId xmlns:a16="http://schemas.microsoft.com/office/drawing/2014/main" id="{8461BA52-3709-2971-832B-8327F3E04FAD}"/>
-              </a:ext>
-            </a:extLst>
-          </p:cNvPr>
-          <p:cNvSpPr/>
-          <p:nvPr/>
-        </p:nvSpPr>
-        <p:spPr>
-          <a:xfrm>
-            <a:off x="3296791" y="4304512"/>
-            <a:ext cx="304081" cy="291215"/>
-          </a:xfrm>
-          <a:prstGeom prst="ellipse">
-            <a:avLst/>
-          </a:prstGeom>
-          <a:solidFill>
-            <a:srgbClr val="FFFF00"/>
-          </a:solidFill>
-          <a:ln>
-            <a:solidFill>
-              <a:srgbClr val="C00000"/>
-            </a:solidFill>
-          </a:ln>
-        </p:spPr>
-        <p:style>
-          <a:lnRef idx="2">
-            <a:schemeClr val="accent1">
-              <a:shade val="50000"/>
-            </a:schemeClr>
-          </a:lnRef>
-          <a:fillRef idx="1">
-            <a:schemeClr val="accent1"/>
-          </a:fillRef>
-          <a:effectRef idx="0">
-            <a:schemeClr val="accent1"/>
-          </a:effectRef>
-          <a:fontRef idx="minor">
-            <a:schemeClr val="lt1"/>
-          </a:fontRef>
-        </p:style>
-        <p:txBody>
-          <a:bodyPr rtlCol="0" anchor="ctr"/>
-          <a:lstStyle/>
-          <a:p>
-            <a:pPr algn="ctr"/>
-            <a:r>
-              <a:rPr lang="en-US" dirty="0">
-                <a:solidFill>
-                  <a:schemeClr val="tx1"/>
-                </a:solidFill>
-              </a:rPr>
-              <a:t>2</a:t>
-            </a:r>
-          </a:p>
-        </p:txBody>
-      </p:sp>
-    </p:spTree>
-    <p:extLst>
-      <p:ext uri="{BB962C8B-B14F-4D97-AF65-F5344CB8AC3E}">
-        <p14:creationId xmlns:p14="http://schemas.microsoft.com/office/powerpoint/2010/main" val="1398995935"/>
-      </p:ext>
-    </p:extLst>
-  </p:cSld>
-  <p:clrMapOvr>
-    <a:masterClrMapping/>
-  </p:clrMapOvr>
-</p:sld>
-</file>
-
-<file path=ppt/slides/slide22.xml><?xml version="1.0" encoding="utf-8"?>
-<p:sld xmlns:a="http://schemas.openxmlformats.org/drawingml/2006/main" xmlns:r="http://schemas.openxmlformats.org/officeDocument/2006/relationships" xmlns:p="http://schemas.openxmlformats.org/presentationml/2006/main">
-  <p:cSld>
-    <p:spTree>
-      <p:nvGrpSpPr>
-        <p:cNvPr id="1" name=""/>
-        <p:cNvGrpSpPr/>
-        <p:nvPr/>
-      </p:nvGrpSpPr>
-      <p:grpSpPr>
-        <a:xfrm>
-          <a:off x="0" y="0"/>
-          <a:ext cx="0" cy="0"/>
-          <a:chOff x="0" y="0"/>
-          <a:chExt cx="0" cy="0"/>
-        </a:xfrm>
-      </p:grpSpPr>
-      <p:sp>
-        <p:nvSpPr>
-          <p:cNvPr id="2" name="標題 1"/>
-          <p:cNvSpPr>
-            <a:spLocks noGrp="1"/>
-          </p:cNvSpPr>
-          <p:nvPr>
-            <p:ph type="ctrTitle"/>
-          </p:nvPr>
-        </p:nvSpPr>
-        <p:spPr>
-          <a:xfrm>
-            <a:off x="0" y="1"/>
-            <a:ext cx="9144000" cy="764704"/>
-          </a:xfrm>
-          <a:gradFill flip="none" rotWithShape="1">
-            <a:gsLst>
-              <a:gs pos="0">
-                <a:srgbClr val="C00000">
-                  <a:shade val="30000"/>
-                  <a:satMod val="115000"/>
-                </a:srgbClr>
-              </a:gs>
-              <a:gs pos="50000">
-                <a:srgbClr val="C00000">
-                  <a:shade val="67500"/>
-                  <a:satMod val="115000"/>
-                </a:srgbClr>
-              </a:gs>
-              <a:gs pos="100000">
-                <a:srgbClr val="C00000">
-                  <a:shade val="100000"/>
-                  <a:satMod val="115000"/>
-                </a:srgbClr>
-              </a:gs>
-            </a:gsLst>
-            <a:path path="circle">
-              <a:fillToRect t="100000" r="100000"/>
-            </a:path>
-            <a:tileRect l="-100000" b="-100000"/>
-          </a:gradFill>
-        </p:spPr>
-        <p:txBody>
-          <a:bodyPr>
-            <a:normAutofit/>
-          </a:bodyPr>
-          <a:lstStyle/>
-          <a:p>
-            <a:pPr algn="l"/>
-            <a:r>
-              <a:rPr lang="en-US" altLang="zh-TW" sz="4400" b="1" dirty="0">
-                <a:solidFill>
-                  <a:srgbClr val="FFFF00"/>
-                </a:solidFill>
-              </a:rPr>
-              <a:t>1.3 Initialize Hostname and IP Address</a:t>
-            </a:r>
-            <a:endParaRPr lang="zh-TW" altLang="en-US" b="1" dirty="0">
-              <a:solidFill>
-                <a:srgbClr val="FFFF00"/>
-              </a:solidFill>
-            </a:endParaRPr>
-          </a:p>
-        </p:txBody>
-      </p:sp>
-      <p:sp>
-        <p:nvSpPr>
-          <p:cNvPr id="3" name="副標題 2"/>
-          <p:cNvSpPr>
-            <a:spLocks noGrp="1"/>
-          </p:cNvSpPr>
-          <p:nvPr>
-            <p:ph type="subTitle" idx="1"/>
-          </p:nvPr>
-        </p:nvSpPr>
-        <p:spPr>
-          <a:xfrm>
-            <a:off x="145354" y="1248460"/>
-            <a:ext cx="3151436" cy="4484796"/>
-          </a:xfrm>
-          <a:ln>
-            <a:solidFill>
-              <a:srgbClr val="C00000"/>
-            </a:solidFill>
-          </a:ln>
-        </p:spPr>
-        <p:txBody>
-          <a:bodyPr>
-            <a:noAutofit/>
-          </a:bodyPr>
-          <a:lstStyle/>
-          <a:p>
-            <a:pPr marL="342900" indent="-342900" algn="l">
-              <a:buClr>
-                <a:srgbClr val="0070C0"/>
-              </a:buClr>
-              <a:buSzPct val="80000"/>
-              <a:buFont typeface="Wingdings" pitchFamily="2" charset="2"/>
-              <a:buChar char="u"/>
-            </a:pPr>
-            <a:r>
-              <a:rPr lang="en-US" sz="1800" b="1" i="0" dirty="0">
-                <a:solidFill>
-                  <a:srgbClr val="C00000"/>
-                </a:solidFill>
-                <a:effectLst/>
-              </a:rPr>
-              <a:t>Verify the hostname and IP Address</a:t>
-            </a:r>
-          </a:p>
-          <a:p>
-            <a:pPr marL="342900" indent="-342900" algn="l">
-              <a:buClr>
-                <a:srgbClr val="0070C0"/>
-              </a:buClr>
-              <a:buSzPct val="80000"/>
-              <a:buFont typeface="Wingdings" pitchFamily="2" charset="2"/>
-              <a:buChar char="u"/>
-            </a:pPr>
-            <a:r>
-              <a:rPr lang="en-US" sz="1800" dirty="0">
-                <a:solidFill>
-                  <a:srgbClr val="000000"/>
-                </a:solidFill>
-              </a:rPr>
-              <a:t>We verify:</a:t>
-            </a:r>
-          </a:p>
-          <a:p>
-            <a:pPr marL="342900" indent="-342900" algn="l">
-              <a:buClr>
-                <a:srgbClr val="0070C0"/>
-              </a:buClr>
-              <a:buSzPct val="80000"/>
-              <a:buFont typeface="Wingdings" pitchFamily="2" charset="2"/>
-              <a:buChar char="u"/>
-            </a:pPr>
-            <a:r>
-              <a:rPr lang="en-US" sz="1800" dirty="0">
-                <a:solidFill>
-                  <a:srgbClr val="000000"/>
-                </a:solidFill>
-              </a:rPr>
-              <a:t>1. The hostname to “kmaster” is successfully updated by /etc/hostname.</a:t>
-            </a:r>
-          </a:p>
-          <a:p>
-            <a:pPr marL="342900" indent="-342900" algn="l">
-              <a:buClr>
-                <a:srgbClr val="0070C0"/>
-              </a:buClr>
-              <a:buSzPct val="80000"/>
-              <a:buFont typeface="Wingdings" pitchFamily="2" charset="2"/>
-              <a:buChar char="u"/>
-            </a:pPr>
-            <a:r>
-              <a:rPr lang="en-US" sz="1800" dirty="0">
-                <a:solidFill>
-                  <a:srgbClr val="000000"/>
-                </a:solidFill>
-              </a:rPr>
-              <a:t>2. Verify IP-address by ifconfig command. As we can see the IP address is updated as we setup. </a:t>
-            </a:r>
-          </a:p>
-          <a:p>
-            <a:pPr marL="342900" indent="-342900" algn="l">
-              <a:buClr>
-                <a:srgbClr val="0070C0"/>
-              </a:buClr>
-              <a:buSzPct val="80000"/>
-              <a:buFont typeface="Wingdings" pitchFamily="2" charset="2"/>
-              <a:buChar char="u"/>
-            </a:pPr>
-            <a:r>
-              <a:rPr lang="en-US" sz="1800" dirty="0">
-                <a:solidFill>
-                  <a:srgbClr val="000000"/>
-                </a:solidFill>
-              </a:rPr>
-              <a:t>This IP Address is good, and this is what we want.</a:t>
-            </a:r>
-          </a:p>
-          <a:p>
-            <a:pPr marL="342900" indent="-342900" algn="l">
-              <a:buClr>
-                <a:srgbClr val="0070C0"/>
-              </a:buClr>
-              <a:buSzPct val="80000"/>
-              <a:buFont typeface="Wingdings" pitchFamily="2" charset="2"/>
-              <a:buChar char="u"/>
-            </a:pPr>
-            <a:r>
-              <a:rPr lang="en-US" sz="1800" dirty="0">
-                <a:solidFill>
-                  <a:srgbClr val="000000"/>
-                </a:solidFill>
-              </a:rPr>
-              <a:t>We will get the same IP address each time we re-boot. </a:t>
-            </a:r>
-          </a:p>
-        </p:txBody>
-      </p:sp>
-      <p:sp>
-        <p:nvSpPr>
-          <p:cNvPr id="4" name="標題 1"/>
-          <p:cNvSpPr txBox="1">
-            <a:spLocks/>
-          </p:cNvSpPr>
-          <p:nvPr/>
-        </p:nvSpPr>
-        <p:spPr>
-          <a:xfrm>
-            <a:off x="0" y="764704"/>
-            <a:ext cx="9144000" cy="360040"/>
-          </a:xfrm>
-          <a:prstGeom prst="rect">
-            <a:avLst/>
-          </a:prstGeom>
-          <a:gradFill flip="none" rotWithShape="1">
-            <a:gsLst>
-              <a:gs pos="0">
-                <a:srgbClr val="00B0F0">
-                  <a:shade val="30000"/>
-                  <a:satMod val="115000"/>
-                </a:srgbClr>
-              </a:gs>
-              <a:gs pos="50000">
-                <a:srgbClr val="00B0F0">
-                  <a:shade val="67500"/>
-                  <a:satMod val="115000"/>
-                </a:srgbClr>
-              </a:gs>
-              <a:gs pos="100000">
-                <a:srgbClr val="00B0F0">
-                  <a:shade val="100000"/>
-                  <a:satMod val="115000"/>
-                </a:srgbClr>
-              </a:gs>
-            </a:gsLst>
-            <a:path path="circle">
-              <a:fillToRect t="100000" r="100000"/>
-            </a:path>
-            <a:tileRect l="-100000" b="-100000"/>
-          </a:gradFill>
-        </p:spPr>
-        <p:txBody>
-          <a:bodyPr vert="horz" lIns="91440" tIns="45720" rIns="91440" bIns="45720" rtlCol="0" anchor="ctr">
-            <a:normAutofit/>
-          </a:bodyPr>
-          <a:lstStyle/>
-          <a:p>
-            <a:pPr lvl="0">
-              <a:spcBef>
-                <a:spcPct val="0"/>
-              </a:spcBef>
-            </a:pPr>
-            <a:r>
-              <a:rPr lang="en-US" sz="1600" dirty="0"/>
-              <a:t>https://www.youtube.com/watch?v=UWg3ORRRF60</a:t>
-            </a:r>
-            <a:endParaRPr kumimoji="0" lang="zh-TW" altLang="en-US" sz="1600" b="0" i="0" u="none" strike="noStrike" kern="1200" cap="none" spc="0" normalizeH="0" baseline="0" noProof="0" dirty="0">
-              <a:ln>
-                <a:noFill/>
-              </a:ln>
-              <a:solidFill>
-                <a:schemeClr val="tx1"/>
-              </a:solidFill>
-              <a:effectLst/>
-              <a:uLnTx/>
-              <a:uFillTx/>
-              <a:latin typeface="+mj-lt"/>
-              <a:ea typeface="+mj-ea"/>
-              <a:cs typeface="+mj-cs"/>
-            </a:endParaRPr>
-          </a:p>
-        </p:txBody>
-      </p:sp>
-      <p:sp>
-        <p:nvSpPr>
-          <p:cNvPr id="5" name="日期版面配置區 4"/>
-          <p:cNvSpPr>
-            <a:spLocks noGrp="1"/>
-          </p:cNvSpPr>
-          <p:nvPr>
-            <p:ph type="dt" sz="half" idx="10"/>
-          </p:nvPr>
-        </p:nvSpPr>
-        <p:spPr/>
-        <p:txBody>
-          <a:bodyPr/>
-          <a:lstStyle/>
-          <a:p>
-            <a:fld id="{A4F910E6-8D00-4BAF-8C48-9688E0B449D3}" type="datetime1">
-              <a:rPr lang="zh-TW" altLang="en-US" smtClean="0"/>
-              <a:pPr/>
-              <a:t>2022/11/17</a:t>
-            </a:fld>
-            <a:endParaRPr lang="zh-TW" altLang="en-US"/>
-          </a:p>
-        </p:txBody>
-      </p:sp>
-      <p:sp>
-        <p:nvSpPr>
-          <p:cNvPr id="6" name="投影片編號版面配置區 5"/>
-          <p:cNvSpPr>
-            <a:spLocks noGrp="1"/>
-          </p:cNvSpPr>
-          <p:nvPr>
-            <p:ph type="sldNum" sz="quarter" idx="12"/>
-          </p:nvPr>
-        </p:nvSpPr>
-        <p:spPr/>
-        <p:txBody>
-          <a:bodyPr/>
-          <a:lstStyle/>
-          <a:p>
-            <a:fld id="{E4D7E63D-91F2-4366-A2C4-1B00C9E2590E}" type="slidenum">
-              <a:rPr lang="zh-TW" altLang="en-US" smtClean="0"/>
-              <a:pPr/>
-              <a:t>22</a:t>
-            </a:fld>
-            <a:endParaRPr lang="zh-TW" altLang="en-US"/>
-          </a:p>
-        </p:txBody>
-      </p:sp>
-      <p:pic>
-        <p:nvPicPr>
-          <p:cNvPr id="10" name="Picture 9">
-            <a:extLst>
-              <a:ext uri="{FF2B5EF4-FFF2-40B4-BE49-F238E27FC236}">
-                <a16:creationId xmlns:a16="http://schemas.microsoft.com/office/drawing/2014/main" id="{619D39EB-27C4-AE3C-BE83-DD6F15F72FFD}"/>
-              </a:ext>
-            </a:extLst>
-          </p:cNvPr>
-          <p:cNvPicPr>
-            <a:picLocks noChangeAspect="1"/>
-          </p:cNvPicPr>
-          <p:nvPr/>
-        </p:nvPicPr>
-        <p:blipFill>
-          <a:blip r:embed="rId2"/>
-          <a:stretch>
-            <a:fillRect/>
-          </a:stretch>
-        </p:blipFill>
-        <p:spPr>
-          <a:xfrm>
-            <a:off x="3296791" y="405514"/>
-            <a:ext cx="5991225" cy="5876925"/>
-          </a:xfrm>
-          <a:prstGeom prst="rect">
-            <a:avLst/>
-          </a:prstGeom>
-          <a:ln>
-            <a:solidFill>
-              <a:srgbClr val="C00000"/>
-            </a:solidFill>
-          </a:ln>
-        </p:spPr>
-      </p:pic>
-      <p:sp>
-        <p:nvSpPr>
-          <p:cNvPr id="13" name="Rectangle 12">
-            <a:extLst>
-              <a:ext uri="{FF2B5EF4-FFF2-40B4-BE49-F238E27FC236}">
-                <a16:creationId xmlns:a16="http://schemas.microsoft.com/office/drawing/2014/main" id="{DD97FCF9-95C5-645F-B772-9E4E0222EC13}"/>
-              </a:ext>
-            </a:extLst>
-          </p:cNvPr>
-          <p:cNvSpPr/>
-          <p:nvPr/>
-        </p:nvSpPr>
-        <p:spPr>
-          <a:xfrm>
-            <a:off x="3296790" y="5991224"/>
-            <a:ext cx="2139306" cy="291215"/>
-          </a:xfrm>
-          <a:prstGeom prst="rect">
-            <a:avLst/>
-          </a:prstGeom>
-          <a:noFill/>
-          <a:ln>
-            <a:solidFill>
-              <a:srgbClr val="C00000"/>
-            </a:solidFill>
-          </a:ln>
-        </p:spPr>
-        <p:style>
-          <a:lnRef idx="2">
-            <a:schemeClr val="accent1">
-              <a:shade val="50000"/>
-            </a:schemeClr>
-          </a:lnRef>
-          <a:fillRef idx="1">
-            <a:schemeClr val="accent1"/>
-          </a:fillRef>
-          <a:effectRef idx="0">
-            <a:schemeClr val="accent1"/>
-          </a:effectRef>
-          <a:fontRef idx="minor">
-            <a:schemeClr val="lt1"/>
-          </a:fontRef>
-        </p:style>
-        <p:txBody>
-          <a:bodyPr rtlCol="0" anchor="ctr"/>
-          <a:lstStyle/>
-          <a:p>
-            <a:pPr algn="ctr"/>
-            <a:endParaRPr lang="en-US"/>
-          </a:p>
-        </p:txBody>
-      </p:sp>
-      <p:sp>
-        <p:nvSpPr>
-          <p:cNvPr id="14" name="Rectangle 13">
-            <a:extLst>
-              <a:ext uri="{FF2B5EF4-FFF2-40B4-BE49-F238E27FC236}">
-                <a16:creationId xmlns:a16="http://schemas.microsoft.com/office/drawing/2014/main" id="{8EF61FD2-940E-AC3E-6999-DA86F7CB1F51}"/>
-              </a:ext>
-            </a:extLst>
-          </p:cNvPr>
-          <p:cNvSpPr/>
-          <p:nvPr/>
-        </p:nvSpPr>
-        <p:spPr>
-          <a:xfrm>
-            <a:off x="3296791" y="4581128"/>
-            <a:ext cx="5898282" cy="576064"/>
-          </a:xfrm>
-          <a:prstGeom prst="rect">
-            <a:avLst/>
-          </a:prstGeom>
-          <a:noFill/>
-          <a:ln>
-            <a:solidFill>
-              <a:srgbClr val="C00000"/>
-            </a:solidFill>
-          </a:ln>
-        </p:spPr>
-        <p:style>
-          <a:lnRef idx="2">
-            <a:schemeClr val="accent1">
-              <a:shade val="50000"/>
-            </a:schemeClr>
-          </a:lnRef>
-          <a:fillRef idx="1">
-            <a:schemeClr val="accent1"/>
-          </a:fillRef>
-          <a:effectRef idx="0">
-            <a:schemeClr val="accent1"/>
-          </a:effectRef>
-          <a:fontRef idx="minor">
-            <a:schemeClr val="lt1"/>
-          </a:fontRef>
-        </p:style>
-        <p:txBody>
-          <a:bodyPr rtlCol="0" anchor="ctr"/>
-          <a:lstStyle/>
-          <a:p>
-            <a:pPr algn="ctr"/>
-            <a:endParaRPr lang="en-US"/>
-          </a:p>
-        </p:txBody>
-      </p:sp>
-      <p:sp>
-        <p:nvSpPr>
-          <p:cNvPr id="15" name="Oval 14">
-            <a:extLst>
-              <a:ext uri="{FF2B5EF4-FFF2-40B4-BE49-F238E27FC236}">
-                <a16:creationId xmlns:a16="http://schemas.microsoft.com/office/drawing/2014/main" id="{1B9A9F89-D567-F3A2-95EC-72C8649DB23B}"/>
-              </a:ext>
-            </a:extLst>
-          </p:cNvPr>
-          <p:cNvSpPr/>
-          <p:nvPr/>
-        </p:nvSpPr>
-        <p:spPr>
-          <a:xfrm>
-            <a:off x="3296790" y="5600453"/>
-            <a:ext cx="304081" cy="291215"/>
-          </a:xfrm>
-          <a:prstGeom prst="ellipse">
-            <a:avLst/>
-          </a:prstGeom>
-          <a:solidFill>
-            <a:srgbClr val="FFFF00"/>
-          </a:solidFill>
-          <a:ln>
-            <a:solidFill>
-              <a:srgbClr val="C00000"/>
-            </a:solidFill>
-          </a:ln>
-        </p:spPr>
-        <p:style>
-          <a:lnRef idx="2">
-            <a:schemeClr val="accent1">
-              <a:shade val="50000"/>
-            </a:schemeClr>
-          </a:lnRef>
-          <a:fillRef idx="1">
-            <a:schemeClr val="accent1"/>
-          </a:fillRef>
-          <a:effectRef idx="0">
-            <a:schemeClr val="accent1"/>
-          </a:effectRef>
-          <a:fontRef idx="minor">
-            <a:schemeClr val="lt1"/>
-          </a:fontRef>
-        </p:style>
-        <p:txBody>
-          <a:bodyPr rtlCol="0" anchor="ctr"/>
-          <a:lstStyle/>
-          <a:p>
-            <a:pPr algn="ctr"/>
-            <a:r>
-              <a:rPr lang="en-US" dirty="0">
-                <a:solidFill>
-                  <a:schemeClr val="tx1"/>
-                </a:solidFill>
-              </a:rPr>
-              <a:t>1</a:t>
-            </a:r>
-          </a:p>
-        </p:txBody>
-      </p:sp>
-      <p:sp>
-        <p:nvSpPr>
-          <p:cNvPr id="16" name="Oval 15">
-            <a:extLst>
-              <a:ext uri="{FF2B5EF4-FFF2-40B4-BE49-F238E27FC236}">
-                <a16:creationId xmlns:a16="http://schemas.microsoft.com/office/drawing/2014/main" id="{8461BA52-3709-2971-832B-8327F3E04FAD}"/>
-              </a:ext>
-            </a:extLst>
-          </p:cNvPr>
-          <p:cNvSpPr/>
-          <p:nvPr/>
-        </p:nvSpPr>
-        <p:spPr>
-          <a:xfrm>
-            <a:off x="3296791" y="4304512"/>
-            <a:ext cx="304081" cy="291215"/>
-          </a:xfrm>
-          <a:prstGeom prst="ellipse">
-            <a:avLst/>
-          </a:prstGeom>
-          <a:solidFill>
-            <a:srgbClr val="FFFF00"/>
-          </a:solidFill>
-          <a:ln>
-            <a:solidFill>
-              <a:srgbClr val="C00000"/>
-            </a:solidFill>
-          </a:ln>
-        </p:spPr>
-        <p:style>
-          <a:lnRef idx="2">
-            <a:schemeClr val="accent1">
-              <a:shade val="50000"/>
-            </a:schemeClr>
-          </a:lnRef>
-          <a:fillRef idx="1">
-            <a:schemeClr val="accent1"/>
-          </a:fillRef>
-          <a:effectRef idx="0">
-            <a:schemeClr val="accent1"/>
-          </a:effectRef>
-          <a:fontRef idx="minor">
-            <a:schemeClr val="lt1"/>
-          </a:fontRef>
-        </p:style>
-        <p:txBody>
-          <a:bodyPr rtlCol="0" anchor="ctr"/>
-          <a:lstStyle/>
-          <a:p>
-            <a:pPr algn="ctr"/>
-            <a:r>
-              <a:rPr lang="en-US" dirty="0">
-                <a:solidFill>
-                  <a:schemeClr val="tx1"/>
-                </a:solidFill>
-              </a:rPr>
-              <a:t>2</a:t>
-            </a:r>
-          </a:p>
-        </p:txBody>
-      </p:sp>
-    </p:spTree>
-    <p:extLst>
-      <p:ext uri="{BB962C8B-B14F-4D97-AF65-F5344CB8AC3E}">
-        <p14:creationId xmlns:p14="http://schemas.microsoft.com/office/powerpoint/2010/main" val="2844833498"/>
-      </p:ext>
-    </p:extLst>
-  </p:cSld>
-  <p:clrMapOvr>
-    <a:masterClrMapping/>
-  </p:clrMapOvr>
-</p:sld>
-</file>
-
-<file path=ppt/slides/slide23.xml><?xml version="1.0" encoding="utf-8"?>
-<p:sld xmlns:a="http://schemas.openxmlformats.org/drawingml/2006/main" xmlns:r="http://schemas.openxmlformats.org/officeDocument/2006/relationships" xmlns:p="http://schemas.openxmlformats.org/presentationml/2006/main">
-  <p:cSld>
-    <p:spTree>
-      <p:nvGrpSpPr>
-        <p:cNvPr id="1" name=""/>
-        <p:cNvGrpSpPr/>
-        <p:nvPr/>
-      </p:nvGrpSpPr>
-      <p:grpSpPr>
-        <a:xfrm>
-          <a:off x="0" y="0"/>
-          <a:ext cx="0" cy="0"/>
-          <a:chOff x="0" y="0"/>
-          <a:chExt cx="0" cy="0"/>
-        </a:xfrm>
-      </p:grpSpPr>
-      <p:sp>
-        <p:nvSpPr>
-          <p:cNvPr id="2" name="標題 1"/>
-          <p:cNvSpPr>
-            <a:spLocks noGrp="1"/>
-          </p:cNvSpPr>
-          <p:nvPr>
-            <p:ph type="ctrTitle"/>
-          </p:nvPr>
-        </p:nvSpPr>
-        <p:spPr>
-          <a:xfrm>
-            <a:off x="0" y="2130425"/>
-            <a:ext cx="9144000" cy="1470025"/>
-          </a:xfrm>
-          <a:solidFill>
-            <a:srgbClr val="00B0F0"/>
-          </a:solidFill>
-        </p:spPr>
-        <p:txBody>
-          <a:bodyPr>
-            <a:normAutofit fontScale="90000"/>
-          </a:bodyPr>
-          <a:lstStyle/>
-          <a:p>
-            <a:r>
-              <a:rPr lang="en-US" altLang="zh-TW" sz="4800" b="1" dirty="0">
-                <a:solidFill>
-                  <a:srgbClr val="FFFF00"/>
-                </a:solidFill>
-              </a:rPr>
-              <a:t>1.4 Install OpenSSH Server and Docker </a:t>
-            </a:r>
-            <a:endParaRPr lang="zh-TW" altLang="en-US" sz="4800" b="1" dirty="0">
-              <a:solidFill>
-                <a:srgbClr val="FFFF00"/>
-              </a:solidFill>
-            </a:endParaRPr>
-          </a:p>
-        </p:txBody>
-      </p:sp>
-      <p:sp>
-        <p:nvSpPr>
-          <p:cNvPr id="5" name="日期版面配置區 4"/>
-          <p:cNvSpPr>
-            <a:spLocks noGrp="1"/>
-          </p:cNvSpPr>
-          <p:nvPr>
-            <p:ph type="dt" sz="half" idx="10"/>
-          </p:nvPr>
-        </p:nvSpPr>
-        <p:spPr/>
-        <p:txBody>
-          <a:bodyPr/>
-          <a:lstStyle/>
-          <a:p>
-            <a:fld id="{C389EDC9-19E3-47AC-9C57-C6A24DEA81AD}" type="datetime1">
-              <a:rPr lang="zh-TW" altLang="en-US" smtClean="0"/>
-              <a:pPr/>
-              <a:t>2022/11/17</a:t>
-            </a:fld>
-            <a:endParaRPr lang="zh-TW" altLang="en-US"/>
-          </a:p>
-        </p:txBody>
-      </p:sp>
-      <p:sp>
-        <p:nvSpPr>
-          <p:cNvPr id="6" name="投影片編號版面配置區 5"/>
-          <p:cNvSpPr>
-            <a:spLocks noGrp="1"/>
-          </p:cNvSpPr>
-          <p:nvPr>
-            <p:ph type="sldNum" sz="quarter" idx="12"/>
-          </p:nvPr>
-        </p:nvSpPr>
-        <p:spPr/>
-        <p:txBody>
-          <a:bodyPr/>
-          <a:lstStyle/>
-          <a:p>
-            <a:fld id="{E4D7E63D-91F2-4366-A2C4-1B00C9E2590E}" type="slidenum">
-              <a:rPr lang="zh-TW" altLang="en-US" smtClean="0"/>
-              <a:pPr/>
-              <a:t>23</a:t>
-            </a:fld>
-            <a:endParaRPr lang="zh-TW" altLang="en-US"/>
-          </a:p>
-        </p:txBody>
-      </p:sp>
-      <p:pic>
-        <p:nvPicPr>
-          <p:cNvPr id="7" name="Picture 6">
-            <a:extLst>
-              <a:ext uri="{FF2B5EF4-FFF2-40B4-BE49-F238E27FC236}">
-                <a16:creationId xmlns:a16="http://schemas.microsoft.com/office/drawing/2014/main" id="{6BAFC81C-41D2-47DC-8418-60D9E99180AB}"/>
-              </a:ext>
-            </a:extLst>
-          </p:cNvPr>
-          <p:cNvPicPr>
-            <a:picLocks noChangeAspect="1"/>
-          </p:cNvPicPr>
-          <p:nvPr/>
-        </p:nvPicPr>
-        <p:blipFill>
-          <a:blip r:embed="rId2"/>
-          <a:stretch>
-            <a:fillRect/>
-          </a:stretch>
-        </p:blipFill>
-        <p:spPr>
-          <a:xfrm>
-            <a:off x="3923928" y="3640095"/>
-            <a:ext cx="992526" cy="944885"/>
-          </a:xfrm>
-          <a:prstGeom prst="rect">
-            <a:avLst/>
-          </a:prstGeom>
-        </p:spPr>
-      </p:pic>
-    </p:spTree>
-    <p:extLst>
-      <p:ext uri="{BB962C8B-B14F-4D97-AF65-F5344CB8AC3E}">
-        <p14:creationId xmlns:p14="http://schemas.microsoft.com/office/powerpoint/2010/main" val="2913867688"/>
-      </p:ext>
-    </p:extLst>
-  </p:cSld>
-  <p:clrMapOvr>
-    <a:masterClrMapping/>
-  </p:clrMapOvr>
-</p:sld>
-</file>
-
-<file path=ppt/slides/slide24.xml><?xml version="1.0" encoding="utf-8"?>
-<p:sld xmlns:a="http://schemas.openxmlformats.org/drawingml/2006/main" xmlns:r="http://schemas.openxmlformats.org/officeDocument/2006/relationships" xmlns:p="http://schemas.openxmlformats.org/presentationml/2006/main">
-  <p:cSld>
-    <p:spTree>
-      <p:nvGrpSpPr>
-        <p:cNvPr id="1" name=""/>
-        <p:cNvGrpSpPr/>
-        <p:nvPr/>
-      </p:nvGrpSpPr>
-      <p:grpSpPr>
-        <a:xfrm>
-          <a:off x="0" y="0"/>
-          <a:ext cx="0" cy="0"/>
-          <a:chOff x="0" y="0"/>
-          <a:chExt cx="0" cy="0"/>
-        </a:xfrm>
-      </p:grpSpPr>
-      <p:sp>
-        <p:nvSpPr>
-          <p:cNvPr id="2" name="標題 1"/>
-          <p:cNvSpPr>
-            <a:spLocks noGrp="1"/>
-          </p:cNvSpPr>
-          <p:nvPr>
-            <p:ph type="ctrTitle"/>
-          </p:nvPr>
-        </p:nvSpPr>
-        <p:spPr>
-          <a:xfrm>
-            <a:off x="0" y="1"/>
-            <a:ext cx="9144000" cy="764704"/>
-          </a:xfrm>
-          <a:gradFill flip="none" rotWithShape="1">
-            <a:gsLst>
-              <a:gs pos="0">
-                <a:srgbClr val="C00000">
-                  <a:shade val="30000"/>
-                  <a:satMod val="115000"/>
-                </a:srgbClr>
-              </a:gs>
-              <a:gs pos="50000">
-                <a:srgbClr val="C00000">
-                  <a:shade val="67500"/>
-                  <a:satMod val="115000"/>
-                </a:srgbClr>
-              </a:gs>
-              <a:gs pos="100000">
-                <a:srgbClr val="C00000">
-                  <a:shade val="100000"/>
-                  <a:satMod val="115000"/>
-                </a:srgbClr>
-              </a:gs>
-            </a:gsLst>
-            <a:path path="circle">
-              <a:fillToRect t="100000" r="100000"/>
-            </a:path>
-            <a:tileRect l="-100000" b="-100000"/>
-          </a:gradFill>
-        </p:spPr>
-        <p:txBody>
-          <a:bodyPr>
-            <a:normAutofit/>
-          </a:bodyPr>
-          <a:lstStyle/>
-          <a:p>
-            <a:pPr algn="l"/>
-            <a:r>
-              <a:rPr lang="en-US" altLang="zh-TW" sz="4400" b="1" dirty="0">
-                <a:solidFill>
-                  <a:srgbClr val="FFFF00"/>
-                </a:solidFill>
-              </a:rPr>
-              <a:t>1.4 Install OpenSSH Server and Docker </a:t>
-            </a:r>
-            <a:endParaRPr lang="zh-TW" altLang="en-US" b="1" dirty="0">
-              <a:solidFill>
-                <a:srgbClr val="FFFF00"/>
-              </a:solidFill>
-            </a:endParaRPr>
-          </a:p>
-        </p:txBody>
-      </p:sp>
-      <p:sp>
-        <p:nvSpPr>
-          <p:cNvPr id="3" name="副標題 2"/>
-          <p:cNvSpPr>
-            <a:spLocks noGrp="1"/>
-          </p:cNvSpPr>
-          <p:nvPr>
-            <p:ph type="subTitle" idx="1"/>
-          </p:nvPr>
-        </p:nvSpPr>
-        <p:spPr>
-          <a:xfrm>
-            <a:off x="316022" y="1224079"/>
-            <a:ext cx="8504449" cy="476730"/>
-          </a:xfrm>
-          <a:ln>
-            <a:solidFill>
-              <a:srgbClr val="C00000"/>
-            </a:solidFill>
-          </a:ln>
-        </p:spPr>
-        <p:txBody>
-          <a:bodyPr>
-            <a:noAutofit/>
-          </a:bodyPr>
-          <a:lstStyle/>
-          <a:p>
-            <a:pPr marL="342900" indent="-342900" algn="l">
-              <a:buClr>
-                <a:srgbClr val="0070C0"/>
-              </a:buClr>
-              <a:buSzPct val="80000"/>
-              <a:buFont typeface="Wingdings" pitchFamily="2" charset="2"/>
-              <a:buChar char="u"/>
-            </a:pPr>
-            <a:r>
-              <a:rPr lang="en-US" sz="1800" b="1" i="0" dirty="0">
-                <a:solidFill>
-                  <a:srgbClr val="C00000"/>
-                </a:solidFill>
-                <a:effectLst/>
-              </a:rPr>
-              <a:t>Install OpenSSH Server and Docker</a:t>
-            </a:r>
-          </a:p>
-        </p:txBody>
-      </p:sp>
-      <p:sp>
-        <p:nvSpPr>
-          <p:cNvPr id="4" name="標題 1"/>
-          <p:cNvSpPr txBox="1">
-            <a:spLocks/>
-          </p:cNvSpPr>
-          <p:nvPr/>
-        </p:nvSpPr>
-        <p:spPr>
-          <a:xfrm>
-            <a:off x="0" y="764704"/>
-            <a:ext cx="9144000" cy="360040"/>
-          </a:xfrm>
-          <a:prstGeom prst="rect">
-            <a:avLst/>
-          </a:prstGeom>
-          <a:gradFill flip="none" rotWithShape="1">
-            <a:gsLst>
-              <a:gs pos="0">
-                <a:srgbClr val="00B0F0">
-                  <a:shade val="30000"/>
-                  <a:satMod val="115000"/>
-                </a:srgbClr>
-              </a:gs>
-              <a:gs pos="50000">
-                <a:srgbClr val="00B0F0">
-                  <a:shade val="67500"/>
-                  <a:satMod val="115000"/>
-                </a:srgbClr>
-              </a:gs>
-              <a:gs pos="100000">
-                <a:srgbClr val="00B0F0">
-                  <a:shade val="100000"/>
-                  <a:satMod val="115000"/>
-                </a:srgbClr>
-              </a:gs>
-            </a:gsLst>
-            <a:path path="circle">
-              <a:fillToRect t="100000" r="100000"/>
-            </a:path>
-            <a:tileRect l="-100000" b="-100000"/>
-          </a:gradFill>
-        </p:spPr>
-        <p:txBody>
-          <a:bodyPr vert="horz" lIns="91440" tIns="45720" rIns="91440" bIns="45720" rtlCol="0" anchor="ctr">
-            <a:normAutofit/>
-          </a:bodyPr>
-          <a:lstStyle/>
-          <a:p>
-            <a:pPr lvl="0">
-              <a:spcBef>
-                <a:spcPct val="0"/>
-              </a:spcBef>
-            </a:pPr>
-            <a:r>
-              <a:rPr lang="en-US" sz="1600" dirty="0"/>
-              <a:t>https://www.youtube.com/watch?v=UWg3ORRRF60</a:t>
-            </a:r>
-            <a:endParaRPr kumimoji="0" lang="zh-TW" altLang="en-US" sz="1600" b="0" i="0" u="none" strike="noStrike" kern="1200" cap="none" spc="0" normalizeH="0" baseline="0" noProof="0" dirty="0">
-              <a:ln>
-                <a:noFill/>
-              </a:ln>
-              <a:solidFill>
-                <a:schemeClr val="tx1"/>
-              </a:solidFill>
-              <a:effectLst/>
-              <a:uLnTx/>
-              <a:uFillTx/>
-              <a:latin typeface="+mj-lt"/>
-              <a:ea typeface="+mj-ea"/>
-              <a:cs typeface="+mj-cs"/>
-            </a:endParaRPr>
-          </a:p>
-        </p:txBody>
-      </p:sp>
-      <p:sp>
-        <p:nvSpPr>
-          <p:cNvPr id="5" name="日期版面配置區 4"/>
-          <p:cNvSpPr>
-            <a:spLocks noGrp="1"/>
-          </p:cNvSpPr>
-          <p:nvPr>
-            <p:ph type="dt" sz="half" idx="10"/>
-          </p:nvPr>
-        </p:nvSpPr>
-        <p:spPr/>
-        <p:txBody>
-          <a:bodyPr/>
-          <a:lstStyle/>
-          <a:p>
-            <a:fld id="{A4F910E6-8D00-4BAF-8C48-9688E0B449D3}" type="datetime1">
-              <a:rPr lang="zh-TW" altLang="en-US" smtClean="0"/>
-              <a:pPr/>
-              <a:t>2022/11/17</a:t>
-            </a:fld>
-            <a:endParaRPr lang="zh-TW" altLang="en-US"/>
-          </a:p>
-        </p:txBody>
-      </p:sp>
-      <p:sp>
-        <p:nvSpPr>
-          <p:cNvPr id="6" name="投影片編號版面配置區 5"/>
-          <p:cNvSpPr>
-            <a:spLocks noGrp="1"/>
-          </p:cNvSpPr>
-          <p:nvPr>
-            <p:ph type="sldNum" sz="quarter" idx="12"/>
-          </p:nvPr>
-        </p:nvSpPr>
-        <p:spPr/>
-        <p:txBody>
-          <a:bodyPr/>
-          <a:lstStyle/>
-          <a:p>
-            <a:fld id="{E4D7E63D-91F2-4366-A2C4-1B00C9E2590E}" type="slidenum">
-              <a:rPr lang="zh-TW" altLang="en-US" smtClean="0"/>
-              <a:pPr/>
-              <a:t>24</a:t>
-            </a:fld>
-            <a:endParaRPr lang="zh-TW" altLang="en-US"/>
-          </a:p>
-        </p:txBody>
-      </p:sp>
-      <p:graphicFrame>
-        <p:nvGraphicFramePr>
-          <p:cNvPr id="32" name="Table 32">
-            <a:extLst>
-              <a:ext uri="{FF2B5EF4-FFF2-40B4-BE49-F238E27FC236}">
-                <a16:creationId xmlns:a16="http://schemas.microsoft.com/office/drawing/2014/main" id="{07285B01-6F81-B6F1-C13C-4876FE0E5FC9}"/>
-              </a:ext>
-            </a:extLst>
-          </p:cNvPr>
-          <p:cNvGraphicFramePr>
-            <a:graphicFrameLocks noGrp="1"/>
-          </p:cNvGraphicFramePr>
-          <p:nvPr>
-            <p:extLst>
-              <p:ext uri="{D42A27DB-BD31-4B8C-83A1-F6EECF244321}">
-                <p14:modId xmlns:p14="http://schemas.microsoft.com/office/powerpoint/2010/main" val="4101909425"/>
-              </p:ext>
-            </p:extLst>
-          </p:nvPr>
-        </p:nvGraphicFramePr>
-        <p:xfrm>
-          <a:off x="322073" y="2060848"/>
-          <a:ext cx="8827978" cy="2452442"/>
-        </p:xfrm>
-        <a:graphic>
-          <a:graphicData uri="http://schemas.openxmlformats.org/drawingml/2006/table">
-            <a:tbl>
-              <a:tblPr firstRow="1" bandRow="1">
-                <a:tableStyleId>{5C22544A-7EE6-4342-B048-85BDC9FD1C3A}</a:tableStyleId>
-              </a:tblPr>
-              <a:tblGrid>
-                <a:gridCol w="3777569">
-                  <a:extLst>
-                    <a:ext uri="{9D8B030D-6E8A-4147-A177-3AD203B41FA5}">
-                      <a16:colId xmlns:a16="http://schemas.microsoft.com/office/drawing/2014/main" val="3611346985"/>
-                    </a:ext>
-                  </a:extLst>
-                </a:gridCol>
-                <a:gridCol w="3013398">
-                  <a:extLst>
-                    <a:ext uri="{9D8B030D-6E8A-4147-A177-3AD203B41FA5}">
-                      <a16:colId xmlns:a16="http://schemas.microsoft.com/office/drawing/2014/main" val="1281810389"/>
-                    </a:ext>
-                  </a:extLst>
-                </a:gridCol>
-                <a:gridCol w="2037011">
-                  <a:extLst>
-                    <a:ext uri="{9D8B030D-6E8A-4147-A177-3AD203B41FA5}">
-                      <a16:colId xmlns:a16="http://schemas.microsoft.com/office/drawing/2014/main" val="1162511173"/>
-                    </a:ext>
-                  </a:extLst>
-                </a:gridCol>
-              </a:tblGrid>
-              <a:tr h="347086">
-                <a:tc gridSpan="3">
-                  <a:txBody>
-                    <a:bodyPr/>
-                    <a:lstStyle/>
-                    <a:p>
-                      <a:r>
-                        <a:rPr lang="en-US" dirty="0"/>
-                        <a:t>Kubernetes  Installation Steps</a:t>
-                      </a:r>
-                    </a:p>
-                  </a:txBody>
-                  <a:tcPr/>
-                </a:tc>
-                <a:tc hMerge="1">
-                  <a:txBody>
-                    <a:bodyPr/>
-                    <a:lstStyle/>
-                    <a:p>
-                      <a:endParaRPr lang="en-US"/>
-                    </a:p>
-                  </a:txBody>
-                  <a:tcPr/>
-                </a:tc>
-                <a:tc hMerge="1">
-                  <a:txBody>
-                    <a:bodyPr/>
-                    <a:lstStyle/>
-                    <a:p>
-                      <a:endParaRPr lang="en-US"/>
-                    </a:p>
-                  </a:txBody>
-                  <a:tcPr/>
-                </a:tc>
-                <a:extLst>
-                  <a:ext uri="{0D108BD9-81ED-4DB2-BD59-A6C34878D82A}">
-                    <a16:rowId xmlns:a16="http://schemas.microsoft.com/office/drawing/2014/main" val="2743071207"/>
-                  </a:ext>
-                </a:extLst>
-              </a:tr>
-              <a:tr h="354320">
-                <a:tc>
-                  <a:txBody>
-                    <a:bodyPr/>
-                    <a:lstStyle/>
-                    <a:p>
-                      <a:r>
-                        <a:rPr lang="en-US" sz="1600" b="0" dirty="0">
-                          <a:solidFill>
-                            <a:schemeClr val="tx1"/>
-                          </a:solidFill>
-                        </a:rPr>
-                        <a:t>1. At Both Master and Slave Nodes</a:t>
-                      </a:r>
-                    </a:p>
-                  </a:txBody>
-                  <a:tcPr/>
-                </a:tc>
-                <a:tc>
-                  <a:txBody>
-                    <a:bodyPr/>
-                    <a:lstStyle/>
-                    <a:p>
-                      <a:r>
-                        <a:rPr lang="en-US" sz="1600" b="1" dirty="0"/>
-                        <a:t>2.Only at Master Node</a:t>
-                      </a:r>
-                    </a:p>
-                  </a:txBody>
-                  <a:tcPr/>
-                </a:tc>
-                <a:tc>
-                  <a:txBody>
-                    <a:bodyPr/>
-                    <a:lstStyle/>
-                    <a:p>
-                      <a:r>
-                        <a:rPr lang="en-US" sz="1600" b="1" dirty="0"/>
-                        <a:t>3. Only at Slave Node</a:t>
-                      </a:r>
-                    </a:p>
-                  </a:txBody>
-                  <a:tcPr/>
-                </a:tc>
-                <a:extLst>
-                  <a:ext uri="{0D108BD9-81ED-4DB2-BD59-A6C34878D82A}">
-                    <a16:rowId xmlns:a16="http://schemas.microsoft.com/office/drawing/2014/main" val="3985273510"/>
-                  </a:ext>
-                </a:extLst>
-              </a:tr>
-              <a:tr h="360040">
-                <a:tc>
-                  <a:txBody>
-                    <a:bodyPr/>
-                    <a:lstStyle/>
-                    <a:p>
-                      <a:r>
-                        <a:rPr lang="en-US" sz="1400" b="0" dirty="0">
-                          <a:solidFill>
-                            <a:schemeClr val="tx1"/>
-                          </a:solidFill>
-                        </a:rPr>
-                        <a:t>1.1. Update Your Repository</a:t>
-                      </a:r>
-                    </a:p>
-                  </a:txBody>
-                  <a:tcPr/>
-                </a:tc>
-                <a:tc>
-                  <a:txBody>
-                    <a:bodyPr/>
-                    <a:lstStyle/>
-                    <a:p>
-                      <a:r>
-                        <a:rPr lang="en-US" sz="1400" dirty="0"/>
-                        <a:t>2.1. Initiate Kubernetes Cluster</a:t>
-                      </a:r>
-                    </a:p>
-                  </a:txBody>
-                  <a:tcPr/>
-                </a:tc>
-                <a:tc>
-                  <a:txBody>
-                    <a:bodyPr/>
-                    <a:lstStyle/>
-                    <a:p>
-                      <a:r>
-                        <a:rPr lang="en-US" sz="1400" dirty="0"/>
-                        <a:t>3.1 Join the Cluster</a:t>
-                      </a:r>
-                    </a:p>
-                  </a:txBody>
-                  <a:tcPr/>
-                </a:tc>
-                <a:extLst>
-                  <a:ext uri="{0D108BD9-81ED-4DB2-BD59-A6C34878D82A}">
-                    <a16:rowId xmlns:a16="http://schemas.microsoft.com/office/drawing/2014/main" val="3784679129"/>
-                  </a:ext>
-                </a:extLst>
-              </a:tr>
-              <a:tr h="314230">
-                <a:tc>
-                  <a:txBody>
-                    <a:bodyPr/>
-                    <a:lstStyle/>
-                    <a:p>
-                      <a:r>
-                        <a:rPr lang="en-US" sz="1400" b="0" dirty="0">
-                          <a:solidFill>
-                            <a:schemeClr val="tx1"/>
-                          </a:solidFill>
-                        </a:rPr>
-                        <a:t>1.2. Turn Off Swap Space </a:t>
-                      </a:r>
-                    </a:p>
-                  </a:txBody>
-                  <a:tcPr/>
-                </a:tc>
-                <a:tc>
-                  <a:txBody>
-                    <a:bodyPr/>
-                    <a:lstStyle/>
-                    <a:p>
-                      <a:r>
-                        <a:rPr lang="en-US" sz="1400" dirty="0"/>
-                        <a:t>2.2. Install the Pod Network</a:t>
-                      </a:r>
-                    </a:p>
-                  </a:txBody>
-                  <a:tcPr/>
-                </a:tc>
-                <a:tc>
-                  <a:txBody>
-                    <a:bodyPr/>
-                    <a:lstStyle/>
-                    <a:p>
-                      <a:endParaRPr lang="en-US" sz="1400" dirty="0"/>
-                    </a:p>
-                  </a:txBody>
-                  <a:tcPr/>
-                </a:tc>
-                <a:extLst>
-                  <a:ext uri="{0D108BD9-81ED-4DB2-BD59-A6C34878D82A}">
-                    <a16:rowId xmlns:a16="http://schemas.microsoft.com/office/drawing/2014/main" val="3880229666"/>
-                  </a:ext>
-                </a:extLst>
-              </a:tr>
-              <a:tr h="289528">
-                <a:tc>
-                  <a:txBody>
-                    <a:bodyPr/>
-                    <a:lstStyle/>
-                    <a:p>
-                      <a:r>
-                        <a:rPr lang="en-US" sz="1400" b="0" dirty="0">
-                          <a:solidFill>
-                            <a:schemeClr val="tx1"/>
-                          </a:solidFill>
-                        </a:rPr>
-                        <a:t>1.3. Update Hostname, Hosts, and Set Static IP</a:t>
-                      </a:r>
-                    </a:p>
-                  </a:txBody>
-                  <a:tcPr/>
-                </a:tc>
-                <a:tc>
-                  <a:txBody>
-                    <a:bodyPr/>
-                    <a:lstStyle/>
-                    <a:p>
-                      <a:r>
-                        <a:rPr lang="en-US" sz="1400" dirty="0"/>
-                        <a:t>2.3 Setup the Kubernetes Dashboard</a:t>
-                      </a:r>
-                    </a:p>
-                  </a:txBody>
-                  <a:tcPr/>
-                </a:tc>
-                <a:tc>
-                  <a:txBody>
-                    <a:bodyPr/>
-                    <a:lstStyle/>
-                    <a:p>
-                      <a:endParaRPr lang="en-US" sz="1400"/>
-                    </a:p>
-                  </a:txBody>
-                  <a:tcPr/>
-                </a:tc>
-                <a:extLst>
-                  <a:ext uri="{0D108BD9-81ED-4DB2-BD59-A6C34878D82A}">
-                    <a16:rowId xmlns:a16="http://schemas.microsoft.com/office/drawing/2014/main" val="3514002060"/>
-                  </a:ext>
-                </a:extLst>
-              </a:tr>
-              <a:tr h="314230">
-                <a:tc>
-                  <a:txBody>
-                    <a:bodyPr/>
-                    <a:lstStyle/>
-                    <a:p>
-                      <a:r>
-                        <a:rPr lang="en-US" sz="1400" b="1" dirty="0">
-                          <a:solidFill>
-                            <a:srgbClr val="C00000"/>
-                          </a:solidFill>
-                        </a:rPr>
-                        <a:t>1.4 Install OpenSSH Server and Docker</a:t>
-                      </a:r>
-                    </a:p>
-                  </a:txBody>
-                  <a:tcPr/>
-                </a:tc>
-                <a:tc>
-                  <a:txBody>
-                    <a:bodyPr/>
-                    <a:lstStyle/>
-                    <a:p>
-                      <a:endParaRPr lang="en-US" sz="1400"/>
-                    </a:p>
-                  </a:txBody>
-                  <a:tcPr/>
-                </a:tc>
-                <a:tc>
-                  <a:txBody>
-                    <a:bodyPr/>
-                    <a:lstStyle/>
-                    <a:p>
-                      <a:endParaRPr lang="en-US" sz="1400"/>
-                    </a:p>
-                  </a:txBody>
-                  <a:tcPr/>
-                </a:tc>
-                <a:extLst>
-                  <a:ext uri="{0D108BD9-81ED-4DB2-BD59-A6C34878D82A}">
-                    <a16:rowId xmlns:a16="http://schemas.microsoft.com/office/drawing/2014/main" val="3313130822"/>
-                  </a:ext>
-                </a:extLst>
-              </a:tr>
-              <a:tr h="439062">
-                <a:tc>
-                  <a:txBody>
-                    <a:bodyPr/>
-                    <a:lstStyle/>
-                    <a:p>
-                      <a:r>
-                        <a:rPr lang="en-US" sz="1400" b="0" dirty="0">
-                          <a:solidFill>
-                            <a:schemeClr val="tx1"/>
-                          </a:solidFill>
-                        </a:rPr>
-                        <a:t>1.5 Install Kubeadm, Kubelet, and Kubectl</a:t>
-                      </a:r>
-                    </a:p>
-                  </a:txBody>
-                  <a:tcPr/>
-                </a:tc>
-                <a:tc>
-                  <a:txBody>
-                    <a:bodyPr/>
-                    <a:lstStyle/>
-                    <a:p>
-                      <a:endParaRPr lang="en-US" sz="1400" dirty="0"/>
-                    </a:p>
-                  </a:txBody>
-                  <a:tcPr/>
-                </a:tc>
-                <a:tc>
-                  <a:txBody>
-                    <a:bodyPr/>
-                    <a:lstStyle/>
-                    <a:p>
-                      <a:endParaRPr lang="en-US" sz="1400" dirty="0"/>
-                    </a:p>
-                  </a:txBody>
-                  <a:tcPr/>
-                </a:tc>
-                <a:extLst>
-                  <a:ext uri="{0D108BD9-81ED-4DB2-BD59-A6C34878D82A}">
-                    <a16:rowId xmlns:a16="http://schemas.microsoft.com/office/drawing/2014/main" val="2111595079"/>
-                  </a:ext>
-                </a:extLst>
-              </a:tr>
-            </a:tbl>
-          </a:graphicData>
-        </a:graphic>
-      </p:graphicFrame>
-    </p:spTree>
-    <p:extLst>
-      <p:ext uri="{BB962C8B-B14F-4D97-AF65-F5344CB8AC3E}">
-        <p14:creationId xmlns:p14="http://schemas.microsoft.com/office/powerpoint/2010/main" val="2927280135"/>
-      </p:ext>
-    </p:extLst>
-  </p:cSld>
-  <p:clrMapOvr>
-    <a:masterClrMapping/>
-  </p:clrMapOvr>
-</p:sld>
-</file>
-
-<file path=ppt/slides/slide25.xml><?xml version="1.0" encoding="utf-8"?>
-<p:sld xmlns:a="http://schemas.openxmlformats.org/drawingml/2006/main" xmlns:r="http://schemas.openxmlformats.org/officeDocument/2006/relationships" xmlns:p="http://schemas.openxmlformats.org/presentationml/2006/main">
-  <p:cSld>
-    <p:spTree>
-      <p:nvGrpSpPr>
-        <p:cNvPr id="1" name=""/>
-        <p:cNvGrpSpPr/>
-        <p:nvPr/>
-      </p:nvGrpSpPr>
-      <p:grpSpPr>
-        <a:xfrm>
-          <a:off x="0" y="0"/>
-          <a:ext cx="0" cy="0"/>
-          <a:chOff x="0" y="0"/>
-          <a:chExt cx="0" cy="0"/>
-        </a:xfrm>
-      </p:grpSpPr>
-      <p:sp>
-        <p:nvSpPr>
-          <p:cNvPr id="2" name="標題 1"/>
-          <p:cNvSpPr>
-            <a:spLocks noGrp="1"/>
-          </p:cNvSpPr>
-          <p:nvPr>
-            <p:ph type="ctrTitle"/>
-          </p:nvPr>
-        </p:nvSpPr>
-        <p:spPr>
-          <a:xfrm>
-            <a:off x="0" y="1"/>
-            <a:ext cx="9144000" cy="764704"/>
-          </a:xfrm>
-          <a:gradFill flip="none" rotWithShape="1">
-            <a:gsLst>
-              <a:gs pos="0">
-                <a:srgbClr val="C00000">
-                  <a:shade val="30000"/>
-                  <a:satMod val="115000"/>
-                </a:srgbClr>
-              </a:gs>
-              <a:gs pos="50000">
-                <a:srgbClr val="C00000">
-                  <a:shade val="67500"/>
-                  <a:satMod val="115000"/>
-                </a:srgbClr>
-              </a:gs>
-              <a:gs pos="100000">
-                <a:srgbClr val="C00000">
-                  <a:shade val="100000"/>
-                  <a:satMod val="115000"/>
-                </a:srgbClr>
-              </a:gs>
-            </a:gsLst>
-            <a:path path="circle">
-              <a:fillToRect t="100000" r="100000"/>
-            </a:path>
-            <a:tileRect l="-100000" b="-100000"/>
-          </a:gradFill>
-        </p:spPr>
-        <p:txBody>
-          <a:bodyPr>
-            <a:normAutofit/>
-          </a:bodyPr>
-          <a:lstStyle/>
-          <a:p>
-            <a:pPr algn="l"/>
-            <a:r>
-              <a:rPr lang="en-US" altLang="zh-TW" sz="4400" b="1" dirty="0">
-                <a:solidFill>
-                  <a:srgbClr val="FFFF00"/>
-                </a:solidFill>
-              </a:rPr>
-              <a:t>1.4 Install OpenSSH Server and Docker </a:t>
-            </a:r>
-            <a:endParaRPr lang="zh-TW" altLang="en-US" b="1" dirty="0">
-              <a:solidFill>
-                <a:srgbClr val="FFFF00"/>
-              </a:solidFill>
-            </a:endParaRPr>
-          </a:p>
-        </p:txBody>
-      </p:sp>
-      <p:sp>
-        <p:nvSpPr>
-          <p:cNvPr id="3" name="副標題 2"/>
-          <p:cNvSpPr>
-            <a:spLocks noGrp="1"/>
-          </p:cNvSpPr>
-          <p:nvPr>
-            <p:ph type="subTitle" idx="1"/>
-          </p:nvPr>
-        </p:nvSpPr>
-        <p:spPr>
-          <a:xfrm>
-            <a:off x="145354" y="1248460"/>
-            <a:ext cx="4210622" cy="1892508"/>
-          </a:xfrm>
-          <a:ln>
-            <a:solidFill>
-              <a:srgbClr val="C00000"/>
-            </a:solidFill>
-          </a:ln>
-        </p:spPr>
-        <p:txBody>
-          <a:bodyPr>
-            <a:noAutofit/>
-          </a:bodyPr>
-          <a:lstStyle/>
-          <a:p>
-            <a:pPr marL="342900" indent="-342900" algn="l">
-              <a:buClr>
-                <a:srgbClr val="0070C0"/>
-              </a:buClr>
-              <a:buSzPct val="80000"/>
-              <a:buFont typeface="Wingdings" pitchFamily="2" charset="2"/>
-              <a:buChar char="u"/>
-            </a:pPr>
-            <a:r>
-              <a:rPr lang="en-US" sz="1800" b="1" i="0" dirty="0">
-                <a:solidFill>
-                  <a:srgbClr val="C00000"/>
-                </a:solidFill>
-                <a:effectLst/>
-              </a:rPr>
-              <a:t>Install the OpenSSH Server (7:48/27:56)</a:t>
-            </a:r>
-          </a:p>
-          <a:p>
-            <a:pPr marL="342900" indent="-342900" algn="l">
-              <a:buClr>
-                <a:srgbClr val="0070C0"/>
-              </a:buClr>
-              <a:buSzPct val="80000"/>
-              <a:buFont typeface="Wingdings" pitchFamily="2" charset="2"/>
-              <a:buChar char="u"/>
-            </a:pPr>
-            <a:r>
-              <a:rPr lang="en-US" sz="1800" dirty="0">
-                <a:solidFill>
-                  <a:srgbClr val="000000"/>
-                </a:solidFill>
-              </a:rPr>
-              <a:t>Now, we install openSSH</a:t>
-            </a:r>
-          </a:p>
-          <a:p>
-            <a:pPr marL="342900" indent="-342900" algn="l">
-              <a:buClr>
-                <a:srgbClr val="0070C0"/>
-              </a:buClr>
-              <a:buSzPct val="80000"/>
-              <a:buFont typeface="Wingdings" pitchFamily="2" charset="2"/>
-              <a:buChar char="u"/>
-            </a:pPr>
-            <a:r>
-              <a:rPr lang="en-US" sz="1800" dirty="0">
-                <a:solidFill>
-                  <a:srgbClr val="000000"/>
-                </a:solidFill>
-              </a:rPr>
-              <a:t>&gt; sudo su</a:t>
-            </a:r>
-          </a:p>
-          <a:p>
-            <a:pPr marL="342900" indent="-342900" algn="l">
-              <a:buClr>
-                <a:srgbClr val="0070C0"/>
-              </a:buClr>
-              <a:buSzPct val="80000"/>
-              <a:buFont typeface="Wingdings" pitchFamily="2" charset="2"/>
-              <a:buChar char="u"/>
-            </a:pPr>
-            <a:r>
-              <a:rPr lang="en-US" sz="1800" dirty="0">
-                <a:solidFill>
-                  <a:srgbClr val="000000"/>
-                </a:solidFill>
-              </a:rPr>
-              <a:t>&gt; apt-get install openssh-server</a:t>
-            </a:r>
-          </a:p>
-          <a:p>
-            <a:pPr marL="342900" indent="-342900" algn="l">
-              <a:buClr>
-                <a:srgbClr val="0070C0"/>
-              </a:buClr>
-              <a:buSzPct val="80000"/>
-              <a:buFont typeface="Wingdings" pitchFamily="2" charset="2"/>
-              <a:buChar char="u"/>
-            </a:pPr>
-            <a:r>
-              <a:rPr lang="en-US" sz="1800" dirty="0">
-                <a:solidFill>
-                  <a:srgbClr val="000000"/>
-                </a:solidFill>
-              </a:rPr>
-              <a:t>So, openSSH is installed right now.</a:t>
-            </a:r>
-          </a:p>
-        </p:txBody>
-      </p:sp>
-      <p:sp>
-        <p:nvSpPr>
-          <p:cNvPr id="4" name="標題 1"/>
-          <p:cNvSpPr txBox="1">
-            <a:spLocks/>
-          </p:cNvSpPr>
-          <p:nvPr/>
-        </p:nvSpPr>
-        <p:spPr>
-          <a:xfrm>
-            <a:off x="0" y="764704"/>
-            <a:ext cx="9144000" cy="360040"/>
-          </a:xfrm>
-          <a:prstGeom prst="rect">
-            <a:avLst/>
-          </a:prstGeom>
-          <a:gradFill flip="none" rotWithShape="1">
-            <a:gsLst>
-              <a:gs pos="0">
-                <a:srgbClr val="00B0F0">
-                  <a:shade val="30000"/>
-                  <a:satMod val="115000"/>
-                </a:srgbClr>
-              </a:gs>
-              <a:gs pos="50000">
-                <a:srgbClr val="00B0F0">
-                  <a:shade val="67500"/>
-                  <a:satMod val="115000"/>
-                </a:srgbClr>
-              </a:gs>
-              <a:gs pos="100000">
-                <a:srgbClr val="00B0F0">
-                  <a:shade val="100000"/>
-                  <a:satMod val="115000"/>
-                </a:srgbClr>
-              </a:gs>
-            </a:gsLst>
-            <a:path path="circle">
-              <a:fillToRect t="100000" r="100000"/>
-            </a:path>
-            <a:tileRect l="-100000" b="-100000"/>
-          </a:gradFill>
-        </p:spPr>
-        <p:txBody>
-          <a:bodyPr vert="horz" lIns="91440" tIns="45720" rIns="91440" bIns="45720" rtlCol="0" anchor="ctr">
-            <a:normAutofit/>
-          </a:bodyPr>
-          <a:lstStyle/>
-          <a:p>
-            <a:pPr lvl="0">
-              <a:spcBef>
-                <a:spcPct val="0"/>
-              </a:spcBef>
-            </a:pPr>
-            <a:r>
-              <a:rPr lang="en-US" sz="1600" dirty="0"/>
-              <a:t>https://www.youtube.com/watch?v=UWg3ORRRF60</a:t>
-            </a:r>
-            <a:endParaRPr kumimoji="0" lang="zh-TW" altLang="en-US" sz="1600" b="0" i="0" u="none" strike="noStrike" kern="1200" cap="none" spc="0" normalizeH="0" baseline="0" noProof="0" dirty="0">
-              <a:ln>
-                <a:noFill/>
-              </a:ln>
-              <a:solidFill>
-                <a:schemeClr val="tx1"/>
-              </a:solidFill>
-              <a:effectLst/>
-              <a:uLnTx/>
-              <a:uFillTx/>
-              <a:latin typeface="+mj-lt"/>
-              <a:ea typeface="+mj-ea"/>
-              <a:cs typeface="+mj-cs"/>
-            </a:endParaRPr>
-          </a:p>
-        </p:txBody>
-      </p:sp>
-      <p:sp>
-        <p:nvSpPr>
-          <p:cNvPr id="5" name="日期版面配置區 4"/>
-          <p:cNvSpPr>
-            <a:spLocks noGrp="1"/>
-          </p:cNvSpPr>
-          <p:nvPr>
-            <p:ph type="dt" sz="half" idx="10"/>
-          </p:nvPr>
-        </p:nvSpPr>
-        <p:spPr/>
-        <p:txBody>
-          <a:bodyPr/>
-          <a:lstStyle/>
-          <a:p>
-            <a:fld id="{A4F910E6-8D00-4BAF-8C48-9688E0B449D3}" type="datetime1">
-              <a:rPr lang="zh-TW" altLang="en-US" smtClean="0"/>
-              <a:pPr/>
-              <a:t>2022/11/17</a:t>
-            </a:fld>
-            <a:endParaRPr lang="zh-TW" altLang="en-US"/>
-          </a:p>
-        </p:txBody>
-      </p:sp>
-      <p:sp>
-        <p:nvSpPr>
-          <p:cNvPr id="6" name="投影片編號版面配置區 5"/>
-          <p:cNvSpPr>
-            <a:spLocks noGrp="1"/>
-          </p:cNvSpPr>
-          <p:nvPr>
-            <p:ph type="sldNum" sz="quarter" idx="12"/>
-          </p:nvPr>
-        </p:nvSpPr>
-        <p:spPr/>
-        <p:txBody>
-          <a:bodyPr/>
-          <a:lstStyle/>
-          <a:p>
-            <a:fld id="{E4D7E63D-91F2-4366-A2C4-1B00C9E2590E}" type="slidenum">
-              <a:rPr lang="zh-TW" altLang="en-US" smtClean="0"/>
-              <a:pPr/>
-              <a:t>25</a:t>
             </a:fld>
             <a:endParaRPr lang="zh-TW" altLang="en-US"/>
           </a:p>
@@ -14439,7 +10453,7 @@
 </p:sld>
 </file>
 
-<file path=ppt/slides/slide26.xml><?xml version="1.0" encoding="utf-8"?>
+<file path=ppt/slides/slide21.xml><?xml version="1.0" encoding="utf-8"?>
 <p:sld xmlns:a="http://schemas.openxmlformats.org/drawingml/2006/main" xmlns:r="http://schemas.openxmlformats.org/officeDocument/2006/relationships" xmlns:p="http://schemas.openxmlformats.org/presentationml/2006/main">
   <p:cSld>
     <p:spTree>
@@ -14811,7 +10825,7 @@
             <a:fld id="{A4F910E6-8D00-4BAF-8C48-9688E0B449D3}" type="datetime1">
               <a:rPr lang="zh-TW" altLang="en-US" smtClean="0"/>
               <a:pPr/>
-              <a:t>2022/11/17</a:t>
+              <a:t>2022/11/19</a:t>
             </a:fld>
             <a:endParaRPr lang="zh-TW" altLang="en-US"/>
           </a:p>
@@ -14835,7 +10849,7 @@
             <a:fld id="{E4D7E63D-91F2-4366-A2C4-1B00C9E2590E}" type="slidenum">
               <a:rPr lang="zh-TW" altLang="en-US" smtClean="0"/>
               <a:pPr/>
-              <a:t>26</a:t>
+              <a:t>21</a:t>
             </a:fld>
             <a:endParaRPr lang="zh-TW" altLang="en-US"/>
           </a:p>
@@ -14941,7 +10955,7 @@
 </p:sld>
 </file>
 
-<file path=ppt/slides/slide27.xml><?xml version="1.0" encoding="utf-8"?>
+<file path=ppt/slides/slide22.xml><?xml version="1.0" encoding="utf-8"?>
 <p:sld xmlns:a="http://schemas.openxmlformats.org/drawingml/2006/main" xmlns:r="http://schemas.openxmlformats.org/officeDocument/2006/relationships" xmlns:p="http://schemas.openxmlformats.org/presentationml/2006/main">
   <p:cSld>
     <p:spTree>
@@ -15017,7 +11031,7 @@
             <a:fld id="{C389EDC9-19E3-47AC-9C57-C6A24DEA81AD}" type="datetime1">
               <a:rPr lang="zh-TW" altLang="en-US" smtClean="0"/>
               <a:pPr/>
-              <a:t>2022/11/17</a:t>
+              <a:t>2022/11/19</a:t>
             </a:fld>
             <a:endParaRPr lang="zh-TW" altLang="en-US"/>
           </a:p>
@@ -15041,7 +11055,7 @@
             <a:fld id="{E4D7E63D-91F2-4366-A2C4-1B00C9E2590E}" type="slidenum">
               <a:rPr lang="zh-TW" altLang="en-US" smtClean="0"/>
               <a:pPr/>
-              <a:t>27</a:t>
+              <a:t>22</a:t>
             </a:fld>
             <a:endParaRPr lang="zh-TW" altLang="en-US"/>
           </a:p>
@@ -15090,7 +11104,7 @@
 </p:sld>
 </file>
 
-<file path=ppt/slides/slide28.xml><?xml version="1.0" encoding="utf-8"?>
+<file path=ppt/slides/slide23.xml><?xml version="1.0" encoding="utf-8"?>
 <p:sld xmlns:a="http://schemas.openxmlformats.org/drawingml/2006/main" xmlns:r="http://schemas.openxmlformats.org/officeDocument/2006/relationships" xmlns:p="http://schemas.openxmlformats.org/presentationml/2006/main">
   <p:cSld>
     <p:spTree>
@@ -15312,7 +11326,7 @@
             <a:fld id="{A4F910E6-8D00-4BAF-8C48-9688E0B449D3}" type="datetime1">
               <a:rPr lang="zh-TW" altLang="en-US" smtClean="0"/>
               <a:pPr/>
-              <a:t>2022/11/17</a:t>
+              <a:t>2022/11/19</a:t>
             </a:fld>
             <a:endParaRPr lang="zh-TW" altLang="en-US"/>
           </a:p>
@@ -15336,7 +11350,7 @@
             <a:fld id="{E4D7E63D-91F2-4366-A2C4-1B00C9E2590E}" type="slidenum">
               <a:rPr lang="zh-TW" altLang="en-US" smtClean="0"/>
               <a:pPr/>
-              <a:t>28</a:t>
+              <a:t>23</a:t>
             </a:fld>
             <a:endParaRPr lang="zh-TW" altLang="en-US"/>
           </a:p>
@@ -15734,7 +11748,7 @@
 </p:sld>
 </file>
 
-<file path=ppt/slides/slide29.xml><?xml version="1.0" encoding="utf-8"?>
+<file path=ppt/slides/slide24.xml><?xml version="1.0" encoding="utf-8"?>
 <p:sld xmlns:a="http://schemas.openxmlformats.org/drawingml/2006/main" xmlns:r="http://schemas.openxmlformats.org/officeDocument/2006/relationships" xmlns:p="http://schemas.openxmlformats.org/presentationml/2006/main">
   <p:cSld>
     <p:spTree>
@@ -16161,7 +12175,7 @@
             <a:fld id="{A4F910E6-8D00-4BAF-8C48-9688E0B449D3}" type="datetime1">
               <a:rPr lang="zh-TW" altLang="en-US" smtClean="0"/>
               <a:pPr/>
-              <a:t>2022/11/17</a:t>
+              <a:t>2022/11/19</a:t>
             </a:fld>
             <a:endParaRPr lang="zh-TW" altLang="en-US"/>
           </a:p>
@@ -16185,7 +12199,7 @@
             <a:fld id="{E4D7E63D-91F2-4366-A2C4-1B00C9E2590E}" type="slidenum">
               <a:rPr lang="zh-TW" altLang="en-US" smtClean="0"/>
               <a:pPr/>
-              <a:t>29</a:t>
+              <a:t>24</a:t>
             </a:fld>
             <a:endParaRPr lang="zh-TW" altLang="en-US"/>
           </a:p>
@@ -16430,156 +12444,7 @@
 </p:sld>
 </file>
 
-<file path=ppt/slides/slide3.xml><?xml version="1.0" encoding="utf-8"?>
-<p:sld xmlns:a="http://schemas.openxmlformats.org/drawingml/2006/main" xmlns:r="http://schemas.openxmlformats.org/officeDocument/2006/relationships" xmlns:p="http://schemas.openxmlformats.org/presentationml/2006/main">
-  <p:cSld>
-    <p:spTree>
-      <p:nvGrpSpPr>
-        <p:cNvPr id="1" name=""/>
-        <p:cNvGrpSpPr/>
-        <p:nvPr/>
-      </p:nvGrpSpPr>
-      <p:grpSpPr>
-        <a:xfrm>
-          <a:off x="0" y="0"/>
-          <a:ext cx="0" cy="0"/>
-          <a:chOff x="0" y="0"/>
-          <a:chExt cx="0" cy="0"/>
-        </a:xfrm>
-      </p:grpSpPr>
-      <p:sp>
-        <p:nvSpPr>
-          <p:cNvPr id="2" name="標題 1"/>
-          <p:cNvSpPr>
-            <a:spLocks noGrp="1"/>
-          </p:cNvSpPr>
-          <p:nvPr>
-            <p:ph type="ctrTitle"/>
-          </p:nvPr>
-        </p:nvSpPr>
-        <p:spPr>
-          <a:xfrm>
-            <a:off x="0" y="2130425"/>
-            <a:ext cx="9144000" cy="1470025"/>
-          </a:xfrm>
-          <a:solidFill>
-            <a:srgbClr val="00B0F0"/>
-          </a:solidFill>
-        </p:spPr>
-        <p:txBody>
-          <a:bodyPr>
-            <a:normAutofit fontScale="90000"/>
-          </a:bodyPr>
-          <a:lstStyle/>
-          <a:p>
-            <a:r>
-              <a:rPr lang="en-US" altLang="zh-TW" sz="4800" b="1" dirty="0">
-                <a:solidFill>
-                  <a:srgbClr val="FFFF00"/>
-                </a:solidFill>
-              </a:rPr>
-              <a:t>1.1 Update Your Repository: Master</a:t>
-            </a:r>
-            <a:endParaRPr lang="zh-TW" altLang="en-US" sz="4800" b="1" dirty="0">
-              <a:solidFill>
-                <a:srgbClr val="FFFF00"/>
-              </a:solidFill>
-            </a:endParaRPr>
-          </a:p>
-        </p:txBody>
-      </p:sp>
-      <p:sp>
-        <p:nvSpPr>
-          <p:cNvPr id="5" name="日期版面配置區 4"/>
-          <p:cNvSpPr>
-            <a:spLocks noGrp="1"/>
-          </p:cNvSpPr>
-          <p:nvPr>
-            <p:ph type="dt" sz="half" idx="10"/>
-          </p:nvPr>
-        </p:nvSpPr>
-        <p:spPr/>
-        <p:txBody>
-          <a:bodyPr/>
-          <a:lstStyle/>
-          <a:p>
-            <a:fld id="{C389EDC9-19E3-47AC-9C57-C6A24DEA81AD}" type="datetime1">
-              <a:rPr lang="zh-TW" altLang="en-US" smtClean="0"/>
-              <a:pPr/>
-              <a:t>2022/11/17</a:t>
-            </a:fld>
-            <a:endParaRPr lang="zh-TW" altLang="en-US"/>
-          </a:p>
-        </p:txBody>
-      </p:sp>
-      <p:sp>
-        <p:nvSpPr>
-          <p:cNvPr id="6" name="投影片編號版面配置區 5"/>
-          <p:cNvSpPr>
-            <a:spLocks noGrp="1"/>
-          </p:cNvSpPr>
-          <p:nvPr>
-            <p:ph type="sldNum" sz="quarter" idx="12"/>
-          </p:nvPr>
-        </p:nvSpPr>
-        <p:spPr/>
-        <p:txBody>
-          <a:bodyPr/>
-          <a:lstStyle/>
-          <a:p>
-            <a:fld id="{E4D7E63D-91F2-4366-A2C4-1B00C9E2590E}" type="slidenum">
-              <a:rPr lang="zh-TW" altLang="en-US" smtClean="0"/>
-              <a:pPr/>
-              <a:t>3</a:t>
-            </a:fld>
-            <a:endParaRPr lang="zh-TW" altLang="en-US"/>
-          </a:p>
-        </p:txBody>
-      </p:sp>
-      <p:pic>
-        <p:nvPicPr>
-          <p:cNvPr id="7" name="Picture 6">
-            <a:extLst>
-              <a:ext uri="{FF2B5EF4-FFF2-40B4-BE49-F238E27FC236}">
-                <a16:creationId xmlns:a16="http://schemas.microsoft.com/office/drawing/2014/main" id="{6BAFC81C-41D2-47DC-8418-60D9E99180AB}"/>
-              </a:ext>
-            </a:extLst>
-          </p:cNvPr>
-          <p:cNvPicPr>
-            <a:picLocks noChangeAspect="1"/>
-          </p:cNvPicPr>
-          <p:nvPr/>
-        </p:nvPicPr>
-        <p:blipFill>
-          <a:blip r:embed="rId2"/>
-          <a:stretch>
-            <a:fillRect/>
-          </a:stretch>
-        </p:blipFill>
-        <p:spPr>
-          <a:xfrm>
-            <a:off x="3923928" y="3640095"/>
-            <a:ext cx="992526" cy="944885"/>
-          </a:xfrm>
-          <a:prstGeom prst="rect">
-            <a:avLst/>
-          </a:prstGeom>
-        </p:spPr>
-      </p:pic>
-    </p:spTree>
-    <p:extLst>
-      <p:ext uri="{BB962C8B-B14F-4D97-AF65-F5344CB8AC3E}">
-        <p14:creationId xmlns:p14="http://schemas.microsoft.com/office/powerpoint/2010/main" val="70998585"/>
-      </p:ext>
-    </p:extLst>
-  </p:cSld>
-  <p:clrMapOvr>
-    <a:masterClrMapping/>
-  </p:clrMapOvr>
-</p:sld>
-</file>
-
-<file path=ppt/slides/slide30.xml><?xml version="1.0" encoding="utf-8"?>
+<file path=ppt/slides/slide25.xml><?xml version="1.0" encoding="utf-8"?>
 <p:sld xmlns:a="http://schemas.openxmlformats.org/drawingml/2006/main" xmlns:r="http://schemas.openxmlformats.org/officeDocument/2006/relationships" xmlns:p="http://schemas.openxmlformats.org/presentationml/2006/main">
   <p:cSld>
     <p:spTree>
@@ -16739,7 +12604,23 @@
                   <a:srgbClr val="000000"/>
                 </a:solidFill>
               </a:rPr>
-              <a:t>&gt; vi /etc/system/system/kubelet.service.d/10-kubeadm.conf</a:t>
+              <a:t>&gt; vi /etc</a:t>
+            </a:r>
+            <a:r>
+              <a:rPr lang="en-US" sz="1800">
+                <a:solidFill>
+                  <a:srgbClr val="000000"/>
+                </a:solidFill>
+              </a:rPr>
+              <a:t>/systemd/</a:t>
+            </a:r>
+            <a:r>
+              <a:rPr lang="en-US" sz="1800" dirty="0">
+                <a:solidFill>
+                  <a:srgbClr val="000000"/>
+                </a:solidFill>
+              </a:rPr>
+              <a:t>system/kubelet.service.d/10-kubeadm.conf</a:t>
             </a:r>
           </a:p>
           <a:p>
@@ -16878,7 +12759,7 @@
             <a:fld id="{A4F910E6-8D00-4BAF-8C48-9688E0B449D3}" type="datetime1">
               <a:rPr lang="zh-TW" altLang="en-US" smtClean="0"/>
               <a:pPr/>
-              <a:t>2022/11/17</a:t>
+              <a:t>2022/11/19</a:t>
             </a:fld>
             <a:endParaRPr lang="zh-TW" altLang="en-US"/>
           </a:p>
@@ -16902,7 +12783,7 @@
             <a:fld id="{E4D7E63D-91F2-4366-A2C4-1B00C9E2590E}" type="slidenum">
               <a:rPr lang="zh-TW" altLang="en-US" smtClean="0"/>
               <a:pPr/>
-              <a:t>30</a:t>
+              <a:t>25</a:t>
             </a:fld>
             <a:endParaRPr lang="zh-TW" altLang="en-US"/>
           </a:p>
@@ -17095,7 +12976,7 @@
 </p:sld>
 </file>
 
-<file path=ppt/slides/slide31.xml><?xml version="1.0" encoding="utf-8"?>
+<file path=ppt/slides/slide26.xml><?xml version="1.0" encoding="utf-8"?>
 <p:sld xmlns:a="http://schemas.openxmlformats.org/drawingml/2006/main" xmlns:r="http://schemas.openxmlformats.org/officeDocument/2006/relationships" xmlns:p="http://schemas.openxmlformats.org/presentationml/2006/main">
   <p:cSld>
     <p:spTree>
@@ -17394,7 +13275,7 @@
             <a:fld id="{A4F910E6-8D00-4BAF-8C48-9688E0B449D3}" type="datetime1">
               <a:rPr lang="zh-TW" altLang="en-US" smtClean="0"/>
               <a:pPr/>
-              <a:t>2022/11/17</a:t>
+              <a:t>2022/11/19</a:t>
             </a:fld>
             <a:endParaRPr lang="zh-TW" altLang="en-US"/>
           </a:p>
@@ -17418,7 +13299,7 @@
             <a:fld id="{E4D7E63D-91F2-4366-A2C4-1B00C9E2590E}" type="slidenum">
               <a:rPr lang="zh-TW" altLang="en-US" smtClean="0"/>
               <a:pPr/>
-              <a:t>31</a:t>
+              <a:t>26</a:t>
             </a:fld>
             <a:endParaRPr lang="zh-TW" altLang="en-US"/>
           </a:p>
@@ -17611,7 +13492,7 @@
 </p:sld>
 </file>
 
-<file path=ppt/slides/slide32.xml><?xml version="1.0" encoding="utf-8"?>
+<file path=ppt/slides/slide27.xml><?xml version="1.0" encoding="utf-8"?>
 <p:sld xmlns:a="http://schemas.openxmlformats.org/drawingml/2006/main" xmlns:r="http://schemas.openxmlformats.org/officeDocument/2006/relationships" xmlns:p="http://schemas.openxmlformats.org/presentationml/2006/main">
   <p:cSld>
     <p:spTree>
@@ -17856,7 +13737,7 @@
             <a:fld id="{A4F910E6-8D00-4BAF-8C48-9688E0B449D3}" type="datetime1">
               <a:rPr lang="zh-TW" altLang="en-US" smtClean="0"/>
               <a:pPr/>
-              <a:t>2022/11/17</a:t>
+              <a:t>2022/11/19</a:t>
             </a:fld>
             <a:endParaRPr lang="zh-TW" altLang="en-US"/>
           </a:p>
@@ -17880,7 +13761,7 @@
             <a:fld id="{E4D7E63D-91F2-4366-A2C4-1B00C9E2590E}" type="slidenum">
               <a:rPr lang="zh-TW" altLang="en-US" smtClean="0"/>
               <a:pPr/>
-              <a:t>32</a:t>
+              <a:t>27</a:t>
             </a:fld>
             <a:endParaRPr lang="zh-TW" altLang="en-US"/>
           </a:p>
@@ -17899,7 +13780,7 @@
 </p:sld>
 </file>
 
-<file path=ppt/slides/slide33.xml><?xml version="1.0" encoding="utf-8"?>
+<file path=ppt/slides/slide28.xml><?xml version="1.0" encoding="utf-8"?>
 <p:sld xmlns:a="http://schemas.openxmlformats.org/drawingml/2006/main" xmlns:r="http://schemas.openxmlformats.org/officeDocument/2006/relationships" xmlns:p="http://schemas.openxmlformats.org/presentationml/2006/main">
   <p:cSld>
     <p:spTree>
@@ -17998,7 +13879,7 @@
             <a:fld id="{4E46BE27-E923-4EC2-B046-3272AE2A3E5C}" type="datetime1">
               <a:rPr lang="zh-TW" altLang="en-US" smtClean="0"/>
               <a:pPr/>
-              <a:t>2022/11/17</a:t>
+              <a:t>2022/11/19</a:t>
             </a:fld>
             <a:endParaRPr lang="zh-TW" altLang="en-US"/>
           </a:p>
@@ -18022,13 +13903,162 @@
             <a:fld id="{E4D7E63D-91F2-4366-A2C4-1B00C9E2590E}" type="slidenum">
               <a:rPr lang="zh-TW" altLang="en-US" smtClean="0"/>
               <a:pPr/>
-              <a:t>33</a:t>
+              <a:t>28</a:t>
             </a:fld>
             <a:endParaRPr lang="zh-TW" altLang="en-US"/>
           </a:p>
         </p:txBody>
       </p:sp>
     </p:spTree>
+  </p:cSld>
+  <p:clrMapOvr>
+    <a:masterClrMapping/>
+  </p:clrMapOvr>
+</p:sld>
+</file>
+
+<file path=ppt/slides/slide3.xml><?xml version="1.0" encoding="utf-8"?>
+<p:sld xmlns:a="http://schemas.openxmlformats.org/drawingml/2006/main" xmlns:r="http://schemas.openxmlformats.org/officeDocument/2006/relationships" xmlns:p="http://schemas.openxmlformats.org/presentationml/2006/main">
+  <p:cSld>
+    <p:spTree>
+      <p:nvGrpSpPr>
+        <p:cNvPr id="1" name=""/>
+        <p:cNvGrpSpPr/>
+        <p:nvPr/>
+      </p:nvGrpSpPr>
+      <p:grpSpPr>
+        <a:xfrm>
+          <a:off x="0" y="0"/>
+          <a:ext cx="0" cy="0"/>
+          <a:chOff x="0" y="0"/>
+          <a:chExt cx="0" cy="0"/>
+        </a:xfrm>
+      </p:grpSpPr>
+      <p:sp>
+        <p:nvSpPr>
+          <p:cNvPr id="2" name="標題 1"/>
+          <p:cNvSpPr>
+            <a:spLocks noGrp="1"/>
+          </p:cNvSpPr>
+          <p:nvPr>
+            <p:ph type="ctrTitle"/>
+          </p:nvPr>
+        </p:nvSpPr>
+        <p:spPr>
+          <a:xfrm>
+            <a:off x="0" y="2130425"/>
+            <a:ext cx="9144000" cy="1470025"/>
+          </a:xfrm>
+          <a:solidFill>
+            <a:srgbClr val="00B0F0"/>
+          </a:solidFill>
+        </p:spPr>
+        <p:txBody>
+          <a:bodyPr>
+            <a:normAutofit fontScale="90000"/>
+          </a:bodyPr>
+          <a:lstStyle/>
+          <a:p>
+            <a:r>
+              <a:rPr lang="en-US" altLang="zh-TW" sz="4800" b="1" dirty="0">
+                <a:solidFill>
+                  <a:srgbClr val="FFFF00"/>
+                </a:solidFill>
+              </a:rPr>
+              <a:t>1.1 Update Your Repository: Master</a:t>
+            </a:r>
+            <a:endParaRPr lang="zh-TW" altLang="en-US" sz="4800" b="1" dirty="0">
+              <a:solidFill>
+                <a:srgbClr val="FFFF00"/>
+              </a:solidFill>
+            </a:endParaRPr>
+          </a:p>
+        </p:txBody>
+      </p:sp>
+      <p:sp>
+        <p:nvSpPr>
+          <p:cNvPr id="5" name="日期版面配置區 4"/>
+          <p:cNvSpPr>
+            <a:spLocks noGrp="1"/>
+          </p:cNvSpPr>
+          <p:nvPr>
+            <p:ph type="dt" sz="half" idx="10"/>
+          </p:nvPr>
+        </p:nvSpPr>
+        <p:spPr/>
+        <p:txBody>
+          <a:bodyPr/>
+          <a:lstStyle/>
+          <a:p>
+            <a:fld id="{C389EDC9-19E3-47AC-9C57-C6A24DEA81AD}" type="datetime1">
+              <a:rPr lang="zh-TW" altLang="en-US" smtClean="0"/>
+              <a:pPr/>
+              <a:t>2022/11/19</a:t>
+            </a:fld>
+            <a:endParaRPr lang="zh-TW" altLang="en-US"/>
+          </a:p>
+        </p:txBody>
+      </p:sp>
+      <p:sp>
+        <p:nvSpPr>
+          <p:cNvPr id="6" name="投影片編號版面配置區 5"/>
+          <p:cNvSpPr>
+            <a:spLocks noGrp="1"/>
+          </p:cNvSpPr>
+          <p:nvPr>
+            <p:ph type="sldNum" sz="quarter" idx="12"/>
+          </p:nvPr>
+        </p:nvSpPr>
+        <p:spPr/>
+        <p:txBody>
+          <a:bodyPr/>
+          <a:lstStyle/>
+          <a:p>
+            <a:fld id="{E4D7E63D-91F2-4366-A2C4-1B00C9E2590E}" type="slidenum">
+              <a:rPr lang="zh-TW" altLang="en-US" smtClean="0"/>
+              <a:pPr/>
+              <a:t>3</a:t>
+            </a:fld>
+            <a:endParaRPr lang="zh-TW" altLang="en-US"/>
+          </a:p>
+        </p:txBody>
+      </p:sp>
+      <p:pic>
+        <p:nvPicPr>
+          <p:cNvPr id="7" name="Picture 6">
+            <a:extLst>
+              <a:ext uri="{FF2B5EF4-FFF2-40B4-BE49-F238E27FC236}">
+                <a16:creationId xmlns:a16="http://schemas.microsoft.com/office/drawing/2014/main" id="{6BAFC81C-41D2-47DC-8418-60D9E99180AB}"/>
+              </a:ext>
+            </a:extLst>
+          </p:cNvPr>
+          <p:cNvPicPr>
+            <a:picLocks noChangeAspect="1"/>
+          </p:cNvPicPr>
+          <p:nvPr/>
+        </p:nvPicPr>
+        <p:blipFill>
+          <a:blip r:embed="rId2"/>
+          <a:stretch>
+            <a:fillRect/>
+          </a:stretch>
+        </p:blipFill>
+        <p:spPr>
+          <a:xfrm>
+            <a:off x="3923928" y="3640095"/>
+            <a:ext cx="992526" cy="944885"/>
+          </a:xfrm>
+          <a:prstGeom prst="rect">
+            <a:avLst/>
+          </a:prstGeom>
+        </p:spPr>
+      </p:pic>
+    </p:spTree>
+    <p:extLst>
+      <p:ext uri="{BB962C8B-B14F-4D97-AF65-F5344CB8AC3E}">
+        <p14:creationId xmlns:p14="http://schemas.microsoft.com/office/powerpoint/2010/main" val="70998585"/>
+      </p:ext>
+    </p:extLst>
   </p:cSld>
   <p:clrMapOvr>
     <a:masterClrMapping/>
@@ -18258,7 +14288,7 @@
             <a:fld id="{A4F910E6-8D00-4BAF-8C48-9688E0B449D3}" type="datetime1">
               <a:rPr lang="zh-TW" altLang="en-US" smtClean="0"/>
               <a:pPr/>
-              <a:t>2022/11/17</a:t>
+              <a:t>2022/11/19</a:t>
             </a:fld>
             <a:endParaRPr lang="zh-TW" altLang="en-US"/>
           </a:p>
@@ -18998,7 +15028,7 @@
             <a:fld id="{A4F910E6-8D00-4BAF-8C48-9688E0B449D3}" type="datetime1">
               <a:rPr lang="zh-TW" altLang="en-US" smtClean="0"/>
               <a:pPr/>
-              <a:t>2022/11/17</a:t>
+              <a:t>2022/11/19</a:t>
             </a:fld>
             <a:endParaRPr lang="zh-TW" altLang="en-US"/>
           </a:p>
@@ -19239,7 +15269,7 @@
             <a:fld id="{C389EDC9-19E3-47AC-9C57-C6A24DEA81AD}" type="datetime1">
               <a:rPr lang="zh-TW" altLang="en-US" smtClean="0"/>
               <a:pPr/>
-              <a:t>2022/11/17</a:t>
+              <a:t>2022/11/19</a:t>
             </a:fld>
             <a:endParaRPr lang="zh-TW" altLang="en-US"/>
           </a:p>
@@ -19534,7 +15564,7 @@
             <a:fld id="{A4F910E6-8D00-4BAF-8C48-9688E0B449D3}" type="datetime1">
               <a:rPr lang="zh-TW" altLang="en-US" smtClean="0"/>
               <a:pPr/>
-              <a:t>2022/11/17</a:t>
+              <a:t>2022/11/19</a:t>
             </a:fld>
             <a:endParaRPr lang="zh-TW" altLang="en-US"/>
           </a:p>
@@ -20352,7 +16382,7 @@
             <a:fld id="{A4F910E6-8D00-4BAF-8C48-9688E0B449D3}" type="datetime1">
               <a:rPr lang="zh-TW" altLang="en-US" smtClean="0"/>
               <a:pPr/>
-              <a:t>2022/11/17</a:t>
+              <a:t>2022/11/19</a:t>
             </a:fld>
             <a:endParaRPr lang="zh-TW" altLang="en-US"/>
           </a:p>
@@ -20645,7 +16675,7 @@
             <a:fld id="{C389EDC9-19E3-47AC-9C57-C6A24DEA81AD}" type="datetime1">
               <a:rPr lang="zh-TW" altLang="en-US" smtClean="0"/>
               <a:pPr/>
-              <a:t>2022/11/17</a:t>
+              <a:t>2022/11/19</a:t>
             </a:fld>
             <a:endParaRPr lang="zh-TW" altLang="en-US"/>
           </a:p>

--- a/001_01_Install_MS_P01_Master.pptx
+++ b/001_01_Install_MS_P01_Master.pptx
@@ -236,7 +236,7 @@
             <a:fld id="{6837EDA8-41C8-4B24-A206-13C08A65A6D7}" type="datetimeFigureOut">
               <a:rPr lang="zh-TW" altLang="en-US" smtClean="0"/>
               <a:pPr/>
-              <a:t>2022/11/19</a:t>
+              <a:t>2022/11/20</a:t>
             </a:fld>
             <a:endParaRPr lang="zh-TW" altLang="en-US"/>
           </a:p>
@@ -689,7 +689,7 @@
             <a:fld id="{8B85509C-BD4F-47BF-9B1E-FC2E949B3621}" type="datetime1">
               <a:rPr lang="zh-TW" altLang="en-US" smtClean="0"/>
               <a:pPr/>
-              <a:t>2022/11/19</a:t>
+              <a:t>2022/11/20</a:t>
             </a:fld>
             <a:endParaRPr lang="zh-TW" altLang="en-US"/>
           </a:p>
@@ -862,7 +862,7 @@
             <a:fld id="{42251B24-F787-4C15-8A0F-7AEC20C70069}" type="datetime1">
               <a:rPr lang="zh-TW" altLang="en-US" smtClean="0"/>
               <a:pPr/>
-              <a:t>2022/11/19</a:t>
+              <a:t>2022/11/20</a:t>
             </a:fld>
             <a:endParaRPr lang="zh-TW" altLang="en-US"/>
           </a:p>
@@ -1037,7 +1037,7 @@
             <a:fld id="{9CA0D33C-CE2B-45F1-B8D4-FFD1F131F331}" type="datetime1">
               <a:rPr lang="zh-TW" altLang="en-US" smtClean="0"/>
               <a:pPr/>
-              <a:t>2022/11/19</a:t>
+              <a:t>2022/11/20</a:t>
             </a:fld>
             <a:endParaRPr lang="zh-TW" altLang="en-US"/>
           </a:p>
@@ -1202,7 +1202,7 @@
             <a:fld id="{50B99440-D9EF-40CC-9B52-F6428D9B2C76}" type="datetime1">
               <a:rPr lang="zh-TW" altLang="en-US" smtClean="0"/>
               <a:pPr/>
-              <a:t>2022/11/19</a:t>
+              <a:t>2022/11/20</a:t>
             </a:fld>
             <a:endParaRPr lang="zh-TW" altLang="en-US"/>
           </a:p>
@@ -1444,7 +1444,7 @@
             <a:fld id="{0871BF52-5C6C-4959-8E27-CECB68D39FE4}" type="datetime1">
               <a:rPr lang="zh-TW" altLang="en-US" smtClean="0"/>
               <a:pPr/>
-              <a:t>2022/11/19</a:t>
+              <a:t>2022/11/20</a:t>
             </a:fld>
             <a:endParaRPr lang="zh-TW" altLang="en-US"/>
           </a:p>
@@ -1726,7 +1726,7 @@
             <a:fld id="{DF863F05-2DD9-4EB1-A827-12FD992DE9DC}" type="datetime1">
               <a:rPr lang="zh-TW" altLang="en-US" smtClean="0"/>
               <a:pPr/>
-              <a:t>2022/11/19</a:t>
+              <a:t>2022/11/20</a:t>
             </a:fld>
             <a:endParaRPr lang="zh-TW" altLang="en-US"/>
           </a:p>
@@ -2142,7 +2142,7 @@
             <a:fld id="{6339AF51-4491-4873-A096-75DB6CE47516}" type="datetime1">
               <a:rPr lang="zh-TW" altLang="en-US" smtClean="0"/>
               <a:pPr/>
-              <a:t>2022/11/19</a:t>
+              <a:t>2022/11/20</a:t>
             </a:fld>
             <a:endParaRPr lang="zh-TW" altLang="en-US"/>
           </a:p>
@@ -2256,7 +2256,7 @@
             <a:fld id="{EE4AD9C8-8B9E-40FF-ABE2-858AC2057BBB}" type="datetime1">
               <a:rPr lang="zh-TW" altLang="en-US" smtClean="0"/>
               <a:pPr/>
-              <a:t>2022/11/19</a:t>
+              <a:t>2022/11/20</a:t>
             </a:fld>
             <a:endParaRPr lang="zh-TW" altLang="en-US"/>
           </a:p>
@@ -2348,7 +2348,7 @@
             <a:fld id="{B4784999-BBBE-4BE4-A8D0-877E7D1D66CC}" type="datetime1">
               <a:rPr lang="zh-TW" altLang="en-US" smtClean="0"/>
               <a:pPr/>
-              <a:t>2022/11/19</a:t>
+              <a:t>2022/11/20</a:t>
             </a:fld>
             <a:endParaRPr lang="zh-TW" altLang="en-US"/>
           </a:p>
@@ -2620,7 +2620,7 @@
             <a:fld id="{E88D17E6-02BD-4944-B9FE-7BFCCBF83D48}" type="datetime1">
               <a:rPr lang="zh-TW" altLang="en-US" smtClean="0"/>
               <a:pPr/>
-              <a:t>2022/11/19</a:t>
+              <a:t>2022/11/20</a:t>
             </a:fld>
             <a:endParaRPr lang="zh-TW" altLang="en-US"/>
           </a:p>
@@ -2869,7 +2869,7 @@
             <a:fld id="{3C13E23D-1FEF-4D78-A3A3-3D6F2BB31954}" type="datetime1">
               <a:rPr lang="zh-TW" altLang="en-US" smtClean="0"/>
               <a:pPr/>
-              <a:t>2022/11/19</a:t>
+              <a:t>2022/11/20</a:t>
             </a:fld>
             <a:endParaRPr lang="zh-TW" altLang="en-US"/>
           </a:p>
@@ -3077,7 +3077,7 @@
             <a:fld id="{06197F35-AD6F-4594-8B50-334492D2E7E8}" type="datetime1">
               <a:rPr lang="zh-TW" altLang="en-US" smtClean="0"/>
               <a:pPr/>
-              <a:t>2022/11/19</a:t>
+              <a:t>2022/11/20</a:t>
             </a:fld>
             <a:endParaRPr lang="zh-TW" altLang="en-US"/>
           </a:p>
@@ -3538,7 +3538,7 @@
             <a:fld id="{C389EDC9-19E3-47AC-9C57-C6A24DEA81AD}" type="datetime1">
               <a:rPr lang="zh-TW" altLang="en-US" smtClean="0"/>
               <a:pPr/>
-              <a:t>2022/11/19</a:t>
+              <a:t>2022/11/20</a:t>
             </a:fld>
             <a:endParaRPr lang="zh-TW" altLang="en-US"/>
           </a:p>
@@ -3828,7 +3828,7 @@
             <a:fld id="{A4F910E6-8D00-4BAF-8C48-9688E0B449D3}" type="datetime1">
               <a:rPr lang="zh-TW" altLang="en-US" smtClean="0"/>
               <a:pPr/>
-              <a:t>2022/11/19</a:t>
+              <a:t>2022/11/20</a:t>
             </a:fld>
             <a:endParaRPr lang="zh-TW" altLang="en-US"/>
           </a:p>
@@ -4631,7 +4631,7 @@
             <a:fld id="{A4F910E6-8D00-4BAF-8C48-9688E0B449D3}" type="datetime1">
               <a:rPr lang="zh-TW" altLang="en-US" smtClean="0"/>
               <a:pPr/>
-              <a:t>2022/11/19</a:t>
+              <a:t>2022/11/20</a:t>
             </a:fld>
             <a:endParaRPr lang="zh-TW" altLang="en-US"/>
           </a:p>
@@ -5244,7 +5244,7 @@
             <a:fld id="{A4F910E6-8D00-4BAF-8C48-9688E0B449D3}" type="datetime1">
               <a:rPr lang="zh-TW" altLang="en-US" smtClean="0"/>
               <a:pPr/>
-              <a:t>2022/11/19</a:t>
+              <a:t>2022/11/20</a:t>
             </a:fld>
             <a:endParaRPr lang="zh-TW" altLang="en-US"/>
           </a:p>
@@ -5872,7 +5872,7 @@
             <a:fld id="{A4F910E6-8D00-4BAF-8C48-9688E0B449D3}" type="datetime1">
               <a:rPr lang="zh-TW" altLang="en-US" smtClean="0"/>
               <a:pPr/>
-              <a:t>2022/11/19</a:t>
+              <a:t>2022/11/20</a:t>
             </a:fld>
             <a:endParaRPr lang="zh-TW" altLang="en-US"/>
           </a:p>
@@ -6534,7 +6534,7 @@
             <a:fld id="{A4F910E6-8D00-4BAF-8C48-9688E0B449D3}" type="datetime1">
               <a:rPr lang="zh-TW" altLang="en-US" smtClean="0"/>
               <a:pPr/>
-              <a:t>2022/11/19</a:t>
+              <a:t>2022/11/20</a:t>
             </a:fld>
             <a:endParaRPr lang="zh-TW" altLang="en-US"/>
           </a:p>
@@ -6707,7 +6707,7 @@
         <p:spPr>
           <a:xfrm>
             <a:off x="297396" y="1262771"/>
-            <a:ext cx="2978460" cy="2310245"/>
+            <a:ext cx="2978460" cy="3246349"/>
           </a:xfrm>
           <a:ln>
             <a:solidFill>
@@ -6736,15 +6736,24 @@
                 </a:solidFill>
                 <a:effectLst/>
               </a:rPr>
-              <a:t>/etc/</a:t>
-            </a:r>
-            <a:r>
-              <a:rPr lang="en-US" sz="1800" b="1" dirty="0">
+              <a:t>/etc</a:t>
+            </a:r>
+            <a:r>
+              <a:rPr lang="en-US" sz="1800" b="1" i="0">
                 <a:solidFill>
                   <a:srgbClr val="C00000"/>
                 </a:solidFill>
+                <a:effectLst/>
               </a:rPr>
-              <a:t>hosts</a:t>
+              <a:t>/</a:t>
+            </a:r>
+            <a:r>
+              <a:rPr lang="en-US" sz="1800" b="1">
+                <a:solidFill>
+                  <a:srgbClr val="C00000"/>
+                </a:solidFill>
+              </a:rPr>
+              <a:t>hosts (15:23/27:56)</a:t>
             </a:r>
             <a:endParaRPr lang="en-US" sz="1800" b="1" i="0" dirty="0">
               <a:solidFill>
@@ -6804,7 +6813,7 @@
                   <a:srgbClr val="000000"/>
                 </a:solidFill>
               </a:rPr>
-              <a:t>&gt;&gt; # New Kmaster</a:t>
+              <a:t>&gt;&gt; # Kmaster</a:t>
             </a:r>
           </a:p>
           <a:p>
@@ -6823,6 +6832,60 @@
                 </a:solidFill>
               </a:rPr>
               <a:t>&gt;&gt; 192.168.1.3   kmaster</a:t>
+            </a:r>
+          </a:p>
+          <a:p>
+            <a:pPr marL="342900" indent="-342900" algn="l">
+              <a:buClr>
+                <a:srgbClr val="0070C0"/>
+              </a:buClr>
+              <a:buSzPct val="80000"/>
+              <a:buFont typeface="Wingdings" pitchFamily="2" charset="2"/>
+              <a:buChar char="u"/>
+            </a:pPr>
+            <a:r>
+              <a:rPr lang="en-US" sz="1800" dirty="0">
+                <a:solidFill>
+                  <a:srgbClr val="000000"/>
+                </a:solidFill>
+              </a:rPr>
+              <a:t>&gt;&gt; </a:t>
+            </a:r>
+          </a:p>
+          <a:p>
+            <a:pPr marL="342900" indent="-342900" algn="l">
+              <a:buClr>
+                <a:srgbClr val="0070C0"/>
+              </a:buClr>
+              <a:buSzPct val="80000"/>
+              <a:buFont typeface="Wingdings" pitchFamily="2" charset="2"/>
+              <a:buChar char="u"/>
+            </a:pPr>
+            <a:r>
+              <a:rPr lang="en-US" sz="1800" dirty="0">
+                <a:solidFill>
+                  <a:srgbClr val="000000"/>
+                </a:solidFill>
+              </a:rPr>
+              <a:t># knode1</a:t>
+            </a:r>
+          </a:p>
+          <a:p>
+            <a:pPr marL="342900" indent="-342900" algn="l">
+              <a:buClr>
+                <a:srgbClr val="0070C0"/>
+              </a:buClr>
+              <a:buSzPct val="80000"/>
+              <a:buFont typeface="Wingdings" pitchFamily="2" charset="2"/>
+              <a:buChar char="u"/>
+            </a:pPr>
+            <a:r>
+              <a:rPr lang="en-US" sz="1800" dirty="0">
+                <a:solidFill>
+                  <a:srgbClr val="000000"/>
+                </a:solidFill>
+              </a:rPr>
+              <a:t>&gt;&gt; 192.168.1.2 knode1</a:t>
             </a:r>
           </a:p>
           <a:p>
@@ -6953,7 +7016,7 @@
             <a:fld id="{A4F910E6-8D00-4BAF-8C48-9688E0B449D3}" type="datetime1">
               <a:rPr lang="zh-TW" altLang="en-US" smtClean="0"/>
               <a:pPr/>
-              <a:t>2022/11/19</a:t>
+              <a:t>2022/11/20</a:t>
             </a:fld>
             <a:endParaRPr lang="zh-TW" altLang="en-US"/>
           </a:p>
@@ -7072,10 +7135,10 @@
       </p:sp>
       <p:pic>
         <p:nvPicPr>
-          <p:cNvPr id="11" name="Picture 10">
+          <p:cNvPr id="10" name="Picture 9">
             <a:extLst>
               <a:ext uri="{FF2B5EF4-FFF2-40B4-BE49-F238E27FC236}">
-                <a16:creationId xmlns:a16="http://schemas.microsoft.com/office/drawing/2014/main" id="{4514513D-0B71-0CA4-CC56-FA670EFDD88A}"/>
+                <a16:creationId xmlns:a16="http://schemas.microsoft.com/office/drawing/2014/main" id="{C4908905-D706-B917-7DCE-860025B599C7}"/>
               </a:ext>
             </a:extLst>
           </p:cNvPr>
@@ -7092,20 +7155,25 @@
         </p:blipFill>
         <p:spPr>
           <a:xfrm>
-            <a:off x="3663888" y="895771"/>
-            <a:ext cx="6477000" cy="2524125"/>
+            <a:off x="4572000" y="3043982"/>
+            <a:ext cx="3381375" cy="1933575"/>
           </a:xfrm>
           <a:prstGeom prst="rect">
             <a:avLst/>
           </a:prstGeom>
+          <a:ln>
+            <a:solidFill>
+              <a:srgbClr val="C00000"/>
+            </a:solidFill>
+          </a:ln>
         </p:spPr>
       </p:pic>
       <p:sp>
         <p:nvSpPr>
-          <p:cNvPr id="12" name="Rectangle 11">
+          <p:cNvPr id="13" name="Rectangle 12">
             <a:extLst>
               <a:ext uri="{FF2B5EF4-FFF2-40B4-BE49-F238E27FC236}">
-                <a16:creationId xmlns:a16="http://schemas.microsoft.com/office/drawing/2014/main" id="{126BD519-9DEB-1162-7C28-4862F111EFB0}"/>
+                <a16:creationId xmlns:a16="http://schemas.microsoft.com/office/drawing/2014/main" id="{785DAB54-AD71-7168-6CE7-8D1A02D500F8}"/>
               </a:ext>
             </a:extLst>
           </p:cNvPr>
@@ -7114,8 +7182,8 @@
         </p:nvSpPr>
         <p:spPr>
           <a:xfrm>
-            <a:off x="3663888" y="1379303"/>
-            <a:ext cx="3384376" cy="649995"/>
+            <a:off x="4561047" y="3548038"/>
+            <a:ext cx="2232247" cy="720080"/>
           </a:xfrm>
           <a:prstGeom prst="rect">
             <a:avLst/>
@@ -7152,6 +7220,229 @@
           </a:p>
         </p:txBody>
       </p:sp>
+      <p:sp>
+        <p:nvSpPr>
+          <p:cNvPr id="14" name="Rectangle 13">
+            <a:extLst>
+              <a:ext uri="{FF2B5EF4-FFF2-40B4-BE49-F238E27FC236}">
+                <a16:creationId xmlns:a16="http://schemas.microsoft.com/office/drawing/2014/main" id="{D8ED2051-F718-F884-F87E-FE6861431978}"/>
+              </a:ext>
+            </a:extLst>
+          </p:cNvPr>
+          <p:cNvSpPr/>
+          <p:nvPr/>
+        </p:nvSpPr>
+        <p:spPr>
+          <a:xfrm>
+            <a:off x="586240" y="2276872"/>
+            <a:ext cx="2545601" cy="1800200"/>
+          </a:xfrm>
+          <a:prstGeom prst="rect">
+            <a:avLst/>
+          </a:prstGeom>
+          <a:noFill/>
+          <a:ln>
+            <a:solidFill>
+              <a:srgbClr val="C00000"/>
+            </a:solidFill>
+          </a:ln>
+        </p:spPr>
+        <p:style>
+          <a:lnRef idx="2">
+            <a:schemeClr val="accent1">
+              <a:shade val="50000"/>
+            </a:schemeClr>
+          </a:lnRef>
+          <a:fillRef idx="1">
+            <a:schemeClr val="accent1"/>
+          </a:fillRef>
+          <a:effectRef idx="0">
+            <a:schemeClr val="accent1"/>
+          </a:effectRef>
+          <a:fontRef idx="minor">
+            <a:schemeClr val="lt1"/>
+          </a:fontRef>
+        </p:style>
+        <p:txBody>
+          <a:bodyPr rtlCol="0" anchor="ctr"/>
+          <a:lstStyle/>
+          <a:p>
+            <a:pPr algn="ctr"/>
+            <a:endParaRPr lang="en-US"/>
+          </a:p>
+        </p:txBody>
+      </p:sp>
+      <p:cxnSp>
+        <p:nvCxnSpPr>
+          <p:cNvPr id="16" name="Straight Arrow Connector 15">
+            <a:extLst>
+              <a:ext uri="{FF2B5EF4-FFF2-40B4-BE49-F238E27FC236}">
+                <a16:creationId xmlns:a16="http://schemas.microsoft.com/office/drawing/2014/main" id="{6C001E6A-3928-9080-CF57-D5A15AA39992}"/>
+              </a:ext>
+            </a:extLst>
+          </p:cNvPr>
+          <p:cNvCxnSpPr>
+            <a:stCxn id="14" idx="3"/>
+            <a:endCxn id="13" idx="1"/>
+          </p:cNvCxnSpPr>
+          <p:nvPr/>
+        </p:nvCxnSpPr>
+        <p:spPr>
+          <a:xfrm>
+            <a:off x="3131841" y="3176972"/>
+            <a:ext cx="1429206" cy="731106"/>
+          </a:xfrm>
+          <a:prstGeom prst="straightConnector1">
+            <a:avLst/>
+          </a:prstGeom>
+          <a:ln>
+            <a:tailEnd type="triangle"/>
+          </a:ln>
+        </p:spPr>
+        <p:style>
+          <a:lnRef idx="1">
+            <a:schemeClr val="accent2"/>
+          </a:lnRef>
+          <a:fillRef idx="0">
+            <a:schemeClr val="accent2"/>
+          </a:fillRef>
+          <a:effectRef idx="0">
+            <a:schemeClr val="accent2"/>
+          </a:effectRef>
+          <a:fontRef idx="minor">
+            <a:schemeClr val="tx1"/>
+          </a:fontRef>
+        </p:style>
+      </p:cxnSp>
+      <p:pic>
+        <p:nvPicPr>
+          <p:cNvPr id="17" name="Picture 16">
+            <a:extLst>
+              <a:ext uri="{FF2B5EF4-FFF2-40B4-BE49-F238E27FC236}">
+                <a16:creationId xmlns:a16="http://schemas.microsoft.com/office/drawing/2014/main" id="{A4232073-B637-3D86-6CED-978E9EB8146C}"/>
+              </a:ext>
+            </a:extLst>
+          </p:cNvPr>
+          <p:cNvPicPr>
+            <a:picLocks noChangeAspect="1"/>
+          </p:cNvPicPr>
+          <p:nvPr/>
+        </p:nvPicPr>
+        <p:blipFill>
+          <a:blip r:embed="rId4"/>
+          <a:stretch>
+            <a:fillRect/>
+          </a:stretch>
+        </p:blipFill>
+        <p:spPr>
+          <a:xfrm>
+            <a:off x="4550905" y="1164022"/>
+            <a:ext cx="3333750" cy="1647825"/>
+          </a:xfrm>
+          <a:prstGeom prst="rect">
+            <a:avLst/>
+          </a:prstGeom>
+          <a:ln>
+            <a:solidFill>
+              <a:srgbClr val="C00000"/>
+            </a:solidFill>
+          </a:ln>
+        </p:spPr>
+      </p:pic>
+      <p:sp>
+        <p:nvSpPr>
+          <p:cNvPr id="18" name="Rectangle 17">
+            <a:extLst>
+              <a:ext uri="{FF2B5EF4-FFF2-40B4-BE49-F238E27FC236}">
+                <a16:creationId xmlns:a16="http://schemas.microsoft.com/office/drawing/2014/main" id="{47FCB134-9F95-CC05-2D91-5D877B632108}"/>
+              </a:ext>
+            </a:extLst>
+          </p:cNvPr>
+          <p:cNvSpPr/>
+          <p:nvPr/>
+        </p:nvSpPr>
+        <p:spPr>
+          <a:xfrm>
+            <a:off x="4550905" y="1772816"/>
+            <a:ext cx="1749287" cy="385018"/>
+          </a:xfrm>
+          <a:prstGeom prst="rect">
+            <a:avLst/>
+          </a:prstGeom>
+          <a:noFill/>
+          <a:ln>
+            <a:solidFill>
+              <a:srgbClr val="C00000"/>
+            </a:solidFill>
+          </a:ln>
+        </p:spPr>
+        <p:style>
+          <a:lnRef idx="2">
+            <a:schemeClr val="accent1">
+              <a:shade val="50000"/>
+            </a:schemeClr>
+          </a:lnRef>
+          <a:fillRef idx="1">
+            <a:schemeClr val="accent1"/>
+          </a:fillRef>
+          <a:effectRef idx="0">
+            <a:schemeClr val="accent1"/>
+          </a:effectRef>
+          <a:fontRef idx="minor">
+            <a:schemeClr val="lt1"/>
+          </a:fontRef>
+        </p:style>
+        <p:txBody>
+          <a:bodyPr rtlCol="0" anchor="ctr"/>
+          <a:lstStyle/>
+          <a:p>
+            <a:pPr algn="ctr"/>
+            <a:endParaRPr lang="en-US"/>
+          </a:p>
+        </p:txBody>
+      </p:sp>
+      <p:cxnSp>
+        <p:nvCxnSpPr>
+          <p:cNvPr id="20" name="Straight Arrow Connector 19">
+            <a:extLst>
+              <a:ext uri="{FF2B5EF4-FFF2-40B4-BE49-F238E27FC236}">
+                <a16:creationId xmlns:a16="http://schemas.microsoft.com/office/drawing/2014/main" id="{A1F41DB7-D83E-315F-C6AA-0079A8AFD246}"/>
+              </a:ext>
+            </a:extLst>
+          </p:cNvPr>
+          <p:cNvCxnSpPr>
+            <a:stCxn id="18" idx="1"/>
+            <a:endCxn id="14" idx="3"/>
+          </p:cNvCxnSpPr>
+          <p:nvPr/>
+        </p:nvCxnSpPr>
+        <p:spPr>
+          <a:xfrm flipH="1">
+            <a:off x="3131841" y="1965325"/>
+            <a:ext cx="1419064" cy="1211647"/>
+          </a:xfrm>
+          <a:prstGeom prst="straightConnector1">
+            <a:avLst/>
+          </a:prstGeom>
+          <a:ln>
+            <a:tailEnd type="triangle"/>
+          </a:ln>
+        </p:spPr>
+        <p:style>
+          <a:lnRef idx="1">
+            <a:schemeClr val="accent2"/>
+          </a:lnRef>
+          <a:fillRef idx="0">
+            <a:schemeClr val="accent2"/>
+          </a:fillRef>
+          <a:effectRef idx="0">
+            <a:schemeClr val="accent2"/>
+          </a:effectRef>
+          <a:fontRef idx="minor">
+            <a:schemeClr val="tx1"/>
+          </a:fontRef>
+        </p:style>
+      </p:cxnSp>
     </p:spTree>
     <p:extLst>
       <p:ext uri="{BB962C8B-B14F-4D97-AF65-F5344CB8AC3E}">
@@ -7529,7 +7820,7 @@
             <a:fld id="{A4F910E6-8D00-4BAF-8C48-9688E0B449D3}" type="datetime1">
               <a:rPr lang="zh-TW" altLang="en-US" smtClean="0"/>
               <a:pPr/>
-              <a:t>2022/11/19</a:t>
+              <a:t>2022/11/20</a:t>
             </a:fld>
             <a:endParaRPr lang="zh-TW" altLang="en-US"/>
           </a:p>
@@ -8145,7 +8436,7 @@
             <a:fld id="{A4F910E6-8D00-4BAF-8C48-9688E0B449D3}" type="datetime1">
               <a:rPr lang="zh-TW" altLang="en-US" smtClean="0"/>
               <a:pPr/>
-              <a:t>2022/11/19</a:t>
+              <a:t>2022/11/20</a:t>
             </a:fld>
             <a:endParaRPr lang="zh-TW" altLang="en-US"/>
           </a:p>
@@ -8525,7 +8816,7 @@
             <a:fld id="{C389EDC9-19E3-47AC-9C57-C6A24DEA81AD}" type="datetime1">
               <a:rPr lang="zh-TW" altLang="en-US" smtClean="0"/>
               <a:pPr/>
-              <a:t>2022/11/19</a:t>
+              <a:t>2022/11/20</a:t>
             </a:fld>
             <a:endParaRPr lang="zh-TW" altLang="en-US"/>
           </a:p>
@@ -8820,7 +9111,7 @@
             <a:fld id="{A4F910E6-8D00-4BAF-8C48-9688E0B449D3}" type="datetime1">
               <a:rPr lang="zh-TW" altLang="en-US" smtClean="0"/>
               <a:pPr/>
-              <a:t>2022/11/19</a:t>
+              <a:t>2022/11/20</a:t>
             </a:fld>
             <a:endParaRPr lang="zh-TW" altLang="en-US"/>
           </a:p>
@@ -9624,7 +9915,7 @@
             <a:fld id="{A4F910E6-8D00-4BAF-8C48-9688E0B449D3}" type="datetime1">
               <a:rPr lang="zh-TW" altLang="en-US" smtClean="0"/>
               <a:pPr/>
-              <a:t>2022/11/19</a:t>
+              <a:t>2022/11/20</a:t>
             </a:fld>
             <a:endParaRPr lang="zh-TW" altLang="en-US"/>
           </a:p>
@@ -10340,7 +10631,7 @@
             <a:fld id="{A4F910E6-8D00-4BAF-8C48-9688E0B449D3}" type="datetime1">
               <a:rPr lang="zh-TW" altLang="en-US" smtClean="0"/>
               <a:pPr/>
-              <a:t>2022/11/19</a:t>
+              <a:t>2022/11/20</a:t>
             </a:fld>
             <a:endParaRPr lang="zh-TW" altLang="en-US"/>
           </a:p>
@@ -10825,7 +11116,7 @@
             <a:fld id="{A4F910E6-8D00-4BAF-8C48-9688E0B449D3}" type="datetime1">
               <a:rPr lang="zh-TW" altLang="en-US" smtClean="0"/>
               <a:pPr/>
-              <a:t>2022/11/19</a:t>
+              <a:t>2022/11/20</a:t>
             </a:fld>
             <a:endParaRPr lang="zh-TW" altLang="en-US"/>
           </a:p>
@@ -11031,7 +11322,7 @@
             <a:fld id="{C389EDC9-19E3-47AC-9C57-C6A24DEA81AD}" type="datetime1">
               <a:rPr lang="zh-TW" altLang="en-US" smtClean="0"/>
               <a:pPr/>
-              <a:t>2022/11/19</a:t>
+              <a:t>2022/11/20</a:t>
             </a:fld>
             <a:endParaRPr lang="zh-TW" altLang="en-US"/>
           </a:p>
@@ -11326,7 +11617,7 @@
             <a:fld id="{A4F910E6-8D00-4BAF-8C48-9688E0B449D3}" type="datetime1">
               <a:rPr lang="zh-TW" altLang="en-US" smtClean="0"/>
               <a:pPr/>
-              <a:t>2022/11/19</a:t>
+              <a:t>2022/11/20</a:t>
             </a:fld>
             <a:endParaRPr lang="zh-TW" altLang="en-US"/>
           </a:p>
@@ -12175,7 +12466,7 @@
             <a:fld id="{A4F910E6-8D00-4BAF-8C48-9688E0B449D3}" type="datetime1">
               <a:rPr lang="zh-TW" altLang="en-US" smtClean="0"/>
               <a:pPr/>
-              <a:t>2022/11/19</a:t>
+              <a:t>2022/11/20</a:t>
             </a:fld>
             <a:endParaRPr lang="zh-TW" altLang="en-US"/>
           </a:p>
@@ -12759,7 +13050,7 @@
             <a:fld id="{A4F910E6-8D00-4BAF-8C48-9688E0B449D3}" type="datetime1">
               <a:rPr lang="zh-TW" altLang="en-US" smtClean="0"/>
               <a:pPr/>
-              <a:t>2022/11/19</a:t>
+              <a:t>2022/11/20</a:t>
             </a:fld>
             <a:endParaRPr lang="zh-TW" altLang="en-US"/>
           </a:p>
@@ -13275,7 +13566,7 @@
             <a:fld id="{A4F910E6-8D00-4BAF-8C48-9688E0B449D3}" type="datetime1">
               <a:rPr lang="zh-TW" altLang="en-US" smtClean="0"/>
               <a:pPr/>
-              <a:t>2022/11/19</a:t>
+              <a:t>2022/11/20</a:t>
             </a:fld>
             <a:endParaRPr lang="zh-TW" altLang="en-US"/>
           </a:p>
@@ -13737,7 +14028,7 @@
             <a:fld id="{A4F910E6-8D00-4BAF-8C48-9688E0B449D3}" type="datetime1">
               <a:rPr lang="zh-TW" altLang="en-US" smtClean="0"/>
               <a:pPr/>
-              <a:t>2022/11/19</a:t>
+              <a:t>2022/11/20</a:t>
             </a:fld>
             <a:endParaRPr lang="zh-TW" altLang="en-US"/>
           </a:p>
@@ -13879,7 +14170,7 @@
             <a:fld id="{4E46BE27-E923-4EC2-B046-3272AE2A3E5C}" type="datetime1">
               <a:rPr lang="zh-TW" altLang="en-US" smtClean="0"/>
               <a:pPr/>
-              <a:t>2022/11/19</a:t>
+              <a:t>2022/11/20</a:t>
             </a:fld>
             <a:endParaRPr lang="zh-TW" altLang="en-US"/>
           </a:p>
@@ -13993,7 +14284,7 @@
             <a:fld id="{C389EDC9-19E3-47AC-9C57-C6A24DEA81AD}" type="datetime1">
               <a:rPr lang="zh-TW" altLang="en-US" smtClean="0"/>
               <a:pPr/>
-              <a:t>2022/11/19</a:t>
+              <a:t>2022/11/20</a:t>
             </a:fld>
             <a:endParaRPr lang="zh-TW" altLang="en-US"/>
           </a:p>
@@ -14288,7 +14579,7 @@
             <a:fld id="{A4F910E6-8D00-4BAF-8C48-9688E0B449D3}" type="datetime1">
               <a:rPr lang="zh-TW" altLang="en-US" smtClean="0"/>
               <a:pPr/>
-              <a:t>2022/11/19</a:t>
+              <a:t>2022/11/20</a:t>
             </a:fld>
             <a:endParaRPr lang="zh-TW" altLang="en-US"/>
           </a:p>
@@ -15028,7 +15319,7 @@
             <a:fld id="{A4F910E6-8D00-4BAF-8C48-9688E0B449D3}" type="datetime1">
               <a:rPr lang="zh-TW" altLang="en-US" smtClean="0"/>
               <a:pPr/>
-              <a:t>2022/11/19</a:t>
+              <a:t>2022/11/20</a:t>
             </a:fld>
             <a:endParaRPr lang="zh-TW" altLang="en-US"/>
           </a:p>
@@ -15269,7 +15560,7 @@
             <a:fld id="{C389EDC9-19E3-47AC-9C57-C6A24DEA81AD}" type="datetime1">
               <a:rPr lang="zh-TW" altLang="en-US" smtClean="0"/>
               <a:pPr/>
-              <a:t>2022/11/19</a:t>
+              <a:t>2022/11/20</a:t>
             </a:fld>
             <a:endParaRPr lang="zh-TW" altLang="en-US"/>
           </a:p>
@@ -15564,7 +15855,7 @@
             <a:fld id="{A4F910E6-8D00-4BAF-8C48-9688E0B449D3}" type="datetime1">
               <a:rPr lang="zh-TW" altLang="en-US" smtClean="0"/>
               <a:pPr/>
-              <a:t>2022/11/19</a:t>
+              <a:t>2022/11/20</a:t>
             </a:fld>
             <a:endParaRPr lang="zh-TW" altLang="en-US"/>
           </a:p>
@@ -16382,7 +16673,7 @@
             <a:fld id="{A4F910E6-8D00-4BAF-8C48-9688E0B449D3}" type="datetime1">
               <a:rPr lang="zh-TW" altLang="en-US" smtClean="0"/>
               <a:pPr/>
-              <a:t>2022/11/19</a:t>
+              <a:t>2022/11/20</a:t>
             </a:fld>
             <a:endParaRPr lang="zh-TW" altLang="en-US"/>
           </a:p>
@@ -16675,7 +16966,7 @@
             <a:fld id="{C389EDC9-19E3-47AC-9C57-C6A24DEA81AD}" type="datetime1">
               <a:rPr lang="zh-TW" altLang="en-US" smtClean="0"/>
               <a:pPr/>
-              <a:t>2022/11/19</a:t>
+              <a:t>2022/11/20</a:t>
             </a:fld>
             <a:endParaRPr lang="zh-TW" altLang="en-US"/>
           </a:p>

--- a/001_01_Install_MS_P01_Master.pptx
+++ b/001_01_Install_MS_P01_Master.pptx
@@ -88,7 +88,7 @@
         <p:txBody>
           <a:bodyPr/>
           <a:p>
-            <a:fld id="{8DB815B0-51DB-4994-A0A6-EC4824609E28}" type="slidenum">
+            <a:fld id="{5974FD78-54F0-4B80-8224-C862990C030B}" type="slidenum">
               <a:t>&lt;#&gt;</a:t>
             </a:fld>
           </a:p>
@@ -149,8 +149,8 @@
         </p:nvSpPr>
         <p:spPr>
           <a:xfrm>
-            <a:off x="685800" y="2130480"/>
-            <a:ext cx="7771320" cy="1468800"/>
+            <a:off x="457200" y="273600"/>
+            <a:ext cx="8229240" cy="1144800"/>
           </a:xfrm>
           <a:prstGeom prst="rect">
             <a:avLst/>
@@ -187,7 +187,7 @@
         <p:spPr>
           <a:xfrm>
             <a:off x="457200" y="1604520"/>
-            <a:ext cx="8228880" cy="1896840"/>
+            <a:ext cx="8229240" cy="1896840"/>
           </a:xfrm>
           <a:prstGeom prst="rect">
             <a:avLst/>
@@ -221,7 +221,7 @@
         <p:spPr>
           <a:xfrm>
             <a:off x="457200" y="3682080"/>
-            <a:ext cx="8228880" cy="1896840"/>
+            <a:ext cx="8229240" cy="1896840"/>
           </a:xfrm>
           <a:prstGeom prst="rect">
             <a:avLst/>
@@ -276,7 +276,7 @@
         <p:txBody>
           <a:bodyPr/>
           <a:p>
-            <a:fld id="{1A34757D-2D68-467A-882C-12C8F2ABCB8A}" type="slidenum">
+            <a:fld id="{3F7CBB9D-4809-4B90-90B8-3157516B27F5}" type="slidenum">
               <a:t>&lt;#&gt;</a:t>
             </a:fld>
           </a:p>
@@ -337,8 +337,8 @@
         </p:nvSpPr>
         <p:spPr>
           <a:xfrm>
-            <a:off x="685800" y="2130480"/>
-            <a:ext cx="7771320" cy="1468800"/>
+            <a:off x="457200" y="273600"/>
+            <a:ext cx="8229240" cy="1144800"/>
           </a:xfrm>
           <a:prstGeom prst="rect">
             <a:avLst/>
@@ -375,7 +375,7 @@
         <p:spPr>
           <a:xfrm>
             <a:off x="457200" y="1604520"/>
-            <a:ext cx="4015440" cy="1896840"/>
+            <a:ext cx="4015800" cy="1896840"/>
           </a:xfrm>
           <a:prstGeom prst="rect">
             <a:avLst/>
@@ -408,8 +408,8 @@
         </p:nvSpPr>
         <p:spPr>
           <a:xfrm>
-            <a:off x="4673880" y="1604520"/>
-            <a:ext cx="4015440" cy="1896840"/>
+            <a:off x="4674240" y="1604520"/>
+            <a:ext cx="4015800" cy="1896840"/>
           </a:xfrm>
           <a:prstGeom prst="rect">
             <a:avLst/>
@@ -443,7 +443,7 @@
         <p:spPr>
           <a:xfrm>
             <a:off x="457200" y="3682080"/>
-            <a:ext cx="4015440" cy="1896840"/>
+            <a:ext cx="4015800" cy="1896840"/>
           </a:xfrm>
           <a:prstGeom prst="rect">
             <a:avLst/>
@@ -476,8 +476,8 @@
         </p:nvSpPr>
         <p:spPr>
           <a:xfrm>
-            <a:off x="4673880" y="3682080"/>
-            <a:ext cx="4015440" cy="1896840"/>
+            <a:off x="4674240" y="3682080"/>
+            <a:ext cx="4015800" cy="1896840"/>
           </a:xfrm>
           <a:prstGeom prst="rect">
             <a:avLst/>
@@ -532,7 +532,7 @@
         <p:txBody>
           <a:bodyPr/>
           <a:p>
-            <a:fld id="{5065A3BB-FBE0-44FC-BF64-448ED5BC09E2}" type="slidenum">
+            <a:fld id="{0AB0C870-06C6-447D-9C5E-5FAEEC81ACE0}" type="slidenum">
               <a:t>&lt;#&gt;</a:t>
             </a:fld>
           </a:p>
@@ -593,8 +593,8 @@
         </p:nvSpPr>
         <p:spPr>
           <a:xfrm>
-            <a:off x="685800" y="2130480"/>
-            <a:ext cx="7771320" cy="1468800"/>
+            <a:off x="457200" y="273600"/>
+            <a:ext cx="8229240" cy="1144800"/>
           </a:xfrm>
           <a:prstGeom prst="rect">
             <a:avLst/>
@@ -856,7 +856,7 @@
         <p:txBody>
           <a:bodyPr/>
           <a:p>
-            <a:fld id="{140CCEFE-D3B4-4340-922B-E35C99D7AAA6}" type="slidenum">
+            <a:fld id="{5C44C238-1C35-4A24-990D-B3858E073E22}" type="slidenum">
               <a:t>&lt;#&gt;</a:t>
             </a:fld>
           </a:p>
@@ -917,8 +917,8 @@
         </p:nvSpPr>
         <p:spPr>
           <a:xfrm>
-            <a:off x="685800" y="2130480"/>
-            <a:ext cx="7771320" cy="1468800"/>
+            <a:off x="457200" y="273600"/>
+            <a:ext cx="8229240" cy="1144800"/>
           </a:xfrm>
           <a:prstGeom prst="rect">
             <a:avLst/>
@@ -955,7 +955,7 @@
         <p:spPr>
           <a:xfrm>
             <a:off x="457200" y="1604520"/>
-            <a:ext cx="8228880" cy="3976920"/>
+            <a:ext cx="8229240" cy="3977280"/>
           </a:xfrm>
           <a:prstGeom prst="rect">
             <a:avLst/>
@@ -1013,7 +1013,7 @@
         <p:txBody>
           <a:bodyPr/>
           <a:p>
-            <a:fld id="{54F55CBA-4414-48BB-AD82-310EE51B83BD}" type="slidenum">
+            <a:fld id="{E3A47999-F0B4-4CB9-8152-9B6DFD3D3463}" type="slidenum">
               <a:t>&lt;#&gt;</a:t>
             </a:fld>
           </a:p>
@@ -1074,8 +1074,8 @@
         </p:nvSpPr>
         <p:spPr>
           <a:xfrm>
-            <a:off x="685800" y="2130480"/>
-            <a:ext cx="7771320" cy="1468800"/>
+            <a:off x="457200" y="273600"/>
+            <a:ext cx="8229240" cy="1144800"/>
           </a:xfrm>
           <a:prstGeom prst="rect">
             <a:avLst/>
@@ -1112,7 +1112,7 @@
         <p:spPr>
           <a:xfrm>
             <a:off x="457200" y="1604520"/>
-            <a:ext cx="8228880" cy="3976920"/>
+            <a:ext cx="8229240" cy="3977280"/>
           </a:xfrm>
           <a:prstGeom prst="rect">
             <a:avLst/>
@@ -1167,7 +1167,7 @@
         <p:txBody>
           <a:bodyPr/>
           <a:p>
-            <a:fld id="{C3B1A3D9-ED18-4D07-91B1-2D7C2B9B2D3E}" type="slidenum">
+            <a:fld id="{DD860EA3-2B47-45A1-A8CD-F8F465996E56}" type="slidenum">
               <a:t>&lt;#&gt;</a:t>
             </a:fld>
           </a:p>
@@ -1228,8 +1228,8 @@
         </p:nvSpPr>
         <p:spPr>
           <a:xfrm>
-            <a:off x="685800" y="2130480"/>
-            <a:ext cx="7771320" cy="1468800"/>
+            <a:off x="457200" y="273600"/>
+            <a:ext cx="8229240" cy="1144800"/>
           </a:xfrm>
           <a:prstGeom prst="rect">
             <a:avLst/>
@@ -1266,7 +1266,7 @@
         <p:spPr>
           <a:xfrm>
             <a:off x="457200" y="1604520"/>
-            <a:ext cx="4015440" cy="3976920"/>
+            <a:ext cx="4015800" cy="3977280"/>
           </a:xfrm>
           <a:prstGeom prst="rect">
             <a:avLst/>
@@ -1299,8 +1299,8 @@
         </p:nvSpPr>
         <p:spPr>
           <a:xfrm>
-            <a:off x="4673880" y="1604520"/>
-            <a:ext cx="4015440" cy="3976920"/>
+            <a:off x="4674240" y="1604520"/>
+            <a:ext cx="4015800" cy="3977280"/>
           </a:xfrm>
           <a:prstGeom prst="rect">
             <a:avLst/>
@@ -1355,7 +1355,7 @@
         <p:txBody>
           <a:bodyPr/>
           <a:p>
-            <a:fld id="{3A8EA4A8-938E-4477-8CFC-AD7C081B140A}" type="slidenum">
+            <a:fld id="{DE571B2E-3D47-46CA-B588-17A8952A8E19}" type="slidenum">
               <a:t>&lt;#&gt;</a:t>
             </a:fld>
           </a:p>
@@ -1416,8 +1416,8 @@
         </p:nvSpPr>
         <p:spPr>
           <a:xfrm>
-            <a:off x="685800" y="2130480"/>
-            <a:ext cx="7771320" cy="1468800"/>
+            <a:off x="457200" y="273600"/>
+            <a:ext cx="8229240" cy="1144800"/>
           </a:xfrm>
           <a:prstGeom prst="rect">
             <a:avLst/>
@@ -1475,7 +1475,7 @@
         <p:txBody>
           <a:bodyPr/>
           <a:p>
-            <a:fld id="{898249F0-EB4E-4D06-ACB2-0AFE2B6D3964}" type="slidenum">
+            <a:fld id="{8FC871B3-260E-46CE-95BE-B4C4A570218C}" type="slidenum">
               <a:t>&lt;#&gt;</a:t>
             </a:fld>
           </a:p>
@@ -1536,8 +1536,8 @@
         </p:nvSpPr>
         <p:spPr>
           <a:xfrm>
-            <a:off x="685800" y="2130480"/>
-            <a:ext cx="7771320" cy="6809760"/>
+            <a:off x="457200" y="273600"/>
+            <a:ext cx="8229240" cy="5307840"/>
           </a:xfrm>
           <a:prstGeom prst="rect">
             <a:avLst/>
@@ -1595,7 +1595,7 @@
         <p:txBody>
           <a:bodyPr/>
           <a:p>
-            <a:fld id="{571C4EB3-C838-4DDE-B691-4A56F403AECA}" type="slidenum">
+            <a:fld id="{9E38F309-41A8-49A6-ACC2-1460A6B4947F}" type="slidenum">
               <a:t>&lt;#&gt;</a:t>
             </a:fld>
           </a:p>
@@ -1656,8 +1656,8 @@
         </p:nvSpPr>
         <p:spPr>
           <a:xfrm>
-            <a:off x="685800" y="2130480"/>
-            <a:ext cx="7771320" cy="1468800"/>
+            <a:off x="457200" y="273600"/>
+            <a:ext cx="8229240" cy="1144800"/>
           </a:xfrm>
           <a:prstGeom prst="rect">
             <a:avLst/>
@@ -1694,7 +1694,7 @@
         <p:spPr>
           <a:xfrm>
             <a:off x="457200" y="1604520"/>
-            <a:ext cx="4015440" cy="1896840"/>
+            <a:ext cx="4015800" cy="1896840"/>
           </a:xfrm>
           <a:prstGeom prst="rect">
             <a:avLst/>
@@ -1727,8 +1727,8 @@
         </p:nvSpPr>
         <p:spPr>
           <a:xfrm>
-            <a:off x="4673880" y="1604520"/>
-            <a:ext cx="4015440" cy="3976920"/>
+            <a:off x="4674240" y="1604520"/>
+            <a:ext cx="4015800" cy="3977280"/>
           </a:xfrm>
           <a:prstGeom prst="rect">
             <a:avLst/>
@@ -1762,7 +1762,7 @@
         <p:spPr>
           <a:xfrm>
             <a:off x="457200" y="3682080"/>
-            <a:ext cx="4015440" cy="1896840"/>
+            <a:ext cx="4015800" cy="1896840"/>
           </a:xfrm>
           <a:prstGeom prst="rect">
             <a:avLst/>
@@ -1817,7 +1817,7 @@
         <p:txBody>
           <a:bodyPr/>
           <a:p>
-            <a:fld id="{4F39E050-D21C-48DA-B14D-3758A5889E92}" type="slidenum">
+            <a:fld id="{CD0D1078-9F7F-4B25-9097-DD79ACF3BE2B}" type="slidenum">
               <a:t>&lt;#&gt;</a:t>
             </a:fld>
           </a:p>
@@ -1878,8 +1878,8 @@
         </p:nvSpPr>
         <p:spPr>
           <a:xfrm>
-            <a:off x="685800" y="2130480"/>
-            <a:ext cx="7771320" cy="1468800"/>
+            <a:off x="457200" y="273600"/>
+            <a:ext cx="8229240" cy="1144800"/>
           </a:xfrm>
           <a:prstGeom prst="rect">
             <a:avLst/>
@@ -1916,7 +1916,7 @@
         <p:spPr>
           <a:xfrm>
             <a:off x="457200" y="1604520"/>
-            <a:ext cx="4015440" cy="3976920"/>
+            <a:ext cx="4015800" cy="3977280"/>
           </a:xfrm>
           <a:prstGeom prst="rect">
             <a:avLst/>
@@ -1949,8 +1949,8 @@
         </p:nvSpPr>
         <p:spPr>
           <a:xfrm>
-            <a:off x="4673880" y="1604520"/>
-            <a:ext cx="4015440" cy="1896840"/>
+            <a:off x="4674240" y="1604520"/>
+            <a:ext cx="4015800" cy="1896840"/>
           </a:xfrm>
           <a:prstGeom prst="rect">
             <a:avLst/>
@@ -1983,8 +1983,8 @@
         </p:nvSpPr>
         <p:spPr>
           <a:xfrm>
-            <a:off x="4673880" y="3682080"/>
-            <a:ext cx="4015440" cy="1896840"/>
+            <a:off x="4674240" y="3682080"/>
+            <a:ext cx="4015800" cy="1896840"/>
           </a:xfrm>
           <a:prstGeom prst="rect">
             <a:avLst/>
@@ -2039,7 +2039,7 @@
         <p:txBody>
           <a:bodyPr/>
           <a:p>
-            <a:fld id="{00A3FB48-8692-43BA-B542-023AD9C62666}" type="slidenum">
+            <a:fld id="{E277F7A8-7A4F-4B71-B6AB-6D8EA3E5B520}" type="slidenum">
               <a:t>&lt;#&gt;</a:t>
             </a:fld>
           </a:p>
@@ -2100,8 +2100,8 @@
         </p:nvSpPr>
         <p:spPr>
           <a:xfrm>
-            <a:off x="685800" y="2130480"/>
-            <a:ext cx="7771320" cy="1468800"/>
+            <a:off x="457200" y="273600"/>
+            <a:ext cx="8229240" cy="1144800"/>
           </a:xfrm>
           <a:prstGeom prst="rect">
             <a:avLst/>
@@ -2138,7 +2138,7 @@
         <p:spPr>
           <a:xfrm>
             <a:off x="457200" y="1604520"/>
-            <a:ext cx="4015440" cy="1896840"/>
+            <a:ext cx="4015800" cy="1896840"/>
           </a:xfrm>
           <a:prstGeom prst="rect">
             <a:avLst/>
@@ -2171,8 +2171,8 @@
         </p:nvSpPr>
         <p:spPr>
           <a:xfrm>
-            <a:off x="4673880" y="1604520"/>
-            <a:ext cx="4015440" cy="1896840"/>
+            <a:off x="4674240" y="1604520"/>
+            <a:ext cx="4015800" cy="1896840"/>
           </a:xfrm>
           <a:prstGeom prst="rect">
             <a:avLst/>
@@ -2206,7 +2206,7 @@
         <p:spPr>
           <a:xfrm>
             <a:off x="457200" y="3682080"/>
-            <a:ext cx="8228880" cy="1896840"/>
+            <a:ext cx="8229240" cy="1896840"/>
           </a:xfrm>
           <a:prstGeom prst="rect">
             <a:avLst/>
@@ -2261,7 +2261,7 @@
         <p:txBody>
           <a:bodyPr/>
           <a:p>
-            <a:fld id="{51EA9341-79C6-482A-B660-5275180A939E}" type="slidenum">
+            <a:fld id="{CF58A9BF-ED6E-4CEC-9D6B-403660321F6B}" type="slidenum">
               <a:t>&lt;#&gt;</a:t>
             </a:fld>
           </a:p>
@@ -2324,236 +2324,13 @@
             <a:spLocks noGrp="1"/>
           </p:cNvSpPr>
           <p:nvPr>
-            <p:ph type="title"/>
-          </p:nvPr>
-        </p:nvSpPr>
-        <p:spPr>
-          <a:xfrm>
-            <a:off x="685800" y="2130480"/>
-            <a:ext cx="7771320" cy="1468800"/>
-          </a:xfrm>
-          <a:prstGeom prst="rect">
-            <a:avLst/>
-          </a:prstGeom>
-          <a:noFill/>
-          <a:ln w="0">
-            <a:noFill/>
-          </a:ln>
-        </p:spPr>
-        <p:txBody>
-          <a:bodyPr lIns="0" rIns="0" tIns="0" bIns="0" anchor="ctr">
-            <a:noAutofit/>
-          </a:bodyPr>
-          <a:p>
-            <a:r>
-              <a:rPr b="0" lang="en-US" sz="1800" spc="-1" strike="noStrike">
-                <a:latin typeface="Arial"/>
-              </a:rPr>
-              <a:t>Click to edit the title text format</a:t>
-            </a:r>
-            <a:endParaRPr b="0" lang="en-US" sz="1800" spc="-1" strike="noStrike">
-              <a:latin typeface="Arial"/>
-            </a:endParaRPr>
-          </a:p>
-        </p:txBody>
-      </p:sp>
-      <p:sp>
-        <p:nvSpPr>
-          <p:cNvPr id="1" name="PlaceHolder 2"/>
-          <p:cNvSpPr>
-            <a:spLocks noGrp="1"/>
-          </p:cNvSpPr>
-          <p:nvPr>
-            <p:ph type="body"/>
-          </p:nvPr>
-        </p:nvSpPr>
-        <p:spPr>
-          <a:xfrm>
-            <a:off x="457200" y="1604520"/>
-            <a:ext cx="8228880" cy="3976920"/>
-          </a:xfrm>
-          <a:prstGeom prst="rect">
-            <a:avLst/>
-          </a:prstGeom>
-          <a:noFill/>
-          <a:ln w="0">
-            <a:noFill/>
-          </a:ln>
-        </p:spPr>
-        <p:txBody>
-          <a:bodyPr lIns="0" rIns="0" tIns="0" bIns="0" anchor="t">
-            <a:normAutofit/>
-          </a:bodyPr>
-          <a:p>
-            <a:pPr marL="432000" indent="-324000">
-              <a:spcBef>
-                <a:spcPts val="1417"/>
-              </a:spcBef>
-              <a:buClr>
-                <a:srgbClr val="000000"/>
-              </a:buClr>
-              <a:buSzPct val="45000"/>
-              <a:buFont typeface="Wingdings" charset="2"/>
-              <a:buChar char=""/>
-            </a:pPr>
-            <a:r>
-              <a:rPr b="0" lang="en-US" sz="1800" spc="-1" strike="noStrike">
-                <a:latin typeface="Arial"/>
-              </a:rPr>
-              <a:t>Click to edit the outline text format</a:t>
-            </a:r>
-            <a:endParaRPr b="0" lang="en-US" sz="1800" spc="-1" strike="noStrike">
-              <a:latin typeface="Arial"/>
-            </a:endParaRPr>
-          </a:p>
-          <a:p>
-            <a:pPr lvl="1" marL="864000" indent="-324000">
-              <a:spcBef>
-                <a:spcPts val="1134"/>
-              </a:spcBef>
-              <a:buClr>
-                <a:srgbClr val="000000"/>
-              </a:buClr>
-              <a:buSzPct val="75000"/>
-              <a:buFont typeface="Symbol" charset="2"/>
-              <a:buChar char=""/>
-            </a:pPr>
-            <a:r>
-              <a:rPr b="0" lang="en-US" sz="1800" spc="-1" strike="noStrike">
-                <a:latin typeface="Arial"/>
-              </a:rPr>
-              <a:t>Second Outline Level</a:t>
-            </a:r>
-            <a:endParaRPr b="0" lang="en-US" sz="1800" spc="-1" strike="noStrike">
-              <a:latin typeface="Arial"/>
-            </a:endParaRPr>
-          </a:p>
-          <a:p>
-            <a:pPr lvl="2" marL="1296000" indent="-288000">
-              <a:spcBef>
-                <a:spcPts val="850"/>
-              </a:spcBef>
-              <a:buClr>
-                <a:srgbClr val="000000"/>
-              </a:buClr>
-              <a:buSzPct val="45000"/>
-              <a:buFont typeface="Wingdings" charset="2"/>
-              <a:buChar char=""/>
-            </a:pPr>
-            <a:r>
-              <a:rPr b="0" lang="en-US" sz="1800" spc="-1" strike="noStrike">
-                <a:latin typeface="Arial"/>
-              </a:rPr>
-              <a:t>Third Outline Level</a:t>
-            </a:r>
-            <a:endParaRPr b="0" lang="en-US" sz="1800" spc="-1" strike="noStrike">
-              <a:latin typeface="Arial"/>
-            </a:endParaRPr>
-          </a:p>
-          <a:p>
-            <a:pPr lvl="3" marL="1728000" indent="-216000">
-              <a:spcBef>
-                <a:spcPts val="567"/>
-              </a:spcBef>
-              <a:buClr>
-                <a:srgbClr val="000000"/>
-              </a:buClr>
-              <a:buSzPct val="75000"/>
-              <a:buFont typeface="Symbol" charset="2"/>
-              <a:buChar char=""/>
-            </a:pPr>
-            <a:r>
-              <a:rPr b="0" lang="en-US" sz="1800" spc="-1" strike="noStrike">
-                <a:latin typeface="Arial"/>
-              </a:rPr>
-              <a:t>Fourth Outline Level</a:t>
-            </a:r>
-            <a:endParaRPr b="0" lang="en-US" sz="1800" spc="-1" strike="noStrike">
-              <a:latin typeface="Arial"/>
-            </a:endParaRPr>
-          </a:p>
-          <a:p>
-            <a:pPr lvl="4" marL="2160000" indent="-216000">
-              <a:spcBef>
-                <a:spcPts val="283"/>
-              </a:spcBef>
-              <a:buClr>
-                <a:srgbClr val="000000"/>
-              </a:buClr>
-              <a:buSzPct val="45000"/>
-              <a:buFont typeface="Wingdings" charset="2"/>
-              <a:buChar char=""/>
-            </a:pPr>
-            <a:r>
-              <a:rPr b="0" lang="en-US" sz="1800" spc="-1" strike="noStrike">
-                <a:latin typeface="Arial"/>
-              </a:rPr>
-              <a:t>Fifth Outline Level</a:t>
-            </a:r>
-            <a:endParaRPr b="0" lang="en-US" sz="1800" spc="-1" strike="noStrike">
-              <a:latin typeface="Arial"/>
-            </a:endParaRPr>
-          </a:p>
-          <a:p>
-            <a:pPr lvl="5" marL="2592000" indent="-216000">
-              <a:spcBef>
-                <a:spcPts val="283"/>
-              </a:spcBef>
-              <a:buClr>
-                <a:srgbClr val="000000"/>
-              </a:buClr>
-              <a:buSzPct val="45000"/>
-              <a:buFont typeface="Wingdings" charset="2"/>
-              <a:buChar char=""/>
-            </a:pPr>
-            <a:r>
-              <a:rPr b="0" lang="en-US" sz="1800" spc="-1" strike="noStrike">
-                <a:latin typeface="Arial"/>
-              </a:rPr>
-              <a:t>Sixth Outline Level</a:t>
-            </a:r>
-            <a:endParaRPr b="0" lang="en-US" sz="1800" spc="-1" strike="noStrike">
-              <a:latin typeface="Arial"/>
-            </a:endParaRPr>
-          </a:p>
-          <a:p>
-            <a:pPr lvl="6" marL="3024000" indent="-216000">
-              <a:spcBef>
-                <a:spcPts val="283"/>
-              </a:spcBef>
-              <a:buClr>
-                <a:srgbClr val="000000"/>
-              </a:buClr>
-              <a:buSzPct val="45000"/>
-              <a:buFont typeface="Wingdings" charset="2"/>
-              <a:buChar char=""/>
-            </a:pPr>
-            <a:r>
-              <a:rPr b="0" lang="en-US" sz="1800" spc="-1" strike="noStrike">
-                <a:latin typeface="Arial"/>
-              </a:rPr>
-              <a:t>Seventh Outline Level</a:t>
-            </a:r>
-            <a:endParaRPr b="0" lang="en-US" sz="1800" spc="-1" strike="noStrike">
-              <a:latin typeface="Arial"/>
-            </a:endParaRPr>
-          </a:p>
-        </p:txBody>
-      </p:sp>
-      <p:sp>
-        <p:nvSpPr>
-          <p:cNvPr id="2" name="PlaceHolder 3"/>
-          <p:cNvSpPr>
-            <a:spLocks noGrp="1"/>
-          </p:cNvSpPr>
-          <p:nvPr>
             <p:ph type="ftr" idx="1"/>
           </p:nvPr>
         </p:nvSpPr>
         <p:spPr>
           <a:xfrm>
             <a:off x="3124080" y="6356520"/>
-            <a:ext cx="2894400" cy="363960"/>
+            <a:ext cx="2894040" cy="363600"/>
           </a:xfrm>
           <a:prstGeom prst="rect">
             <a:avLst/>
@@ -2599,7 +2376,7 @@
       </p:sp>
       <p:sp>
         <p:nvSpPr>
-          <p:cNvPr id="3" name="PlaceHolder 4"/>
+          <p:cNvPr id="1" name="PlaceHolder 2"/>
           <p:cNvSpPr>
             <a:spLocks noGrp="1"/>
           </p:cNvSpPr>
@@ -2610,7 +2387,7 @@
         <p:spPr>
           <a:xfrm>
             <a:off x="6553080" y="6356520"/>
-            <a:ext cx="2132640" cy="363960"/>
+            <a:ext cx="2132280" cy="363600"/>
           </a:xfrm>
           <a:prstGeom prst="rect">
             <a:avLst/>
@@ -2645,7 +2422,7 @@
               </a:lnSpc>
               <a:buNone/>
             </a:pPr>
-            <a:fld id="{405BCBC9-29A2-40D8-AE8C-3D46B28ADDEA}" type="slidenum">
+            <a:fld id="{15CF641F-4119-4D8A-A460-0FC26FB3C668}" type="slidenum">
               <a:rPr b="0" lang="en-US" sz="1200" spc="-1" strike="noStrike">
                 <a:solidFill>
                   <a:srgbClr val="8b8b8b"/>
@@ -2662,7 +2439,7 @@
       </p:sp>
       <p:sp>
         <p:nvSpPr>
-          <p:cNvPr id="4" name="PlaceHolder 5"/>
+          <p:cNvPr id="2" name="PlaceHolder 3"/>
           <p:cNvSpPr>
             <a:spLocks noGrp="1"/>
           </p:cNvSpPr>
@@ -2673,7 +2450,7 @@
         <p:spPr>
           <a:xfrm>
             <a:off x="457200" y="6356520"/>
-            <a:ext cx="2132640" cy="363960"/>
+            <a:ext cx="2132280" cy="363600"/>
           </a:xfrm>
           <a:prstGeom prst="rect">
             <a:avLst/>
@@ -2703,6 +2480,232 @@
             </a:r>
             <a:endParaRPr b="0" lang="en-US" sz="1400" spc="-1" strike="noStrike">
               <a:latin typeface="Times New Roman"/>
+            </a:endParaRPr>
+          </a:p>
+        </p:txBody>
+      </p:sp>
+      <p:sp>
+        <p:nvSpPr>
+          <p:cNvPr id="3" name="PlaceHolder 4"/>
+          <p:cNvSpPr>
+            <a:spLocks noGrp="1"/>
+          </p:cNvSpPr>
+          <p:nvPr>
+            <p:ph type="title"/>
+          </p:nvPr>
+        </p:nvSpPr>
+        <p:spPr>
+          <a:xfrm>
+            <a:off x="457200" y="273600"/>
+            <a:ext cx="8229240" cy="1144800"/>
+          </a:xfrm>
+          <a:prstGeom prst="rect">
+            <a:avLst/>
+          </a:prstGeom>
+          <a:noFill/>
+          <a:ln w="0">
+            <a:noFill/>
+          </a:ln>
+        </p:spPr>
+        <p:txBody>
+          <a:bodyPr lIns="0" rIns="0" tIns="0" bIns="0" anchor="ctr">
+            <a:noAutofit/>
+          </a:bodyPr>
+          <a:p>
+            <a:pPr algn="ctr">
+              <a:buNone/>
+            </a:pPr>
+            <a:r>
+              <a:rPr b="0" lang="en-US" sz="4400" spc="-1" strike="noStrike">
+                <a:latin typeface="Arial"/>
+              </a:rPr>
+              <a:t>Click to edit the title text format</a:t>
+            </a:r>
+            <a:endParaRPr b="0" lang="en-US" sz="4400" spc="-1" strike="noStrike">
+              <a:latin typeface="Arial"/>
+            </a:endParaRPr>
+          </a:p>
+        </p:txBody>
+      </p:sp>
+      <p:sp>
+        <p:nvSpPr>
+          <p:cNvPr id="4" name="PlaceHolder 5"/>
+          <p:cNvSpPr>
+            <a:spLocks noGrp="1"/>
+          </p:cNvSpPr>
+          <p:nvPr>
+            <p:ph type="body"/>
+          </p:nvPr>
+        </p:nvSpPr>
+        <p:spPr>
+          <a:xfrm>
+            <a:off x="457200" y="1604520"/>
+            <a:ext cx="8229240" cy="3977280"/>
+          </a:xfrm>
+          <a:prstGeom prst="rect">
+            <a:avLst/>
+          </a:prstGeom>
+          <a:noFill/>
+          <a:ln w="0">
+            <a:noFill/>
+          </a:ln>
+        </p:spPr>
+        <p:txBody>
+          <a:bodyPr lIns="0" rIns="0" tIns="0" bIns="0" anchor="t">
+            <a:normAutofit/>
+          </a:bodyPr>
+          <a:p>
+            <a:pPr marL="432000" indent="-324000">
+              <a:spcBef>
+                <a:spcPts val="1417"/>
+              </a:spcBef>
+              <a:buClr>
+                <a:srgbClr val="000000"/>
+              </a:buClr>
+              <a:buSzPct val="45000"/>
+              <a:buFont typeface="Wingdings" charset="2"/>
+              <a:buChar char=""/>
+            </a:pPr>
+            <a:r>
+              <a:rPr b="0" lang="en-US" sz="3200" spc="-1" strike="noStrike">
+                <a:latin typeface="Arial"/>
+              </a:rPr>
+              <a:t>Click to edit the outline text format</a:t>
+            </a:r>
+            <a:endParaRPr b="0" lang="en-US" sz="3200" spc="-1" strike="noStrike">
+              <a:latin typeface="Arial"/>
+            </a:endParaRPr>
+          </a:p>
+          <a:p>
+            <a:pPr lvl="1" marL="864000" indent="-324000">
+              <a:spcBef>
+                <a:spcPts val="1134"/>
+              </a:spcBef>
+              <a:buClr>
+                <a:srgbClr val="000000"/>
+              </a:buClr>
+              <a:buSzPct val="75000"/>
+              <a:buFont typeface="Symbol" charset="2"/>
+              <a:buChar char=""/>
+            </a:pPr>
+            <a:r>
+              <a:rPr b="0" lang="en-US" sz="2800" spc="-1" strike="noStrike">
+                <a:latin typeface="Arial"/>
+              </a:rPr>
+              <a:t>Second Outline Level</a:t>
+            </a:r>
+            <a:endParaRPr b="0" lang="en-US" sz="2800" spc="-1" strike="noStrike">
+              <a:latin typeface="Arial"/>
+            </a:endParaRPr>
+          </a:p>
+          <a:p>
+            <a:pPr lvl="2" marL="1296000" indent="-288000">
+              <a:spcBef>
+                <a:spcPts val="850"/>
+              </a:spcBef>
+              <a:buClr>
+                <a:srgbClr val="000000"/>
+              </a:buClr>
+              <a:buSzPct val="45000"/>
+              <a:buFont typeface="Wingdings" charset="2"/>
+              <a:buChar char=""/>
+            </a:pPr>
+            <a:r>
+              <a:rPr b="0" lang="en-US" sz="2400" spc="-1" strike="noStrike">
+                <a:latin typeface="Arial"/>
+              </a:rPr>
+              <a:t>Third Outline Level</a:t>
+            </a:r>
+            <a:endParaRPr b="0" lang="en-US" sz="2400" spc="-1" strike="noStrike">
+              <a:latin typeface="Arial"/>
+            </a:endParaRPr>
+          </a:p>
+          <a:p>
+            <a:pPr lvl="3" marL="1728000" indent="-216000">
+              <a:spcBef>
+                <a:spcPts val="567"/>
+              </a:spcBef>
+              <a:buClr>
+                <a:srgbClr val="000000"/>
+              </a:buClr>
+              <a:buSzPct val="75000"/>
+              <a:buFont typeface="Symbol" charset="2"/>
+              <a:buChar char=""/>
+            </a:pPr>
+            <a:r>
+              <a:rPr b="0" lang="en-US" sz="2000" spc="-1" strike="noStrike">
+                <a:latin typeface="Arial"/>
+              </a:rPr>
+              <a:t>Fourth Outline Level</a:t>
+            </a:r>
+            <a:endParaRPr b="0" lang="en-US" sz="2000" spc="-1" strike="noStrike">
+              <a:latin typeface="Arial"/>
+            </a:endParaRPr>
+          </a:p>
+          <a:p>
+            <a:pPr lvl="4" marL="2160000" indent="-216000">
+              <a:spcBef>
+                <a:spcPts val="283"/>
+              </a:spcBef>
+              <a:buClr>
+                <a:srgbClr val="000000"/>
+              </a:buClr>
+              <a:buSzPct val="45000"/>
+              <a:buFont typeface="Wingdings" charset="2"/>
+              <a:buChar char=""/>
+            </a:pPr>
+            <a:r>
+              <a:rPr b="0" lang="en-US" sz="2000" spc="-1" strike="noStrike">
+                <a:latin typeface="Arial"/>
+              </a:rPr>
+              <a:t>Fifth Outline Level</a:t>
+            </a:r>
+            <a:endParaRPr b="0" lang="en-US" sz="2000" spc="-1" strike="noStrike">
+              <a:latin typeface="Arial"/>
+            </a:endParaRPr>
+          </a:p>
+          <a:p>
+            <a:pPr lvl="5" marL="2592000" indent="-216000">
+              <a:spcBef>
+                <a:spcPts val="283"/>
+              </a:spcBef>
+              <a:buClr>
+                <a:srgbClr val="000000"/>
+              </a:buClr>
+              <a:buSzPct val="45000"/>
+              <a:buFont typeface="Wingdings" charset="2"/>
+              <a:buChar char=""/>
+            </a:pPr>
+            <a:r>
+              <a:rPr b="0" lang="en-US" sz="2000" spc="-1" strike="noStrike">
+                <a:latin typeface="Arial"/>
+              </a:rPr>
+              <a:t>Sixth Outline Level</a:t>
+            </a:r>
+            <a:endParaRPr b="0" lang="en-US" sz="2000" spc="-1" strike="noStrike">
+              <a:latin typeface="Arial"/>
+            </a:endParaRPr>
+          </a:p>
+          <a:p>
+            <a:pPr lvl="6" marL="3024000" indent="-216000">
+              <a:spcBef>
+                <a:spcPts val="283"/>
+              </a:spcBef>
+              <a:buClr>
+                <a:srgbClr val="000000"/>
+              </a:buClr>
+              <a:buSzPct val="45000"/>
+              <a:buFont typeface="Wingdings" charset="2"/>
+              <a:buChar char=""/>
+            </a:pPr>
+            <a:r>
+              <a:rPr b="0" lang="en-US" sz="2000" spc="-1" strike="noStrike">
+                <a:latin typeface="Arial"/>
+              </a:rPr>
+              <a:t>Seventh Outline Level</a:t>
+            </a:r>
+            <a:endParaRPr b="0" lang="en-US" sz="2000" spc="-1" strike="noStrike">
+              <a:latin typeface="Arial"/>
             </a:endParaRPr>
           </a:p>
         </p:txBody>
@@ -2757,7 +2760,7 @@
         <p:spPr>
           <a:xfrm>
             <a:off x="0" y="2130480"/>
-            <a:ext cx="9142920" cy="1468800"/>
+            <a:ext cx="9142560" cy="1468440"/>
           </a:xfrm>
           <a:prstGeom prst="rect">
             <a:avLst/>
@@ -2817,7 +2820,7 @@
         <p:spPr>
           <a:xfrm>
             <a:off x="1259640" y="4581000"/>
-            <a:ext cx="6399720" cy="693720"/>
+            <a:ext cx="6399360" cy="693360"/>
           </a:xfrm>
           <a:prstGeom prst="rect">
             <a:avLst/>
@@ -2872,7 +2875,7 @@
         <p:spPr>
           <a:xfrm>
             <a:off x="3924000" y="3639960"/>
-            <a:ext cx="991440" cy="943920"/>
+            <a:ext cx="991080" cy="943560"/>
           </a:xfrm>
           <a:prstGeom prst="rect">
             <a:avLst/>
@@ -2896,7 +2899,7 @@
         <p:txBody>
           <a:bodyPr/>
           <a:p>
-            <a:fld id="{F82BC9FC-FD21-4206-9A82-A0746E277DC0}" type="slidenum">
+            <a:fld id="{BDE1F292-DACA-4965-B0F6-273EE076819D}" type="slidenum">
               <a:t>1</a:t>
             </a:fld>
           </a:p>
@@ -2916,9 +2919,9 @@
         <p:txBody>
           <a:bodyPr/>
           <a:p>
-            <a:fld id="{C0CCDC90-360C-490A-86BD-664036B86FF9}" type="datetime1">
+            <a:fld id="{17A394C6-7D04-48EF-8CBE-DBD0495CE35B}" type="datetime1">
               <a:rPr lang="en-US"/>
-              <a:t>11/25/2022</a:t>
+              <a:t>11/26/2022</a:t>
             </a:fld>
           </a:p>
         </p:txBody>
@@ -2966,7 +2969,7 @@
         <p:spPr>
           <a:xfrm>
             <a:off x="0" y="0"/>
-            <a:ext cx="9142920" cy="763560"/>
+            <a:ext cx="9142560" cy="763200"/>
           </a:xfrm>
           <a:prstGeom prst="rect">
             <a:avLst/>
@@ -3025,7 +3028,7 @@
         <p:spPr>
           <a:xfrm>
             <a:off x="316080" y="1224000"/>
-            <a:ext cx="8503200" cy="475560"/>
+            <a:ext cx="8502840" cy="475200"/>
           </a:xfrm>
           <a:prstGeom prst="rect">
             <a:avLst/>
@@ -3080,7 +3083,7 @@
         <p:spPr>
           <a:xfrm>
             <a:off x="0" y="764640"/>
-            <a:ext cx="9142920" cy="358920"/>
+            <a:ext cx="9142560" cy="358560"/>
           </a:xfrm>
           <a:prstGeom prst="rect">
             <a:avLst/>
@@ -4060,7 +4063,7 @@
         <p:txBody>
           <a:bodyPr/>
           <a:p>
-            <a:fld id="{063C69BF-3684-4101-90E9-915AC409E675}" type="slidenum">
+            <a:fld id="{04D5B54E-2778-45C0-B641-06580A79AFE4}" type="slidenum">
               <a:t>10</a:t>
             </a:fld>
           </a:p>
@@ -4080,9 +4083,9 @@
         <p:txBody>
           <a:bodyPr/>
           <a:p>
-            <a:fld id="{923DB203-BA16-4738-8048-682BF87245C6}" type="datetime1">
+            <a:fld id="{2B28039E-5C7F-4C36-8122-F21EA6F9220E}" type="datetime1">
               <a:rPr lang="en-US"/>
-              <a:t>11/25/2022</a:t>
+              <a:t>11/26/2022</a:t>
             </a:fld>
           </a:p>
         </p:txBody>
@@ -4130,7 +4133,7 @@
         <p:spPr>
           <a:xfrm>
             <a:off x="2988000" y="5133600"/>
-            <a:ext cx="3361320" cy="1313280"/>
+            <a:ext cx="3360960" cy="1312920"/>
           </a:xfrm>
           <a:prstGeom prst="rect">
             <a:avLst/>
@@ -4155,7 +4158,7 @@
         <p:spPr>
           <a:xfrm>
             <a:off x="0" y="0"/>
-            <a:ext cx="9142920" cy="763560"/>
+            <a:ext cx="9142560" cy="763200"/>
           </a:xfrm>
           <a:prstGeom prst="rect">
             <a:avLst/>
@@ -4214,7 +4217,7 @@
         <p:spPr>
           <a:xfrm>
             <a:off x="299520" y="1353600"/>
-            <a:ext cx="6415200" cy="3154320"/>
+            <a:ext cx="6414840" cy="3153960"/>
           </a:xfrm>
           <a:prstGeom prst="rect">
             <a:avLst/>
@@ -4451,7 +4454,7 @@
         <p:spPr>
           <a:xfrm>
             <a:off x="0" y="764640"/>
-            <a:ext cx="9142920" cy="358920"/>
+            <a:ext cx="9142560" cy="358560"/>
           </a:xfrm>
           <a:prstGeom prst="rect">
             <a:avLst/>
@@ -4517,7 +4520,7 @@
         <p:spPr>
           <a:xfrm>
             <a:off x="6867360" y="0"/>
-            <a:ext cx="2275560" cy="4951800"/>
+            <a:ext cx="2275200" cy="4951440"/>
           </a:xfrm>
           <a:prstGeom prst="rect">
             <a:avLst/>
@@ -4538,7 +4541,7 @@
         <p:spPr>
           <a:xfrm>
             <a:off x="6890760" y="2260440"/>
-            <a:ext cx="1438920" cy="430920"/>
+            <a:ext cx="1438560" cy="430560"/>
           </a:xfrm>
           <a:prstGeom prst="rect">
             <a:avLst/>
@@ -4575,7 +4578,7 @@
         <p:spPr>
           <a:xfrm>
             <a:off x="3420000" y="6093360"/>
-            <a:ext cx="1006920" cy="353520"/>
+            <a:ext cx="1006560" cy="353160"/>
           </a:xfrm>
           <a:prstGeom prst="rect">
             <a:avLst/>
@@ -4612,7 +4615,7 @@
         <p:spPr>
           <a:xfrm>
             <a:off x="4114800" y="2925000"/>
-            <a:ext cx="1370880" cy="358920"/>
+            <a:ext cx="1370520" cy="358560"/>
           </a:xfrm>
           <a:prstGeom prst="rect">
             <a:avLst/>
@@ -4682,7 +4685,7 @@
         <p:txBody>
           <a:bodyPr/>
           <a:p>
-            <a:fld id="{7160903C-D465-4DBB-B9F5-7491DEDE8738}" type="slidenum">
+            <a:fld id="{72A145AC-2DE0-48FE-A98F-40D2B7E14BE5}" type="slidenum">
               <a:t>11</a:t>
             </a:fld>
           </a:p>
@@ -4702,9 +4705,9 @@
         <p:txBody>
           <a:bodyPr/>
           <a:p>
-            <a:fld id="{22217854-48F4-49CE-8637-7FC0A33141D6}" type="datetime1">
+            <a:fld id="{7832E21A-4E3F-47BB-8549-87D2213CF0FD}" type="datetime1">
               <a:rPr lang="en-US"/>
-              <a:t>11/25/2022</a:t>
+              <a:t>11/26/2022</a:t>
             </a:fld>
           </a:p>
         </p:txBody>
@@ -4752,7 +4755,7 @@
         <p:spPr>
           <a:xfrm>
             <a:off x="0" y="0"/>
-            <a:ext cx="9142920" cy="763560"/>
+            <a:ext cx="9142560" cy="763200"/>
           </a:xfrm>
           <a:prstGeom prst="rect">
             <a:avLst/>
@@ -4811,7 +4814,7 @@
         <p:spPr>
           <a:xfrm>
             <a:off x="213480" y="1371600"/>
-            <a:ext cx="6415200" cy="2202480"/>
+            <a:ext cx="6414840" cy="2202120"/>
           </a:xfrm>
           <a:prstGeom prst="rect">
             <a:avLst/>
@@ -4978,7 +4981,7 @@
         <p:spPr>
           <a:xfrm>
             <a:off x="0" y="764640"/>
-            <a:ext cx="9142920" cy="358920"/>
+            <a:ext cx="9142560" cy="358560"/>
           </a:xfrm>
           <a:prstGeom prst="rect">
             <a:avLst/>
@@ -5044,7 +5047,7 @@
         <p:spPr>
           <a:xfrm>
             <a:off x="6867360" y="0"/>
-            <a:ext cx="2275560" cy="4951800"/>
+            <a:ext cx="2275200" cy="4951440"/>
           </a:xfrm>
           <a:prstGeom prst="rect">
             <a:avLst/>
@@ -5065,7 +5068,7 @@
         <p:spPr>
           <a:xfrm>
             <a:off x="6879600" y="2755800"/>
-            <a:ext cx="1438920" cy="816120"/>
+            <a:ext cx="1438560" cy="815760"/>
           </a:xfrm>
           <a:prstGeom prst="rect">
             <a:avLst/>
@@ -5106,7 +5109,7 @@
         <p:spPr>
           <a:xfrm>
             <a:off x="2057400" y="3574800"/>
-            <a:ext cx="4504320" cy="3053880"/>
+            <a:ext cx="4503960" cy="3053520"/>
           </a:xfrm>
           <a:prstGeom prst="rect">
             <a:avLst/>
@@ -5125,7 +5128,7 @@
         <p:spPr>
           <a:xfrm>
             <a:off x="2183400" y="5257800"/>
-            <a:ext cx="3885480" cy="468000"/>
+            <a:ext cx="3885120" cy="467640"/>
           </a:xfrm>
           <a:prstGeom prst="rect">
             <a:avLst/>
@@ -5155,34 +5158,6 @@
       </p:sp>
       <p:sp>
         <p:nvSpPr>
-          <p:cNvPr id="96" name=""/>
-          <p:cNvSpPr/>
-          <p:nvPr/>
-        </p:nvSpPr>
-        <p:spPr>
-          <a:xfrm>
-            <a:off x="457200" y="3200400"/>
-            <a:ext cx="1599480" cy="373680"/>
-          </a:xfrm>
-          <a:prstGeom prst="rect">
-            <a:avLst/>
-          </a:prstGeom>
-          <a:noFill/>
-          <a:ln w="0">
-            <a:solidFill>
-              <a:srgbClr val="a7074b"/>
-            </a:solidFill>
-          </a:ln>
-        </p:spPr>
-        <p:style>
-          <a:lnRef idx="0"/>
-          <a:fillRef idx="0"/>
-          <a:effectRef idx="0"/>
-          <a:fontRef idx="minor"/>
-        </p:style>
-      </p:sp>
-      <p:sp>
-        <p:nvSpPr>
           <p:cNvPr id="4" name="PlaceHolder 3"/>
           <p:cNvSpPr>
             <a:spLocks noGrp="1"/>
@@ -5195,7 +5170,7 @@
         <p:txBody>
           <a:bodyPr/>
           <a:p>
-            <a:fld id="{DCF29B5F-4EEE-492D-B835-57ACEDA8A808}" type="slidenum">
+            <a:fld id="{B9872DC5-C512-4C8A-9530-21D1DB86268F}" type="slidenum">
               <a:t>12</a:t>
             </a:fld>
           </a:p>
@@ -5215,9 +5190,9 @@
         <p:txBody>
           <a:bodyPr/>
           <a:p>
-            <a:fld id="{C9F9E1EA-E52A-48FA-8823-AE8FB7643196}" type="datetime1">
+            <a:fld id="{335F9B10-97E7-4C87-AD4C-90931BC4CBE8}" type="datetime1">
               <a:rPr lang="en-US"/>
-              <a:t>11/25/2022</a:t>
+              <a:t>11/26/2022</a:t>
             </a:fld>
           </a:p>
         </p:txBody>
@@ -5254,7 +5229,7 @@
       </p:grpSpPr>
       <p:sp>
         <p:nvSpPr>
-          <p:cNvPr id="97" name="PlaceHolder 1"/>
+          <p:cNvPr id="96" name="PlaceHolder 1"/>
           <p:cNvSpPr>
             <a:spLocks noGrp="1"/>
           </p:cNvSpPr>
@@ -5265,7 +5240,7 @@
         <p:spPr>
           <a:xfrm>
             <a:off x="0" y="0"/>
-            <a:ext cx="9142920" cy="763560"/>
+            <a:ext cx="9142560" cy="763200"/>
           </a:xfrm>
           <a:prstGeom prst="rect">
             <a:avLst/>
@@ -5313,7 +5288,7 @@
       </p:sp>
       <p:sp>
         <p:nvSpPr>
-          <p:cNvPr id="98" name="PlaceHolder 2"/>
+          <p:cNvPr id="97" name="PlaceHolder 2"/>
           <p:cNvSpPr>
             <a:spLocks noGrp="1"/>
           </p:cNvSpPr>
@@ -5324,7 +5299,7 @@
         <p:spPr>
           <a:xfrm>
             <a:off x="297360" y="1262880"/>
-            <a:ext cx="5425560" cy="1227600"/>
+            <a:ext cx="5425200" cy="1227240"/>
           </a:xfrm>
           <a:prstGeom prst="rect">
             <a:avLst/>
@@ -5430,14 +5405,14 @@
       </p:sp>
       <p:sp>
         <p:nvSpPr>
-          <p:cNvPr id="99" name="標題 1"/>
+          <p:cNvPr id="98" name="標題 1"/>
           <p:cNvSpPr/>
           <p:nvPr/>
         </p:nvSpPr>
         <p:spPr>
           <a:xfrm>
             <a:off x="0" y="764640"/>
-            <a:ext cx="9142920" cy="358920"/>
+            <a:ext cx="9142560" cy="358560"/>
           </a:xfrm>
           <a:prstGeom prst="rect">
             <a:avLst/>
@@ -5492,7 +5467,7 @@
       </p:sp>
       <p:pic>
         <p:nvPicPr>
-          <p:cNvPr id="100" name="Picture 9" descr=""/>
+          <p:cNvPr id="99" name="Picture 9" descr=""/>
           <p:cNvPicPr/>
           <p:nvPr/>
         </p:nvPicPr>
@@ -5503,7 +5478,7 @@
         <p:spPr>
           <a:xfrm>
             <a:off x="5579640" y="779400"/>
-            <a:ext cx="3265920" cy="1227600"/>
+            <a:ext cx="3265560" cy="1227240"/>
           </a:xfrm>
           <a:prstGeom prst="rect">
             <a:avLst/>
@@ -5517,7 +5492,7 @@
       </p:pic>
       <p:pic>
         <p:nvPicPr>
-          <p:cNvPr id="101" name="Picture 12" descr=""/>
+          <p:cNvPr id="100" name="Picture 12" descr=""/>
           <p:cNvPicPr/>
           <p:nvPr/>
         </p:nvPicPr>
@@ -5528,7 +5503,7 @@
         <p:spPr>
           <a:xfrm>
             <a:off x="4982040" y="2591280"/>
-            <a:ext cx="3932640" cy="4037400"/>
+            <a:ext cx="3932280" cy="4037040"/>
           </a:xfrm>
           <a:prstGeom prst="rect">
             <a:avLst/>
@@ -5542,14 +5517,14 @@
       </p:pic>
       <p:sp>
         <p:nvSpPr>
-          <p:cNvPr id="102" name="Arrow: Down 13"/>
+          <p:cNvPr id="101" name="Arrow: Down 13"/>
           <p:cNvSpPr/>
           <p:nvPr/>
         </p:nvSpPr>
         <p:spPr>
           <a:xfrm>
             <a:off x="6648840" y="2057760"/>
-            <a:ext cx="462600" cy="308160"/>
+            <a:ext cx="462240" cy="307800"/>
           </a:xfrm>
           <a:prstGeom prst="downArrow">
             <a:avLst>
@@ -5596,7 +5571,7 @@
         <p:txBody>
           <a:bodyPr/>
           <a:p>
-            <a:fld id="{FA063F18-DAFC-488F-88E7-C594FF3A1D56}" type="slidenum">
+            <a:fld id="{BB7A9C07-0445-43E1-BDAC-1F9124208959}" type="slidenum">
               <a:t>13</a:t>
             </a:fld>
           </a:p>
@@ -5616,9 +5591,9 @@
         <p:txBody>
           <a:bodyPr/>
           <a:p>
-            <a:fld id="{C331FA0F-8DA9-49D3-AE3D-1DF0B3988EE3}" type="datetime1">
+            <a:fld id="{D2668393-5373-484E-9425-A99AF7E95107}" type="datetime1">
               <a:rPr lang="en-US"/>
-              <a:t>11/25/2022</a:t>
+              <a:t>11/26/2022</a:t>
             </a:fld>
           </a:p>
         </p:txBody>
@@ -5655,7 +5630,7 @@
       </p:grpSpPr>
       <p:sp>
         <p:nvSpPr>
-          <p:cNvPr id="103" name="PlaceHolder 1"/>
+          <p:cNvPr id="102" name="PlaceHolder 1"/>
           <p:cNvSpPr>
             <a:spLocks noGrp="1"/>
           </p:cNvSpPr>
@@ -5666,7 +5641,7 @@
         <p:spPr>
           <a:xfrm>
             <a:off x="0" y="0"/>
-            <a:ext cx="9142920" cy="763560"/>
+            <a:ext cx="9142560" cy="763200"/>
           </a:xfrm>
           <a:prstGeom prst="rect">
             <a:avLst/>
@@ -5714,7 +5689,7 @@
       </p:sp>
       <p:sp>
         <p:nvSpPr>
-          <p:cNvPr id="104" name="PlaceHolder 2"/>
+          <p:cNvPr id="103" name="PlaceHolder 2"/>
           <p:cNvSpPr>
             <a:spLocks noGrp="1"/>
           </p:cNvSpPr>
@@ -5725,7 +5700,7 @@
         <p:spPr>
           <a:xfrm>
             <a:off x="297360" y="1262880"/>
-            <a:ext cx="4502520" cy="3537000"/>
+            <a:ext cx="4502160" cy="3536640"/>
           </a:xfrm>
           <a:prstGeom prst="rect">
             <a:avLst/>
@@ -6181,14 +6156,14 @@
       </p:sp>
       <p:sp>
         <p:nvSpPr>
-          <p:cNvPr id="105" name="標題 1"/>
+          <p:cNvPr id="104" name="標題 1"/>
           <p:cNvSpPr/>
           <p:nvPr/>
         </p:nvSpPr>
         <p:spPr>
           <a:xfrm>
             <a:off x="0" y="764640"/>
-            <a:ext cx="9142920" cy="358920"/>
+            <a:ext cx="9142560" cy="358560"/>
           </a:xfrm>
           <a:prstGeom prst="rect">
             <a:avLst/>
@@ -6243,7 +6218,7 @@
       </p:sp>
       <p:pic>
         <p:nvPicPr>
-          <p:cNvPr id="106" name="" descr=""/>
+          <p:cNvPr id="105" name="" descr=""/>
           <p:cNvPicPr/>
           <p:nvPr/>
         </p:nvPicPr>
@@ -6254,7 +6229,7 @@
         <p:spPr>
           <a:xfrm>
             <a:off x="4343400" y="1371600"/>
-            <a:ext cx="4571280" cy="3099240"/>
+            <a:ext cx="4570920" cy="3098880"/>
           </a:xfrm>
           <a:prstGeom prst="rect">
             <a:avLst/>
@@ -6266,14 +6241,14 @@
       </p:pic>
       <p:sp>
         <p:nvSpPr>
-          <p:cNvPr id="107" name=""/>
+          <p:cNvPr id="106" name=""/>
           <p:cNvSpPr/>
           <p:nvPr/>
         </p:nvSpPr>
         <p:spPr>
           <a:xfrm>
             <a:off x="4343400" y="1371600"/>
-            <a:ext cx="4571280" cy="3099240"/>
+            <a:ext cx="4570920" cy="3098880"/>
           </a:xfrm>
           <a:prstGeom prst="rect">
             <a:avLst/>
@@ -6306,7 +6281,7 @@
         <p:txBody>
           <a:bodyPr/>
           <a:p>
-            <a:fld id="{2FAD6252-5D15-4264-AD9E-C9C524C1C315}" type="slidenum">
+            <a:fld id="{F2033DB4-4CAD-4D6D-908D-F09B197D5E90}" type="slidenum">
               <a:t>14</a:t>
             </a:fld>
           </a:p>
@@ -6326,9 +6301,9 @@
         <p:txBody>
           <a:bodyPr/>
           <a:p>
-            <a:fld id="{316DDCBD-788B-40B3-9885-BB65B112D363}" type="datetime1">
+            <a:fld id="{FA146763-B9AC-4D4E-AA86-C9264638C287}" type="datetime1">
               <a:rPr lang="en-US"/>
-              <a:t>11/25/2022</a:t>
+              <a:t>11/26/2022</a:t>
             </a:fld>
           </a:p>
         </p:txBody>
@@ -6365,7 +6340,7 @@
       </p:grpSpPr>
       <p:sp>
         <p:nvSpPr>
-          <p:cNvPr id="108" name="PlaceHolder 1"/>
+          <p:cNvPr id="107" name="PlaceHolder 1"/>
           <p:cNvSpPr>
             <a:spLocks noGrp="1"/>
           </p:cNvSpPr>
@@ -6376,7 +6351,7 @@
         <p:spPr>
           <a:xfrm>
             <a:off x="0" y="0"/>
-            <a:ext cx="9142920" cy="763560"/>
+            <a:ext cx="9142560" cy="763200"/>
           </a:xfrm>
           <a:prstGeom prst="rect">
             <a:avLst/>
@@ -6424,7 +6399,7 @@
       </p:sp>
       <p:sp>
         <p:nvSpPr>
-          <p:cNvPr id="109" name="PlaceHolder 2"/>
+          <p:cNvPr id="108" name="PlaceHolder 2"/>
           <p:cNvSpPr>
             <a:spLocks noGrp="1"/>
           </p:cNvSpPr>
@@ -6435,7 +6410,7 @@
         <p:spPr>
           <a:xfrm>
             <a:off x="297360" y="1262880"/>
-            <a:ext cx="3588120" cy="3245400"/>
+            <a:ext cx="3587760" cy="3245040"/>
           </a:xfrm>
           <a:prstGeom prst="rect">
             <a:avLst/>
@@ -6721,14 +6696,14 @@
       </p:sp>
       <p:sp>
         <p:nvSpPr>
-          <p:cNvPr id="110" name="標題 1"/>
+          <p:cNvPr id="109" name="標題 1"/>
           <p:cNvSpPr/>
           <p:nvPr/>
         </p:nvSpPr>
         <p:spPr>
           <a:xfrm>
             <a:off x="0" y="764640"/>
-            <a:ext cx="9142920" cy="358920"/>
+            <a:ext cx="9142560" cy="358560"/>
           </a:xfrm>
           <a:prstGeom prst="rect">
             <a:avLst/>
@@ -6783,7 +6758,7 @@
       </p:sp>
       <p:pic>
         <p:nvPicPr>
-          <p:cNvPr id="111" name="Picture 6" descr=""/>
+          <p:cNvPr id="110" name="Picture 6" descr=""/>
           <p:cNvPicPr/>
           <p:nvPr/>
         </p:nvPicPr>
@@ -6794,7 +6769,7 @@
         <p:spPr>
           <a:xfrm>
             <a:off x="6012000" y="-320040"/>
-            <a:ext cx="3067560" cy="6675120"/>
+            <a:ext cx="3067200" cy="6674760"/>
           </a:xfrm>
           <a:prstGeom prst="rect">
             <a:avLst/>
@@ -6808,14 +6783,14 @@
       </p:pic>
       <p:sp>
         <p:nvSpPr>
-          <p:cNvPr id="112" name="Rectangle 8"/>
+          <p:cNvPr id="111" name="Rectangle 8"/>
           <p:cNvSpPr/>
           <p:nvPr/>
         </p:nvSpPr>
         <p:spPr>
           <a:xfrm>
             <a:off x="6012000" y="4077000"/>
-            <a:ext cx="2015280" cy="358920"/>
+            <a:ext cx="2014920" cy="358560"/>
           </a:xfrm>
           <a:prstGeom prst="rect">
             <a:avLst/>
@@ -6845,7 +6820,7 @@
       </p:sp>
       <p:pic>
         <p:nvPicPr>
-          <p:cNvPr id="113" name="Picture 9" descr=""/>
+          <p:cNvPr id="112" name="Picture 9" descr=""/>
           <p:cNvPicPr/>
           <p:nvPr/>
         </p:nvPicPr>
@@ -6856,7 +6831,7 @@
         <p:spPr>
           <a:xfrm>
             <a:off x="4572000" y="3044160"/>
-            <a:ext cx="3380400" cy="1932480"/>
+            <a:ext cx="3380040" cy="1932120"/>
           </a:xfrm>
           <a:prstGeom prst="rect">
             <a:avLst/>
@@ -6870,14 +6845,14 @@
       </p:pic>
       <p:sp>
         <p:nvSpPr>
-          <p:cNvPr id="114" name="Rectangle 12"/>
+          <p:cNvPr id="113" name="Rectangle 12"/>
           <p:cNvSpPr/>
           <p:nvPr/>
         </p:nvSpPr>
         <p:spPr>
           <a:xfrm>
             <a:off x="4561200" y="3548160"/>
-            <a:ext cx="2231280" cy="718920"/>
+            <a:ext cx="2230920" cy="718560"/>
           </a:xfrm>
           <a:prstGeom prst="rect">
             <a:avLst/>
@@ -6907,14 +6882,14 @@
       </p:sp>
       <p:sp>
         <p:nvSpPr>
-          <p:cNvPr id="115" name="Rectangle 13"/>
+          <p:cNvPr id="114" name="Rectangle 13"/>
           <p:cNvSpPr/>
           <p:nvPr/>
         </p:nvSpPr>
         <p:spPr>
           <a:xfrm>
             <a:off x="586800" y="2057400"/>
-            <a:ext cx="3070080" cy="1828080"/>
+            <a:ext cx="3069720" cy="1827720"/>
           </a:xfrm>
           <a:prstGeom prst="rect">
             <a:avLst/>
@@ -6944,14 +6919,14 @@
       </p:sp>
       <p:sp>
         <p:nvSpPr>
-          <p:cNvPr id="116" name="Straight Arrow Connector 15"/>
+          <p:cNvPr id="115" name="Straight Arrow Connector 15"/>
           <p:cNvSpPr/>
           <p:nvPr/>
         </p:nvSpPr>
         <p:spPr>
           <a:xfrm>
             <a:off x="3657600" y="2971800"/>
-            <a:ext cx="902520" cy="935280"/>
+            <a:ext cx="902160" cy="934920"/>
           </a:xfrm>
           <a:custGeom>
             <a:avLst/>
@@ -6993,7 +6968,7 @@
       </p:sp>
       <p:pic>
         <p:nvPicPr>
-          <p:cNvPr id="117" name="Picture 16" descr=""/>
+          <p:cNvPr id="116" name="Picture 16" descr=""/>
           <p:cNvPicPr/>
           <p:nvPr/>
         </p:nvPicPr>
@@ -7004,7 +6979,7 @@
         <p:spPr>
           <a:xfrm>
             <a:off x="4550760" y="1163880"/>
-            <a:ext cx="3332520" cy="1646640"/>
+            <a:ext cx="3332160" cy="1646280"/>
           </a:xfrm>
           <a:prstGeom prst="rect">
             <a:avLst/>
@@ -7018,14 +6993,14 @@
       </p:pic>
       <p:sp>
         <p:nvSpPr>
-          <p:cNvPr id="118" name="Rectangle 17"/>
+          <p:cNvPr id="117" name="Rectangle 17"/>
           <p:cNvSpPr/>
           <p:nvPr/>
         </p:nvSpPr>
         <p:spPr>
           <a:xfrm>
             <a:off x="4550760" y="1772640"/>
-            <a:ext cx="1748160" cy="383760"/>
+            <a:ext cx="1747800" cy="383400"/>
           </a:xfrm>
           <a:prstGeom prst="rect">
             <a:avLst/>
@@ -7055,14 +7030,14 @@
       </p:sp>
       <p:sp>
         <p:nvSpPr>
-          <p:cNvPr id="119" name="Straight Arrow Connector 19"/>
+          <p:cNvPr id="118" name="Straight Arrow Connector 19"/>
           <p:cNvSpPr/>
           <p:nvPr/>
         </p:nvSpPr>
         <p:spPr>
           <a:xfrm flipH="1">
             <a:off x="3656520" y="2057400"/>
-            <a:ext cx="892440" cy="913680"/>
+            <a:ext cx="892080" cy="913320"/>
           </a:xfrm>
           <a:custGeom>
             <a:avLst/>
@@ -7116,7 +7091,7 @@
         <p:txBody>
           <a:bodyPr/>
           <a:p>
-            <a:fld id="{2759E15B-3FBE-409F-BFC1-834EBC7BCA75}" type="slidenum">
+            <a:fld id="{2F8A2EAE-6D27-4576-B164-DF943B282777}" type="slidenum">
               <a:t>15</a:t>
             </a:fld>
           </a:p>
@@ -7136,9 +7111,9 @@
         <p:txBody>
           <a:bodyPr/>
           <a:p>
-            <a:fld id="{CEAA66E0-79A7-4AC7-8F42-AC9DC42A4090}" type="datetime1">
+            <a:fld id="{5A9C5A03-C18F-4861-A5D3-837769CEE5FC}" type="datetime1">
               <a:rPr lang="en-US"/>
-              <a:t>11/25/2022</a:t>
+              <a:t>11/26/2022</a:t>
             </a:fld>
           </a:p>
         </p:txBody>
@@ -7175,7 +7150,7 @@
       </p:grpSpPr>
       <p:sp>
         <p:nvSpPr>
-          <p:cNvPr id="120" name="PlaceHolder 1"/>
+          <p:cNvPr id="119" name="PlaceHolder 1"/>
           <p:cNvSpPr>
             <a:spLocks noGrp="1"/>
           </p:cNvSpPr>
@@ -7186,7 +7161,7 @@
         <p:spPr>
           <a:xfrm>
             <a:off x="0" y="0"/>
-            <a:ext cx="9142920" cy="763560"/>
+            <a:ext cx="9142560" cy="763200"/>
           </a:xfrm>
           <a:prstGeom prst="rect">
             <a:avLst/>
@@ -7234,7 +7209,7 @@
       </p:sp>
       <p:sp>
         <p:nvSpPr>
-          <p:cNvPr id="121" name="PlaceHolder 2"/>
+          <p:cNvPr id="120" name="PlaceHolder 2"/>
           <p:cNvSpPr>
             <a:spLocks noGrp="1"/>
           </p:cNvSpPr>
@@ -7245,7 +7220,7 @@
         <p:spPr>
           <a:xfrm>
             <a:off x="145440" y="1248480"/>
-            <a:ext cx="3057480" cy="4237560"/>
+            <a:ext cx="3057120" cy="4237200"/>
           </a:xfrm>
           <a:prstGeom prst="rect">
             <a:avLst/>
@@ -7433,14 +7408,14 @@
       </p:sp>
       <p:sp>
         <p:nvSpPr>
-          <p:cNvPr id="122" name="標題 1"/>
+          <p:cNvPr id="121" name="標題 1"/>
           <p:cNvSpPr/>
           <p:nvPr/>
         </p:nvSpPr>
         <p:spPr>
           <a:xfrm>
             <a:off x="0" y="764640"/>
-            <a:ext cx="9142920" cy="358920"/>
+            <a:ext cx="9142560" cy="358560"/>
           </a:xfrm>
           <a:prstGeom prst="rect">
             <a:avLst/>
@@ -7495,7 +7470,7 @@
       </p:sp>
       <p:pic>
         <p:nvPicPr>
-          <p:cNvPr id="123" name="" descr=""/>
+          <p:cNvPr id="122" name="" descr=""/>
           <p:cNvPicPr/>
           <p:nvPr/>
         </p:nvPicPr>
@@ -7506,7 +7481,7 @@
         <p:spPr>
           <a:xfrm>
             <a:off x="3296880" y="1280880"/>
-            <a:ext cx="5714640" cy="3875040"/>
+            <a:ext cx="5714280" cy="3874680"/>
           </a:xfrm>
           <a:prstGeom prst="rect">
             <a:avLst/>
@@ -7518,14 +7493,14 @@
       </p:pic>
       <p:sp>
         <p:nvSpPr>
-          <p:cNvPr id="124" name="Rectangle 12"/>
+          <p:cNvPr id="123" name="Rectangle 12"/>
           <p:cNvSpPr/>
           <p:nvPr/>
         </p:nvSpPr>
         <p:spPr>
           <a:xfrm>
             <a:off x="3429000" y="4738680"/>
-            <a:ext cx="2138400" cy="290160"/>
+            <a:ext cx="2138040" cy="289800"/>
           </a:xfrm>
           <a:prstGeom prst="rect">
             <a:avLst/>
@@ -7555,14 +7530,14 @@
       </p:sp>
       <p:sp>
         <p:nvSpPr>
-          <p:cNvPr id="125" name="Rectangle 13"/>
+          <p:cNvPr id="124" name="Rectangle 13"/>
           <p:cNvSpPr/>
           <p:nvPr/>
         </p:nvSpPr>
         <p:spPr>
           <a:xfrm>
             <a:off x="3429000" y="3657600"/>
-            <a:ext cx="4800240" cy="456840"/>
+            <a:ext cx="4799880" cy="456480"/>
           </a:xfrm>
           <a:prstGeom prst="rect">
             <a:avLst/>
@@ -7592,14 +7567,14 @@
       </p:sp>
       <p:sp>
         <p:nvSpPr>
-          <p:cNvPr id="126" name="Oval 14"/>
+          <p:cNvPr id="125" name="Oval 14"/>
           <p:cNvSpPr/>
           <p:nvPr/>
         </p:nvSpPr>
         <p:spPr>
           <a:xfrm>
             <a:off x="3391920" y="4378680"/>
-            <a:ext cx="303120" cy="289440"/>
+            <a:ext cx="302760" cy="289080"/>
           </a:xfrm>
           <a:prstGeom prst="ellipse">
             <a:avLst/>
@@ -7657,14 +7632,14 @@
       </p:sp>
       <p:sp>
         <p:nvSpPr>
-          <p:cNvPr id="127" name="Oval 15"/>
+          <p:cNvPr id="126" name="Oval 15"/>
           <p:cNvSpPr/>
           <p:nvPr/>
         </p:nvSpPr>
         <p:spPr>
           <a:xfrm>
             <a:off x="3347280" y="3295080"/>
-            <a:ext cx="303120" cy="290160"/>
+            <a:ext cx="302760" cy="289800"/>
           </a:xfrm>
           <a:prstGeom prst="ellipse">
             <a:avLst/>
@@ -7734,7 +7709,7 @@
         <p:txBody>
           <a:bodyPr/>
           <a:p>
-            <a:fld id="{0AC21699-15A7-4ACD-AFA5-8FA8C2EEC888}" type="slidenum">
+            <a:fld id="{78F81660-46D3-4752-B0E0-F53D0AB4E0AD}" type="slidenum">
               <a:t>16</a:t>
             </a:fld>
           </a:p>
@@ -7754,9 +7729,9 @@
         <p:txBody>
           <a:bodyPr/>
           <a:p>
-            <a:fld id="{8635C0B1-1749-45C3-85AC-B7513E424D46}" type="datetime1">
+            <a:fld id="{A416310F-EA72-4F46-860B-AB064A8EE3F6}" type="datetime1">
               <a:rPr lang="en-US"/>
-              <a:t>11/25/2022</a:t>
+              <a:t>11/26/2022</a:t>
             </a:fld>
           </a:p>
         </p:txBody>
@@ -7793,7 +7768,7 @@
       </p:grpSpPr>
       <p:sp>
         <p:nvSpPr>
-          <p:cNvPr id="128" name="PlaceHolder 1"/>
+          <p:cNvPr id="127" name="PlaceHolder 1"/>
           <p:cNvSpPr>
             <a:spLocks noGrp="1"/>
           </p:cNvSpPr>
@@ -7804,7 +7779,7 @@
         <p:spPr>
           <a:xfrm>
             <a:off x="0" y="2130480"/>
-            <a:ext cx="9142920" cy="1468800"/>
+            <a:ext cx="9142560" cy="1468440"/>
           </a:xfrm>
           <a:prstGeom prst="rect">
             <a:avLst/>
@@ -7853,7 +7828,7 @@
       </p:sp>
       <p:pic>
         <p:nvPicPr>
-          <p:cNvPr id="129" name="Picture 6" descr=""/>
+          <p:cNvPr id="128" name="Picture 6" descr=""/>
           <p:cNvPicPr/>
           <p:nvPr/>
         </p:nvPicPr>
@@ -7864,7 +7839,7 @@
         <p:spPr>
           <a:xfrm>
             <a:off x="3924000" y="3639960"/>
-            <a:ext cx="991440" cy="943920"/>
+            <a:ext cx="991080" cy="943560"/>
           </a:xfrm>
           <a:prstGeom prst="rect">
             <a:avLst/>
@@ -7888,7 +7863,7 @@
         <p:txBody>
           <a:bodyPr/>
           <a:p>
-            <a:fld id="{A6924B83-17CA-4114-8BD0-DC7C0C9BA45D}" type="slidenum">
+            <a:fld id="{6FDB7919-CF6C-4D9C-8E82-F88D262046CB}" type="slidenum">
               <a:t>17</a:t>
             </a:fld>
           </a:p>
@@ -7908,9 +7883,9 @@
         <p:txBody>
           <a:bodyPr/>
           <a:p>
-            <a:fld id="{B5AAFC54-BE27-4597-9568-A0F64944B42B}" type="datetime1">
+            <a:fld id="{111F8B23-0B7D-4021-8127-7DB7E3C9B739}" type="datetime1">
               <a:rPr lang="en-US"/>
-              <a:t>11/25/2022</a:t>
+              <a:t>11/26/2022</a:t>
             </a:fld>
           </a:p>
         </p:txBody>
@@ -7947,7 +7922,7 @@
       </p:grpSpPr>
       <p:sp>
         <p:nvSpPr>
-          <p:cNvPr id="130" name="PlaceHolder 1"/>
+          <p:cNvPr id="129" name="PlaceHolder 1"/>
           <p:cNvSpPr>
             <a:spLocks noGrp="1"/>
           </p:cNvSpPr>
@@ -7958,7 +7933,7 @@
         <p:spPr>
           <a:xfrm>
             <a:off x="0" y="0"/>
-            <a:ext cx="9142920" cy="763560"/>
+            <a:ext cx="9142560" cy="763200"/>
           </a:xfrm>
           <a:prstGeom prst="rect">
             <a:avLst/>
@@ -8006,7 +7981,7 @@
       </p:sp>
       <p:sp>
         <p:nvSpPr>
-          <p:cNvPr id="131" name="PlaceHolder 2"/>
+          <p:cNvPr id="130" name="PlaceHolder 2"/>
           <p:cNvSpPr>
             <a:spLocks noGrp="1"/>
           </p:cNvSpPr>
@@ -8017,7 +7992,7 @@
         <p:spPr>
           <a:xfrm>
             <a:off x="316080" y="1224000"/>
-            <a:ext cx="8503200" cy="475560"/>
+            <a:ext cx="8502840" cy="475200"/>
           </a:xfrm>
           <a:prstGeom prst="rect">
             <a:avLst/>
@@ -8065,14 +8040,14 @@
       </p:sp>
       <p:sp>
         <p:nvSpPr>
-          <p:cNvPr id="132" name="標題 1"/>
+          <p:cNvPr id="131" name="標題 1"/>
           <p:cNvSpPr/>
           <p:nvPr/>
         </p:nvSpPr>
         <p:spPr>
           <a:xfrm>
             <a:off x="0" y="764640"/>
-            <a:ext cx="9142920" cy="358920"/>
+            <a:ext cx="9142560" cy="358560"/>
           </a:xfrm>
           <a:prstGeom prst="rect">
             <a:avLst/>
@@ -8127,7 +8102,7 @@
       </p:sp>
       <p:graphicFrame>
         <p:nvGraphicFramePr>
-          <p:cNvPr id="133" name="Table 32"/>
+          <p:cNvPr id="132" name="Table 32"/>
           <p:cNvGraphicFramePr/>
           <p:nvPr/>
         </p:nvGraphicFramePr>
@@ -9052,7 +9027,7 @@
         <p:txBody>
           <a:bodyPr/>
           <a:p>
-            <a:fld id="{6E6AD985-7033-4468-BC5F-A918E28A755C}" type="slidenum">
+            <a:fld id="{86879FC1-7024-46BA-9CDA-0705F0FE8CBD}" type="slidenum">
               <a:t>18</a:t>
             </a:fld>
           </a:p>
@@ -9072,9 +9047,9 @@
         <p:txBody>
           <a:bodyPr/>
           <a:p>
-            <a:fld id="{034820E8-93D9-4411-BCA3-5A7BCE59F956}" type="datetime1">
+            <a:fld id="{9958D4D2-1437-495D-B442-BC3AEF0EEF2B}" type="datetime1">
               <a:rPr lang="en-US"/>
-              <a:t>11/25/2022</a:t>
+              <a:t>11/26/2022</a:t>
             </a:fld>
           </a:p>
         </p:txBody>
@@ -9111,7 +9086,7 @@
       </p:grpSpPr>
       <p:sp>
         <p:nvSpPr>
-          <p:cNvPr id="134" name="PlaceHolder 1"/>
+          <p:cNvPr id="133" name="PlaceHolder 1"/>
           <p:cNvSpPr>
             <a:spLocks noGrp="1"/>
           </p:cNvSpPr>
@@ -9122,7 +9097,7 @@
         <p:spPr>
           <a:xfrm>
             <a:off x="0" y="0"/>
-            <a:ext cx="9142920" cy="763560"/>
+            <a:ext cx="9142560" cy="763200"/>
           </a:xfrm>
           <a:prstGeom prst="rect">
             <a:avLst/>
@@ -9170,7 +9145,7 @@
       </p:sp>
       <p:sp>
         <p:nvSpPr>
-          <p:cNvPr id="135" name="PlaceHolder 2"/>
+          <p:cNvPr id="134" name="PlaceHolder 2"/>
           <p:cNvSpPr>
             <a:spLocks noGrp="1"/>
           </p:cNvSpPr>
@@ -9181,7 +9156,7 @@
         <p:spPr>
           <a:xfrm>
             <a:off x="145440" y="1248480"/>
-            <a:ext cx="4209480" cy="1891440"/>
+            <a:ext cx="4209120" cy="1891080"/>
           </a:xfrm>
           <a:prstGeom prst="rect">
             <a:avLst/>
@@ -9341,14 +9316,14 @@
       </p:sp>
       <p:sp>
         <p:nvSpPr>
-          <p:cNvPr id="136" name="標題 1"/>
+          <p:cNvPr id="135" name="標題 1"/>
           <p:cNvSpPr/>
           <p:nvPr/>
         </p:nvSpPr>
         <p:spPr>
           <a:xfrm>
             <a:off x="0" y="764640"/>
-            <a:ext cx="9142920" cy="358920"/>
+            <a:ext cx="9142560" cy="358560"/>
           </a:xfrm>
           <a:prstGeom prst="rect">
             <a:avLst/>
@@ -9403,7 +9378,7 @@
       </p:sp>
       <p:pic>
         <p:nvPicPr>
-          <p:cNvPr id="137" name="Picture 8" descr=""/>
+          <p:cNvPr id="136" name="Picture 8" descr=""/>
           <p:cNvPicPr/>
           <p:nvPr/>
         </p:nvPicPr>
@@ -9414,7 +9389,7 @@
         <p:spPr>
           <a:xfrm>
             <a:off x="4537080" y="0"/>
-            <a:ext cx="4599360" cy="4618440"/>
+            <a:ext cx="4599000" cy="4618080"/>
           </a:xfrm>
           <a:prstGeom prst="rect">
             <a:avLst/>
@@ -9428,7 +9403,7 @@
       </p:pic>
       <p:pic>
         <p:nvPicPr>
-          <p:cNvPr id="138" name="Picture 11" descr=""/>
+          <p:cNvPr id="137" name="Picture 11" descr=""/>
           <p:cNvPicPr/>
           <p:nvPr/>
         </p:nvPicPr>
@@ -9439,7 +9414,7 @@
         <p:spPr>
           <a:xfrm>
             <a:off x="4389480" y="2918160"/>
-            <a:ext cx="4894920" cy="1113480"/>
+            <a:ext cx="4894560" cy="1113120"/>
           </a:xfrm>
           <a:prstGeom prst="rect">
             <a:avLst/>
@@ -9465,7 +9440,7 @@
         <p:txBody>
           <a:bodyPr/>
           <a:p>
-            <a:fld id="{11922A61-D5B9-4119-8E8E-BFEB27B24B6F}" type="slidenum">
+            <a:fld id="{75BA9D51-2AF4-465F-8B64-F00361796E4F}" type="slidenum">
               <a:t>19</a:t>
             </a:fld>
           </a:p>
@@ -9485,9 +9460,9 @@
         <p:txBody>
           <a:bodyPr/>
           <a:p>
-            <a:fld id="{976B38FD-1B88-49AB-9394-95DB0BDF0A58}" type="datetime1">
+            <a:fld id="{55C199B8-9EE8-4599-AFBB-15ACDD30D155}" type="datetime1">
               <a:rPr lang="en-US"/>
-              <a:t>11/25/2022</a:t>
+              <a:t>11/26/2022</a:t>
             </a:fld>
           </a:p>
         </p:txBody>
@@ -9535,7 +9510,7 @@
         <p:spPr>
           <a:xfrm>
             <a:off x="0" y="0"/>
-            <a:ext cx="9142920" cy="763560"/>
+            <a:ext cx="9142560" cy="763200"/>
           </a:xfrm>
           <a:prstGeom prst="rect">
             <a:avLst/>
@@ -9594,7 +9569,7 @@
         <p:spPr>
           <a:xfrm>
             <a:off x="316080" y="1224000"/>
-            <a:ext cx="8503200" cy="2691360"/>
+            <a:ext cx="8502840" cy="2691000"/>
           </a:xfrm>
           <a:prstGeom prst="rect">
             <a:avLst/>
@@ -9845,7 +9820,7 @@
         <p:spPr>
           <a:xfrm>
             <a:off x="0" y="764640"/>
-            <a:ext cx="9142920" cy="358920"/>
+            <a:ext cx="9142560" cy="358560"/>
           </a:xfrm>
           <a:prstGeom prst="rect">
             <a:avLst/>
@@ -10825,7 +10800,7 @@
         <p:txBody>
           <a:bodyPr/>
           <a:p>
-            <a:fld id="{194BE936-268B-4C05-8FE9-55B3B375720D}" type="slidenum">
+            <a:fld id="{D668D5DB-FD52-4231-9A9D-741084CA68D7}" type="slidenum">
               <a:t>2</a:t>
             </a:fld>
           </a:p>
@@ -10845,9 +10820,9 @@
         <p:txBody>
           <a:bodyPr/>
           <a:p>
-            <a:fld id="{E63240D7-6014-4823-8697-24F6B31BDDA1}" type="datetime1">
+            <a:fld id="{4D94EDC7-8FBE-46F9-AFEC-F90E809504C2}" type="datetime1">
               <a:rPr lang="en-US"/>
-              <a:t>11/25/2022</a:t>
+              <a:t>11/26/2022</a:t>
             </a:fld>
           </a:p>
         </p:txBody>
@@ -10884,7 +10859,7 @@
       </p:grpSpPr>
       <p:sp>
         <p:nvSpPr>
-          <p:cNvPr id="139" name="PlaceHolder 1"/>
+          <p:cNvPr id="138" name="PlaceHolder 1"/>
           <p:cNvSpPr>
             <a:spLocks noGrp="1"/>
           </p:cNvSpPr>
@@ -10895,7 +10870,7 @@
         <p:spPr>
           <a:xfrm>
             <a:off x="0" y="0"/>
-            <a:ext cx="9142920" cy="763560"/>
+            <a:ext cx="9142560" cy="763200"/>
           </a:xfrm>
           <a:prstGeom prst="rect">
             <a:avLst/>
@@ -10943,7 +10918,7 @@
       </p:sp>
       <p:sp>
         <p:nvSpPr>
-          <p:cNvPr id="140" name="PlaceHolder 2"/>
+          <p:cNvPr id="139" name="PlaceHolder 2"/>
           <p:cNvSpPr>
             <a:spLocks noGrp="1"/>
           </p:cNvSpPr>
@@ -10954,7 +10929,7 @@
         <p:spPr>
           <a:xfrm>
             <a:off x="145440" y="1248480"/>
-            <a:ext cx="4209480" cy="3323160"/>
+            <a:ext cx="4209120" cy="3322800"/>
           </a:xfrm>
           <a:prstGeom prst="rect">
             <a:avLst/>
@@ -11284,14 +11259,14 @@
       </p:sp>
       <p:sp>
         <p:nvSpPr>
-          <p:cNvPr id="141" name="標題 1"/>
+          <p:cNvPr id="140" name="標題 1"/>
           <p:cNvSpPr/>
           <p:nvPr/>
         </p:nvSpPr>
         <p:spPr>
           <a:xfrm>
             <a:off x="0" y="764640"/>
-            <a:ext cx="9142920" cy="358920"/>
+            <a:ext cx="9142560" cy="358560"/>
           </a:xfrm>
           <a:prstGeom prst="rect">
             <a:avLst/>
@@ -11346,7 +11321,7 @@
       </p:sp>
       <p:pic>
         <p:nvPicPr>
-          <p:cNvPr id="142" name="Picture 8" descr=""/>
+          <p:cNvPr id="141" name="Picture 8" descr=""/>
           <p:cNvPicPr/>
           <p:nvPr/>
         </p:nvPicPr>
@@ -11357,7 +11332,7 @@
         <p:spPr>
           <a:xfrm>
             <a:off x="4544280" y="-46800"/>
-            <a:ext cx="4599360" cy="4618440"/>
+            <a:ext cx="4599000" cy="4618080"/>
           </a:xfrm>
           <a:prstGeom prst="rect">
             <a:avLst/>
@@ -11371,14 +11346,14 @@
       </p:pic>
       <p:sp>
         <p:nvSpPr>
-          <p:cNvPr id="143" name="Rectangle 6"/>
+          <p:cNvPr id="142" name="Rectangle 6"/>
           <p:cNvSpPr/>
           <p:nvPr/>
         </p:nvSpPr>
         <p:spPr>
           <a:xfrm>
             <a:off x="4543560" y="2997000"/>
-            <a:ext cx="2008800" cy="646920"/>
+            <a:ext cx="2008440" cy="646560"/>
           </a:xfrm>
           <a:prstGeom prst="rect">
             <a:avLst/>
@@ -11408,7 +11383,7 @@
       </p:sp>
       <p:pic>
         <p:nvPicPr>
-          <p:cNvPr id="144" name="" descr=""/>
+          <p:cNvPr id="143" name="" descr=""/>
           <p:cNvPicPr/>
           <p:nvPr/>
         </p:nvPicPr>
@@ -11419,7 +11394,7 @@
         <p:spPr>
           <a:xfrm>
             <a:off x="3429000" y="2743200"/>
-            <a:ext cx="5711040" cy="3872520"/>
+            <a:ext cx="5710680" cy="3872160"/>
           </a:xfrm>
           <a:prstGeom prst="rect">
             <a:avLst/>
@@ -11443,7 +11418,7 @@
         <p:txBody>
           <a:bodyPr/>
           <a:p>
-            <a:fld id="{689ED1D9-D370-46E1-841E-E41C324206AA}" type="slidenum">
+            <a:fld id="{7CF5763D-1D51-4FF5-9E8D-81A463828F25}" type="slidenum">
               <a:t>20</a:t>
             </a:fld>
           </a:p>
@@ -11463,9 +11438,9 @@
         <p:txBody>
           <a:bodyPr/>
           <a:p>
-            <a:fld id="{5CA7256D-2AFD-4A8C-ADCB-B6E70FF580D1}" type="datetime1">
+            <a:fld id="{ADBBB55A-E3CC-4042-85C7-CBF19267D62C}" type="datetime1">
               <a:rPr lang="en-US"/>
-              <a:t>11/25/2022</a:t>
+              <a:t>11/26/2022</a:t>
             </a:fld>
           </a:p>
         </p:txBody>
@@ -11502,7 +11477,7 @@
       </p:grpSpPr>
       <p:sp>
         <p:nvSpPr>
-          <p:cNvPr id="145" name="PlaceHolder 1"/>
+          <p:cNvPr id="144" name="PlaceHolder 1"/>
           <p:cNvSpPr>
             <a:spLocks noGrp="1"/>
           </p:cNvSpPr>
@@ -11513,7 +11488,7 @@
         <p:spPr>
           <a:xfrm>
             <a:off x="0" y="2130480"/>
-            <a:ext cx="9142920" cy="1468800"/>
+            <a:ext cx="9142560" cy="1468440"/>
           </a:xfrm>
           <a:prstGeom prst="rect">
             <a:avLst/>
@@ -11553,7 +11528,7 @@
       </p:sp>
       <p:pic>
         <p:nvPicPr>
-          <p:cNvPr id="146" name="Picture 6" descr=""/>
+          <p:cNvPr id="145" name="Picture 6" descr=""/>
           <p:cNvPicPr/>
           <p:nvPr/>
         </p:nvPicPr>
@@ -11564,7 +11539,7 @@
         <p:spPr>
           <a:xfrm>
             <a:off x="3924000" y="3639960"/>
-            <a:ext cx="991440" cy="943920"/>
+            <a:ext cx="991080" cy="943560"/>
           </a:xfrm>
           <a:prstGeom prst="rect">
             <a:avLst/>
@@ -11588,7 +11563,7 @@
         <p:txBody>
           <a:bodyPr/>
           <a:p>
-            <a:fld id="{741FB6E3-9CDB-4CBA-AF81-A9A07963F403}" type="slidenum">
+            <a:fld id="{E94A56B4-5B50-4E1F-A045-6DAEE95DB095}" type="slidenum">
               <a:t>21</a:t>
             </a:fld>
           </a:p>
@@ -11608,9 +11583,9 @@
         <p:txBody>
           <a:bodyPr/>
           <a:p>
-            <a:fld id="{0FD1B846-FBB1-4B4F-B7E9-EF26703B853C}" type="datetime1">
+            <a:fld id="{3C00A7E8-FFCF-42D9-852F-D6A01A4D468A}" type="datetime1">
               <a:rPr lang="en-US"/>
-              <a:t>11/25/2022</a:t>
+              <a:t>11/26/2022</a:t>
             </a:fld>
           </a:p>
         </p:txBody>
@@ -11647,7 +11622,7 @@
       </p:grpSpPr>
       <p:sp>
         <p:nvSpPr>
-          <p:cNvPr id="147" name="PlaceHolder 1"/>
+          <p:cNvPr id="146" name="PlaceHolder 1"/>
           <p:cNvSpPr>
             <a:spLocks noGrp="1"/>
           </p:cNvSpPr>
@@ -11658,7 +11633,7 @@
         <p:spPr>
           <a:xfrm>
             <a:off x="0" y="0"/>
-            <a:ext cx="9142920" cy="763560"/>
+            <a:ext cx="9142560" cy="763200"/>
           </a:xfrm>
           <a:prstGeom prst="rect">
             <a:avLst/>
@@ -11706,7 +11681,7 @@
       </p:sp>
       <p:sp>
         <p:nvSpPr>
-          <p:cNvPr id="148" name="PlaceHolder 2"/>
+          <p:cNvPr id="147" name="PlaceHolder 2"/>
           <p:cNvSpPr>
             <a:spLocks noGrp="1"/>
           </p:cNvSpPr>
@@ -11717,7 +11692,7 @@
         <p:spPr>
           <a:xfrm>
             <a:off x="316080" y="1224000"/>
-            <a:ext cx="8503200" cy="475560"/>
+            <a:ext cx="8502840" cy="475200"/>
           </a:xfrm>
           <a:prstGeom prst="rect">
             <a:avLst/>
@@ -11765,14 +11740,14 @@
       </p:sp>
       <p:sp>
         <p:nvSpPr>
-          <p:cNvPr id="149" name="標題 1"/>
+          <p:cNvPr id="148" name="標題 1"/>
           <p:cNvSpPr/>
           <p:nvPr/>
         </p:nvSpPr>
         <p:spPr>
           <a:xfrm>
             <a:off x="0" y="764640"/>
-            <a:ext cx="9142920" cy="358920"/>
+            <a:ext cx="9142560" cy="358560"/>
           </a:xfrm>
           <a:prstGeom prst="rect">
             <a:avLst/>
@@ -11827,7 +11802,7 @@
       </p:sp>
       <p:graphicFrame>
         <p:nvGraphicFramePr>
-          <p:cNvPr id="150" name="Table 32"/>
+          <p:cNvPr id="149" name="Table 32"/>
           <p:cNvGraphicFramePr/>
           <p:nvPr/>
         </p:nvGraphicFramePr>
@@ -12752,7 +12727,7 @@
         <p:txBody>
           <a:bodyPr/>
           <a:p>
-            <a:fld id="{BA511F9F-12E2-4452-B52B-3044176B9670}" type="slidenum">
+            <a:fld id="{3302D1EA-1BC2-47F6-9688-8BD1154F86DF}" type="slidenum">
               <a:t>22</a:t>
             </a:fld>
           </a:p>
@@ -12772,9 +12747,9 @@
         <p:txBody>
           <a:bodyPr/>
           <a:p>
-            <a:fld id="{1F187AD5-B6CE-4DD8-BCA0-BAE94A4892F3}" type="datetime1">
+            <a:fld id="{0CC2A354-E7E3-4EDC-9CC1-36E122C6833D}" type="datetime1">
               <a:rPr lang="en-US"/>
-              <a:t>11/25/2022</a:t>
+              <a:t>11/26/2022</a:t>
             </a:fld>
           </a:p>
         </p:txBody>
@@ -12811,7 +12786,7 @@
       </p:grpSpPr>
       <p:pic>
         <p:nvPicPr>
-          <p:cNvPr id="151" name="Picture 9" descr=""/>
+          <p:cNvPr id="150" name="Picture 9" descr=""/>
           <p:cNvPicPr/>
           <p:nvPr/>
         </p:nvPicPr>
@@ -12822,7 +12797,7 @@
         <p:spPr>
           <a:xfrm>
             <a:off x="4600440" y="1303920"/>
-            <a:ext cx="4542480" cy="4151880"/>
+            <a:ext cx="4542120" cy="4151520"/>
           </a:xfrm>
           <a:prstGeom prst="rect">
             <a:avLst/>
@@ -12836,7 +12811,7 @@
       </p:pic>
       <p:sp>
         <p:nvSpPr>
-          <p:cNvPr id="152" name="PlaceHolder 1"/>
+          <p:cNvPr id="151" name="PlaceHolder 1"/>
           <p:cNvSpPr>
             <a:spLocks noGrp="1"/>
           </p:cNvSpPr>
@@ -12847,7 +12822,7 @@
         <p:spPr>
           <a:xfrm>
             <a:off x="0" y="0"/>
-            <a:ext cx="9142920" cy="763560"/>
+            <a:ext cx="9142560" cy="763200"/>
           </a:xfrm>
           <a:prstGeom prst="rect">
             <a:avLst/>
@@ -12895,7 +12870,7 @@
       </p:sp>
       <p:sp>
         <p:nvSpPr>
-          <p:cNvPr id="153" name="PlaceHolder 2"/>
+          <p:cNvPr id="152" name="PlaceHolder 2"/>
           <p:cNvSpPr>
             <a:spLocks noGrp="1"/>
           </p:cNvSpPr>
@@ -12906,7 +12881,7 @@
         <p:spPr>
           <a:xfrm>
             <a:off x="145440" y="1248480"/>
-            <a:ext cx="4197600" cy="4008960"/>
+            <a:ext cx="4197240" cy="4008600"/>
           </a:xfrm>
           <a:prstGeom prst="rect">
             <a:avLst/>
@@ -13208,14 +13183,14 @@
       </p:sp>
       <p:sp>
         <p:nvSpPr>
-          <p:cNvPr id="154" name="標題 1"/>
+          <p:cNvPr id="153" name="標題 1"/>
           <p:cNvSpPr/>
           <p:nvPr/>
         </p:nvSpPr>
         <p:spPr>
           <a:xfrm>
             <a:off x="0" y="764640"/>
-            <a:ext cx="9142920" cy="358920"/>
+            <a:ext cx="9142560" cy="358560"/>
           </a:xfrm>
           <a:prstGeom prst="rect">
             <a:avLst/>
@@ -13270,14 +13245,14 @@
       </p:sp>
       <p:sp>
         <p:nvSpPr>
-          <p:cNvPr id="155" name="Rectangle 6"/>
+          <p:cNvPr id="154" name="Rectangle 6"/>
           <p:cNvSpPr/>
           <p:nvPr/>
         </p:nvSpPr>
         <p:spPr>
           <a:xfrm>
             <a:off x="4600440" y="3083760"/>
-            <a:ext cx="4542480" cy="934920"/>
+            <a:ext cx="4542120" cy="934560"/>
           </a:xfrm>
           <a:prstGeom prst="rect">
             <a:avLst/>
@@ -13307,14 +13282,14 @@
       </p:sp>
       <p:sp>
         <p:nvSpPr>
-          <p:cNvPr id="156" name="Rectangle 10"/>
+          <p:cNvPr id="155" name="Rectangle 10"/>
           <p:cNvSpPr/>
           <p:nvPr/>
         </p:nvSpPr>
         <p:spPr>
           <a:xfrm>
             <a:off x="4600440" y="4184280"/>
-            <a:ext cx="4542480" cy="482400"/>
+            <a:ext cx="4542120" cy="482040"/>
           </a:xfrm>
           <a:prstGeom prst="rect">
             <a:avLst/>
@@ -13344,14 +13319,14 @@
       </p:sp>
       <p:sp>
         <p:nvSpPr>
-          <p:cNvPr id="157" name="Oval 11"/>
+          <p:cNvPr id="156" name="Oval 11"/>
           <p:cNvSpPr/>
           <p:nvPr/>
         </p:nvSpPr>
         <p:spPr>
           <a:xfrm>
             <a:off x="4213440" y="3227760"/>
-            <a:ext cx="386280" cy="358920"/>
+            <a:ext cx="385920" cy="358560"/>
           </a:xfrm>
           <a:prstGeom prst="ellipse">
             <a:avLst/>
@@ -13409,14 +13384,14 @@
       </p:sp>
       <p:sp>
         <p:nvSpPr>
-          <p:cNvPr id="158" name="Oval 12"/>
+          <p:cNvPr id="157" name="Oval 12"/>
           <p:cNvSpPr/>
           <p:nvPr/>
         </p:nvSpPr>
         <p:spPr>
           <a:xfrm>
             <a:off x="4180320" y="4246200"/>
-            <a:ext cx="386280" cy="358920"/>
+            <a:ext cx="385920" cy="358560"/>
           </a:xfrm>
           <a:prstGeom prst="ellipse">
             <a:avLst/>
@@ -13474,7 +13449,7 @@
       </p:sp>
       <p:pic>
         <p:nvPicPr>
-          <p:cNvPr id="159" name="" descr=""/>
+          <p:cNvPr id="158" name="" descr=""/>
           <p:cNvPicPr/>
           <p:nvPr/>
         </p:nvPicPr>
@@ -13485,7 +13460,7 @@
         <p:spPr>
           <a:xfrm>
             <a:off x="4343400" y="-58320"/>
-            <a:ext cx="4800240" cy="3254760"/>
+            <a:ext cx="4799880" cy="3254400"/>
           </a:xfrm>
           <a:prstGeom prst="rect">
             <a:avLst/>
@@ -13509,7 +13484,7 @@
         <p:txBody>
           <a:bodyPr/>
           <a:p>
-            <a:fld id="{5DFE19D1-60B1-45F1-8D0D-16042E56ECF4}" type="slidenum">
+            <a:fld id="{29885723-80C8-4431-8B67-531675304A86}" type="slidenum">
               <a:t>23</a:t>
             </a:fld>
           </a:p>
@@ -13529,9 +13504,9 @@
         <p:txBody>
           <a:bodyPr/>
           <a:p>
-            <a:fld id="{7811860B-21A2-4694-84DE-D92D6F56F81A}" type="datetime1">
+            <a:fld id="{6ECE7349-CB32-4F8F-9A07-BBC823CE3FD2}" type="datetime1">
               <a:rPr lang="en-US"/>
-              <a:t>11/25/2022</a:t>
+              <a:t>11/26/2022</a:t>
             </a:fld>
           </a:p>
         </p:txBody>
@@ -13568,7 +13543,7 @@
       </p:grpSpPr>
       <p:sp>
         <p:nvSpPr>
-          <p:cNvPr id="160" name="PlaceHolder 1"/>
+          <p:cNvPr id="159" name="PlaceHolder 1"/>
           <p:cNvSpPr>
             <a:spLocks noGrp="1"/>
           </p:cNvSpPr>
@@ -13579,7 +13554,7 @@
         <p:spPr>
           <a:xfrm>
             <a:off x="0" y="0"/>
-            <a:ext cx="9142920" cy="763560"/>
+            <a:ext cx="9142560" cy="763200"/>
           </a:xfrm>
           <a:prstGeom prst="rect">
             <a:avLst/>
@@ -13627,7 +13602,7 @@
       </p:sp>
       <p:sp>
         <p:nvSpPr>
-          <p:cNvPr id="161" name="PlaceHolder 2"/>
+          <p:cNvPr id="160" name="PlaceHolder 2"/>
           <p:cNvSpPr>
             <a:spLocks noGrp="1"/>
           </p:cNvSpPr>
@@ -13638,7 +13613,7 @@
         <p:spPr>
           <a:xfrm>
             <a:off x="145440" y="1248480"/>
-            <a:ext cx="4426200" cy="3476160"/>
+            <a:ext cx="4425840" cy="3475800"/>
           </a:xfrm>
           <a:prstGeom prst="rect">
             <a:avLst/>
@@ -13856,14 +13831,14 @@
       </p:sp>
       <p:sp>
         <p:nvSpPr>
-          <p:cNvPr id="162" name="標題 1"/>
+          <p:cNvPr id="161" name="標題 1"/>
           <p:cNvSpPr/>
           <p:nvPr/>
         </p:nvSpPr>
         <p:spPr>
           <a:xfrm>
             <a:off x="0" y="764640"/>
-            <a:ext cx="9142920" cy="358920"/>
+            <a:ext cx="9142560" cy="358560"/>
           </a:xfrm>
           <a:prstGeom prst="rect">
             <a:avLst/>
@@ -13918,7 +13893,7 @@
       </p:sp>
       <p:pic>
         <p:nvPicPr>
-          <p:cNvPr id="163" name="Picture 8" descr=""/>
+          <p:cNvPr id="162" name="Picture 8" descr=""/>
           <p:cNvPicPr/>
           <p:nvPr/>
         </p:nvPicPr>
@@ -13929,7 +13904,7 @@
         <p:spPr>
           <a:xfrm>
             <a:off x="286560" y="4725000"/>
-            <a:ext cx="9085680" cy="1675440"/>
+            <a:ext cx="9085320" cy="1675080"/>
           </a:xfrm>
           <a:prstGeom prst="rect">
             <a:avLst/>
@@ -13943,7 +13918,7 @@
       </p:pic>
       <p:pic>
         <p:nvPicPr>
-          <p:cNvPr id="164" name="Picture 9" descr=""/>
+          <p:cNvPr id="163" name="Picture 9" descr=""/>
           <p:cNvPicPr/>
           <p:nvPr/>
         </p:nvPicPr>
@@ -13954,7 +13929,7 @@
         <p:spPr>
           <a:xfrm>
             <a:off x="4617000" y="79200"/>
-            <a:ext cx="4542480" cy="4151880"/>
+            <a:ext cx="4542120" cy="4151520"/>
           </a:xfrm>
           <a:prstGeom prst="rect">
             <a:avLst/>
@@ -13968,14 +13943,14 @@
       </p:pic>
       <p:sp>
         <p:nvSpPr>
-          <p:cNvPr id="165" name="Rectangle 6"/>
+          <p:cNvPr id="164" name="Rectangle 6"/>
           <p:cNvSpPr/>
           <p:nvPr/>
         </p:nvSpPr>
         <p:spPr>
           <a:xfrm>
             <a:off x="4617000" y="3571200"/>
-            <a:ext cx="3570840" cy="659880"/>
+            <a:ext cx="3570480" cy="659520"/>
           </a:xfrm>
           <a:prstGeom prst="rect">
             <a:avLst/>
@@ -14005,14 +13980,14 @@
       </p:sp>
       <p:sp>
         <p:nvSpPr>
-          <p:cNvPr id="166" name="Rectangle 13"/>
+          <p:cNvPr id="165" name="Rectangle 13"/>
           <p:cNvSpPr/>
           <p:nvPr/>
         </p:nvSpPr>
         <p:spPr>
           <a:xfrm>
             <a:off x="208080" y="5867280"/>
-            <a:ext cx="3994920" cy="214920"/>
+            <a:ext cx="3994560" cy="214560"/>
           </a:xfrm>
           <a:prstGeom prst="rect">
             <a:avLst/>
@@ -14054,7 +14029,7 @@
         <p:txBody>
           <a:bodyPr/>
           <a:p>
-            <a:fld id="{D134E384-52F4-46D4-B839-939ED07E7C2B}" type="slidenum">
+            <a:fld id="{25F9E512-BB2F-4411-89BB-542C18B369B1}" type="slidenum">
               <a:t>24</a:t>
             </a:fld>
           </a:p>
@@ -14074,9 +14049,9 @@
         <p:txBody>
           <a:bodyPr/>
           <a:p>
-            <a:fld id="{D0D30138-BA5E-4AB8-B591-4C805F0933C8}" type="datetime1">
+            <a:fld id="{ABDA18A3-C8D4-447C-A8CD-77FD007D0318}" type="datetime1">
               <a:rPr lang="en-US"/>
-              <a:t>11/25/2022</a:t>
+              <a:t>11/26/2022</a:t>
             </a:fld>
           </a:p>
         </p:txBody>
@@ -14113,7 +14088,7 @@
       </p:grpSpPr>
       <p:sp>
         <p:nvSpPr>
-          <p:cNvPr id="167" name="PlaceHolder 1"/>
+          <p:cNvPr id="166" name="PlaceHolder 1"/>
           <p:cNvSpPr>
             <a:spLocks noGrp="1"/>
           </p:cNvSpPr>
@@ -14124,7 +14099,7 @@
         <p:spPr>
           <a:xfrm>
             <a:off x="0" y="0"/>
-            <a:ext cx="9142920" cy="763560"/>
+            <a:ext cx="9142560" cy="763200"/>
           </a:xfrm>
           <a:prstGeom prst="rect">
             <a:avLst/>
@@ -14172,7 +14147,7 @@
       </p:sp>
       <p:sp>
         <p:nvSpPr>
-          <p:cNvPr id="168" name="PlaceHolder 2"/>
+          <p:cNvPr id="167" name="PlaceHolder 2"/>
           <p:cNvSpPr>
             <a:spLocks noGrp="1"/>
           </p:cNvSpPr>
@@ -14183,7 +14158,7 @@
         <p:spPr>
           <a:xfrm>
             <a:off x="145440" y="1248480"/>
-            <a:ext cx="8540280" cy="1037160"/>
+            <a:ext cx="8539920" cy="1036800"/>
           </a:xfrm>
           <a:prstGeom prst="rect">
             <a:avLst/>
@@ -14287,14 +14262,14 @@
       </p:sp>
       <p:sp>
         <p:nvSpPr>
-          <p:cNvPr id="169" name="標題 1"/>
+          <p:cNvPr id="168" name="標題 1"/>
           <p:cNvSpPr/>
           <p:nvPr/>
         </p:nvSpPr>
         <p:spPr>
           <a:xfrm>
             <a:off x="0" y="764640"/>
-            <a:ext cx="9142920" cy="358920"/>
+            <a:ext cx="9142560" cy="358560"/>
           </a:xfrm>
           <a:prstGeom prst="rect">
             <a:avLst/>
@@ -14361,7 +14336,7 @@
         <p:txBody>
           <a:bodyPr/>
           <a:p>
-            <a:fld id="{73436C7C-44E8-4143-967B-269CCE26BD5E}" type="slidenum">
+            <a:fld id="{BC6BEAD9-3BB9-470D-9015-EB7B96E41731}" type="slidenum">
               <a:t>25</a:t>
             </a:fld>
           </a:p>
@@ -14381,9 +14356,9 @@
         <p:txBody>
           <a:bodyPr/>
           <a:p>
-            <a:fld id="{18500569-23A7-46F6-A14B-3570B90D3CCC}" type="datetime1">
+            <a:fld id="{D4A0F5B2-8A17-4DBD-AE75-E1FE3BB31763}" type="datetime1">
               <a:rPr lang="en-US"/>
-              <a:t>11/25/2022</a:t>
+              <a:t>11/26/2022</a:t>
             </a:fld>
           </a:p>
         </p:txBody>
@@ -14420,7 +14395,7 @@
       </p:grpSpPr>
       <p:sp>
         <p:nvSpPr>
-          <p:cNvPr id="170" name="PlaceHolder 1"/>
+          <p:cNvPr id="169" name="PlaceHolder 1"/>
           <p:cNvSpPr>
             <a:spLocks noGrp="1"/>
           </p:cNvSpPr>
@@ -14431,7 +14406,7 @@
         <p:spPr>
           <a:xfrm>
             <a:off x="0" y="2130480"/>
-            <a:ext cx="9142920" cy="1468800"/>
+            <a:ext cx="9142560" cy="1468440"/>
           </a:xfrm>
           <a:prstGeom prst="rect">
             <a:avLst/>
@@ -14491,7 +14466,7 @@
         <p:txBody>
           <a:bodyPr/>
           <a:p>
-            <a:fld id="{F897B6E4-1DAA-432C-904C-FA8D3ADE4D3F}" type="slidenum">
+            <a:fld id="{FF18E685-627A-41AA-8FB6-DC6AD0C80168}" type="slidenum">
               <a:t>26</a:t>
             </a:fld>
           </a:p>
@@ -14511,9 +14486,9 @@
         <p:txBody>
           <a:bodyPr/>
           <a:p>
-            <a:fld id="{8BB5BFA4-C597-47B3-B08C-5277ACAEC88A}" type="datetime1">
+            <a:fld id="{93ED25E5-A392-4622-BB84-0EEF47FDFB9D}" type="datetime1">
               <a:rPr lang="en-US"/>
-              <a:t>11/25/2022</a:t>
+              <a:t>11/26/2022</a:t>
             </a:fld>
           </a:p>
         </p:txBody>
@@ -14561,7 +14536,7 @@
         <p:spPr>
           <a:xfrm>
             <a:off x="0" y="2130480"/>
-            <a:ext cx="9142920" cy="1468800"/>
+            <a:ext cx="9142560" cy="1468440"/>
           </a:xfrm>
           <a:prstGeom prst="rect">
             <a:avLst/>
@@ -14612,7 +14587,7 @@
         <p:spPr>
           <a:xfrm>
             <a:off x="3924000" y="3639960"/>
-            <a:ext cx="991440" cy="943920"/>
+            <a:ext cx="991080" cy="943560"/>
           </a:xfrm>
           <a:prstGeom prst="rect">
             <a:avLst/>
@@ -14636,7 +14611,7 @@
         <p:txBody>
           <a:bodyPr/>
           <a:p>
-            <a:fld id="{83CE6F59-595E-4A57-BEE8-2CD4C6218F59}" type="slidenum">
+            <a:fld id="{498D6F2D-34E3-4249-B929-C06C5A5AC208}" type="slidenum">
               <a:t>3</a:t>
             </a:fld>
           </a:p>
@@ -14656,9 +14631,9 @@
         <p:txBody>
           <a:bodyPr/>
           <a:p>
-            <a:fld id="{49DDEC08-75B9-4B73-B08C-1AB38F9B3201}" type="datetime1">
+            <a:fld id="{13E20AA9-8E80-43CC-84EA-FE95A561F53C}" type="datetime1">
               <a:rPr lang="en-US"/>
-              <a:t>11/25/2022</a:t>
+              <a:t>11/26/2022</a:t>
             </a:fld>
           </a:p>
         </p:txBody>
@@ -14706,7 +14681,7 @@
         <p:spPr>
           <a:xfrm>
             <a:off x="0" y="0"/>
-            <a:ext cx="9142920" cy="763560"/>
+            <a:ext cx="9142560" cy="763200"/>
           </a:xfrm>
           <a:prstGeom prst="rect">
             <a:avLst/>
@@ -14765,7 +14740,7 @@
         <p:spPr>
           <a:xfrm>
             <a:off x="316080" y="1224000"/>
-            <a:ext cx="8503200" cy="475560"/>
+            <a:ext cx="8502840" cy="475200"/>
           </a:xfrm>
           <a:prstGeom prst="rect">
             <a:avLst/>
@@ -14820,7 +14795,7 @@
         <p:spPr>
           <a:xfrm>
             <a:off x="0" y="764640"/>
-            <a:ext cx="9142920" cy="358920"/>
+            <a:ext cx="9142560" cy="358560"/>
           </a:xfrm>
           <a:prstGeom prst="rect">
             <a:avLst/>
@@ -15800,7 +15775,7 @@
         <p:txBody>
           <a:bodyPr/>
           <a:p>
-            <a:fld id="{6B591393-B09E-4E03-ABDB-A987EE90018F}" type="slidenum">
+            <a:fld id="{45E0EC8D-EF96-4A6B-9DF8-A235FAC5C76F}" type="slidenum">
               <a:t>4</a:t>
             </a:fld>
           </a:p>
@@ -15820,9 +15795,9 @@
         <p:txBody>
           <a:bodyPr/>
           <a:p>
-            <a:fld id="{86853AD4-7A77-4630-81ED-2CADC724F4D3}" type="datetime1">
+            <a:fld id="{06EBFD51-99FF-4BF0-81B1-A009A11898B9}" type="datetime1">
               <a:rPr lang="en-US"/>
-              <a:t>11/25/2022</a:t>
+              <a:t>11/26/2022</a:t>
             </a:fld>
           </a:p>
         </p:txBody>
@@ -15870,7 +15845,7 @@
         <p:spPr>
           <a:xfrm>
             <a:off x="0" y="0"/>
-            <a:ext cx="9142920" cy="763560"/>
+            <a:ext cx="9142560" cy="763200"/>
           </a:xfrm>
           <a:prstGeom prst="rect">
             <a:avLst/>
@@ -15929,7 +15904,7 @@
         <p:spPr>
           <a:xfrm>
             <a:off x="299520" y="1353600"/>
-            <a:ext cx="6415200" cy="2362320"/>
+            <a:ext cx="6414840" cy="2361960"/>
           </a:xfrm>
           <a:prstGeom prst="rect">
             <a:avLst/>
@@ -16124,7 +16099,7 @@
         <p:spPr>
           <a:xfrm>
             <a:off x="0" y="764640"/>
-            <a:ext cx="9142920" cy="358920"/>
+            <a:ext cx="9142560" cy="358560"/>
           </a:xfrm>
           <a:prstGeom prst="rect">
             <a:avLst/>
@@ -16190,7 +16165,7 @@
         <p:spPr>
           <a:xfrm>
             <a:off x="6897960" y="136440"/>
-            <a:ext cx="2352600" cy="5119560"/>
+            <a:ext cx="2352240" cy="5119200"/>
           </a:xfrm>
           <a:prstGeom prst="rect">
             <a:avLst/>
@@ -16215,7 +16190,7 @@
         <p:spPr>
           <a:xfrm>
             <a:off x="107640" y="3945960"/>
-            <a:ext cx="9142920" cy="1654200"/>
+            <a:ext cx="9142560" cy="1653840"/>
           </a:xfrm>
           <a:prstGeom prst="rect">
             <a:avLst/>
@@ -16236,7 +16211,7 @@
         <p:spPr>
           <a:xfrm>
             <a:off x="6876360" y="1124640"/>
-            <a:ext cx="1809360" cy="502920"/>
+            <a:ext cx="1809000" cy="502560"/>
           </a:xfrm>
           <a:prstGeom prst="rect">
             <a:avLst/>
@@ -16278,7 +16253,7 @@
         <p:txBody>
           <a:bodyPr/>
           <a:p>
-            <a:fld id="{67A97D1B-CDE3-4FC9-BA14-41434A94D6B8}" type="slidenum">
+            <a:fld id="{64FBEE8C-5CB0-47E9-BBF6-D5A64A7DC184}" type="slidenum">
               <a:t>5</a:t>
             </a:fld>
           </a:p>
@@ -16298,9 +16273,9 @@
         <p:txBody>
           <a:bodyPr/>
           <a:p>
-            <a:fld id="{5C480A32-04ED-493C-8D42-915CAC03128A}" type="datetime1">
+            <a:fld id="{BC70B1D0-0712-4F67-934D-56832BD63D18}" type="datetime1">
               <a:rPr lang="en-US"/>
-              <a:t>11/25/2022</a:t>
+              <a:t>11/26/2022</a:t>
             </a:fld>
           </a:p>
         </p:txBody>
@@ -16348,7 +16323,7 @@
         <p:spPr>
           <a:xfrm>
             <a:off x="0" y="2130480"/>
-            <a:ext cx="9142920" cy="1468800"/>
+            <a:ext cx="9142560" cy="1468440"/>
           </a:xfrm>
           <a:prstGeom prst="rect">
             <a:avLst/>
@@ -16399,7 +16374,7 @@
         <p:spPr>
           <a:xfrm>
             <a:off x="3924000" y="3639960"/>
-            <a:ext cx="991440" cy="943920"/>
+            <a:ext cx="991080" cy="943560"/>
           </a:xfrm>
           <a:prstGeom prst="rect">
             <a:avLst/>
@@ -16423,7 +16398,7 @@
         <p:txBody>
           <a:bodyPr/>
           <a:p>
-            <a:fld id="{2C5DCD7C-B0BD-4E1D-B282-C77968C75677}" type="slidenum">
+            <a:fld id="{E1F65BB8-A823-4516-B1CF-C1418F0D7AAB}" type="slidenum">
               <a:t>6</a:t>
             </a:fld>
           </a:p>
@@ -16443,9 +16418,9 @@
         <p:txBody>
           <a:bodyPr/>
           <a:p>
-            <a:fld id="{8E802B9E-A338-4643-BCBA-65FC989C6BBF}" type="datetime1">
+            <a:fld id="{89166A83-20C3-470B-B114-CEA9D8790481}" type="datetime1">
               <a:rPr lang="en-US"/>
-              <a:t>11/25/2022</a:t>
+              <a:t>11/26/2022</a:t>
             </a:fld>
           </a:p>
         </p:txBody>
@@ -16493,7 +16468,7 @@
         <p:spPr>
           <a:xfrm>
             <a:off x="0" y="0"/>
-            <a:ext cx="9142920" cy="763560"/>
+            <a:ext cx="9142560" cy="763200"/>
           </a:xfrm>
           <a:prstGeom prst="rect">
             <a:avLst/>
@@ -16552,7 +16527,7 @@
         <p:spPr>
           <a:xfrm>
             <a:off x="316080" y="1224000"/>
-            <a:ext cx="8503200" cy="475560"/>
+            <a:ext cx="8502840" cy="475200"/>
           </a:xfrm>
           <a:prstGeom prst="rect">
             <a:avLst/>
@@ -16607,7 +16582,7 @@
         <p:spPr>
           <a:xfrm>
             <a:off x="0" y="764640"/>
-            <a:ext cx="9142920" cy="358920"/>
+            <a:ext cx="9142560" cy="358560"/>
           </a:xfrm>
           <a:prstGeom prst="rect">
             <a:avLst/>
@@ -17587,7 +17562,7 @@
         <p:txBody>
           <a:bodyPr/>
           <a:p>
-            <a:fld id="{00015C8E-1182-4C22-9F34-AA9E2B690062}" type="slidenum">
+            <a:fld id="{DACC477E-07A4-4301-8D98-62C6B6C9AF74}" type="slidenum">
               <a:t>7</a:t>
             </a:fld>
           </a:p>
@@ -17607,9 +17582,9 @@
         <p:txBody>
           <a:bodyPr/>
           <a:p>
-            <a:fld id="{4DEC21C6-C0D4-4489-A07D-84A535E431CD}" type="datetime1">
+            <a:fld id="{D83B6FFB-85F7-4C6A-9E72-59EA1D6C2EE7}" type="datetime1">
               <a:rPr lang="en-US"/>
-              <a:t>11/25/2022</a:t>
+              <a:t>11/26/2022</a:t>
             </a:fld>
           </a:p>
         </p:txBody>
@@ -17657,7 +17632,7 @@
         <p:spPr>
           <a:xfrm>
             <a:off x="457200" y="4152960"/>
-            <a:ext cx="6685560" cy="2304000"/>
+            <a:ext cx="6685200" cy="2303640"/>
           </a:xfrm>
           <a:prstGeom prst="rect">
             <a:avLst/>
@@ -17682,7 +17657,7 @@
         <p:spPr>
           <a:xfrm>
             <a:off x="0" y="0"/>
-            <a:ext cx="9142920" cy="763560"/>
+            <a:ext cx="9142560" cy="763200"/>
           </a:xfrm>
           <a:prstGeom prst="rect">
             <a:avLst/>
@@ -17741,7 +17716,7 @@
         <p:spPr>
           <a:xfrm>
             <a:off x="299520" y="1353600"/>
-            <a:ext cx="6415200" cy="2798640"/>
+            <a:ext cx="6414840" cy="2798280"/>
           </a:xfrm>
           <a:prstGeom prst="rect">
             <a:avLst/>
@@ -17964,7 +17939,7 @@
         <p:spPr>
           <a:xfrm>
             <a:off x="0" y="764640"/>
-            <a:ext cx="9142920" cy="358920"/>
+            <a:ext cx="9142560" cy="358560"/>
           </a:xfrm>
           <a:prstGeom prst="rect">
             <a:avLst/>
@@ -18030,7 +18005,7 @@
         <p:spPr>
           <a:xfrm>
             <a:off x="6867360" y="0"/>
-            <a:ext cx="2275560" cy="4951800"/>
+            <a:ext cx="2275200" cy="4951440"/>
           </a:xfrm>
           <a:prstGeom prst="rect">
             <a:avLst/>
@@ -18051,7 +18026,7 @@
         <p:spPr>
           <a:xfrm>
             <a:off x="6876360" y="1700640"/>
-            <a:ext cx="1438920" cy="430920"/>
+            <a:ext cx="1438560" cy="430560"/>
           </a:xfrm>
           <a:prstGeom prst="rect">
             <a:avLst/>
@@ -18092,7 +18067,7 @@
         <p:spPr>
           <a:xfrm>
             <a:off x="3276000" y="4250520"/>
-            <a:ext cx="5666400" cy="1656360"/>
+            <a:ext cx="5666040" cy="1656000"/>
           </a:xfrm>
           <a:prstGeom prst="rect">
             <a:avLst/>
@@ -18113,7 +18088,7 @@
         <p:spPr>
           <a:xfrm>
             <a:off x="457200" y="6153480"/>
-            <a:ext cx="6685560" cy="303480"/>
+            <a:ext cx="6685200" cy="303120"/>
           </a:xfrm>
           <a:prstGeom prst="rect">
             <a:avLst/>
@@ -18155,7 +18130,7 @@
         <p:txBody>
           <a:bodyPr/>
           <a:p>
-            <a:fld id="{DE585193-D34C-45C6-89C7-8AB748D1D04A}" type="slidenum">
+            <a:fld id="{ED97E3F1-90B2-4D52-AFED-1101B2293BE4}" type="slidenum">
               <a:t>8</a:t>
             </a:fld>
           </a:p>
@@ -18175,9 +18150,9 @@
         <p:txBody>
           <a:bodyPr/>
           <a:p>
-            <a:fld id="{EE3A21FF-D438-4B39-A307-7FB8BC186237}" type="datetime1">
+            <a:fld id="{E0D1C69F-593F-4572-A51F-C19A5CC3B1C3}" type="datetime1">
               <a:rPr lang="en-US"/>
-              <a:t>11/25/2022</a:t>
+              <a:t>11/26/2022</a:t>
             </a:fld>
           </a:p>
         </p:txBody>
@@ -18225,7 +18200,7 @@
         <p:spPr>
           <a:xfrm>
             <a:off x="0" y="2130480"/>
-            <a:ext cx="9142920" cy="1468800"/>
+            <a:ext cx="9142560" cy="1468440"/>
           </a:xfrm>
           <a:prstGeom prst="rect">
             <a:avLst/>
@@ -18276,7 +18251,7 @@
         <p:spPr>
           <a:xfrm>
             <a:off x="3924000" y="3639960"/>
-            <a:ext cx="991440" cy="943920"/>
+            <a:ext cx="991080" cy="943560"/>
           </a:xfrm>
           <a:prstGeom prst="rect">
             <a:avLst/>
@@ -18300,7 +18275,7 @@
         <p:txBody>
           <a:bodyPr/>
           <a:p>
-            <a:fld id="{22F3DDE4-CA7E-4245-A43B-308B61521E6D}" type="slidenum">
+            <a:fld id="{A8077C47-FDB7-41DF-9998-4C4D5CC40756}" type="slidenum">
               <a:t>9</a:t>
             </a:fld>
           </a:p>
@@ -18320,9 +18295,9 @@
         <p:txBody>
           <a:bodyPr/>
           <a:p>
-            <a:fld id="{27E113D3-BBD1-450A-9E35-08D0A2BA45F5}" type="datetime1">
+            <a:fld id="{46B55DF7-4563-4E7F-BB1A-483A8FF5C9B9}" type="datetime1">
               <a:rPr lang="en-US"/>
-              <a:t>11/25/2022</a:t>
+              <a:t>11/26/2022</a:t>
             </a:fld>
           </a:p>
         </p:txBody>
